--- a/lecture_notes/chapter5/chapter5.pptx
+++ b/lecture_notes/chapter5/chapter5.pptx
@@ -355,3910 +355,26 @@
 <file path=ppt/changesInfos/changesInfo1.xml><?xml version="1.0" encoding="utf-8"?>
 <pc:chgInfo xmlns:a="http://schemas.openxmlformats.org/drawingml/2006/main" xmlns:r="http://schemas.openxmlformats.org/officeDocument/2006/relationships" xmlns:ac="http://schemas.microsoft.com/office/drawing/2013/main/command" xmlns:pc="http://schemas.microsoft.com/office/powerpoint/2013/main/command">
   <pc:docChgLst>
-    <pc:chgData name="Toby Donaldson" userId="2e6e5431-bb17-4c41-9985-d39c50d83c73" providerId="ADAL" clId="{D9E01E68-3093-4328-BB93-1B8A087A0E58}"/>
-    <pc:docChg chg="undo custSel addSld delSld modSld sldOrd modSection">
-      <pc:chgData name="Toby Donaldson" userId="2e6e5431-bb17-4c41-9985-d39c50d83c73" providerId="ADAL" clId="{D9E01E68-3093-4328-BB93-1B8A087A0E58}" dt="2024-09-18T19:05:20.157" v="516" actId="1076"/>
-      <pc:docMkLst>
-        <pc:docMk/>
-      </pc:docMkLst>
-      <pc:sldChg chg="modTransition">
-        <pc:chgData name="Toby Donaldson" userId="2e6e5431-bb17-4c41-9985-d39c50d83c73" providerId="ADAL" clId="{D9E01E68-3093-4328-BB93-1B8A087A0E58}" dt="2024-09-18T18:26:50.507" v="1"/>
-        <pc:sldMkLst>
-          <pc:docMk/>
-          <pc:sldMk cId="3144938788" sldId="279"/>
-        </pc:sldMkLst>
-      </pc:sldChg>
-      <pc:sldChg chg="modTransition">
-        <pc:chgData name="Toby Donaldson" userId="2e6e5431-bb17-4c41-9985-d39c50d83c73" providerId="ADAL" clId="{D9E01E68-3093-4328-BB93-1B8A087A0E58}" dt="2024-09-18T18:26:50.507" v="1"/>
-        <pc:sldMkLst>
-          <pc:docMk/>
-          <pc:sldMk cId="1423446375" sldId="280"/>
-        </pc:sldMkLst>
-      </pc:sldChg>
-      <pc:sldChg chg="modTransition">
-        <pc:chgData name="Toby Donaldson" userId="2e6e5431-bb17-4c41-9985-d39c50d83c73" providerId="ADAL" clId="{D9E01E68-3093-4328-BB93-1B8A087A0E58}" dt="2024-09-18T18:26:50.507" v="1"/>
-        <pc:sldMkLst>
-          <pc:docMk/>
-          <pc:sldMk cId="4150615350" sldId="281"/>
-        </pc:sldMkLst>
-      </pc:sldChg>
-      <pc:sldChg chg="modTransition">
-        <pc:chgData name="Toby Donaldson" userId="2e6e5431-bb17-4c41-9985-d39c50d83c73" providerId="ADAL" clId="{D9E01E68-3093-4328-BB93-1B8A087A0E58}" dt="2024-09-18T18:26:50.507" v="1"/>
-        <pc:sldMkLst>
-          <pc:docMk/>
-          <pc:sldMk cId="3864837313" sldId="282"/>
-        </pc:sldMkLst>
-      </pc:sldChg>
-      <pc:sldChg chg="modSp mod">
-        <pc:chgData name="Toby Donaldson" userId="2e6e5431-bb17-4c41-9985-d39c50d83c73" providerId="ADAL" clId="{D9E01E68-3093-4328-BB93-1B8A087A0E58}" dt="2024-09-18T18:27:33.601" v="13" actId="20577"/>
-        <pc:sldMkLst>
-          <pc:docMk/>
-          <pc:sldMk cId="976387272" sldId="283"/>
-        </pc:sldMkLst>
-      </pc:sldChg>
-      <pc:sldChg chg="modTransition">
-        <pc:chgData name="Toby Donaldson" userId="2e6e5431-bb17-4c41-9985-d39c50d83c73" providerId="ADAL" clId="{D9E01E68-3093-4328-BB93-1B8A087A0E58}" dt="2024-09-18T18:26:50.507" v="1"/>
-        <pc:sldMkLst>
-          <pc:docMk/>
-          <pc:sldMk cId="899495814" sldId="284"/>
-        </pc:sldMkLst>
-      </pc:sldChg>
-      <pc:sldChg chg="modSp mod">
-        <pc:chgData name="Toby Donaldson" userId="2e6e5431-bb17-4c41-9985-d39c50d83c73" providerId="ADAL" clId="{D9E01E68-3093-4328-BB93-1B8A087A0E58}" dt="2024-09-18T18:27:25.303" v="9" actId="20577"/>
-        <pc:sldMkLst>
-          <pc:docMk/>
-          <pc:sldMk cId="3461707693" sldId="285"/>
-        </pc:sldMkLst>
-      </pc:sldChg>
-      <pc:sldChg chg="modSp mod">
-        <pc:chgData name="Toby Donaldson" userId="2e6e5431-bb17-4c41-9985-d39c50d83c73" providerId="ADAL" clId="{D9E01E68-3093-4328-BB93-1B8A087A0E58}" dt="2024-09-18T18:27:40.509" v="17" actId="20577"/>
-        <pc:sldMkLst>
-          <pc:docMk/>
-          <pc:sldMk cId="2835686456" sldId="287"/>
-        </pc:sldMkLst>
-      </pc:sldChg>
-      <pc:sldChg chg="modSp mod">
-        <pc:chgData name="Toby Donaldson" userId="2e6e5431-bb17-4c41-9985-d39c50d83c73" providerId="ADAL" clId="{D9E01E68-3093-4328-BB93-1B8A087A0E58}" dt="2024-09-18T18:27:45.927" v="21" actId="20577"/>
-        <pc:sldMkLst>
-          <pc:docMk/>
-          <pc:sldMk cId="3265458198" sldId="288"/>
-        </pc:sldMkLst>
-      </pc:sldChg>
-      <pc:sldChg chg="modSp mod">
-        <pc:chgData name="Toby Donaldson" userId="2e6e5431-bb17-4c41-9985-d39c50d83c73" providerId="ADAL" clId="{D9E01E68-3093-4328-BB93-1B8A087A0E58}" dt="2024-09-18T18:27:52.669" v="25" actId="20577"/>
-        <pc:sldMkLst>
-          <pc:docMk/>
-          <pc:sldMk cId="4208034066" sldId="289"/>
-        </pc:sldMkLst>
-      </pc:sldChg>
-      <pc:sldChg chg="modSp mod">
-        <pc:chgData name="Toby Donaldson" userId="2e6e5431-bb17-4c41-9985-d39c50d83c73" providerId="ADAL" clId="{D9E01E68-3093-4328-BB93-1B8A087A0E58}" dt="2024-09-18T18:27:58.461" v="29" actId="20577"/>
-        <pc:sldMkLst>
-          <pc:docMk/>
-          <pc:sldMk cId="3579788506" sldId="290"/>
-        </pc:sldMkLst>
-      </pc:sldChg>
-      <pc:sldChg chg="del">
-        <pc:chgData name="Toby Donaldson" userId="2e6e5431-bb17-4c41-9985-d39c50d83c73" providerId="ADAL" clId="{D9E01E68-3093-4328-BB93-1B8A087A0E58}" dt="2024-09-18T18:28:23.150" v="30" actId="2696"/>
-        <pc:sldMkLst>
-          <pc:docMk/>
-          <pc:sldMk cId="3287135454" sldId="292"/>
-        </pc:sldMkLst>
-      </pc:sldChg>
-      <pc:sldChg chg="delSp modSp mod">
-        <pc:chgData name="Toby Donaldson" userId="2e6e5431-bb17-4c41-9985-d39c50d83c73" providerId="ADAL" clId="{D9E01E68-3093-4328-BB93-1B8A087A0E58}" dt="2024-09-18T18:28:58.298" v="41" actId="20577"/>
-        <pc:sldMkLst>
-          <pc:docMk/>
-          <pc:sldMk cId="3231735434" sldId="293"/>
-        </pc:sldMkLst>
-      </pc:sldChg>
-      <pc:sldChg chg="modSp mod">
-        <pc:chgData name="Toby Donaldson" userId="2e6e5431-bb17-4c41-9985-d39c50d83c73" providerId="ADAL" clId="{D9E01E68-3093-4328-BB93-1B8A087A0E58}" dt="2024-09-18T18:31:20.286" v="90" actId="20577"/>
-        <pc:sldMkLst>
-          <pc:docMk/>
-          <pc:sldMk cId="3762144442" sldId="304"/>
-        </pc:sldMkLst>
-      </pc:sldChg>
-      <pc:sldChg chg="addSp delSp modSp mod">
-        <pc:chgData name="Toby Donaldson" userId="2e6e5431-bb17-4c41-9985-d39c50d83c73" providerId="ADAL" clId="{D9E01E68-3093-4328-BB93-1B8A087A0E58}" dt="2024-09-18T18:31:39.528" v="92"/>
-        <pc:sldMkLst>
-          <pc:docMk/>
-          <pc:sldMk cId="3098928990" sldId="305"/>
-        </pc:sldMkLst>
-      </pc:sldChg>
-      <pc:sldChg chg="addSp delSp modSp mod">
-        <pc:chgData name="Toby Donaldson" userId="2e6e5431-bb17-4c41-9985-d39c50d83c73" providerId="ADAL" clId="{D9E01E68-3093-4328-BB93-1B8A087A0E58}" dt="2024-09-18T18:32:47.435" v="99"/>
-        <pc:sldMkLst>
-          <pc:docMk/>
-          <pc:sldMk cId="2186739661" sldId="306"/>
-        </pc:sldMkLst>
-      </pc:sldChg>
-      <pc:sldChg chg="addSp delSp modSp mod">
-        <pc:chgData name="Toby Donaldson" userId="2e6e5431-bb17-4c41-9985-d39c50d83c73" providerId="ADAL" clId="{D9E01E68-3093-4328-BB93-1B8A087A0E58}" dt="2024-09-18T18:32:49.547" v="100"/>
-        <pc:sldMkLst>
-          <pc:docMk/>
-          <pc:sldMk cId="711128939" sldId="307"/>
-        </pc:sldMkLst>
-      </pc:sldChg>
-      <pc:sldChg chg="addSp delSp modSp mod">
-        <pc:chgData name="Toby Donaldson" userId="2e6e5431-bb17-4c41-9985-d39c50d83c73" providerId="ADAL" clId="{D9E01E68-3093-4328-BB93-1B8A087A0E58}" dt="2024-09-18T18:32:52.417" v="101"/>
-        <pc:sldMkLst>
-          <pc:docMk/>
-          <pc:sldMk cId="3381048815" sldId="308"/>
-        </pc:sldMkLst>
-      </pc:sldChg>
-      <pc:sldChg chg="modSp mod">
-        <pc:chgData name="Toby Donaldson" userId="2e6e5431-bb17-4c41-9985-d39c50d83c73" providerId="ADAL" clId="{D9E01E68-3093-4328-BB93-1B8A087A0E58}" dt="2024-09-18T19:03:55.309" v="395" actId="20577"/>
-        <pc:sldMkLst>
-          <pc:docMk/>
-          <pc:sldMk cId="2722314743" sldId="310"/>
-        </pc:sldMkLst>
-      </pc:sldChg>
-      <pc:sldChg chg="addSp delSp modSp del mod">
-        <pc:chgData name="Toby Donaldson" userId="2e6e5431-bb17-4c41-9985-d39c50d83c73" providerId="ADAL" clId="{D9E01E68-3093-4328-BB93-1B8A087A0E58}" dt="2024-09-18T18:39:42.827" v="185" actId="2696"/>
-        <pc:sldMkLst>
-          <pc:docMk/>
-          <pc:sldMk cId="1234247253" sldId="311"/>
-        </pc:sldMkLst>
-      </pc:sldChg>
-      <pc:sldChg chg="addSp delSp modSp del mod">
-        <pc:chgData name="Toby Donaldson" userId="2e6e5431-bb17-4c41-9985-d39c50d83c73" providerId="ADAL" clId="{D9E01E68-3093-4328-BB93-1B8A087A0E58}" dt="2024-09-18T18:39:46.809" v="186" actId="2696"/>
-        <pc:sldMkLst>
-          <pc:docMk/>
-          <pc:sldMk cId="2540764007" sldId="312"/>
-        </pc:sldMkLst>
-      </pc:sldChg>
-      <pc:sldChg chg="addSp delSp modSp del mod">
-        <pc:chgData name="Toby Donaldson" userId="2e6e5431-bb17-4c41-9985-d39c50d83c73" providerId="ADAL" clId="{D9E01E68-3093-4328-BB93-1B8A087A0E58}" dt="2024-09-18T18:39:50.212" v="187" actId="2696"/>
-        <pc:sldMkLst>
-          <pc:docMk/>
-          <pc:sldMk cId="280561526" sldId="314"/>
-        </pc:sldMkLst>
-      </pc:sldChg>
-      <pc:sldChg chg="addSp modSp del">
-        <pc:chgData name="Toby Donaldson" userId="2e6e5431-bb17-4c41-9985-d39c50d83c73" providerId="ADAL" clId="{D9E01E68-3093-4328-BB93-1B8A087A0E58}" dt="2024-09-18T18:40:32.508" v="192" actId="2696"/>
-        <pc:sldMkLst>
-          <pc:docMk/>
-          <pc:sldMk cId="988044877" sldId="315"/>
-        </pc:sldMkLst>
-      </pc:sldChg>
-      <pc:sldChg chg="add del">
-        <pc:chgData name="Toby Donaldson" userId="2e6e5431-bb17-4c41-9985-d39c50d83c73" providerId="ADAL" clId="{D9E01E68-3093-4328-BB93-1B8A087A0E58}" dt="2024-09-18T18:57:49.419" v="388" actId="2696"/>
-        <pc:sldMkLst>
-          <pc:docMk/>
-          <pc:sldMk cId="653152084" sldId="316"/>
-        </pc:sldMkLst>
-      </pc:sldChg>
-      <pc:sldChg chg="modSp add del mod">
-        <pc:chgData name="Toby Donaldson" userId="2e6e5431-bb17-4c41-9985-d39c50d83c73" providerId="ADAL" clId="{D9E01E68-3093-4328-BB93-1B8A087A0E58}" dt="2024-09-18T18:39:55.573" v="188" actId="2696"/>
-        <pc:sldMkLst>
-          <pc:docMk/>
-          <pc:sldMk cId="2086371819" sldId="316"/>
-        </pc:sldMkLst>
-      </pc:sldChg>
-      <pc:sldChg chg="addSp delSp modSp add mod">
-        <pc:chgData name="Toby Donaldson" userId="2e6e5431-bb17-4c41-9985-d39c50d83c73" providerId="ADAL" clId="{D9E01E68-3093-4328-BB93-1B8A087A0E58}" dt="2024-09-18T19:05:20.157" v="516" actId="1076"/>
-        <pc:sldMkLst>
-          <pc:docMk/>
-          <pc:sldMk cId="1963568937" sldId="317"/>
-        </pc:sldMkLst>
-      </pc:sldChg>
-      <pc:sldChg chg="modSp add mod">
-        <pc:chgData name="Toby Donaldson" userId="2e6e5431-bb17-4c41-9985-d39c50d83c73" providerId="ADAL" clId="{D9E01E68-3093-4328-BB93-1B8A087A0E58}" dt="2024-09-18T18:43:00.662" v="383" actId="20577"/>
-        <pc:sldMkLst>
-          <pc:docMk/>
-          <pc:sldMk cId="3184009082" sldId="318"/>
-        </pc:sldMkLst>
-      </pc:sldChg>
-      <pc:sldChg chg="modSp add mod ord">
-        <pc:chgData name="Toby Donaldson" userId="2e6e5431-bb17-4c41-9985-d39c50d83c73" providerId="ADAL" clId="{D9E01E68-3093-4328-BB93-1B8A087A0E58}" dt="2024-09-18T18:42:45.785" v="377"/>
-        <pc:sldMkLst>
-          <pc:docMk/>
-          <pc:sldMk cId="155828000" sldId="319"/>
-        </pc:sldMkLst>
-      </pc:sldChg>
-      <pc:sldChg chg="add">
-        <pc:chgData name="Toby Donaldson" userId="2e6e5431-bb17-4c41-9985-d39c50d83c73" providerId="ADAL" clId="{D9E01E68-3093-4328-BB93-1B8A087A0E58}" dt="2024-09-18T18:42:55.834" v="378" actId="2890"/>
-        <pc:sldMkLst>
-          <pc:docMk/>
-          <pc:sldMk cId="3885649669" sldId="320"/>
-        </pc:sldMkLst>
-      </pc:sldChg>
-      <pc:sldChg chg="add del">
-        <pc:chgData name="Toby Donaldson" userId="2e6e5431-bb17-4c41-9985-d39c50d83c73" providerId="ADAL" clId="{D9E01E68-3093-4328-BB93-1B8A087A0E58}" dt="2024-09-18T18:43:31.223" v="387" actId="2696"/>
-        <pc:sldMkLst>
-          <pc:docMk/>
-          <pc:sldMk cId="2938455959" sldId="321"/>
-        </pc:sldMkLst>
-      </pc:sldChg>
-      <pc:sldChg chg="add del">
-        <pc:chgData name="Toby Donaldson" userId="2e6e5431-bb17-4c41-9985-d39c50d83c73" providerId="ADAL" clId="{D9E01E68-3093-4328-BB93-1B8A087A0E58}" dt="2024-09-18T18:43:25.050" v="386" actId="2696"/>
-        <pc:sldMkLst>
-          <pc:docMk/>
-          <pc:sldMk cId="29597607" sldId="322"/>
-        </pc:sldMkLst>
-      </pc:sldChg>
-    </pc:docChg>
-  </pc:docChgLst>
-  <pc:docChgLst>
-    <pc:chgData name="Toby Donaldson" userId="2e6e5431-bb17-4c41-9985-d39c50d83c73" providerId="ADAL" clId="{A515520A-0FCD-486C-A2CC-7D014497B132}"/>
-    <pc:docChg chg="undo custSel addSld delSld modSld sldOrd">
-      <pc:chgData name="Toby Donaldson" userId="2e6e5431-bb17-4c41-9985-d39c50d83c73" providerId="ADAL" clId="{A515520A-0FCD-486C-A2CC-7D014497B132}" dt="2024-09-18T21:55:31.410" v="953"/>
-      <pc:docMkLst>
-        <pc:docMk/>
-      </pc:docMkLst>
-      <pc:sldChg chg="addSp modSp mod setBg">
-        <pc:chgData name="Toby Donaldson" userId="2e6e5431-bb17-4c41-9985-d39c50d83c73" providerId="ADAL" clId="{A515520A-0FCD-486C-A2CC-7D014497B132}" dt="2024-09-16T17:36:13.393" v="3" actId="14100"/>
-        <pc:sldMkLst>
-          <pc:docMk/>
-          <pc:sldMk cId="3113156551" sldId="256"/>
-        </pc:sldMkLst>
-      </pc:sldChg>
-      <pc:sldChg chg="addSp delSp modSp mod">
-        <pc:chgData name="Toby Donaldson" userId="2e6e5431-bb17-4c41-9985-d39c50d83c73" providerId="ADAL" clId="{A515520A-0FCD-486C-A2CC-7D014497B132}" dt="2024-09-16T17:44:41.567" v="26" actId="1076"/>
-        <pc:sldMkLst>
-          <pc:docMk/>
-          <pc:sldMk cId="1564174174" sldId="257"/>
-        </pc:sldMkLst>
-      </pc:sldChg>
-      <pc:sldChg chg="del">
-        <pc:chgData name="Toby Donaldson" userId="2e6e5431-bb17-4c41-9985-d39c50d83c73" providerId="ADAL" clId="{A515520A-0FCD-486C-A2CC-7D014497B132}" dt="2024-09-16T19:18:01.117" v="944" actId="2696"/>
-        <pc:sldMkLst>
-          <pc:docMk/>
-          <pc:sldMk cId="2049895442" sldId="258"/>
-        </pc:sldMkLst>
-      </pc:sldChg>
-      <pc:sldChg chg="addSp delSp modSp mod">
-        <pc:chgData name="Toby Donaldson" userId="2e6e5431-bb17-4c41-9985-d39c50d83c73" providerId="ADAL" clId="{A515520A-0FCD-486C-A2CC-7D014497B132}" dt="2024-09-18T21:55:31.410" v="953"/>
-        <pc:sldMkLst>
-          <pc:docMk/>
-          <pc:sldMk cId="2020498111" sldId="269"/>
-        </pc:sldMkLst>
-      </pc:sldChg>
-      <pc:sldChg chg="add">
-        <pc:chgData name="Toby Donaldson" userId="2e6e5431-bb17-4c41-9985-d39c50d83c73" providerId="ADAL" clId="{A515520A-0FCD-486C-A2CC-7D014497B132}" dt="2024-09-16T17:36:30.465" v="4" actId="2890"/>
-        <pc:sldMkLst>
-          <pc:docMk/>
-          <pc:sldMk cId="624584149" sldId="271"/>
-        </pc:sldMkLst>
-      </pc:sldChg>
-      <pc:sldChg chg="addSp delSp modSp add mod ord">
-        <pc:chgData name="Toby Donaldson" userId="2e6e5431-bb17-4c41-9985-d39c50d83c73" providerId="ADAL" clId="{A515520A-0FCD-486C-A2CC-7D014497B132}" dt="2024-09-16T19:04:42.992" v="941"/>
-        <pc:sldMkLst>
-          <pc:docMk/>
-          <pc:sldMk cId="2541733131" sldId="272"/>
-        </pc:sldMkLst>
-      </pc:sldChg>
-      <pc:sldChg chg="addSp delSp modSp add mod ord">
-        <pc:chgData name="Toby Donaldson" userId="2e6e5431-bb17-4c41-9985-d39c50d83c73" providerId="ADAL" clId="{A515520A-0FCD-486C-A2CC-7D014497B132}" dt="2024-09-16T19:04:53.403" v="943"/>
-        <pc:sldMkLst>
-          <pc:docMk/>
-          <pc:sldMk cId="354076809" sldId="273"/>
-        </pc:sldMkLst>
-      </pc:sldChg>
-      <pc:sldChg chg="addSp delSp modSp add mod ord">
-        <pc:chgData name="Toby Donaldson" userId="2e6e5431-bb17-4c41-9985-d39c50d83c73" providerId="ADAL" clId="{A515520A-0FCD-486C-A2CC-7D014497B132}" dt="2024-09-16T19:04:18.839" v="935"/>
-        <pc:sldMkLst>
-          <pc:docMk/>
-          <pc:sldMk cId="2168191691" sldId="274"/>
-        </pc:sldMkLst>
-      </pc:sldChg>
-      <pc:sldChg chg="addSp delSp modSp add mod ord">
-        <pc:chgData name="Toby Donaldson" userId="2e6e5431-bb17-4c41-9985-d39c50d83c73" providerId="ADAL" clId="{A515520A-0FCD-486C-A2CC-7D014497B132}" dt="2024-09-16T20:34:50.813" v="945" actId="1076"/>
-        <pc:sldMkLst>
-          <pc:docMk/>
-          <pc:sldMk cId="3624217243" sldId="275"/>
-        </pc:sldMkLst>
-      </pc:sldChg>
-      <pc:sldChg chg="addSp delSp modSp add mod">
-        <pc:chgData name="Toby Donaldson" userId="2e6e5431-bb17-4c41-9985-d39c50d83c73" providerId="ADAL" clId="{A515520A-0FCD-486C-A2CC-7D014497B132}" dt="2024-09-16T18:58:58.852" v="826" actId="33524"/>
-        <pc:sldMkLst>
-          <pc:docMk/>
-          <pc:sldMk cId="2165635234" sldId="276"/>
-        </pc:sldMkLst>
-      </pc:sldChg>
-      <pc:sldChg chg="addSp delSp modSp add mod ord">
-        <pc:chgData name="Toby Donaldson" userId="2e6e5431-bb17-4c41-9985-d39c50d83c73" providerId="ADAL" clId="{A515520A-0FCD-486C-A2CC-7D014497B132}" dt="2024-09-16T19:04:29.743" v="939"/>
-        <pc:sldMkLst>
-          <pc:docMk/>
-          <pc:sldMk cId="798263514" sldId="277"/>
-        </pc:sldMkLst>
-      </pc:sldChg>
-      <pc:sldChg chg="addSp">
-        <pc:chgData name="Toby Donaldson" userId="2e6e5431-bb17-4c41-9985-d39c50d83c73" providerId="ADAL" clId="{A515520A-0FCD-486C-A2CC-7D014497B132}" dt="2024-09-18T21:55:31.410" v="953"/>
-        <pc:sldMkLst>
-          <pc:docMk/>
-          <pc:sldMk cId="899495814" sldId="284"/>
-        </pc:sldMkLst>
-      </pc:sldChg>
-      <pc:sldChg chg="del">
-        <pc:chgData name="Toby Donaldson" userId="2e6e5431-bb17-4c41-9985-d39c50d83c73" providerId="ADAL" clId="{A515520A-0FCD-486C-A2CC-7D014497B132}" dt="2024-09-17T03:08:03.412" v="946" actId="2696"/>
-        <pc:sldMkLst>
-          <pc:docMk/>
-          <pc:sldMk cId="3414341889" sldId="286"/>
-        </pc:sldMkLst>
-      </pc:sldChg>
-      <pc:sldChg chg="addSp">
-        <pc:chgData name="Toby Donaldson" userId="2e6e5431-bb17-4c41-9985-d39c50d83c73" providerId="ADAL" clId="{A515520A-0FCD-486C-A2CC-7D014497B132}" dt="2024-09-18T21:55:31.410" v="953"/>
-        <pc:sldMkLst>
-          <pc:docMk/>
-          <pc:sldMk cId="302167807" sldId="299"/>
-        </pc:sldMkLst>
-      </pc:sldChg>
-      <pc:sldChg chg="addSp">
-        <pc:chgData name="Toby Donaldson" userId="2e6e5431-bb17-4c41-9985-d39c50d83c73" providerId="ADAL" clId="{A515520A-0FCD-486C-A2CC-7D014497B132}" dt="2024-09-18T21:55:31.410" v="953"/>
-        <pc:sldMkLst>
-          <pc:docMk/>
-          <pc:sldMk cId="711128939" sldId="307"/>
-        </pc:sldMkLst>
-      </pc:sldChg>
-      <pc:sldChg chg="addSp">
-        <pc:chgData name="Toby Donaldson" userId="2e6e5431-bb17-4c41-9985-d39c50d83c73" providerId="ADAL" clId="{A515520A-0FCD-486C-A2CC-7D014497B132}" dt="2024-09-18T21:55:31.410" v="953"/>
-        <pc:sldMkLst>
-          <pc:docMk/>
-          <pc:sldMk cId="2722314743" sldId="310"/>
-        </pc:sldMkLst>
-      </pc:sldChg>
-      <pc:sldChg chg="addSp">
-        <pc:chgData name="Toby Donaldson" userId="2e6e5431-bb17-4c41-9985-d39c50d83c73" providerId="ADAL" clId="{A515520A-0FCD-486C-A2CC-7D014497B132}" dt="2024-09-18T21:55:31.410" v="953"/>
-        <pc:sldMkLst>
-          <pc:docMk/>
-          <pc:sldMk cId="1963568937" sldId="317"/>
-        </pc:sldMkLst>
-      </pc:sldChg>
-      <pc:sldChg chg="addSp">
-        <pc:chgData name="Toby Donaldson" userId="2e6e5431-bb17-4c41-9985-d39c50d83c73" providerId="ADAL" clId="{A515520A-0FCD-486C-A2CC-7D014497B132}" dt="2024-09-18T21:55:31.410" v="953"/>
-        <pc:sldMkLst>
-          <pc:docMk/>
-          <pc:sldMk cId="3885649669" sldId="320"/>
-        </pc:sldMkLst>
-      </pc:sldChg>
-    </pc:docChg>
-  </pc:docChgLst>
-  <pc:docChgLst>
-    <pc:chgData name="Toby Donaldson" userId="2e6e5431-bb17-4c41-9985-d39c50d83c73" providerId="ADAL" clId="{F31BC264-820E-54C4-A6D1-F92AF9CC222E}"/>
-    <pc:docChg chg="undo custSel modSld">
-      <pc:chgData name="Toby Donaldson" userId="2e6e5431-bb17-4c41-9985-d39c50d83c73" providerId="ADAL" clId="{F31BC264-820E-54C4-A6D1-F92AF9CC222E}" dt="2025-10-15T22:00:48.474" v="22" actId="20577"/>
+    <pc:chgData name="Toby Donaldson" userId="2e6e5431-bb17-4c41-9985-d39c50d83c73" providerId="ADAL" clId="{7F9681A8-EEE2-56F4-9B39-ECCBEE0471AC}"/>
+    <pc:docChg chg="modSld">
+      <pc:chgData name="Toby Donaldson" userId="2e6e5431-bb17-4c41-9985-d39c50d83c73" providerId="ADAL" clId="{7F9681A8-EEE2-56F4-9B39-ECCBEE0471AC}" dt="2026-02-03T00:18:50.922" v="0" actId="207"/>
       <pc:docMkLst>
         <pc:docMk/>
       </pc:docMkLst>
       <pc:sldChg chg="modSp mod">
-        <pc:chgData name="Toby Donaldson" userId="2e6e5431-bb17-4c41-9985-d39c50d83c73" providerId="ADAL" clId="{F31BC264-820E-54C4-A6D1-F92AF9CC222E}" dt="2025-10-15T21:59:49.567" v="16" actId="20577"/>
-        <pc:sldMkLst>
-          <pc:docMk/>
-          <pc:sldMk cId="3113156551" sldId="256"/>
-        </pc:sldMkLst>
-        <pc:spChg chg="mod">
-          <ac:chgData name="Toby Donaldson" userId="2e6e5431-bb17-4c41-9985-d39c50d83c73" providerId="ADAL" clId="{F31BC264-820E-54C4-A6D1-F92AF9CC222E}" dt="2025-10-15T21:59:49.567" v="16" actId="20577"/>
-          <ac:spMkLst>
-            <pc:docMk/>
-            <pc:sldMk cId="3113156551" sldId="256"/>
-            <ac:spMk id="3" creationId="{467724C6-6D98-F980-728B-C2BA02D797F3}"/>
-          </ac:spMkLst>
-        </pc:spChg>
-      </pc:sldChg>
-      <pc:sldChg chg="delSp mod">
-        <pc:chgData name="Toby Donaldson" userId="2e6e5431-bb17-4c41-9985-d39c50d83c73" providerId="ADAL" clId="{F31BC264-820E-54C4-A6D1-F92AF9CC222E}" dt="2025-10-15T22:00:04.563" v="17" actId="33639"/>
-        <pc:sldMkLst>
-          <pc:docMk/>
-          <pc:sldMk cId="1531055308" sldId="318"/>
-        </pc:sldMkLst>
-        <pc:inkChg chg="del">
-          <ac:chgData name="Toby Donaldson" userId="2e6e5431-bb17-4c41-9985-d39c50d83c73" providerId="ADAL" clId="{F31BC264-820E-54C4-A6D1-F92AF9CC222E}" dt="2025-10-15T22:00:04.563" v="17" actId="33639"/>
-          <ac:inkMkLst>
-            <pc:docMk/>
-            <pc:sldMk cId="1531055308" sldId="318"/>
-            <ac:inkMk id="6" creationId="{25E98D81-CE7E-A4B5-C205-C4BAC258A0A6}"/>
-          </ac:inkMkLst>
-        </pc:inkChg>
-      </pc:sldChg>
-      <pc:sldChg chg="delSp mod">
-        <pc:chgData name="Toby Donaldson" userId="2e6e5431-bb17-4c41-9985-d39c50d83c73" providerId="ADAL" clId="{F31BC264-820E-54C4-A6D1-F92AF9CC222E}" dt="2025-10-15T22:00:04.563" v="17" actId="33639"/>
-        <pc:sldMkLst>
-          <pc:docMk/>
-          <pc:sldMk cId="4273788612" sldId="319"/>
-        </pc:sldMkLst>
-        <pc:inkChg chg="del">
-          <ac:chgData name="Toby Donaldson" userId="2e6e5431-bb17-4c41-9985-d39c50d83c73" providerId="ADAL" clId="{F31BC264-820E-54C4-A6D1-F92AF9CC222E}" dt="2025-10-15T22:00:04.563" v="17" actId="33639"/>
-          <ac:inkMkLst>
-            <pc:docMk/>
-            <pc:sldMk cId="4273788612" sldId="319"/>
-            <ac:inkMk id="6" creationId="{9B50C3B2-59AA-F22B-83DE-7E3694D3D674}"/>
-          </ac:inkMkLst>
-        </pc:inkChg>
-      </pc:sldChg>
-      <pc:sldChg chg="delSp mod">
-        <pc:chgData name="Toby Donaldson" userId="2e6e5431-bb17-4c41-9985-d39c50d83c73" providerId="ADAL" clId="{F31BC264-820E-54C4-A6D1-F92AF9CC222E}" dt="2025-10-15T22:00:04.563" v="17" actId="33639"/>
-        <pc:sldMkLst>
-          <pc:docMk/>
-          <pc:sldMk cId="2942349654" sldId="320"/>
-        </pc:sldMkLst>
-        <pc:inkChg chg="del">
-          <ac:chgData name="Toby Donaldson" userId="2e6e5431-bb17-4c41-9985-d39c50d83c73" providerId="ADAL" clId="{F31BC264-820E-54C4-A6D1-F92AF9CC222E}" dt="2025-10-15T22:00:04.563" v="17" actId="33639"/>
-          <ac:inkMkLst>
-            <pc:docMk/>
-            <pc:sldMk cId="2942349654" sldId="320"/>
-            <ac:inkMk id="6" creationId="{79A6BB48-F62C-52A3-3D84-5DEFBE378F06}"/>
-          </ac:inkMkLst>
-        </pc:inkChg>
-      </pc:sldChg>
-      <pc:sldChg chg="delSp mod">
-        <pc:chgData name="Toby Donaldson" userId="2e6e5431-bb17-4c41-9985-d39c50d83c73" providerId="ADAL" clId="{F31BC264-820E-54C4-A6D1-F92AF9CC222E}" dt="2025-10-15T22:00:04.563" v="17" actId="33639"/>
-        <pc:sldMkLst>
-          <pc:docMk/>
-          <pc:sldMk cId="3803866199" sldId="321"/>
-        </pc:sldMkLst>
-        <pc:inkChg chg="del">
-          <ac:chgData name="Toby Donaldson" userId="2e6e5431-bb17-4c41-9985-d39c50d83c73" providerId="ADAL" clId="{F31BC264-820E-54C4-A6D1-F92AF9CC222E}" dt="2025-10-15T22:00:04.563" v="17" actId="33639"/>
-          <ac:inkMkLst>
-            <pc:docMk/>
-            <pc:sldMk cId="3803866199" sldId="321"/>
-            <ac:inkMk id="6" creationId="{89191B04-2B5E-43EC-7418-621FECC7DDFA}"/>
-          </ac:inkMkLst>
-        </pc:inkChg>
-      </pc:sldChg>
-      <pc:sldChg chg="delSp mod">
-        <pc:chgData name="Toby Donaldson" userId="2e6e5431-bb17-4c41-9985-d39c50d83c73" providerId="ADAL" clId="{F31BC264-820E-54C4-A6D1-F92AF9CC222E}" dt="2025-10-15T22:00:04.563" v="17" actId="33639"/>
-        <pc:sldMkLst>
-          <pc:docMk/>
-          <pc:sldMk cId="3735376480" sldId="322"/>
-        </pc:sldMkLst>
-        <pc:inkChg chg="del">
-          <ac:chgData name="Toby Donaldson" userId="2e6e5431-bb17-4c41-9985-d39c50d83c73" providerId="ADAL" clId="{F31BC264-820E-54C4-A6D1-F92AF9CC222E}" dt="2025-10-15T22:00:04.563" v="17" actId="33639"/>
-          <ac:inkMkLst>
-            <pc:docMk/>
-            <pc:sldMk cId="3735376480" sldId="322"/>
-            <ac:inkMk id="6" creationId="{20865574-3D83-3BDC-21FA-DC04C65066E1}"/>
-          </ac:inkMkLst>
-        </pc:inkChg>
-      </pc:sldChg>
-      <pc:sldChg chg="delSp mod">
-        <pc:chgData name="Toby Donaldson" userId="2e6e5431-bb17-4c41-9985-d39c50d83c73" providerId="ADAL" clId="{F31BC264-820E-54C4-A6D1-F92AF9CC222E}" dt="2025-10-15T22:00:04.563" v="17" actId="33639"/>
-        <pc:sldMkLst>
-          <pc:docMk/>
-          <pc:sldMk cId="2878214079" sldId="323"/>
-        </pc:sldMkLst>
-        <pc:inkChg chg="del">
-          <ac:chgData name="Toby Donaldson" userId="2e6e5431-bb17-4c41-9985-d39c50d83c73" providerId="ADAL" clId="{F31BC264-820E-54C4-A6D1-F92AF9CC222E}" dt="2025-10-15T22:00:04.563" v="17" actId="33639"/>
-          <ac:inkMkLst>
-            <pc:docMk/>
-            <pc:sldMk cId="2878214079" sldId="323"/>
-            <ac:inkMk id="6" creationId="{8AC791E7-2D43-E460-FC38-DD4FBEE76500}"/>
-          </ac:inkMkLst>
-        </pc:inkChg>
-      </pc:sldChg>
-      <pc:sldChg chg="delSp mod">
-        <pc:chgData name="Toby Donaldson" userId="2e6e5431-bb17-4c41-9985-d39c50d83c73" providerId="ADAL" clId="{F31BC264-820E-54C4-A6D1-F92AF9CC222E}" dt="2025-10-15T22:00:04.563" v="17" actId="33639"/>
-        <pc:sldMkLst>
-          <pc:docMk/>
-          <pc:sldMk cId="3212215102" sldId="324"/>
-        </pc:sldMkLst>
-        <pc:inkChg chg="del">
-          <ac:chgData name="Toby Donaldson" userId="2e6e5431-bb17-4c41-9985-d39c50d83c73" providerId="ADAL" clId="{F31BC264-820E-54C4-A6D1-F92AF9CC222E}" dt="2025-10-15T22:00:04.563" v="17" actId="33639"/>
-          <ac:inkMkLst>
-            <pc:docMk/>
-            <pc:sldMk cId="3212215102" sldId="324"/>
-            <ac:inkMk id="7" creationId="{706987D0-FA12-A897-C5C3-756F6DACCF1A}"/>
-          </ac:inkMkLst>
-        </pc:inkChg>
-      </pc:sldChg>
-      <pc:sldChg chg="delSp mod">
-        <pc:chgData name="Toby Donaldson" userId="2e6e5431-bb17-4c41-9985-d39c50d83c73" providerId="ADAL" clId="{F31BC264-820E-54C4-A6D1-F92AF9CC222E}" dt="2025-10-15T22:00:04.563" v="17" actId="33639"/>
-        <pc:sldMkLst>
-          <pc:docMk/>
-          <pc:sldMk cId="3902963989" sldId="325"/>
-        </pc:sldMkLst>
-        <pc:inkChg chg="del">
-          <ac:chgData name="Toby Donaldson" userId="2e6e5431-bb17-4c41-9985-d39c50d83c73" providerId="ADAL" clId="{F31BC264-820E-54C4-A6D1-F92AF9CC222E}" dt="2025-10-15T22:00:04.563" v="17" actId="33639"/>
-          <ac:inkMkLst>
-            <pc:docMk/>
-            <pc:sldMk cId="3902963989" sldId="325"/>
-            <ac:inkMk id="7" creationId="{AD16EFF3-01F7-B400-66B2-9D3E6FCA4D51}"/>
-          </ac:inkMkLst>
-        </pc:inkChg>
-      </pc:sldChg>
-      <pc:sldChg chg="delSp mod">
-        <pc:chgData name="Toby Donaldson" userId="2e6e5431-bb17-4c41-9985-d39c50d83c73" providerId="ADAL" clId="{F31BC264-820E-54C4-A6D1-F92AF9CC222E}" dt="2025-10-15T22:00:04.563" v="17" actId="33639"/>
-        <pc:sldMkLst>
-          <pc:docMk/>
-          <pc:sldMk cId="3995934686" sldId="326"/>
-        </pc:sldMkLst>
-        <pc:inkChg chg="del">
-          <ac:chgData name="Toby Donaldson" userId="2e6e5431-bb17-4c41-9985-d39c50d83c73" providerId="ADAL" clId="{F31BC264-820E-54C4-A6D1-F92AF9CC222E}" dt="2025-10-15T22:00:04.563" v="17" actId="33639"/>
-          <ac:inkMkLst>
-            <pc:docMk/>
-            <pc:sldMk cId="3995934686" sldId="326"/>
-            <ac:inkMk id="5" creationId="{13027082-3DBE-4577-591A-1AF58DE2DA1C}"/>
-          </ac:inkMkLst>
-        </pc:inkChg>
-      </pc:sldChg>
-      <pc:sldChg chg="delSp mod">
-        <pc:chgData name="Toby Donaldson" userId="2e6e5431-bb17-4c41-9985-d39c50d83c73" providerId="ADAL" clId="{F31BC264-820E-54C4-A6D1-F92AF9CC222E}" dt="2025-10-15T22:00:04.563" v="17" actId="33639"/>
-        <pc:sldMkLst>
-          <pc:docMk/>
-          <pc:sldMk cId="3331836019" sldId="327"/>
-        </pc:sldMkLst>
-        <pc:inkChg chg="del">
-          <ac:chgData name="Toby Donaldson" userId="2e6e5431-bb17-4c41-9985-d39c50d83c73" providerId="ADAL" clId="{F31BC264-820E-54C4-A6D1-F92AF9CC222E}" dt="2025-10-15T22:00:04.563" v="17" actId="33639"/>
-          <ac:inkMkLst>
-            <pc:docMk/>
-            <pc:sldMk cId="3331836019" sldId="327"/>
-            <ac:inkMk id="6" creationId="{DD9C2D52-F489-02A4-71F0-5607A10800BE}"/>
-          </ac:inkMkLst>
-        </pc:inkChg>
-      </pc:sldChg>
-      <pc:sldChg chg="delSp mod">
-        <pc:chgData name="Toby Donaldson" userId="2e6e5431-bb17-4c41-9985-d39c50d83c73" providerId="ADAL" clId="{F31BC264-820E-54C4-A6D1-F92AF9CC222E}" dt="2025-10-15T22:00:04.563" v="17" actId="33639"/>
-        <pc:sldMkLst>
-          <pc:docMk/>
-          <pc:sldMk cId="3488065849" sldId="328"/>
-        </pc:sldMkLst>
-        <pc:inkChg chg="del">
-          <ac:chgData name="Toby Donaldson" userId="2e6e5431-bb17-4c41-9985-d39c50d83c73" providerId="ADAL" clId="{F31BC264-820E-54C4-A6D1-F92AF9CC222E}" dt="2025-10-15T22:00:04.563" v="17" actId="33639"/>
-          <ac:inkMkLst>
-            <pc:docMk/>
-            <pc:sldMk cId="3488065849" sldId="328"/>
-            <ac:inkMk id="6" creationId="{B9510BFD-5A2F-092F-B8D9-8B5BCC4A6104}"/>
-          </ac:inkMkLst>
-        </pc:inkChg>
-      </pc:sldChg>
-      <pc:sldChg chg="delSp mod">
-        <pc:chgData name="Toby Donaldson" userId="2e6e5431-bb17-4c41-9985-d39c50d83c73" providerId="ADAL" clId="{F31BC264-820E-54C4-A6D1-F92AF9CC222E}" dt="2025-10-15T22:00:04.563" v="17" actId="33639"/>
-        <pc:sldMkLst>
-          <pc:docMk/>
-          <pc:sldMk cId="2059733870" sldId="329"/>
-        </pc:sldMkLst>
-        <pc:inkChg chg="del">
-          <ac:chgData name="Toby Donaldson" userId="2e6e5431-bb17-4c41-9985-d39c50d83c73" providerId="ADAL" clId="{F31BC264-820E-54C4-A6D1-F92AF9CC222E}" dt="2025-10-15T22:00:04.563" v="17" actId="33639"/>
-          <ac:inkMkLst>
-            <pc:docMk/>
-            <pc:sldMk cId="2059733870" sldId="329"/>
-            <ac:inkMk id="6" creationId="{30268DC7-87D4-367E-F9A9-5295814FCA9E}"/>
-          </ac:inkMkLst>
-        </pc:inkChg>
-      </pc:sldChg>
-      <pc:sldChg chg="delSp mod">
-        <pc:chgData name="Toby Donaldson" userId="2e6e5431-bb17-4c41-9985-d39c50d83c73" providerId="ADAL" clId="{F31BC264-820E-54C4-A6D1-F92AF9CC222E}" dt="2025-10-15T22:00:04.563" v="17" actId="33639"/>
-        <pc:sldMkLst>
-          <pc:docMk/>
-          <pc:sldMk cId="3107842778" sldId="331"/>
-        </pc:sldMkLst>
-        <pc:inkChg chg="del">
-          <ac:chgData name="Toby Donaldson" userId="2e6e5431-bb17-4c41-9985-d39c50d83c73" providerId="ADAL" clId="{F31BC264-820E-54C4-A6D1-F92AF9CC222E}" dt="2025-10-15T22:00:04.563" v="17" actId="33639"/>
-          <ac:inkMkLst>
-            <pc:docMk/>
-            <pc:sldMk cId="3107842778" sldId="331"/>
-            <ac:inkMk id="6" creationId="{A796AEE3-B948-7636-681A-5512F8A3E2D4}"/>
-          </ac:inkMkLst>
-        </pc:inkChg>
-      </pc:sldChg>
-      <pc:sldChg chg="delSp mod">
-        <pc:chgData name="Toby Donaldson" userId="2e6e5431-bb17-4c41-9985-d39c50d83c73" providerId="ADAL" clId="{F31BC264-820E-54C4-A6D1-F92AF9CC222E}" dt="2025-10-15T22:00:04.563" v="17" actId="33639"/>
-        <pc:sldMkLst>
-          <pc:docMk/>
-          <pc:sldMk cId="4071468877" sldId="333"/>
-        </pc:sldMkLst>
-        <pc:inkChg chg="del">
-          <ac:chgData name="Toby Donaldson" userId="2e6e5431-bb17-4c41-9985-d39c50d83c73" providerId="ADAL" clId="{F31BC264-820E-54C4-A6D1-F92AF9CC222E}" dt="2025-10-15T22:00:04.563" v="17" actId="33639"/>
-          <ac:inkMkLst>
-            <pc:docMk/>
-            <pc:sldMk cId="4071468877" sldId="333"/>
-            <ac:inkMk id="5" creationId="{2BDB59AB-F900-2060-F379-AF9BDE99BDD7}"/>
-          </ac:inkMkLst>
-        </pc:inkChg>
-      </pc:sldChg>
-      <pc:sldChg chg="delSp mod">
-        <pc:chgData name="Toby Donaldson" userId="2e6e5431-bb17-4c41-9985-d39c50d83c73" providerId="ADAL" clId="{F31BC264-820E-54C4-A6D1-F92AF9CC222E}" dt="2025-10-15T22:00:04.563" v="17" actId="33639"/>
-        <pc:sldMkLst>
-          <pc:docMk/>
-          <pc:sldMk cId="3885508006" sldId="334"/>
-        </pc:sldMkLst>
-        <pc:inkChg chg="del">
-          <ac:chgData name="Toby Donaldson" userId="2e6e5431-bb17-4c41-9985-d39c50d83c73" providerId="ADAL" clId="{F31BC264-820E-54C4-A6D1-F92AF9CC222E}" dt="2025-10-15T22:00:04.563" v="17" actId="33639"/>
-          <ac:inkMkLst>
-            <pc:docMk/>
-            <pc:sldMk cId="3885508006" sldId="334"/>
-            <ac:inkMk id="5" creationId="{98D987D3-AE6A-709F-D635-4F944BFA5C00}"/>
-          </ac:inkMkLst>
-        </pc:inkChg>
-      </pc:sldChg>
-      <pc:sldChg chg="delSp mod">
-        <pc:chgData name="Toby Donaldson" userId="2e6e5431-bb17-4c41-9985-d39c50d83c73" providerId="ADAL" clId="{F31BC264-820E-54C4-A6D1-F92AF9CC222E}" dt="2025-10-15T22:00:04.563" v="17" actId="33639"/>
-        <pc:sldMkLst>
-          <pc:docMk/>
-          <pc:sldMk cId="1720491985" sldId="335"/>
-        </pc:sldMkLst>
-        <pc:inkChg chg="del">
-          <ac:chgData name="Toby Donaldson" userId="2e6e5431-bb17-4c41-9985-d39c50d83c73" providerId="ADAL" clId="{F31BC264-820E-54C4-A6D1-F92AF9CC222E}" dt="2025-10-15T22:00:04.563" v="17" actId="33639"/>
-          <ac:inkMkLst>
-            <pc:docMk/>
-            <pc:sldMk cId="1720491985" sldId="335"/>
-            <ac:inkMk id="3" creationId="{5510E876-39FE-3263-4BE7-BBA3F80A6E74}"/>
-          </ac:inkMkLst>
-        </pc:inkChg>
-      </pc:sldChg>
-      <pc:sldChg chg="delSp mod">
-        <pc:chgData name="Toby Donaldson" userId="2e6e5431-bb17-4c41-9985-d39c50d83c73" providerId="ADAL" clId="{F31BC264-820E-54C4-A6D1-F92AF9CC222E}" dt="2025-10-15T22:00:04.563" v="17" actId="33639"/>
-        <pc:sldMkLst>
-          <pc:docMk/>
-          <pc:sldMk cId="1702262640" sldId="336"/>
-        </pc:sldMkLst>
-        <pc:inkChg chg="del">
-          <ac:chgData name="Toby Donaldson" userId="2e6e5431-bb17-4c41-9985-d39c50d83c73" providerId="ADAL" clId="{F31BC264-820E-54C4-A6D1-F92AF9CC222E}" dt="2025-10-15T22:00:04.563" v="17" actId="33639"/>
-          <ac:inkMkLst>
-            <pc:docMk/>
-            <pc:sldMk cId="1702262640" sldId="336"/>
-            <ac:inkMk id="6" creationId="{CD613A15-F904-83A5-2411-C35145849E9F}"/>
-          </ac:inkMkLst>
-        </pc:inkChg>
-      </pc:sldChg>
-      <pc:sldChg chg="delSp mod">
-        <pc:chgData name="Toby Donaldson" userId="2e6e5431-bb17-4c41-9985-d39c50d83c73" providerId="ADAL" clId="{F31BC264-820E-54C4-A6D1-F92AF9CC222E}" dt="2025-10-15T22:00:04.563" v="17" actId="33639"/>
-        <pc:sldMkLst>
-          <pc:docMk/>
-          <pc:sldMk cId="4014983717" sldId="341"/>
-        </pc:sldMkLst>
-        <pc:inkChg chg="del">
-          <ac:chgData name="Toby Donaldson" userId="2e6e5431-bb17-4c41-9985-d39c50d83c73" providerId="ADAL" clId="{F31BC264-820E-54C4-A6D1-F92AF9CC222E}" dt="2025-10-15T22:00:04.563" v="17" actId="33639"/>
-          <ac:inkMkLst>
-            <pc:docMk/>
-            <pc:sldMk cId="4014983717" sldId="341"/>
-            <ac:inkMk id="6" creationId="{D1A33E41-567F-4BC7-978B-91FEAD58559B}"/>
-          </ac:inkMkLst>
-        </pc:inkChg>
-      </pc:sldChg>
-      <pc:sldChg chg="delSp mod">
-        <pc:chgData name="Toby Donaldson" userId="2e6e5431-bb17-4c41-9985-d39c50d83c73" providerId="ADAL" clId="{F31BC264-820E-54C4-A6D1-F92AF9CC222E}" dt="2025-10-15T22:00:04.563" v="17" actId="33639"/>
-        <pc:sldMkLst>
-          <pc:docMk/>
-          <pc:sldMk cId="3285907966" sldId="343"/>
-        </pc:sldMkLst>
-        <pc:inkChg chg="del">
-          <ac:chgData name="Toby Donaldson" userId="2e6e5431-bb17-4c41-9985-d39c50d83c73" providerId="ADAL" clId="{F31BC264-820E-54C4-A6D1-F92AF9CC222E}" dt="2025-10-15T22:00:04.563" v="17" actId="33639"/>
-          <ac:inkMkLst>
-            <pc:docMk/>
-            <pc:sldMk cId="3285907966" sldId="343"/>
-            <ac:inkMk id="5" creationId="{EC165328-C5C5-536F-936E-2031BCABD64A}"/>
-          </ac:inkMkLst>
-        </pc:inkChg>
-      </pc:sldChg>
-      <pc:sldChg chg="delSp mod">
-        <pc:chgData name="Toby Donaldson" userId="2e6e5431-bb17-4c41-9985-d39c50d83c73" providerId="ADAL" clId="{F31BC264-820E-54C4-A6D1-F92AF9CC222E}" dt="2025-10-15T22:00:04.563" v="17" actId="33639"/>
-        <pc:sldMkLst>
-          <pc:docMk/>
-          <pc:sldMk cId="1214199312" sldId="349"/>
-        </pc:sldMkLst>
-        <pc:inkChg chg="del">
-          <ac:chgData name="Toby Donaldson" userId="2e6e5431-bb17-4c41-9985-d39c50d83c73" providerId="ADAL" clId="{F31BC264-820E-54C4-A6D1-F92AF9CC222E}" dt="2025-10-15T22:00:04.563" v="17" actId="33639"/>
-          <ac:inkMkLst>
-            <pc:docMk/>
-            <pc:sldMk cId="1214199312" sldId="349"/>
-            <ac:inkMk id="3" creationId="{00FEEC6A-B15C-EDCC-5640-5AEC8B480A48}"/>
-          </ac:inkMkLst>
-        </pc:inkChg>
-      </pc:sldChg>
-      <pc:sldChg chg="delSp mod">
-        <pc:chgData name="Toby Donaldson" userId="2e6e5431-bb17-4c41-9985-d39c50d83c73" providerId="ADAL" clId="{F31BC264-820E-54C4-A6D1-F92AF9CC222E}" dt="2025-10-15T22:00:04.563" v="17" actId="33639"/>
-        <pc:sldMkLst>
-          <pc:docMk/>
-          <pc:sldMk cId="479954462" sldId="359"/>
-        </pc:sldMkLst>
-        <pc:inkChg chg="del">
-          <ac:chgData name="Toby Donaldson" userId="2e6e5431-bb17-4c41-9985-d39c50d83c73" providerId="ADAL" clId="{F31BC264-820E-54C4-A6D1-F92AF9CC222E}" dt="2025-10-15T22:00:04.563" v="17" actId="33639"/>
-          <ac:inkMkLst>
-            <pc:docMk/>
-            <pc:sldMk cId="479954462" sldId="359"/>
-            <ac:inkMk id="3" creationId="{E36D53A4-F67D-51C0-4D71-940A6241F904}"/>
-          </ac:inkMkLst>
-        </pc:inkChg>
-      </pc:sldChg>
-      <pc:sldChg chg="delSp mod">
-        <pc:chgData name="Toby Donaldson" userId="2e6e5431-bb17-4c41-9985-d39c50d83c73" providerId="ADAL" clId="{F31BC264-820E-54C4-A6D1-F92AF9CC222E}" dt="2025-10-15T22:00:04.563" v="17" actId="33639"/>
-        <pc:sldMkLst>
-          <pc:docMk/>
-          <pc:sldMk cId="876541978" sldId="362"/>
-        </pc:sldMkLst>
-        <pc:inkChg chg="del">
-          <ac:chgData name="Toby Donaldson" userId="2e6e5431-bb17-4c41-9985-d39c50d83c73" providerId="ADAL" clId="{F31BC264-820E-54C4-A6D1-F92AF9CC222E}" dt="2025-10-15T22:00:04.563" v="17" actId="33639"/>
-          <ac:inkMkLst>
-            <pc:docMk/>
-            <pc:sldMk cId="876541978" sldId="362"/>
-            <ac:inkMk id="9" creationId="{41117C1C-391F-366E-0CCC-EA2B9AC0ACC9}"/>
-          </ac:inkMkLst>
-        </pc:inkChg>
-      </pc:sldChg>
-      <pc:sldChg chg="delSp mod">
-        <pc:chgData name="Toby Donaldson" userId="2e6e5431-bb17-4c41-9985-d39c50d83c73" providerId="ADAL" clId="{F31BC264-820E-54C4-A6D1-F92AF9CC222E}" dt="2025-10-15T22:00:04.563" v="17" actId="33639"/>
-        <pc:sldMkLst>
-          <pc:docMk/>
-          <pc:sldMk cId="1998224056" sldId="363"/>
-        </pc:sldMkLst>
-        <pc:inkChg chg="del">
-          <ac:chgData name="Toby Donaldson" userId="2e6e5431-bb17-4c41-9985-d39c50d83c73" providerId="ADAL" clId="{F31BC264-820E-54C4-A6D1-F92AF9CC222E}" dt="2025-10-15T22:00:04.563" v="17" actId="33639"/>
-          <ac:inkMkLst>
-            <pc:docMk/>
-            <pc:sldMk cId="1998224056" sldId="363"/>
-            <ac:inkMk id="3" creationId="{359E8E71-E41E-440B-BE64-F7EDEB7AE98B}"/>
-          </ac:inkMkLst>
-        </pc:inkChg>
-        <pc:inkChg chg="del">
-          <ac:chgData name="Toby Donaldson" userId="2e6e5431-bb17-4c41-9985-d39c50d83c73" providerId="ADAL" clId="{F31BC264-820E-54C4-A6D1-F92AF9CC222E}" dt="2025-10-15T22:00:04.563" v="17" actId="33639"/>
-          <ac:inkMkLst>
-            <pc:docMk/>
-            <pc:sldMk cId="1998224056" sldId="363"/>
-            <ac:inkMk id="5" creationId="{EE26C75E-A8FB-CD14-4161-91DFC928541B}"/>
-          </ac:inkMkLst>
-        </pc:inkChg>
-      </pc:sldChg>
-      <pc:sldChg chg="delSp mod">
-        <pc:chgData name="Toby Donaldson" userId="2e6e5431-bb17-4c41-9985-d39c50d83c73" providerId="ADAL" clId="{F31BC264-820E-54C4-A6D1-F92AF9CC222E}" dt="2025-10-15T22:00:04.563" v="17" actId="33639"/>
-        <pc:sldMkLst>
-          <pc:docMk/>
-          <pc:sldMk cId="3292605436" sldId="366"/>
-        </pc:sldMkLst>
-        <pc:inkChg chg="del">
-          <ac:chgData name="Toby Donaldson" userId="2e6e5431-bb17-4c41-9985-d39c50d83c73" providerId="ADAL" clId="{F31BC264-820E-54C4-A6D1-F92AF9CC222E}" dt="2025-10-15T22:00:04.563" v="17" actId="33639"/>
-          <ac:inkMkLst>
-            <pc:docMk/>
-            <pc:sldMk cId="3292605436" sldId="366"/>
-            <ac:inkMk id="3" creationId="{8C5209E4-A7F3-988E-F5A6-8169574B23AE}"/>
-          </ac:inkMkLst>
-        </pc:inkChg>
-      </pc:sldChg>
-      <pc:sldChg chg="delSp mod">
-        <pc:chgData name="Toby Donaldson" userId="2e6e5431-bb17-4c41-9985-d39c50d83c73" providerId="ADAL" clId="{F31BC264-820E-54C4-A6D1-F92AF9CC222E}" dt="2025-10-15T22:00:04.563" v="17" actId="33639"/>
-        <pc:sldMkLst>
-          <pc:docMk/>
-          <pc:sldMk cId="1877160746" sldId="370"/>
-        </pc:sldMkLst>
-        <pc:inkChg chg="del">
-          <ac:chgData name="Toby Donaldson" userId="2e6e5431-bb17-4c41-9985-d39c50d83c73" providerId="ADAL" clId="{F31BC264-820E-54C4-A6D1-F92AF9CC222E}" dt="2025-10-15T22:00:04.563" v="17" actId="33639"/>
-          <ac:inkMkLst>
-            <pc:docMk/>
-            <pc:sldMk cId="1877160746" sldId="370"/>
-            <ac:inkMk id="3" creationId="{F17E9641-85E6-DD20-2317-F871A5883757}"/>
-          </ac:inkMkLst>
-        </pc:inkChg>
-      </pc:sldChg>
-      <pc:sldChg chg="delSp mod">
-        <pc:chgData name="Toby Donaldson" userId="2e6e5431-bb17-4c41-9985-d39c50d83c73" providerId="ADAL" clId="{F31BC264-820E-54C4-A6D1-F92AF9CC222E}" dt="2025-10-15T22:00:04.563" v="17" actId="33639"/>
-        <pc:sldMkLst>
-          <pc:docMk/>
-          <pc:sldMk cId="3159336100" sldId="371"/>
-        </pc:sldMkLst>
-        <pc:inkChg chg="del">
-          <ac:chgData name="Toby Donaldson" userId="2e6e5431-bb17-4c41-9985-d39c50d83c73" providerId="ADAL" clId="{F31BC264-820E-54C4-A6D1-F92AF9CC222E}" dt="2025-10-15T22:00:04.563" v="17" actId="33639"/>
-          <ac:inkMkLst>
-            <pc:docMk/>
-            <pc:sldMk cId="3159336100" sldId="371"/>
-            <ac:inkMk id="11" creationId="{E7CB2633-B4E7-04AB-1473-D68E4FFB64B1}"/>
-          </ac:inkMkLst>
-        </pc:inkChg>
-      </pc:sldChg>
-      <pc:sldChg chg="delSp mod">
-        <pc:chgData name="Toby Donaldson" userId="2e6e5431-bb17-4c41-9985-d39c50d83c73" providerId="ADAL" clId="{F31BC264-820E-54C4-A6D1-F92AF9CC222E}" dt="2025-10-15T22:00:04.563" v="17" actId="33639"/>
-        <pc:sldMkLst>
-          <pc:docMk/>
-          <pc:sldMk cId="2270743596" sldId="373"/>
-        </pc:sldMkLst>
-        <pc:inkChg chg="del">
-          <ac:chgData name="Toby Donaldson" userId="2e6e5431-bb17-4c41-9985-d39c50d83c73" providerId="ADAL" clId="{F31BC264-820E-54C4-A6D1-F92AF9CC222E}" dt="2025-10-15T22:00:04.563" v="17" actId="33639"/>
-          <ac:inkMkLst>
-            <pc:docMk/>
-            <pc:sldMk cId="2270743596" sldId="373"/>
-            <ac:inkMk id="6" creationId="{22BFFF30-6B58-A98E-54E9-C1C3A2B6700E}"/>
-          </ac:inkMkLst>
-        </pc:inkChg>
-      </pc:sldChg>
-      <pc:sldChg chg="delSp mod">
-        <pc:chgData name="Toby Donaldson" userId="2e6e5431-bb17-4c41-9985-d39c50d83c73" providerId="ADAL" clId="{F31BC264-820E-54C4-A6D1-F92AF9CC222E}" dt="2025-10-15T22:00:04.563" v="17" actId="33639"/>
-        <pc:sldMkLst>
-          <pc:docMk/>
-          <pc:sldMk cId="692975195" sldId="374"/>
-        </pc:sldMkLst>
-        <pc:inkChg chg="del">
-          <ac:chgData name="Toby Donaldson" userId="2e6e5431-bb17-4c41-9985-d39c50d83c73" providerId="ADAL" clId="{F31BC264-820E-54C4-A6D1-F92AF9CC222E}" dt="2025-10-15T22:00:04.563" v="17" actId="33639"/>
-          <ac:inkMkLst>
-            <pc:docMk/>
-            <pc:sldMk cId="692975195" sldId="374"/>
-            <ac:inkMk id="3" creationId="{ED0C2210-FA21-A6CF-7A3E-DCD0037ED068}"/>
-          </ac:inkMkLst>
-        </pc:inkChg>
-      </pc:sldChg>
-      <pc:sldChg chg="delSp mod">
-        <pc:chgData name="Toby Donaldson" userId="2e6e5431-bb17-4c41-9985-d39c50d83c73" providerId="ADAL" clId="{F31BC264-820E-54C4-A6D1-F92AF9CC222E}" dt="2025-10-15T22:00:04.563" v="17" actId="33639"/>
-        <pc:sldMkLst>
-          <pc:docMk/>
-          <pc:sldMk cId="710564396" sldId="377"/>
-        </pc:sldMkLst>
-        <pc:inkChg chg="del">
-          <ac:chgData name="Toby Donaldson" userId="2e6e5431-bb17-4c41-9985-d39c50d83c73" providerId="ADAL" clId="{F31BC264-820E-54C4-A6D1-F92AF9CC222E}" dt="2025-10-15T22:00:04.563" v="17" actId="33639"/>
-          <ac:inkMkLst>
-            <pc:docMk/>
-            <pc:sldMk cId="710564396" sldId="377"/>
-            <ac:inkMk id="5" creationId="{787C17A5-9ACA-D030-947B-FDBE223CCC67}"/>
-          </ac:inkMkLst>
-        </pc:inkChg>
-      </pc:sldChg>
-      <pc:sldChg chg="delSp mod">
-        <pc:chgData name="Toby Donaldson" userId="2e6e5431-bb17-4c41-9985-d39c50d83c73" providerId="ADAL" clId="{F31BC264-820E-54C4-A6D1-F92AF9CC222E}" dt="2025-10-15T22:00:04.563" v="17" actId="33639"/>
-        <pc:sldMkLst>
-          <pc:docMk/>
-          <pc:sldMk cId="1310001430" sldId="378"/>
-        </pc:sldMkLst>
-        <pc:inkChg chg="del">
-          <ac:chgData name="Toby Donaldson" userId="2e6e5431-bb17-4c41-9985-d39c50d83c73" providerId="ADAL" clId="{F31BC264-820E-54C4-A6D1-F92AF9CC222E}" dt="2025-10-15T22:00:04.563" v="17" actId="33639"/>
-          <ac:inkMkLst>
-            <pc:docMk/>
-            <pc:sldMk cId="1310001430" sldId="378"/>
-            <ac:inkMk id="3" creationId="{FA145EB7-E091-518E-7B4C-EC134AD89C44}"/>
-          </ac:inkMkLst>
-        </pc:inkChg>
-      </pc:sldChg>
-      <pc:sldChg chg="delSp mod">
-        <pc:chgData name="Toby Donaldson" userId="2e6e5431-bb17-4c41-9985-d39c50d83c73" providerId="ADAL" clId="{F31BC264-820E-54C4-A6D1-F92AF9CC222E}" dt="2025-10-15T22:00:04.563" v="17" actId="33639"/>
-        <pc:sldMkLst>
-          <pc:docMk/>
-          <pc:sldMk cId="1519189130" sldId="380"/>
-        </pc:sldMkLst>
-        <pc:inkChg chg="del">
-          <ac:chgData name="Toby Donaldson" userId="2e6e5431-bb17-4c41-9985-d39c50d83c73" providerId="ADAL" clId="{F31BC264-820E-54C4-A6D1-F92AF9CC222E}" dt="2025-10-15T22:00:04.563" v="17" actId="33639"/>
-          <ac:inkMkLst>
-            <pc:docMk/>
-            <pc:sldMk cId="1519189130" sldId="380"/>
-            <ac:inkMk id="3" creationId="{2723B584-0839-B996-EF22-26A13D13093D}"/>
-          </ac:inkMkLst>
-        </pc:inkChg>
-      </pc:sldChg>
-      <pc:sldChg chg="delSp mod">
-        <pc:chgData name="Toby Donaldson" userId="2e6e5431-bb17-4c41-9985-d39c50d83c73" providerId="ADAL" clId="{F31BC264-820E-54C4-A6D1-F92AF9CC222E}" dt="2025-10-15T22:00:04.563" v="17" actId="33639"/>
-        <pc:sldMkLst>
-          <pc:docMk/>
-          <pc:sldMk cId="44120911" sldId="382"/>
-        </pc:sldMkLst>
-        <pc:inkChg chg="del">
-          <ac:chgData name="Toby Donaldson" userId="2e6e5431-bb17-4c41-9985-d39c50d83c73" providerId="ADAL" clId="{F31BC264-820E-54C4-A6D1-F92AF9CC222E}" dt="2025-10-15T22:00:04.563" v="17" actId="33639"/>
-          <ac:inkMkLst>
-            <pc:docMk/>
-            <pc:sldMk cId="44120911" sldId="382"/>
-            <ac:inkMk id="3" creationId="{D21113F1-A6FF-4F10-992E-1ECDECFDC004}"/>
-          </ac:inkMkLst>
-        </pc:inkChg>
-      </pc:sldChg>
-      <pc:sldChg chg="delSp mod">
-        <pc:chgData name="Toby Donaldson" userId="2e6e5431-bb17-4c41-9985-d39c50d83c73" providerId="ADAL" clId="{F31BC264-820E-54C4-A6D1-F92AF9CC222E}" dt="2025-10-15T22:00:04.563" v="17" actId="33639"/>
-        <pc:sldMkLst>
-          <pc:docMk/>
-          <pc:sldMk cId="4182207593" sldId="383"/>
-        </pc:sldMkLst>
-        <pc:inkChg chg="del">
-          <ac:chgData name="Toby Donaldson" userId="2e6e5431-bb17-4c41-9985-d39c50d83c73" providerId="ADAL" clId="{F31BC264-820E-54C4-A6D1-F92AF9CC222E}" dt="2025-10-15T22:00:04.563" v="17" actId="33639"/>
-          <ac:inkMkLst>
-            <pc:docMk/>
-            <pc:sldMk cId="4182207593" sldId="383"/>
-            <ac:inkMk id="3" creationId="{1E54FE23-F60A-DF52-35E4-F2C98455D7AB}"/>
-          </ac:inkMkLst>
-        </pc:inkChg>
-      </pc:sldChg>
-      <pc:sldChg chg="modSp mod">
-        <pc:chgData name="Toby Donaldson" userId="2e6e5431-bb17-4c41-9985-d39c50d83c73" providerId="ADAL" clId="{F31BC264-820E-54C4-A6D1-F92AF9CC222E}" dt="2025-10-15T22:00:48.474" v="22" actId="20577"/>
-        <pc:sldMkLst>
-          <pc:docMk/>
-          <pc:sldMk cId="3158190651" sldId="389"/>
-        </pc:sldMkLst>
-        <pc:spChg chg="mod">
-          <ac:chgData name="Toby Donaldson" userId="2e6e5431-bb17-4c41-9985-d39c50d83c73" providerId="ADAL" clId="{F31BC264-820E-54C4-A6D1-F92AF9CC222E}" dt="2025-10-15T22:00:48.474" v="22" actId="20577"/>
-          <ac:spMkLst>
-            <pc:docMk/>
-            <pc:sldMk cId="3158190651" sldId="389"/>
-            <ac:spMk id="3" creationId="{78D2AB64-2B1A-2034-1DD2-792391A1DC5C}"/>
-          </ac:spMkLst>
-        </pc:spChg>
-      </pc:sldChg>
-      <pc:sldChg chg="delSp mod">
-        <pc:chgData name="Toby Donaldson" userId="2e6e5431-bb17-4c41-9985-d39c50d83c73" providerId="ADAL" clId="{F31BC264-820E-54C4-A6D1-F92AF9CC222E}" dt="2025-10-15T22:00:04.563" v="17" actId="33639"/>
-        <pc:sldMkLst>
-          <pc:docMk/>
-          <pc:sldMk cId="684983360" sldId="390"/>
-        </pc:sldMkLst>
-        <pc:inkChg chg="del">
-          <ac:chgData name="Toby Donaldson" userId="2e6e5431-bb17-4c41-9985-d39c50d83c73" providerId="ADAL" clId="{F31BC264-820E-54C4-A6D1-F92AF9CC222E}" dt="2025-10-15T22:00:04.563" v="17" actId="33639"/>
-          <ac:inkMkLst>
-            <pc:docMk/>
-            <pc:sldMk cId="684983360" sldId="390"/>
-            <ac:inkMk id="5" creationId="{BB2E6C8E-DE38-396F-DC17-3CB05C8E9871}"/>
-          </ac:inkMkLst>
-        </pc:inkChg>
-      </pc:sldChg>
-      <pc:sldChg chg="delSp mod">
-        <pc:chgData name="Toby Donaldson" userId="2e6e5431-bb17-4c41-9985-d39c50d83c73" providerId="ADAL" clId="{F31BC264-820E-54C4-A6D1-F92AF9CC222E}" dt="2025-10-15T22:00:04.563" v="17" actId="33639"/>
-        <pc:sldMkLst>
-          <pc:docMk/>
-          <pc:sldMk cId="3215829657" sldId="397"/>
-        </pc:sldMkLst>
-        <pc:inkChg chg="del">
-          <ac:chgData name="Toby Donaldson" userId="2e6e5431-bb17-4c41-9985-d39c50d83c73" providerId="ADAL" clId="{F31BC264-820E-54C4-A6D1-F92AF9CC222E}" dt="2025-10-15T22:00:04.563" v="17" actId="33639"/>
-          <ac:inkMkLst>
-            <pc:docMk/>
-            <pc:sldMk cId="3215829657" sldId="397"/>
-            <ac:inkMk id="21" creationId="{D8F94164-5860-C253-788D-1CEE549B76DB}"/>
-          </ac:inkMkLst>
-        </pc:inkChg>
-      </pc:sldChg>
-    </pc:docChg>
-  </pc:docChgLst>
-  <pc:docChgLst>
-    <pc:chgData name="Toby Donaldson" userId="2e6e5431-bb17-4c41-9985-d39c50d83c73" providerId="ADAL" clId="{C82E8F90-E1A5-440F-8A6F-42A74C6A7282}"/>
-    <pc:docChg chg="undo custSel addSld modSld sldOrd modSection modNotesMaster">
-      <pc:chgData name="Toby Donaldson" userId="2e6e5431-bb17-4c41-9985-d39c50d83c73" providerId="ADAL" clId="{C82E8F90-E1A5-440F-8A6F-42A74C6A7282}" dt="2024-09-23T22:34:42.469" v="503"/>
-      <pc:docMkLst>
-        <pc:docMk/>
-      </pc:docMkLst>
-      <pc:sldChg chg="modSp mod">
-        <pc:chgData name="Toby Donaldson" userId="2e6e5431-bb17-4c41-9985-d39c50d83c73" providerId="ADAL" clId="{C82E8F90-E1A5-440F-8A6F-42A74C6A7282}" dt="2024-09-23T20:55:47.049" v="502" actId="20577"/>
-        <pc:sldMkLst>
-          <pc:docMk/>
-          <pc:sldMk cId="3113156551" sldId="256"/>
-        </pc:sldMkLst>
-      </pc:sldChg>
-      <pc:sldChg chg="addSp">
-        <pc:chgData name="Toby Donaldson" userId="2e6e5431-bb17-4c41-9985-d39c50d83c73" providerId="ADAL" clId="{C82E8F90-E1A5-440F-8A6F-42A74C6A7282}" dt="2024-09-23T22:34:42.469" v="503"/>
-        <pc:sldMkLst>
-          <pc:docMk/>
-          <pc:sldMk cId="3119060891" sldId="299"/>
-        </pc:sldMkLst>
-      </pc:sldChg>
-      <pc:sldChg chg="addSp">
-        <pc:chgData name="Toby Donaldson" userId="2e6e5431-bb17-4c41-9985-d39c50d83c73" providerId="ADAL" clId="{C82E8F90-E1A5-440F-8A6F-42A74C6A7282}" dt="2024-09-23T22:34:42.469" v="503"/>
-        <pc:sldMkLst>
-          <pc:docMk/>
-          <pc:sldMk cId="1732205588" sldId="302"/>
-        </pc:sldMkLst>
-      </pc:sldChg>
-      <pc:sldChg chg="addSp">
-        <pc:chgData name="Toby Donaldson" userId="2e6e5431-bb17-4c41-9985-d39c50d83c73" providerId="ADAL" clId="{C82E8F90-E1A5-440F-8A6F-42A74C6A7282}" dt="2024-09-23T22:34:42.469" v="503"/>
-        <pc:sldMkLst>
-          <pc:docMk/>
-          <pc:sldMk cId="4097905578" sldId="303"/>
-        </pc:sldMkLst>
-      </pc:sldChg>
-      <pc:sldChg chg="addSp">
-        <pc:chgData name="Toby Donaldson" userId="2e6e5431-bb17-4c41-9985-d39c50d83c73" providerId="ADAL" clId="{C82E8F90-E1A5-440F-8A6F-42A74C6A7282}" dt="2024-09-23T22:34:42.469" v="503"/>
-        <pc:sldMkLst>
-          <pc:docMk/>
-          <pc:sldMk cId="3573607454" sldId="306"/>
-        </pc:sldMkLst>
-      </pc:sldChg>
-      <pc:sldChg chg="addSp">
-        <pc:chgData name="Toby Donaldson" userId="2e6e5431-bb17-4c41-9985-d39c50d83c73" providerId="ADAL" clId="{C82E8F90-E1A5-440F-8A6F-42A74C6A7282}" dt="2024-09-23T22:34:42.469" v="503"/>
-        <pc:sldMkLst>
-          <pc:docMk/>
-          <pc:sldMk cId="2872453283" sldId="307"/>
-        </pc:sldMkLst>
-      </pc:sldChg>
-      <pc:sldChg chg="addSp">
-        <pc:chgData name="Toby Donaldson" userId="2e6e5431-bb17-4c41-9985-d39c50d83c73" providerId="ADAL" clId="{C82E8F90-E1A5-440F-8A6F-42A74C6A7282}" dt="2024-09-23T22:34:42.469" v="503"/>
-        <pc:sldMkLst>
-          <pc:docMk/>
-          <pc:sldMk cId="1882997732" sldId="310"/>
-        </pc:sldMkLst>
-      </pc:sldChg>
-      <pc:sldChg chg="addSp">
-        <pc:chgData name="Toby Donaldson" userId="2e6e5431-bb17-4c41-9985-d39c50d83c73" providerId="ADAL" clId="{C82E8F90-E1A5-440F-8A6F-42A74C6A7282}" dt="2024-09-23T22:34:42.469" v="503"/>
-        <pc:sldMkLst>
-          <pc:docMk/>
-          <pc:sldMk cId="3944662364" sldId="311"/>
-        </pc:sldMkLst>
-      </pc:sldChg>
-      <pc:sldChg chg="addSp">
-        <pc:chgData name="Toby Donaldson" userId="2e6e5431-bb17-4c41-9985-d39c50d83c73" providerId="ADAL" clId="{C82E8F90-E1A5-440F-8A6F-42A74C6A7282}" dt="2024-09-23T22:34:42.469" v="503"/>
-        <pc:sldMkLst>
-          <pc:docMk/>
-          <pc:sldMk cId="2209025065" sldId="312"/>
-        </pc:sldMkLst>
-      </pc:sldChg>
-      <pc:sldChg chg="addSp">
-        <pc:chgData name="Toby Donaldson" userId="2e6e5431-bb17-4c41-9985-d39c50d83c73" providerId="ADAL" clId="{C82E8F90-E1A5-440F-8A6F-42A74C6A7282}" dt="2024-09-23T22:34:42.469" v="503"/>
-        <pc:sldMkLst>
-          <pc:docMk/>
-          <pc:sldMk cId="2701333559" sldId="313"/>
-        </pc:sldMkLst>
-      </pc:sldChg>
-      <pc:sldChg chg="addSp">
-        <pc:chgData name="Toby Donaldson" userId="2e6e5431-bb17-4c41-9985-d39c50d83c73" providerId="ADAL" clId="{C82E8F90-E1A5-440F-8A6F-42A74C6A7282}" dt="2024-09-23T22:34:42.469" v="503"/>
-        <pc:sldMkLst>
-          <pc:docMk/>
-          <pc:sldMk cId="3461131009" sldId="314"/>
-        </pc:sldMkLst>
-      </pc:sldChg>
-      <pc:sldChg chg="addSp">
-        <pc:chgData name="Toby Donaldson" userId="2e6e5431-bb17-4c41-9985-d39c50d83c73" providerId="ADAL" clId="{C82E8F90-E1A5-440F-8A6F-42A74C6A7282}" dt="2024-09-23T22:34:42.469" v="503"/>
-        <pc:sldMkLst>
-          <pc:docMk/>
-          <pc:sldMk cId="2266552019" sldId="315"/>
-        </pc:sldMkLst>
-      </pc:sldChg>
-      <pc:sldChg chg="addSp">
-        <pc:chgData name="Toby Donaldson" userId="2e6e5431-bb17-4c41-9985-d39c50d83c73" providerId="ADAL" clId="{C82E8F90-E1A5-440F-8A6F-42A74C6A7282}" dt="2024-09-23T22:34:42.469" v="503"/>
-        <pc:sldMkLst>
-          <pc:docMk/>
-          <pc:sldMk cId="3858326061" sldId="316"/>
-        </pc:sldMkLst>
-      </pc:sldChg>
-      <pc:sldChg chg="addSp">
-        <pc:chgData name="Toby Donaldson" userId="2e6e5431-bb17-4c41-9985-d39c50d83c73" providerId="ADAL" clId="{C82E8F90-E1A5-440F-8A6F-42A74C6A7282}" dt="2024-09-23T22:34:42.469" v="503"/>
-        <pc:sldMkLst>
-          <pc:docMk/>
-          <pc:sldMk cId="3248521206" sldId="317"/>
-        </pc:sldMkLst>
-      </pc:sldChg>
-      <pc:sldChg chg="addSp">
-        <pc:chgData name="Toby Donaldson" userId="2e6e5431-bb17-4c41-9985-d39c50d83c73" providerId="ADAL" clId="{C82E8F90-E1A5-440F-8A6F-42A74C6A7282}" dt="2024-09-23T22:34:42.469" v="503"/>
-        <pc:sldMkLst>
-          <pc:docMk/>
-          <pc:sldMk cId="288943026" sldId="320"/>
-        </pc:sldMkLst>
-      </pc:sldChg>
-      <pc:sldChg chg="addSp">
-        <pc:chgData name="Toby Donaldson" userId="2e6e5431-bb17-4c41-9985-d39c50d83c73" providerId="ADAL" clId="{C82E8F90-E1A5-440F-8A6F-42A74C6A7282}" dt="2024-09-23T22:34:42.469" v="503"/>
-        <pc:sldMkLst>
-          <pc:docMk/>
-          <pc:sldMk cId="2215848448" sldId="325"/>
-        </pc:sldMkLst>
-      </pc:sldChg>
-      <pc:sldChg chg="addSp">
-        <pc:chgData name="Toby Donaldson" userId="2e6e5431-bb17-4c41-9985-d39c50d83c73" providerId="ADAL" clId="{C82E8F90-E1A5-440F-8A6F-42A74C6A7282}" dt="2024-09-23T22:34:42.469" v="503"/>
-        <pc:sldMkLst>
-          <pc:docMk/>
-          <pc:sldMk cId="3076077529" sldId="329"/>
-        </pc:sldMkLst>
-      </pc:sldChg>
-      <pc:sldChg chg="addSp">
-        <pc:chgData name="Toby Donaldson" userId="2e6e5431-bb17-4c41-9985-d39c50d83c73" providerId="ADAL" clId="{C82E8F90-E1A5-440F-8A6F-42A74C6A7282}" dt="2024-09-23T22:34:42.469" v="503"/>
-        <pc:sldMkLst>
-          <pc:docMk/>
-          <pc:sldMk cId="2618373808" sldId="334"/>
-        </pc:sldMkLst>
-      </pc:sldChg>
-      <pc:sldChg chg="addSp">
-        <pc:chgData name="Toby Donaldson" userId="2e6e5431-bb17-4c41-9985-d39c50d83c73" providerId="ADAL" clId="{C82E8F90-E1A5-440F-8A6F-42A74C6A7282}" dt="2024-09-23T22:34:42.469" v="503"/>
-        <pc:sldMkLst>
-          <pc:docMk/>
-          <pc:sldMk cId="1424474129" sldId="336"/>
-        </pc:sldMkLst>
-      </pc:sldChg>
-      <pc:sldChg chg="addSp modSp add mod">
-        <pc:chgData name="Toby Donaldson" userId="2e6e5431-bb17-4c41-9985-d39c50d83c73" providerId="ADAL" clId="{C82E8F90-E1A5-440F-8A6F-42A74C6A7282}" dt="2024-09-23T20:27:29.091" v="34" actId="1076"/>
-        <pc:sldMkLst>
-          <pc:docMk/>
-          <pc:sldMk cId="1310673805" sldId="339"/>
-        </pc:sldMkLst>
-      </pc:sldChg>
-      <pc:sldChg chg="addSp delSp modSp add mod ord">
-        <pc:chgData name="Toby Donaldson" userId="2e6e5431-bb17-4c41-9985-d39c50d83c73" providerId="ADAL" clId="{C82E8F90-E1A5-440F-8A6F-42A74C6A7282}" dt="2024-09-23T22:34:42.469" v="503"/>
-        <pc:sldMkLst>
-          <pc:docMk/>
-          <pc:sldMk cId="2203291535" sldId="340"/>
-        </pc:sldMkLst>
-      </pc:sldChg>
-      <pc:sldChg chg="addSp modSp add mod">
-        <pc:chgData name="Toby Donaldson" userId="2e6e5431-bb17-4c41-9985-d39c50d83c73" providerId="ADAL" clId="{C82E8F90-E1A5-440F-8A6F-42A74C6A7282}" dt="2024-09-23T22:34:42.469" v="503"/>
-        <pc:sldMkLst>
-          <pc:docMk/>
-          <pc:sldMk cId="3386612823" sldId="341"/>
-        </pc:sldMkLst>
-      </pc:sldChg>
-      <pc:sldChg chg="modSp add mod">
-        <pc:chgData name="Toby Donaldson" userId="2e6e5431-bb17-4c41-9985-d39c50d83c73" providerId="ADAL" clId="{C82E8F90-E1A5-440F-8A6F-42A74C6A7282}" dt="2024-09-23T20:50:48.314" v="340" actId="208"/>
-        <pc:sldMkLst>
-          <pc:docMk/>
-          <pc:sldMk cId="1534370893" sldId="342"/>
-        </pc:sldMkLst>
-      </pc:sldChg>
-      <pc:sldChg chg="addSp delSp modSp add mod">
-        <pc:chgData name="Toby Donaldson" userId="2e6e5431-bb17-4c41-9985-d39c50d83c73" providerId="ADAL" clId="{C82E8F90-E1A5-440F-8A6F-42A74C6A7282}" dt="2024-09-23T22:34:42.469" v="503"/>
-        <pc:sldMkLst>
-          <pc:docMk/>
-          <pc:sldMk cId="1866605820" sldId="343"/>
-        </pc:sldMkLst>
-      </pc:sldChg>
-      <pc:sldChg chg="addSp delSp modSp add mod">
-        <pc:chgData name="Toby Donaldson" userId="2e6e5431-bb17-4c41-9985-d39c50d83c73" providerId="ADAL" clId="{C82E8F90-E1A5-440F-8A6F-42A74C6A7282}" dt="2024-09-23T22:34:42.469" v="503"/>
-        <pc:sldMkLst>
-          <pc:docMk/>
-          <pc:sldMk cId="3473259547" sldId="344"/>
-        </pc:sldMkLst>
-      </pc:sldChg>
-      <pc:sldChg chg="addSp add">
-        <pc:chgData name="Toby Donaldson" userId="2e6e5431-bb17-4c41-9985-d39c50d83c73" providerId="ADAL" clId="{C82E8F90-E1A5-440F-8A6F-42A74C6A7282}" dt="2024-09-23T22:34:42.469" v="503"/>
-        <pc:sldMkLst>
-          <pc:docMk/>
-          <pc:sldMk cId="3515138058" sldId="345"/>
-        </pc:sldMkLst>
-      </pc:sldChg>
-    </pc:docChg>
-  </pc:docChgLst>
-  <pc:docChgLst>
-    <pc:chgData name="Toby Donaldson" userId="2e6e5431-bb17-4c41-9985-d39c50d83c73" providerId="ADAL" clId="{0DEFDA1C-3182-411E-9AE9-5C0C0C65F9DA}"/>
-    <pc:docChg chg="undo custSel addSld delSld modSld addSection modSection">
-      <pc:chgData name="Toby Donaldson" userId="2e6e5431-bb17-4c41-9985-d39c50d83c73" providerId="ADAL" clId="{0DEFDA1C-3182-411E-9AE9-5C0C0C65F9DA}" dt="2024-10-09T16:56:58.379" v="2355" actId="20577"/>
-      <pc:docMkLst>
-        <pc:docMk/>
-      </pc:docMkLst>
-      <pc:sldChg chg="modSp mod">
-        <pc:chgData name="Toby Donaldson" userId="2e6e5431-bb17-4c41-9985-d39c50d83c73" providerId="ADAL" clId="{0DEFDA1C-3182-411E-9AE9-5C0C0C65F9DA}" dt="2024-10-07T06:07:52.318" v="2088" actId="2711"/>
-        <pc:sldMkLst>
-          <pc:docMk/>
-          <pc:sldMk cId="689492062" sldId="348"/>
-        </pc:sldMkLst>
-      </pc:sldChg>
-      <pc:sldChg chg="modSp mod">
-        <pc:chgData name="Toby Donaldson" userId="2e6e5431-bb17-4c41-9985-d39c50d83c73" providerId="ADAL" clId="{0DEFDA1C-3182-411E-9AE9-5C0C0C65F9DA}" dt="2024-10-07T06:08:02.556" v="2089" actId="2711"/>
-        <pc:sldMkLst>
-          <pc:docMk/>
-          <pc:sldMk cId="1214199312" sldId="349"/>
-        </pc:sldMkLst>
-      </pc:sldChg>
-      <pc:sldChg chg="addSp modSp mod">
-        <pc:chgData name="Toby Donaldson" userId="2e6e5431-bb17-4c41-9985-d39c50d83c73" providerId="ADAL" clId="{0DEFDA1C-3182-411E-9AE9-5C0C0C65F9DA}" dt="2024-10-07T06:09:44.791" v="2173" actId="20577"/>
-        <pc:sldMkLst>
-          <pc:docMk/>
-          <pc:sldMk cId="1723111724" sldId="357"/>
-        </pc:sldMkLst>
-      </pc:sldChg>
-      <pc:sldChg chg="addSp delSp modSp mod">
-        <pc:chgData name="Toby Donaldson" userId="2e6e5431-bb17-4c41-9985-d39c50d83c73" providerId="ADAL" clId="{0DEFDA1C-3182-411E-9AE9-5C0C0C65F9DA}" dt="2024-10-07T05:59:36.122" v="1957" actId="21"/>
-        <pc:sldMkLst>
-          <pc:docMk/>
-          <pc:sldMk cId="479954462" sldId="359"/>
-        </pc:sldMkLst>
-      </pc:sldChg>
-      <pc:sldChg chg="addSp delSp modSp mod">
-        <pc:chgData name="Toby Donaldson" userId="2e6e5431-bb17-4c41-9985-d39c50d83c73" providerId="ADAL" clId="{0DEFDA1C-3182-411E-9AE9-5C0C0C65F9DA}" dt="2024-10-07T06:13:35.269" v="2328" actId="1076"/>
-        <pc:sldMkLst>
-          <pc:docMk/>
-          <pc:sldMk cId="1494824162" sldId="361"/>
-        </pc:sldMkLst>
-      </pc:sldChg>
-      <pc:sldChg chg="addSp modSp mod">
-        <pc:chgData name="Toby Donaldson" userId="2e6e5431-bb17-4c41-9985-d39c50d83c73" providerId="ADAL" clId="{0DEFDA1C-3182-411E-9AE9-5C0C0C65F9DA}" dt="2024-10-07T06:06:22.063" v="2087" actId="113"/>
-        <pc:sldMkLst>
-          <pc:docMk/>
-          <pc:sldMk cId="876541978" sldId="362"/>
-        </pc:sldMkLst>
-      </pc:sldChg>
-      <pc:sldChg chg="addSp delSp modSp add mod">
-        <pc:chgData name="Toby Donaldson" userId="2e6e5431-bb17-4c41-9985-d39c50d83c73" providerId="ADAL" clId="{0DEFDA1C-3182-411E-9AE9-5C0C0C65F9DA}" dt="2024-10-07T05:35:22.645" v="645" actId="5793"/>
-        <pc:sldMkLst>
-          <pc:docMk/>
-          <pc:sldMk cId="1016439760" sldId="372"/>
-        </pc:sldMkLst>
-      </pc:sldChg>
-      <pc:sldChg chg="addSp delSp modSp add mod">
-        <pc:chgData name="Toby Donaldson" userId="2e6e5431-bb17-4c41-9985-d39c50d83c73" providerId="ADAL" clId="{0DEFDA1C-3182-411E-9AE9-5C0C0C65F9DA}" dt="2024-10-07T05:36:07.624" v="648"/>
-        <pc:sldMkLst>
-          <pc:docMk/>
-          <pc:sldMk cId="2270743596" sldId="373"/>
-        </pc:sldMkLst>
-      </pc:sldChg>
-      <pc:sldChg chg="delSp modSp add mod">
-        <pc:chgData name="Toby Donaldson" userId="2e6e5431-bb17-4c41-9985-d39c50d83c73" providerId="ADAL" clId="{0DEFDA1C-3182-411E-9AE9-5C0C0C65F9DA}" dt="2024-10-07T05:40:40.943" v="873" actId="21"/>
-        <pc:sldMkLst>
-          <pc:docMk/>
-          <pc:sldMk cId="692975195" sldId="374"/>
-        </pc:sldMkLst>
-      </pc:sldChg>
-      <pc:sldChg chg="addSp modSp add">
-        <pc:chgData name="Toby Donaldson" userId="2e6e5431-bb17-4c41-9985-d39c50d83c73" providerId="ADAL" clId="{0DEFDA1C-3182-411E-9AE9-5C0C0C65F9DA}" dt="2024-10-07T05:36:24.263" v="650"/>
-        <pc:sldMkLst>
-          <pc:docMk/>
-          <pc:sldMk cId="3244514818" sldId="375"/>
-        </pc:sldMkLst>
-      </pc:sldChg>
-      <pc:sldChg chg="addSp modSp add">
-        <pc:chgData name="Toby Donaldson" userId="2e6e5431-bb17-4c41-9985-d39c50d83c73" providerId="ADAL" clId="{0DEFDA1C-3182-411E-9AE9-5C0C0C65F9DA}" dt="2024-10-07T05:36:45.343" v="652"/>
-        <pc:sldMkLst>
-          <pc:docMk/>
-          <pc:sldMk cId="2628541888" sldId="376"/>
-        </pc:sldMkLst>
-      </pc:sldChg>
-      <pc:sldChg chg="addSp delSp modSp add mod">
-        <pc:chgData name="Toby Donaldson" userId="2e6e5431-bb17-4c41-9985-d39c50d83c73" providerId="ADAL" clId="{0DEFDA1C-3182-411E-9AE9-5C0C0C65F9DA}" dt="2024-10-07T05:42:15.183" v="957" actId="20577"/>
-        <pc:sldMkLst>
-          <pc:docMk/>
-          <pc:sldMk cId="710564396" sldId="377"/>
-        </pc:sldMkLst>
-      </pc:sldChg>
-      <pc:sldChg chg="add">
-        <pc:chgData name="Toby Donaldson" userId="2e6e5431-bb17-4c41-9985-d39c50d83c73" providerId="ADAL" clId="{0DEFDA1C-3182-411E-9AE9-5C0C0C65F9DA}" dt="2024-10-07T05:40:30.173" v="872" actId="2890"/>
-        <pc:sldMkLst>
-          <pc:docMk/>
-          <pc:sldMk cId="1310001430" sldId="378"/>
-        </pc:sldMkLst>
-      </pc:sldChg>
-      <pc:sldChg chg="addSp delSp modSp add mod">
-        <pc:chgData name="Toby Donaldson" userId="2e6e5431-bb17-4c41-9985-d39c50d83c73" providerId="ADAL" clId="{0DEFDA1C-3182-411E-9AE9-5C0C0C65F9DA}" dt="2024-10-07T05:45:05.703" v="1087" actId="20577"/>
-        <pc:sldMkLst>
-          <pc:docMk/>
-          <pc:sldMk cId="3545286888" sldId="379"/>
-        </pc:sldMkLst>
-      </pc:sldChg>
-      <pc:sldChg chg="addSp delSp modSp add mod">
-        <pc:chgData name="Toby Donaldson" userId="2e6e5431-bb17-4c41-9985-d39c50d83c73" providerId="ADAL" clId="{0DEFDA1C-3182-411E-9AE9-5C0C0C65F9DA}" dt="2024-10-07T05:50:43.908" v="1533" actId="21"/>
-        <pc:sldMkLst>
-          <pc:docMk/>
-          <pc:sldMk cId="1519189130" sldId="380"/>
-        </pc:sldMkLst>
-      </pc:sldChg>
-      <pc:sldChg chg="addSp delSp modSp add mod">
-        <pc:chgData name="Toby Donaldson" userId="2e6e5431-bb17-4c41-9985-d39c50d83c73" providerId="ADAL" clId="{0DEFDA1C-3182-411E-9AE9-5C0C0C65F9DA}" dt="2024-10-07T05:50:50.116" v="1534" actId="21"/>
-        <pc:sldMkLst>
-          <pc:docMk/>
-          <pc:sldMk cId="2307418349" sldId="381"/>
-        </pc:sldMkLst>
-      </pc:sldChg>
-      <pc:sldChg chg="addSp delSp modSp add mod">
-        <pc:chgData name="Toby Donaldson" userId="2e6e5431-bb17-4c41-9985-d39c50d83c73" providerId="ADAL" clId="{0DEFDA1C-3182-411E-9AE9-5C0C0C65F9DA}" dt="2024-10-07T05:50:53.688" v="1535" actId="21"/>
-        <pc:sldMkLst>
-          <pc:docMk/>
-          <pc:sldMk cId="44120911" sldId="382"/>
-        </pc:sldMkLst>
-      </pc:sldChg>
-      <pc:sldChg chg="addSp delSp modSp add mod">
-        <pc:chgData name="Toby Donaldson" userId="2e6e5431-bb17-4c41-9985-d39c50d83c73" providerId="ADAL" clId="{0DEFDA1C-3182-411E-9AE9-5C0C0C65F9DA}" dt="2024-10-07T05:52:33.622" v="1544" actId="21"/>
-        <pc:sldMkLst>
-          <pc:docMk/>
-          <pc:sldMk cId="4182207593" sldId="383"/>
-        </pc:sldMkLst>
-      </pc:sldChg>
-      <pc:sldChg chg="delSp modSp add mod">
-        <pc:chgData name="Toby Donaldson" userId="2e6e5431-bb17-4c41-9985-d39c50d83c73" providerId="ADAL" clId="{0DEFDA1C-3182-411E-9AE9-5C0C0C65F9DA}" dt="2024-10-07T05:52:38.412" v="1545" actId="21"/>
-        <pc:sldMkLst>
-          <pc:docMk/>
-          <pc:sldMk cId="2933430818" sldId="384"/>
-        </pc:sldMkLst>
-      </pc:sldChg>
-      <pc:sldChg chg="delSp modSp add mod">
-        <pc:chgData name="Toby Donaldson" userId="2e6e5431-bb17-4c41-9985-d39c50d83c73" providerId="ADAL" clId="{0DEFDA1C-3182-411E-9AE9-5C0C0C65F9DA}" dt="2024-10-07T05:53:13.725" v="1643" actId="1076"/>
-        <pc:sldMkLst>
-          <pc:docMk/>
-          <pc:sldMk cId="1168675715" sldId="385"/>
-        </pc:sldMkLst>
-      </pc:sldChg>
-      <pc:sldChg chg="modSp add mod">
-        <pc:chgData name="Toby Donaldson" userId="2e6e5431-bb17-4c41-9985-d39c50d83c73" providerId="ADAL" clId="{0DEFDA1C-3182-411E-9AE9-5C0C0C65F9DA}" dt="2024-10-07T05:59:07.536" v="1953" actId="20577"/>
-        <pc:sldMkLst>
-          <pc:docMk/>
-          <pc:sldMk cId="1134019399" sldId="386"/>
-        </pc:sldMkLst>
-      </pc:sldChg>
-      <pc:sldChg chg="delSp modSp add del mod">
-        <pc:chgData name="Toby Donaldson" userId="2e6e5431-bb17-4c41-9985-d39c50d83c73" providerId="ADAL" clId="{0DEFDA1C-3182-411E-9AE9-5C0C0C65F9DA}" dt="2024-10-07T05:58:15.667" v="1914" actId="2696"/>
-        <pc:sldMkLst>
-          <pc:docMk/>
-          <pc:sldMk cId="2218913924" sldId="386"/>
-        </pc:sldMkLst>
-      </pc:sldChg>
-      <pc:sldChg chg="modSp mod">
-        <pc:chgData name="Toby Donaldson" userId="2e6e5431-bb17-4c41-9985-d39c50d83c73" providerId="ADAL" clId="{0DEFDA1C-3182-411E-9AE9-5C0C0C65F9DA}" dt="2024-10-09T16:52:26.519" v="2331" actId="20577"/>
-        <pc:sldMkLst>
-          <pc:docMk/>
-          <pc:sldMk cId="2490867769" sldId="391"/>
-        </pc:sldMkLst>
-      </pc:sldChg>
-      <pc:sldChg chg="modSp mod">
-        <pc:chgData name="Toby Donaldson" userId="2e6e5431-bb17-4c41-9985-d39c50d83c73" providerId="ADAL" clId="{0DEFDA1C-3182-411E-9AE9-5C0C0C65F9DA}" dt="2024-10-09T16:55:49.662" v="2332" actId="20577"/>
-        <pc:sldMkLst>
-          <pc:docMk/>
-          <pc:sldMk cId="1641751640" sldId="393"/>
-        </pc:sldMkLst>
-      </pc:sldChg>
-      <pc:sldChg chg="modSp mod">
-        <pc:chgData name="Toby Donaldson" userId="2e6e5431-bb17-4c41-9985-d39c50d83c73" providerId="ADAL" clId="{0DEFDA1C-3182-411E-9AE9-5C0C0C65F9DA}" dt="2024-10-09T16:56:58.379" v="2355" actId="20577"/>
-        <pc:sldMkLst>
-          <pc:docMk/>
-          <pc:sldMk cId="1243566442" sldId="395"/>
-        </pc:sldMkLst>
-      </pc:sldChg>
-      <pc:sldChg chg="modSp mod">
-        <pc:chgData name="Toby Donaldson" userId="2e6e5431-bb17-4c41-9985-d39c50d83c73" providerId="ADAL" clId="{0DEFDA1C-3182-411E-9AE9-5C0C0C65F9DA}" dt="2024-10-09T16:51:22.074" v="2329" actId="1076"/>
-        <pc:sldMkLst>
-          <pc:docMk/>
-          <pc:sldMk cId="3215829657" sldId="397"/>
-        </pc:sldMkLst>
-      </pc:sldChg>
-    </pc:docChg>
-  </pc:docChgLst>
-  <pc:docChgLst>
-    <pc:chgData name="Toby Donaldson" userId="2e6e5431-bb17-4c41-9985-d39c50d83c73" providerId="ADAL" clId="{975CFA14-5254-4277-99EF-9320E70D3DD9}"/>
-    <pc:docChg chg="undo custSel addSld modSld sldOrd addSection modSection">
-      <pc:chgData name="Toby Donaldson" userId="2e6e5431-bb17-4c41-9985-d39c50d83c73" providerId="ADAL" clId="{975CFA14-5254-4277-99EF-9320E70D3DD9}" dt="2024-10-09T21:44:57.511" v="362"/>
-      <pc:docMkLst>
-        <pc:docMk/>
-      </pc:docMkLst>
-      <pc:sldChg chg="modSp mod">
-        <pc:chgData name="Toby Donaldson" userId="2e6e5431-bb17-4c41-9985-d39c50d83c73" providerId="ADAL" clId="{975CFA14-5254-4277-99EF-9320E70D3DD9}" dt="2024-10-07T20:30:07.827" v="35" actId="20577"/>
-        <pc:sldMkLst>
-          <pc:docMk/>
-          <pc:sldMk cId="3982967344" sldId="314"/>
-        </pc:sldMkLst>
-      </pc:sldChg>
-      <pc:sldChg chg="modSp mod">
-        <pc:chgData name="Toby Donaldson" userId="2e6e5431-bb17-4c41-9985-d39c50d83c73" providerId="ADAL" clId="{975CFA14-5254-4277-99EF-9320E70D3DD9}" dt="2024-10-07T20:30:02.539" v="34" actId="20577"/>
-        <pc:sldMkLst>
-          <pc:docMk/>
-          <pc:sldMk cId="2206724113" sldId="315"/>
-        </pc:sldMkLst>
-      </pc:sldChg>
-      <pc:sldChg chg="modSp mod">
-        <pc:chgData name="Toby Donaldson" userId="2e6e5431-bb17-4c41-9985-d39c50d83c73" providerId="ADAL" clId="{975CFA14-5254-4277-99EF-9320E70D3DD9}" dt="2024-10-07T20:30:15.929" v="37" actId="1076"/>
+        <pc:chgData name="Toby Donaldson" userId="2e6e5431-bb17-4c41-9985-d39c50d83c73" providerId="ADAL" clId="{7F9681A8-EEE2-56F4-9B39-ECCBEE0471AC}" dt="2026-02-03T00:18:50.922" v="0" actId="207"/>
         <pc:sldMkLst>
           <pc:docMk/>
           <pc:sldMk cId="4046174309" sldId="316"/>
         </pc:sldMkLst>
-      </pc:sldChg>
-      <pc:sldChg chg="modSp mod">
-        <pc:chgData name="Toby Donaldson" userId="2e6e5431-bb17-4c41-9985-d39c50d83c73" providerId="ADAL" clId="{975CFA14-5254-4277-99EF-9320E70D3DD9}" dt="2024-10-07T20:31:42.015" v="44" actId="2711"/>
-        <pc:sldMkLst>
-          <pc:docMk/>
-          <pc:sldMk cId="2317714996" sldId="317"/>
-        </pc:sldMkLst>
-      </pc:sldChg>
-      <pc:sldChg chg="addSp">
-        <pc:chgData name="Toby Donaldson" userId="2e6e5431-bb17-4c41-9985-d39c50d83c73" providerId="ADAL" clId="{975CFA14-5254-4277-99EF-9320E70D3DD9}" dt="2024-10-07T23:15:45.842" v="359"/>
-        <pc:sldMkLst>
-          <pc:docMk/>
-          <pc:sldMk cId="1531055308" sldId="318"/>
-        </pc:sldMkLst>
-      </pc:sldChg>
-      <pc:sldChg chg="addSp">
-        <pc:chgData name="Toby Donaldson" userId="2e6e5431-bb17-4c41-9985-d39c50d83c73" providerId="ADAL" clId="{975CFA14-5254-4277-99EF-9320E70D3DD9}" dt="2024-10-07T23:15:45.842" v="359"/>
-        <pc:sldMkLst>
-          <pc:docMk/>
-          <pc:sldMk cId="4273788612" sldId="319"/>
-        </pc:sldMkLst>
-      </pc:sldChg>
-      <pc:sldChg chg="addSp modSp mod">
-        <pc:chgData name="Toby Donaldson" userId="2e6e5431-bb17-4c41-9985-d39c50d83c73" providerId="ADAL" clId="{975CFA14-5254-4277-99EF-9320E70D3DD9}" dt="2024-10-07T23:15:45.842" v="359"/>
-        <pc:sldMkLst>
-          <pc:docMk/>
-          <pc:sldMk cId="2942349654" sldId="320"/>
-        </pc:sldMkLst>
-      </pc:sldChg>
-      <pc:sldChg chg="addSp">
-        <pc:chgData name="Toby Donaldson" userId="2e6e5431-bb17-4c41-9985-d39c50d83c73" providerId="ADAL" clId="{975CFA14-5254-4277-99EF-9320E70D3DD9}" dt="2024-10-07T23:15:45.842" v="359"/>
-        <pc:sldMkLst>
-          <pc:docMk/>
-          <pc:sldMk cId="3803866199" sldId="321"/>
-        </pc:sldMkLst>
-      </pc:sldChg>
-      <pc:sldChg chg="addSp">
-        <pc:chgData name="Toby Donaldson" userId="2e6e5431-bb17-4c41-9985-d39c50d83c73" providerId="ADAL" clId="{975CFA14-5254-4277-99EF-9320E70D3DD9}" dt="2024-10-07T23:15:45.842" v="359"/>
-        <pc:sldMkLst>
-          <pc:docMk/>
-          <pc:sldMk cId="3735376480" sldId="322"/>
-        </pc:sldMkLst>
-      </pc:sldChg>
-      <pc:sldChg chg="addSp">
-        <pc:chgData name="Toby Donaldson" userId="2e6e5431-bb17-4c41-9985-d39c50d83c73" providerId="ADAL" clId="{975CFA14-5254-4277-99EF-9320E70D3DD9}" dt="2024-10-07T23:15:45.842" v="359"/>
-        <pc:sldMkLst>
-          <pc:docMk/>
-          <pc:sldMk cId="2878214079" sldId="323"/>
-        </pc:sldMkLst>
-      </pc:sldChg>
-      <pc:sldChg chg="addSp modSp mod">
-        <pc:chgData name="Toby Donaldson" userId="2e6e5431-bb17-4c41-9985-d39c50d83c73" providerId="ADAL" clId="{975CFA14-5254-4277-99EF-9320E70D3DD9}" dt="2024-10-07T23:15:45.842" v="359"/>
-        <pc:sldMkLst>
-          <pc:docMk/>
-          <pc:sldMk cId="3212215102" sldId="324"/>
-        </pc:sldMkLst>
-      </pc:sldChg>
-      <pc:sldChg chg="addSp">
-        <pc:chgData name="Toby Donaldson" userId="2e6e5431-bb17-4c41-9985-d39c50d83c73" providerId="ADAL" clId="{975CFA14-5254-4277-99EF-9320E70D3DD9}" dt="2024-10-07T23:15:45.842" v="359"/>
-        <pc:sldMkLst>
-          <pc:docMk/>
-          <pc:sldMk cId="3902963989" sldId="325"/>
-        </pc:sldMkLst>
-      </pc:sldChg>
-      <pc:sldChg chg="addSp">
-        <pc:chgData name="Toby Donaldson" userId="2e6e5431-bb17-4c41-9985-d39c50d83c73" providerId="ADAL" clId="{975CFA14-5254-4277-99EF-9320E70D3DD9}" dt="2024-10-07T23:15:45.842" v="359"/>
-        <pc:sldMkLst>
-          <pc:docMk/>
-          <pc:sldMk cId="3995934686" sldId="326"/>
-        </pc:sldMkLst>
-      </pc:sldChg>
-      <pc:sldChg chg="addSp">
-        <pc:chgData name="Toby Donaldson" userId="2e6e5431-bb17-4c41-9985-d39c50d83c73" providerId="ADAL" clId="{975CFA14-5254-4277-99EF-9320E70D3DD9}" dt="2024-10-07T23:15:45.842" v="359"/>
-        <pc:sldMkLst>
-          <pc:docMk/>
-          <pc:sldMk cId="3331836019" sldId="327"/>
-        </pc:sldMkLst>
-      </pc:sldChg>
-      <pc:sldChg chg="addSp">
-        <pc:chgData name="Toby Donaldson" userId="2e6e5431-bb17-4c41-9985-d39c50d83c73" providerId="ADAL" clId="{975CFA14-5254-4277-99EF-9320E70D3DD9}" dt="2024-10-07T23:15:45.842" v="359"/>
-        <pc:sldMkLst>
-          <pc:docMk/>
-          <pc:sldMk cId="3488065849" sldId="328"/>
-        </pc:sldMkLst>
-      </pc:sldChg>
-      <pc:sldChg chg="addSp modSp mod">
-        <pc:chgData name="Toby Donaldson" userId="2e6e5431-bb17-4c41-9985-d39c50d83c73" providerId="ADAL" clId="{975CFA14-5254-4277-99EF-9320E70D3DD9}" dt="2024-10-07T23:15:45.842" v="359"/>
-        <pc:sldMkLst>
-          <pc:docMk/>
-          <pc:sldMk cId="2059733870" sldId="329"/>
-        </pc:sldMkLst>
-      </pc:sldChg>
-      <pc:sldChg chg="addSp modSp mod">
-        <pc:chgData name="Toby Donaldson" userId="2e6e5431-bb17-4c41-9985-d39c50d83c73" providerId="ADAL" clId="{975CFA14-5254-4277-99EF-9320E70D3DD9}" dt="2024-10-07T23:15:45.842" v="359"/>
-        <pc:sldMkLst>
-          <pc:docMk/>
-          <pc:sldMk cId="3107842778" sldId="331"/>
-        </pc:sldMkLst>
-      </pc:sldChg>
-      <pc:sldChg chg="delSp mod">
-        <pc:chgData name="Toby Donaldson" userId="2e6e5431-bb17-4c41-9985-d39c50d83c73" providerId="ADAL" clId="{975CFA14-5254-4277-99EF-9320E70D3DD9}" dt="2024-10-07T20:45:56.857" v="225" actId="21"/>
-        <pc:sldMkLst>
-          <pc:docMk/>
-          <pc:sldMk cId="825497567" sldId="332"/>
-        </pc:sldMkLst>
-      </pc:sldChg>
-      <pc:sldChg chg="addSp">
-        <pc:chgData name="Toby Donaldson" userId="2e6e5431-bb17-4c41-9985-d39c50d83c73" providerId="ADAL" clId="{975CFA14-5254-4277-99EF-9320E70D3DD9}" dt="2024-10-07T23:15:45.842" v="359"/>
-        <pc:sldMkLst>
-          <pc:docMk/>
-          <pc:sldMk cId="4071468877" sldId="333"/>
-        </pc:sldMkLst>
-      </pc:sldChg>
-      <pc:sldChg chg="addSp modSp mod">
-        <pc:chgData name="Toby Donaldson" userId="2e6e5431-bb17-4c41-9985-d39c50d83c73" providerId="ADAL" clId="{975CFA14-5254-4277-99EF-9320E70D3DD9}" dt="2024-10-07T23:15:45.842" v="359"/>
-        <pc:sldMkLst>
-          <pc:docMk/>
-          <pc:sldMk cId="3885508006" sldId="334"/>
-        </pc:sldMkLst>
-      </pc:sldChg>
-      <pc:sldChg chg="addSp modSp mod">
-        <pc:chgData name="Toby Donaldson" userId="2e6e5431-bb17-4c41-9985-d39c50d83c73" providerId="ADAL" clId="{975CFA14-5254-4277-99EF-9320E70D3DD9}" dt="2024-10-07T23:15:45.842" v="359"/>
-        <pc:sldMkLst>
-          <pc:docMk/>
-          <pc:sldMk cId="1720491985" sldId="335"/>
-        </pc:sldMkLst>
-      </pc:sldChg>
-      <pc:sldChg chg="addSp modSp mod">
-        <pc:chgData name="Toby Donaldson" userId="2e6e5431-bb17-4c41-9985-d39c50d83c73" providerId="ADAL" clId="{975CFA14-5254-4277-99EF-9320E70D3DD9}" dt="2024-10-07T23:15:45.842" v="359"/>
-        <pc:sldMkLst>
-          <pc:docMk/>
-          <pc:sldMk cId="1702262640" sldId="336"/>
-        </pc:sldMkLst>
-      </pc:sldChg>
-      <pc:sldChg chg="modSp mod">
-        <pc:chgData name="Toby Donaldson" userId="2e6e5431-bb17-4c41-9985-d39c50d83c73" providerId="ADAL" clId="{975CFA14-5254-4277-99EF-9320E70D3DD9}" dt="2024-10-07T20:49:31.728" v="250" actId="20577"/>
-        <pc:sldMkLst>
-          <pc:docMk/>
-          <pc:sldMk cId="1996348735" sldId="337"/>
-        </pc:sldMkLst>
-      </pc:sldChg>
-      <pc:sldChg chg="modSp mod">
-        <pc:chgData name="Toby Donaldson" userId="2e6e5431-bb17-4c41-9985-d39c50d83c73" providerId="ADAL" clId="{975CFA14-5254-4277-99EF-9320E70D3DD9}" dt="2024-10-07T20:49:37.727" v="252" actId="20577"/>
-        <pc:sldMkLst>
-          <pc:docMk/>
-          <pc:sldMk cId="2623435609" sldId="338"/>
-        </pc:sldMkLst>
-      </pc:sldChg>
-      <pc:sldChg chg="modSp mod">
-        <pc:chgData name="Toby Donaldson" userId="2e6e5431-bb17-4c41-9985-d39c50d83c73" providerId="ADAL" clId="{975CFA14-5254-4277-99EF-9320E70D3DD9}" dt="2024-10-07T20:49:43.730" v="254" actId="20577"/>
-        <pc:sldMkLst>
-          <pc:docMk/>
-          <pc:sldMk cId="1038925990" sldId="339"/>
-        </pc:sldMkLst>
-      </pc:sldChg>
-      <pc:sldChg chg="modSp mod">
-        <pc:chgData name="Toby Donaldson" userId="2e6e5431-bb17-4c41-9985-d39c50d83c73" providerId="ADAL" clId="{975CFA14-5254-4277-99EF-9320E70D3DD9}" dt="2024-10-07T20:49:13.147" v="246" actId="20577"/>
-        <pc:sldMkLst>
-          <pc:docMk/>
-          <pc:sldMk cId="2898579699" sldId="340"/>
-        </pc:sldMkLst>
-      </pc:sldChg>
-      <pc:sldChg chg="addSp modSp mod">
-        <pc:chgData name="Toby Donaldson" userId="2e6e5431-bb17-4c41-9985-d39c50d83c73" providerId="ADAL" clId="{975CFA14-5254-4277-99EF-9320E70D3DD9}" dt="2024-10-07T23:15:45.842" v="359"/>
-        <pc:sldMkLst>
-          <pc:docMk/>
-          <pc:sldMk cId="4014983717" sldId="341"/>
-        </pc:sldMkLst>
-      </pc:sldChg>
-      <pc:sldChg chg="addSp modSp mod">
-        <pc:chgData name="Toby Donaldson" userId="2e6e5431-bb17-4c41-9985-d39c50d83c73" providerId="ADAL" clId="{975CFA14-5254-4277-99EF-9320E70D3DD9}" dt="2024-10-07T23:15:45.842" v="359"/>
-        <pc:sldMkLst>
-          <pc:docMk/>
-          <pc:sldMk cId="3285907966" sldId="343"/>
-        </pc:sldMkLst>
-      </pc:sldChg>
-      <pc:sldChg chg="addSp">
-        <pc:chgData name="Toby Donaldson" userId="2e6e5431-bb17-4c41-9985-d39c50d83c73" providerId="ADAL" clId="{975CFA14-5254-4277-99EF-9320E70D3DD9}" dt="2024-10-07T23:15:45.842" v="359"/>
-        <pc:sldMkLst>
-          <pc:docMk/>
-          <pc:sldMk cId="1214199312" sldId="349"/>
-        </pc:sldMkLst>
-      </pc:sldChg>
-      <pc:sldChg chg="ord">
-        <pc:chgData name="Toby Donaldson" userId="2e6e5431-bb17-4c41-9985-d39c50d83c73" providerId="ADAL" clId="{975CFA14-5254-4277-99EF-9320E70D3DD9}" dt="2024-10-07T20:52:02.861" v="256"/>
-        <pc:sldMkLst>
-          <pc:docMk/>
-          <pc:sldMk cId="894663321" sldId="350"/>
-        </pc:sldMkLst>
-      </pc:sldChg>
-      <pc:sldChg chg="modSp mod">
-        <pc:chgData name="Toby Donaldson" userId="2e6e5431-bb17-4c41-9985-d39c50d83c73" providerId="ADAL" clId="{975CFA14-5254-4277-99EF-9320E70D3DD9}" dt="2024-10-07T20:52:17.143" v="257" actId="207"/>
-        <pc:sldMkLst>
-          <pc:docMk/>
-          <pc:sldMk cId="237995310" sldId="351"/>
-        </pc:sldMkLst>
-      </pc:sldChg>
-      <pc:sldChg chg="modSp mod">
-        <pc:chgData name="Toby Donaldson" userId="2e6e5431-bb17-4c41-9985-d39c50d83c73" providerId="ADAL" clId="{975CFA14-5254-4277-99EF-9320E70D3DD9}" dt="2024-10-07T20:53:34.737" v="258" actId="1076"/>
-        <pc:sldMkLst>
-          <pc:docMk/>
-          <pc:sldMk cId="1723111724" sldId="357"/>
-        </pc:sldMkLst>
-      </pc:sldChg>
-      <pc:sldChg chg="addSp delSp modSp">
-        <pc:chgData name="Toby Donaldson" userId="2e6e5431-bb17-4c41-9985-d39c50d83c73" providerId="ADAL" clId="{975CFA14-5254-4277-99EF-9320E70D3DD9}" dt="2024-10-07T20:58:51.750" v="267"/>
-        <pc:sldMkLst>
-          <pc:docMk/>
-          <pc:sldMk cId="4001447535" sldId="358"/>
-        </pc:sldMkLst>
-      </pc:sldChg>
-      <pc:sldChg chg="addSp">
-        <pc:chgData name="Toby Donaldson" userId="2e6e5431-bb17-4c41-9985-d39c50d83c73" providerId="ADAL" clId="{975CFA14-5254-4277-99EF-9320E70D3DD9}" dt="2024-10-07T23:15:45.842" v="359"/>
-        <pc:sldMkLst>
-          <pc:docMk/>
-          <pc:sldMk cId="479954462" sldId="359"/>
-        </pc:sldMkLst>
-      </pc:sldChg>
-      <pc:sldChg chg="addSp modSp">
-        <pc:chgData name="Toby Donaldson" userId="2e6e5431-bb17-4c41-9985-d39c50d83c73" providerId="ADAL" clId="{975CFA14-5254-4277-99EF-9320E70D3DD9}" dt="2024-10-07T20:58:42.593" v="265" actId="1076"/>
-        <pc:sldMkLst>
-          <pc:docMk/>
-          <pc:sldMk cId="1494824162" sldId="361"/>
-        </pc:sldMkLst>
-      </pc:sldChg>
-      <pc:sldChg chg="addSp">
-        <pc:chgData name="Toby Donaldson" userId="2e6e5431-bb17-4c41-9985-d39c50d83c73" providerId="ADAL" clId="{975CFA14-5254-4277-99EF-9320E70D3DD9}" dt="2024-10-07T23:15:45.842" v="359"/>
-        <pc:sldMkLst>
-          <pc:docMk/>
-          <pc:sldMk cId="876541978" sldId="362"/>
-        </pc:sldMkLst>
-      </pc:sldChg>
-      <pc:sldChg chg="addSp">
-        <pc:chgData name="Toby Donaldson" userId="2e6e5431-bb17-4c41-9985-d39c50d83c73" providerId="ADAL" clId="{975CFA14-5254-4277-99EF-9320E70D3DD9}" dt="2024-10-09T21:44:57.511" v="362"/>
-        <pc:sldMkLst>
-          <pc:docMk/>
-          <pc:sldMk cId="1998224056" sldId="363"/>
-        </pc:sldMkLst>
-      </pc:sldChg>
-      <pc:sldChg chg="modSp mod">
-        <pc:chgData name="Toby Donaldson" userId="2e6e5431-bb17-4c41-9985-d39c50d83c73" providerId="ADAL" clId="{975CFA14-5254-4277-99EF-9320E70D3DD9}" dt="2024-10-07T21:00:34.039" v="307" actId="20577"/>
-        <pc:sldMkLst>
-          <pc:docMk/>
-          <pc:sldMk cId="3804911334" sldId="364"/>
-        </pc:sldMkLst>
-      </pc:sldChg>
-      <pc:sldChg chg="modSp mod">
-        <pc:chgData name="Toby Donaldson" userId="2e6e5431-bb17-4c41-9985-d39c50d83c73" providerId="ADAL" clId="{975CFA14-5254-4277-99EF-9320E70D3DD9}" dt="2024-10-07T21:01:06.681" v="341" actId="20577"/>
-        <pc:sldMkLst>
-          <pc:docMk/>
-          <pc:sldMk cId="2226048549" sldId="365"/>
-        </pc:sldMkLst>
-      </pc:sldChg>
-      <pc:sldChg chg="addSp">
-        <pc:chgData name="Toby Donaldson" userId="2e6e5431-bb17-4c41-9985-d39c50d83c73" providerId="ADAL" clId="{975CFA14-5254-4277-99EF-9320E70D3DD9}" dt="2024-10-07T23:15:45.842" v="359"/>
-        <pc:sldMkLst>
-          <pc:docMk/>
-          <pc:sldMk cId="3292605436" sldId="366"/>
-        </pc:sldMkLst>
-      </pc:sldChg>
-      <pc:sldChg chg="addSp delSp modSp mod">
-        <pc:chgData name="Toby Donaldson" userId="2e6e5431-bb17-4c41-9985-d39c50d83c73" providerId="ADAL" clId="{975CFA14-5254-4277-99EF-9320E70D3DD9}" dt="2024-10-07T21:02:58.326" v="350" actId="14100"/>
-        <pc:sldMkLst>
-          <pc:docMk/>
-          <pc:sldMk cId="1281652328" sldId="367"/>
-        </pc:sldMkLst>
-      </pc:sldChg>
-      <pc:sldChg chg="addSp delSp modSp mod">
-        <pc:chgData name="Toby Donaldson" userId="2e6e5431-bb17-4c41-9985-d39c50d83c73" providerId="ADAL" clId="{975CFA14-5254-4277-99EF-9320E70D3DD9}" dt="2024-10-07T21:03:12.506" v="352" actId="21"/>
-        <pc:sldMkLst>
-          <pc:docMk/>
-          <pc:sldMk cId="4088079527" sldId="368"/>
-        </pc:sldMkLst>
-      </pc:sldChg>
-      <pc:sldChg chg="addSp">
-        <pc:chgData name="Toby Donaldson" userId="2e6e5431-bb17-4c41-9985-d39c50d83c73" providerId="ADAL" clId="{975CFA14-5254-4277-99EF-9320E70D3DD9}" dt="2024-10-07T23:15:45.842" v="359"/>
-        <pc:sldMkLst>
-          <pc:docMk/>
-          <pc:sldMk cId="1877160746" sldId="370"/>
-        </pc:sldMkLst>
-      </pc:sldChg>
-      <pc:sldChg chg="addSp">
-        <pc:chgData name="Toby Donaldson" userId="2e6e5431-bb17-4c41-9985-d39c50d83c73" providerId="ADAL" clId="{975CFA14-5254-4277-99EF-9320E70D3DD9}" dt="2024-10-07T23:15:45.842" v="359"/>
-        <pc:sldMkLst>
-          <pc:docMk/>
-          <pc:sldMk cId="3159336100" sldId="371"/>
-        </pc:sldMkLst>
-      </pc:sldChg>
-      <pc:sldChg chg="modSp mod">
-        <pc:chgData name="Toby Donaldson" userId="2e6e5431-bb17-4c41-9985-d39c50d83c73" providerId="ADAL" clId="{975CFA14-5254-4277-99EF-9320E70D3DD9}" dt="2024-10-07T21:09:18.757" v="357" actId="113"/>
-        <pc:sldMkLst>
-          <pc:docMk/>
-          <pc:sldMk cId="1016439760" sldId="372"/>
-        </pc:sldMkLst>
-      </pc:sldChg>
-      <pc:sldChg chg="addSp">
-        <pc:chgData name="Toby Donaldson" userId="2e6e5431-bb17-4c41-9985-d39c50d83c73" providerId="ADAL" clId="{975CFA14-5254-4277-99EF-9320E70D3DD9}" dt="2024-10-07T23:15:45.842" v="359"/>
-        <pc:sldMkLst>
-          <pc:docMk/>
-          <pc:sldMk cId="2270743596" sldId="373"/>
-        </pc:sldMkLst>
-      </pc:sldChg>
-      <pc:sldChg chg="addSp">
-        <pc:chgData name="Toby Donaldson" userId="2e6e5431-bb17-4c41-9985-d39c50d83c73" providerId="ADAL" clId="{975CFA14-5254-4277-99EF-9320E70D3DD9}" dt="2024-10-07T23:15:45.842" v="359"/>
-        <pc:sldMkLst>
-          <pc:docMk/>
-          <pc:sldMk cId="692975195" sldId="374"/>
-        </pc:sldMkLst>
-      </pc:sldChg>
-      <pc:sldChg chg="addSp">
-        <pc:chgData name="Toby Donaldson" userId="2e6e5431-bb17-4c41-9985-d39c50d83c73" providerId="ADAL" clId="{975CFA14-5254-4277-99EF-9320E70D3DD9}" dt="2024-10-07T23:15:45.842" v="359"/>
-        <pc:sldMkLst>
-          <pc:docMk/>
-          <pc:sldMk cId="710564396" sldId="377"/>
-        </pc:sldMkLst>
-      </pc:sldChg>
-      <pc:sldChg chg="addSp">
-        <pc:chgData name="Toby Donaldson" userId="2e6e5431-bb17-4c41-9985-d39c50d83c73" providerId="ADAL" clId="{975CFA14-5254-4277-99EF-9320E70D3DD9}" dt="2024-10-07T23:15:45.842" v="359"/>
-        <pc:sldMkLst>
-          <pc:docMk/>
-          <pc:sldMk cId="1310001430" sldId="378"/>
-        </pc:sldMkLst>
-      </pc:sldChg>
-      <pc:sldChg chg="modSp mod">
-        <pc:chgData name="Toby Donaldson" userId="2e6e5431-bb17-4c41-9985-d39c50d83c73" providerId="ADAL" clId="{975CFA14-5254-4277-99EF-9320E70D3DD9}" dt="2024-10-07T21:10:38.781" v="358" actId="2711"/>
-        <pc:sldMkLst>
-          <pc:docMk/>
-          <pc:sldMk cId="3545286888" sldId="379"/>
-        </pc:sldMkLst>
-      </pc:sldChg>
-      <pc:sldChg chg="addSp">
-        <pc:chgData name="Toby Donaldson" userId="2e6e5431-bb17-4c41-9985-d39c50d83c73" providerId="ADAL" clId="{975CFA14-5254-4277-99EF-9320E70D3DD9}" dt="2024-10-07T23:15:45.842" v="359"/>
-        <pc:sldMkLst>
-          <pc:docMk/>
-          <pc:sldMk cId="1519189130" sldId="380"/>
-        </pc:sldMkLst>
-      </pc:sldChg>
-      <pc:sldChg chg="addSp">
-        <pc:chgData name="Toby Donaldson" userId="2e6e5431-bb17-4c41-9985-d39c50d83c73" providerId="ADAL" clId="{975CFA14-5254-4277-99EF-9320E70D3DD9}" dt="2024-10-07T23:15:45.842" v="359"/>
-        <pc:sldMkLst>
-          <pc:docMk/>
-          <pc:sldMk cId="44120911" sldId="382"/>
-        </pc:sldMkLst>
-      </pc:sldChg>
-      <pc:sldChg chg="addSp">
-        <pc:chgData name="Toby Donaldson" userId="2e6e5431-bb17-4c41-9985-d39c50d83c73" providerId="ADAL" clId="{975CFA14-5254-4277-99EF-9320E70D3DD9}" dt="2024-10-07T23:15:45.842" v="359"/>
-        <pc:sldMkLst>
-          <pc:docMk/>
-          <pc:sldMk cId="4182207593" sldId="383"/>
-        </pc:sldMkLst>
-      </pc:sldChg>
-      <pc:sldChg chg="modSp mod">
-        <pc:chgData name="Toby Donaldson" userId="2e6e5431-bb17-4c41-9985-d39c50d83c73" providerId="ADAL" clId="{975CFA14-5254-4277-99EF-9320E70D3DD9}" dt="2024-10-07T20:59:54.115" v="272" actId="113"/>
-        <pc:sldMkLst>
-          <pc:docMk/>
-          <pc:sldMk cId="1134019399" sldId="386"/>
-        </pc:sldMkLst>
-      </pc:sldChg>
-      <pc:sldChg chg="delSp modSp add mod">
-        <pc:chgData name="Toby Donaldson" userId="2e6e5431-bb17-4c41-9985-d39c50d83c73" providerId="ADAL" clId="{975CFA14-5254-4277-99EF-9320E70D3DD9}" dt="2024-10-07T20:28:19.063" v="7" actId="1076"/>
-        <pc:sldMkLst>
-          <pc:docMk/>
-          <pc:sldMk cId="2495630857" sldId="387"/>
-        </pc:sldMkLst>
-      </pc:sldChg>
-      <pc:sldChg chg="modSp add mod">
-        <pc:chgData name="Toby Donaldson" userId="2e6e5431-bb17-4c41-9985-d39c50d83c73" providerId="ADAL" clId="{975CFA14-5254-4277-99EF-9320E70D3DD9}" dt="2024-10-07T20:28:34.831" v="33" actId="20577"/>
-        <pc:sldMkLst>
-          <pc:docMk/>
-          <pc:sldMk cId="1015683910" sldId="388"/>
-        </pc:sldMkLst>
-      </pc:sldChg>
-      <pc:sldChg chg="addSp modSp new mod setBg">
-        <pc:chgData name="Toby Donaldson" userId="2e6e5431-bb17-4c41-9985-d39c50d83c73" providerId="ADAL" clId="{975CFA14-5254-4277-99EF-9320E70D3DD9}" dt="2024-10-07T20:34:16.984" v="206" actId="255"/>
-        <pc:sldMkLst>
-          <pc:docMk/>
-          <pc:sldMk cId="3158190651" sldId="389"/>
-        </pc:sldMkLst>
-      </pc:sldChg>
-      <pc:sldChg chg="addSp add">
-        <pc:chgData name="Toby Donaldson" userId="2e6e5431-bb17-4c41-9985-d39c50d83c73" providerId="ADAL" clId="{975CFA14-5254-4277-99EF-9320E70D3DD9}" dt="2024-10-07T23:15:45.842" v="359"/>
-        <pc:sldMkLst>
-          <pc:docMk/>
-          <pc:sldMk cId="684983360" sldId="390"/>
-        </pc:sldMkLst>
-      </pc:sldChg>
-      <pc:sldChg chg="addSp">
-        <pc:chgData name="Toby Donaldson" userId="2e6e5431-bb17-4c41-9985-d39c50d83c73" providerId="ADAL" clId="{975CFA14-5254-4277-99EF-9320E70D3DD9}" dt="2024-10-09T21:44:57.511" v="362"/>
-        <pc:sldMkLst>
-          <pc:docMk/>
-          <pc:sldMk cId="3215829657" sldId="397"/>
-        </pc:sldMkLst>
-      </pc:sldChg>
-    </pc:docChg>
-  </pc:docChgLst>
-  <pc:docChgLst>
-    <pc:chgData name="Toby Donaldson" userId="2e6e5431-bb17-4c41-9985-d39c50d83c73" providerId="ADAL" clId="{B9F33DEE-EC52-4B89-A8C8-427ED27EC638}"/>
-    <pc:docChg chg="undo redo custSel addSld delSld modSld sldOrd addSection modSection">
-      <pc:chgData name="Toby Donaldson" userId="2e6e5431-bb17-4c41-9985-d39c50d83c73" providerId="ADAL" clId="{B9F33DEE-EC52-4B89-A8C8-427ED27EC638}" dt="2024-09-19T01:04:45.862" v="9058" actId="21"/>
-      <pc:docMkLst>
-        <pc:docMk/>
-      </pc:docMkLst>
-      <pc:sldChg chg="modSp new mod">
-        <pc:chgData name="Toby Donaldson" userId="2e6e5431-bb17-4c41-9985-d39c50d83c73" providerId="ADAL" clId="{B9F33DEE-EC52-4B89-A8C8-427ED27EC638}" dt="2024-09-15T21:38:26.405" v="70" actId="20577"/>
-        <pc:sldMkLst>
-          <pc:docMk/>
-          <pc:sldMk cId="3113156551" sldId="256"/>
-        </pc:sldMkLst>
-      </pc:sldChg>
-      <pc:sldChg chg="addSp delSp modSp new mod">
-        <pc:chgData name="Toby Donaldson" userId="2e6e5431-bb17-4c41-9985-d39c50d83c73" providerId="ADAL" clId="{B9F33DEE-EC52-4B89-A8C8-427ED27EC638}" dt="2024-09-15T21:57:18.601" v="387" actId="21"/>
-        <pc:sldMkLst>
-          <pc:docMk/>
-          <pc:sldMk cId="1564174174" sldId="257"/>
-        </pc:sldMkLst>
-      </pc:sldChg>
-      <pc:sldChg chg="add">
-        <pc:chgData name="Toby Donaldson" userId="2e6e5431-bb17-4c41-9985-d39c50d83c73" providerId="ADAL" clId="{B9F33DEE-EC52-4B89-A8C8-427ED27EC638}" dt="2024-09-15T21:57:06.496" v="384" actId="2890"/>
-        <pc:sldMkLst>
-          <pc:docMk/>
-          <pc:sldMk cId="2049895442" sldId="258"/>
-        </pc:sldMkLst>
-      </pc:sldChg>
-      <pc:sldChg chg="addSp modSp add mod">
-        <pc:chgData name="Toby Donaldson" userId="2e6e5431-bb17-4c41-9985-d39c50d83c73" providerId="ADAL" clId="{B9F33DEE-EC52-4B89-A8C8-427ED27EC638}" dt="2024-09-15T22:00:32.602" v="713" actId="14100"/>
-        <pc:sldMkLst>
-          <pc:docMk/>
-          <pc:sldMk cId="3476620889" sldId="259"/>
-        </pc:sldMkLst>
-      </pc:sldChg>
-      <pc:sldChg chg="addSp modSp add mod">
-        <pc:chgData name="Toby Donaldson" userId="2e6e5431-bb17-4c41-9985-d39c50d83c73" providerId="ADAL" clId="{B9F33DEE-EC52-4B89-A8C8-427ED27EC638}" dt="2024-09-15T22:02:32.581" v="925" actId="14100"/>
-        <pc:sldMkLst>
-          <pc:docMk/>
-          <pc:sldMk cId="1125239521" sldId="260"/>
-        </pc:sldMkLst>
-      </pc:sldChg>
-      <pc:sldChg chg="addSp modSp add mod">
-        <pc:chgData name="Toby Donaldson" userId="2e6e5431-bb17-4c41-9985-d39c50d83c73" providerId="ADAL" clId="{B9F33DEE-EC52-4B89-A8C8-427ED27EC638}" dt="2024-09-15T22:07:48.844" v="1338" actId="1076"/>
-        <pc:sldMkLst>
-          <pc:docMk/>
-          <pc:sldMk cId="296669545" sldId="261"/>
-        </pc:sldMkLst>
-      </pc:sldChg>
-      <pc:sldChg chg="addSp delSp modSp add mod ord">
-        <pc:chgData name="Toby Donaldson" userId="2e6e5431-bb17-4c41-9985-d39c50d83c73" providerId="ADAL" clId="{B9F33DEE-EC52-4B89-A8C8-427ED27EC638}" dt="2024-09-15T22:41:28.803" v="3431" actId="11529"/>
-        <pc:sldMkLst>
-          <pc:docMk/>
-          <pc:sldMk cId="1426591584" sldId="262"/>
-        </pc:sldMkLst>
-      </pc:sldChg>
-      <pc:sldChg chg="new del">
-        <pc:chgData name="Toby Donaldson" userId="2e6e5431-bb17-4c41-9985-d39c50d83c73" providerId="ADAL" clId="{B9F33DEE-EC52-4B89-A8C8-427ED27EC638}" dt="2024-09-15T22:17:03.135" v="1646" actId="2696"/>
-        <pc:sldMkLst>
-          <pc:docMk/>
-          <pc:sldMk cId="1833114857" sldId="263"/>
-        </pc:sldMkLst>
-      </pc:sldChg>
-      <pc:sldChg chg="addSp delSp modSp add mod">
-        <pc:chgData name="Toby Donaldson" userId="2e6e5431-bb17-4c41-9985-d39c50d83c73" providerId="ADAL" clId="{B9F33DEE-EC52-4B89-A8C8-427ED27EC638}" dt="2024-09-16T01:09:14.647" v="4604" actId="1076"/>
-        <pc:sldMkLst>
-          <pc:docMk/>
-          <pc:sldMk cId="3978292670" sldId="263"/>
-        </pc:sldMkLst>
-      </pc:sldChg>
-      <pc:sldChg chg="addSp delSp modSp add mod">
-        <pc:chgData name="Toby Donaldson" userId="2e6e5431-bb17-4c41-9985-d39c50d83c73" providerId="ADAL" clId="{B9F33DEE-EC52-4B89-A8C8-427ED27EC638}" dt="2024-09-15T22:41:51.323" v="3433" actId="14100"/>
-        <pc:sldMkLst>
-          <pc:docMk/>
-          <pc:sldMk cId="2698651436" sldId="264"/>
-        </pc:sldMkLst>
-      </pc:sldChg>
-      <pc:sldChg chg="addSp modSp add mod">
-        <pc:chgData name="Toby Donaldson" userId="2e6e5431-bb17-4c41-9985-d39c50d83c73" providerId="ADAL" clId="{B9F33DEE-EC52-4B89-A8C8-427ED27EC638}" dt="2024-09-15T22:40:59.350" v="3430" actId="14100"/>
-        <pc:sldMkLst>
-          <pc:docMk/>
-          <pc:sldMk cId="2133653738" sldId="265"/>
-        </pc:sldMkLst>
-      </pc:sldChg>
-      <pc:sldChg chg="addSp delSp modSp add mod">
-        <pc:chgData name="Toby Donaldson" userId="2e6e5431-bb17-4c41-9985-d39c50d83c73" providerId="ADAL" clId="{B9F33DEE-EC52-4B89-A8C8-427ED27EC638}" dt="2024-09-15T22:51:37.091" v="4288" actId="14100"/>
-        <pc:sldMkLst>
-          <pc:docMk/>
-          <pc:sldMk cId="1883967527" sldId="266"/>
-        </pc:sldMkLst>
-      </pc:sldChg>
-      <pc:sldChg chg="addSp delSp modSp add del mod">
-        <pc:chgData name="Toby Donaldson" userId="2e6e5431-bb17-4c41-9985-d39c50d83c73" providerId="ADAL" clId="{B9F33DEE-EC52-4B89-A8C8-427ED27EC638}" dt="2024-09-15T22:51:55.978" v="4289" actId="2696"/>
-        <pc:sldMkLst>
-          <pc:docMk/>
-          <pc:sldMk cId="3347679138" sldId="267"/>
-        </pc:sldMkLst>
-      </pc:sldChg>
-      <pc:sldChg chg="addSp delSp modSp add del mod ord">
-        <pc:chgData name="Toby Donaldson" userId="2e6e5431-bb17-4c41-9985-d39c50d83c73" providerId="ADAL" clId="{B9F33DEE-EC52-4B89-A8C8-427ED27EC638}" dt="2024-09-17T02:16:06.818" v="5809" actId="2696"/>
-        <pc:sldMkLst>
-          <pc:docMk/>
-          <pc:sldMk cId="841092949" sldId="268"/>
-        </pc:sldMkLst>
-      </pc:sldChg>
-      <pc:sldChg chg="addSp delSp modSp add mod">
-        <pc:chgData name="Toby Donaldson" userId="2e6e5431-bb17-4c41-9985-d39c50d83c73" providerId="ADAL" clId="{B9F33DEE-EC52-4B89-A8C8-427ED27EC638}" dt="2024-09-17T02:16:47.222" v="5814" actId="20577"/>
-        <pc:sldMkLst>
-          <pc:docMk/>
-          <pc:sldMk cId="2020498111" sldId="269"/>
-        </pc:sldMkLst>
-      </pc:sldChg>
-      <pc:sldChg chg="add del">
-        <pc:chgData name="Toby Donaldson" userId="2e6e5431-bb17-4c41-9985-d39c50d83c73" providerId="ADAL" clId="{B9F33DEE-EC52-4B89-A8C8-427ED27EC638}" dt="2024-09-15T22:47:55.688" v="3932" actId="2696"/>
-        <pc:sldMkLst>
-          <pc:docMk/>
-          <pc:sldMk cId="2480493556" sldId="269"/>
-        </pc:sldMkLst>
-      </pc:sldChg>
-      <pc:sldChg chg="delSp modSp add mod">
-        <pc:chgData name="Toby Donaldson" userId="2e6e5431-bb17-4c41-9985-d39c50d83c73" providerId="ADAL" clId="{B9F33DEE-EC52-4B89-A8C8-427ED27EC638}" dt="2024-09-17T02:16:24.682" v="5813" actId="20577"/>
-        <pc:sldMkLst>
-          <pc:docMk/>
-          <pc:sldMk cId="3856894038" sldId="270"/>
-        </pc:sldMkLst>
-      </pc:sldChg>
-      <pc:sldChg chg="add del">
-        <pc:chgData name="Toby Donaldson" userId="2e6e5431-bb17-4c41-9985-d39c50d83c73" providerId="ADAL" clId="{B9F33DEE-EC52-4B89-A8C8-427ED27EC638}" dt="2024-09-15T22:47:53.471" v="3931" actId="2696"/>
-        <pc:sldMkLst>
-          <pc:docMk/>
-          <pc:sldMk cId="4106445714" sldId="270"/>
-        </pc:sldMkLst>
-      </pc:sldChg>
-      <pc:sldChg chg="addSp modSp mod">
-        <pc:chgData name="Toby Donaldson" userId="2e6e5431-bb17-4c41-9985-d39c50d83c73" providerId="ADAL" clId="{B9F33DEE-EC52-4B89-A8C8-427ED27EC638}" dt="2024-09-17T21:17:50.006" v="6539" actId="1076"/>
-        <pc:sldMkLst>
-          <pc:docMk/>
-          <pc:sldMk cId="624584149" sldId="271"/>
-        </pc:sldMkLst>
-      </pc:sldChg>
-      <pc:sldChg chg="addSp delSp modSp new mod">
-        <pc:chgData name="Toby Donaldson" userId="2e6e5431-bb17-4c41-9985-d39c50d83c73" providerId="ADAL" clId="{B9F33DEE-EC52-4B89-A8C8-427ED27EC638}" dt="2024-09-17T01:50:42.690" v="4631" actId="1076"/>
-        <pc:sldMkLst>
-          <pc:docMk/>
-          <pc:sldMk cId="972997824" sldId="278"/>
-        </pc:sldMkLst>
-      </pc:sldChg>
-      <pc:sldChg chg="addSp delSp modSp new mod">
-        <pc:chgData name="Toby Donaldson" userId="2e6e5431-bb17-4c41-9985-d39c50d83c73" providerId="ADAL" clId="{B9F33DEE-EC52-4B89-A8C8-427ED27EC638}" dt="2024-09-17T02:03:24.349" v="5484" actId="21"/>
-        <pc:sldMkLst>
-          <pc:docMk/>
-          <pc:sldMk cId="3144938788" sldId="279"/>
-        </pc:sldMkLst>
-      </pc:sldChg>
-      <pc:sldChg chg="delSp modSp add mod ord">
-        <pc:chgData name="Toby Donaldson" userId="2e6e5431-bb17-4c41-9985-d39c50d83c73" providerId="ADAL" clId="{B9F33DEE-EC52-4B89-A8C8-427ED27EC638}" dt="2024-09-17T02:02:43.379" v="5477"/>
-        <pc:sldMkLst>
-          <pc:docMk/>
-          <pc:sldMk cId="1423446375" sldId="280"/>
-        </pc:sldMkLst>
-      </pc:sldChg>
-      <pc:sldChg chg="delSp modSp add mod ord">
-        <pc:chgData name="Toby Donaldson" userId="2e6e5431-bb17-4c41-9985-d39c50d83c73" providerId="ADAL" clId="{B9F33DEE-EC52-4B89-A8C8-427ED27EC638}" dt="2024-09-17T02:03:02.981" v="5482" actId="21"/>
-        <pc:sldMkLst>
-          <pc:docMk/>
-          <pc:sldMk cId="4150615350" sldId="281"/>
-        </pc:sldMkLst>
-      </pc:sldChg>
-      <pc:sldChg chg="delSp modSp add mod">
-        <pc:chgData name="Toby Donaldson" userId="2e6e5431-bb17-4c41-9985-d39c50d83c73" providerId="ADAL" clId="{B9F33DEE-EC52-4B89-A8C8-427ED27EC638}" dt="2024-09-17T02:06:25.327" v="5509" actId="20577"/>
-        <pc:sldMkLst>
-          <pc:docMk/>
-          <pc:sldMk cId="3864837313" sldId="282"/>
-        </pc:sldMkLst>
-      </pc:sldChg>
-      <pc:sldChg chg="addSp delSp modSp add mod ord">
-        <pc:chgData name="Toby Donaldson" userId="2e6e5431-bb17-4c41-9985-d39c50d83c73" providerId="ADAL" clId="{B9F33DEE-EC52-4B89-A8C8-427ED27EC638}" dt="2024-09-17T02:20:02.705" v="5918"/>
-        <pc:sldMkLst>
-          <pc:docMk/>
-          <pc:sldMk cId="976387272" sldId="283"/>
-        </pc:sldMkLst>
-      </pc:sldChg>
-      <pc:sldChg chg="add">
-        <pc:chgData name="Toby Donaldson" userId="2e6e5431-bb17-4c41-9985-d39c50d83c73" providerId="ADAL" clId="{B9F33DEE-EC52-4B89-A8C8-427ED27EC638}" dt="2024-09-17T02:05:55.468" v="5502" actId="2890"/>
-        <pc:sldMkLst>
-          <pc:docMk/>
-          <pc:sldMk cId="899495814" sldId="284"/>
-        </pc:sldMkLst>
-      </pc:sldChg>
-      <pc:sldChg chg="delSp add mod">
-        <pc:chgData name="Toby Donaldson" userId="2e6e5431-bb17-4c41-9985-d39c50d83c73" providerId="ADAL" clId="{B9F33DEE-EC52-4B89-A8C8-427ED27EC638}" dt="2024-09-17T02:17:36.195" v="5818" actId="21"/>
-        <pc:sldMkLst>
-          <pc:docMk/>
-          <pc:sldMk cId="3461707693" sldId="285"/>
-        </pc:sldMkLst>
-      </pc:sldChg>
-      <pc:sldChg chg="add">
-        <pc:chgData name="Toby Donaldson" userId="2e6e5431-bb17-4c41-9985-d39c50d83c73" providerId="ADAL" clId="{B9F33DEE-EC52-4B89-A8C8-427ED27EC638}" dt="2024-09-17T02:17:41.975" v="5821" actId="2890"/>
-        <pc:sldMkLst>
-          <pc:docMk/>
-          <pc:sldMk cId="3414341889" sldId="286"/>
-        </pc:sldMkLst>
-      </pc:sldChg>
-      <pc:sldChg chg="addSp delSp modSp add mod">
-        <pc:chgData name="Toby Donaldson" userId="2e6e5431-bb17-4c41-9985-d39c50d83c73" providerId="ADAL" clId="{B9F33DEE-EC52-4B89-A8C8-427ED27EC638}" dt="2024-09-17T02:25:01.830" v="6145" actId="20577"/>
-        <pc:sldMkLst>
-          <pc:docMk/>
-          <pc:sldMk cId="2835686456" sldId="287"/>
-        </pc:sldMkLst>
-      </pc:sldChg>
-      <pc:sldChg chg="addSp modSp add mod">
-        <pc:chgData name="Toby Donaldson" userId="2e6e5431-bb17-4c41-9985-d39c50d83c73" providerId="ADAL" clId="{B9F33DEE-EC52-4B89-A8C8-427ED27EC638}" dt="2024-09-17T02:24:56.915" v="6144" actId="20577"/>
-        <pc:sldMkLst>
-          <pc:docMk/>
-          <pc:sldMk cId="3265458198" sldId="288"/>
-        </pc:sldMkLst>
-      </pc:sldChg>
-      <pc:sldChg chg="addSp delSp modSp add mod">
-        <pc:chgData name="Toby Donaldson" userId="2e6e5431-bb17-4c41-9985-d39c50d83c73" providerId="ADAL" clId="{B9F33DEE-EC52-4B89-A8C8-427ED27EC638}" dt="2024-09-17T02:26:42.147" v="6226" actId="21"/>
-        <pc:sldMkLst>
-          <pc:docMk/>
-          <pc:sldMk cId="4208034066" sldId="289"/>
-        </pc:sldMkLst>
-      </pc:sldChg>
-      <pc:sldChg chg="modSp add mod">
-        <pc:chgData name="Toby Donaldson" userId="2e6e5431-bb17-4c41-9985-d39c50d83c73" providerId="ADAL" clId="{B9F33DEE-EC52-4B89-A8C8-427ED27EC638}" dt="2024-09-17T02:30:41.654" v="6407" actId="20577"/>
-        <pc:sldMkLst>
-          <pc:docMk/>
-          <pc:sldMk cId="3579788506" sldId="290"/>
-        </pc:sldMkLst>
-      </pc:sldChg>
-      <pc:sldChg chg="addSp delSp modSp add del mod">
-        <pc:chgData name="Toby Donaldson" userId="2e6e5431-bb17-4c41-9985-d39c50d83c73" providerId="ADAL" clId="{B9F33DEE-EC52-4B89-A8C8-427ED27EC638}" dt="2024-09-17T21:23:28.850" v="6687" actId="2696"/>
-        <pc:sldMkLst>
-          <pc:docMk/>
-          <pc:sldMk cId="4169099289" sldId="291"/>
-        </pc:sldMkLst>
-      </pc:sldChg>
-      <pc:sldChg chg="addSp modSp add mod ord">
-        <pc:chgData name="Toby Donaldson" userId="2e6e5431-bb17-4c41-9985-d39c50d83c73" providerId="ADAL" clId="{B9F33DEE-EC52-4B89-A8C8-427ED27EC638}" dt="2024-09-17T21:23:22.208" v="6686"/>
-        <pc:sldMkLst>
-          <pc:docMk/>
-          <pc:sldMk cId="3287135454" sldId="292"/>
-        </pc:sldMkLst>
-      </pc:sldChg>
-      <pc:sldChg chg="addSp modSp add mod">
-        <pc:chgData name="Toby Donaldson" userId="2e6e5431-bb17-4c41-9985-d39c50d83c73" providerId="ADAL" clId="{B9F33DEE-EC52-4B89-A8C8-427ED27EC638}" dt="2024-09-17T21:29:04.763" v="6781" actId="20577"/>
-        <pc:sldMkLst>
-          <pc:docMk/>
-          <pc:sldMk cId="3231735434" sldId="293"/>
-        </pc:sldMkLst>
-      </pc:sldChg>
-      <pc:sldChg chg="add del">
-        <pc:chgData name="Toby Donaldson" userId="2e6e5431-bb17-4c41-9985-d39c50d83c73" providerId="ADAL" clId="{B9F33DEE-EC52-4B89-A8C8-427ED27EC638}" dt="2024-09-17T21:29:28.581" v="6782" actId="2696"/>
-        <pc:sldMkLst>
-          <pc:docMk/>
-          <pc:sldMk cId="54012789" sldId="294"/>
-        </pc:sldMkLst>
-      </pc:sldChg>
-      <pc:sldChg chg="delSp modSp add mod">
-        <pc:chgData name="Toby Donaldson" userId="2e6e5431-bb17-4c41-9985-d39c50d83c73" providerId="ADAL" clId="{B9F33DEE-EC52-4B89-A8C8-427ED27EC638}" dt="2024-09-17T21:29:57.819" v="6787" actId="1076"/>
-        <pc:sldMkLst>
-          <pc:docMk/>
-          <pc:sldMk cId="2312098604" sldId="294"/>
-        </pc:sldMkLst>
-      </pc:sldChg>
-      <pc:sldChg chg="addSp delSp modSp add mod">
-        <pc:chgData name="Toby Donaldson" userId="2e6e5431-bb17-4c41-9985-d39c50d83c73" providerId="ADAL" clId="{B9F33DEE-EC52-4B89-A8C8-427ED27EC638}" dt="2024-09-17T21:31:51.081" v="6879" actId="5793"/>
-        <pc:sldMkLst>
-          <pc:docMk/>
-          <pc:sldMk cId="1198357223" sldId="295"/>
-        </pc:sldMkLst>
-      </pc:sldChg>
-      <pc:sldChg chg="addSp modSp add mod ord">
-        <pc:chgData name="Toby Donaldson" userId="2e6e5431-bb17-4c41-9985-d39c50d83c73" providerId="ADAL" clId="{B9F33DEE-EC52-4B89-A8C8-427ED27EC638}" dt="2024-09-17T21:35:46.430" v="7084" actId="113"/>
-        <pc:sldMkLst>
-          <pc:docMk/>
-          <pc:sldMk cId="1989001679" sldId="296"/>
-        </pc:sldMkLst>
-      </pc:sldChg>
-      <pc:sldChg chg="add">
-        <pc:chgData name="Toby Donaldson" userId="2e6e5431-bb17-4c41-9985-d39c50d83c73" providerId="ADAL" clId="{B9F33DEE-EC52-4B89-A8C8-427ED27EC638}" dt="2024-09-17T21:33:44.107" v="6956" actId="2890"/>
-        <pc:sldMkLst>
-          <pc:docMk/>
-          <pc:sldMk cId="3108921986" sldId="297"/>
-        </pc:sldMkLst>
-      </pc:sldChg>
-      <pc:sldChg chg="add del">
-        <pc:chgData name="Toby Donaldson" userId="2e6e5431-bb17-4c41-9985-d39c50d83c73" providerId="ADAL" clId="{B9F33DEE-EC52-4B89-A8C8-427ED27EC638}" dt="2024-09-17T21:35:36.121" v="7083" actId="2696"/>
-        <pc:sldMkLst>
-          <pc:docMk/>
-          <pc:sldMk cId="3354484187" sldId="298"/>
-        </pc:sldMkLst>
-      </pc:sldChg>
-      <pc:sldChg chg="delSp modSp add mod">
-        <pc:chgData name="Toby Donaldson" userId="2e6e5431-bb17-4c41-9985-d39c50d83c73" providerId="ADAL" clId="{B9F33DEE-EC52-4B89-A8C8-427ED27EC638}" dt="2024-09-17T21:36:47.188" v="7109" actId="21"/>
-        <pc:sldMkLst>
-          <pc:docMk/>
-          <pc:sldMk cId="3629807992" sldId="298"/>
-        </pc:sldMkLst>
-      </pc:sldChg>
-      <pc:sldChg chg="addSp delSp modSp add mod">
-        <pc:chgData name="Toby Donaldson" userId="2e6e5431-bb17-4c41-9985-d39c50d83c73" providerId="ADAL" clId="{B9F33DEE-EC52-4B89-A8C8-427ED27EC638}" dt="2024-09-19T01:04:45.862" v="9058" actId="21"/>
-        <pc:sldMkLst>
-          <pc:docMk/>
-          <pc:sldMk cId="302167807" sldId="299"/>
-        </pc:sldMkLst>
-      </pc:sldChg>
-      <pc:sldChg chg="addSp delSp modSp add mod">
-        <pc:chgData name="Toby Donaldson" userId="2e6e5431-bb17-4c41-9985-d39c50d83c73" providerId="ADAL" clId="{B9F33DEE-EC52-4B89-A8C8-427ED27EC638}" dt="2024-09-17T21:44:42.309" v="7359" actId="14100"/>
-        <pc:sldMkLst>
-          <pc:docMk/>
-          <pc:sldMk cId="2498533820" sldId="300"/>
-        </pc:sldMkLst>
-      </pc:sldChg>
-      <pc:sldChg chg="addSp delSp modSp add mod">
-        <pc:chgData name="Toby Donaldson" userId="2e6e5431-bb17-4c41-9985-d39c50d83c73" providerId="ADAL" clId="{B9F33DEE-EC52-4B89-A8C8-427ED27EC638}" dt="2024-09-17T21:46:32.917" v="7462" actId="1076"/>
-        <pc:sldMkLst>
-          <pc:docMk/>
-          <pc:sldMk cId="3751592408" sldId="301"/>
-        </pc:sldMkLst>
-      </pc:sldChg>
-      <pc:sldChg chg="addSp delSp modSp add mod">
-        <pc:chgData name="Toby Donaldson" userId="2e6e5431-bb17-4c41-9985-d39c50d83c73" providerId="ADAL" clId="{B9F33DEE-EC52-4B89-A8C8-427ED27EC638}" dt="2024-09-17T21:47:23.930" v="7515" actId="20577"/>
-        <pc:sldMkLst>
-          <pc:docMk/>
-          <pc:sldMk cId="1018217066" sldId="302"/>
-        </pc:sldMkLst>
-      </pc:sldChg>
-      <pc:sldChg chg="new del">
-        <pc:chgData name="Toby Donaldson" userId="2e6e5431-bb17-4c41-9985-d39c50d83c73" providerId="ADAL" clId="{B9F33DEE-EC52-4B89-A8C8-427ED27EC638}" dt="2024-09-17T21:47:37.997" v="7518" actId="2696"/>
-        <pc:sldMkLst>
-          <pc:docMk/>
-          <pc:sldMk cId="540502936" sldId="303"/>
-        </pc:sldMkLst>
-      </pc:sldChg>
-      <pc:sldChg chg="addSp delSp modSp add mod">
-        <pc:chgData name="Toby Donaldson" userId="2e6e5431-bb17-4c41-9985-d39c50d83c73" providerId="ADAL" clId="{B9F33DEE-EC52-4B89-A8C8-427ED27EC638}" dt="2024-09-17T21:54:02.901" v="7822" actId="14100"/>
-        <pc:sldMkLst>
-          <pc:docMk/>
-          <pc:sldMk cId="3762144442" sldId="304"/>
-        </pc:sldMkLst>
-      </pc:sldChg>
-      <pc:sldChg chg="addSp modSp add mod">
-        <pc:chgData name="Toby Donaldson" userId="2e6e5431-bb17-4c41-9985-d39c50d83c73" providerId="ADAL" clId="{B9F33DEE-EC52-4B89-A8C8-427ED27EC638}" dt="2024-09-17T21:57:10.525" v="7910" actId="14100"/>
-        <pc:sldMkLst>
-          <pc:docMk/>
-          <pc:sldMk cId="3098928990" sldId="305"/>
-        </pc:sldMkLst>
-      </pc:sldChg>
-      <pc:sldChg chg="addSp modSp add mod">
-        <pc:chgData name="Toby Donaldson" userId="2e6e5431-bb17-4c41-9985-d39c50d83c73" providerId="ADAL" clId="{B9F33DEE-EC52-4B89-A8C8-427ED27EC638}" dt="2024-09-17T21:59:41.810" v="7990" actId="14100"/>
-        <pc:sldMkLst>
-          <pc:docMk/>
-          <pc:sldMk cId="2186739661" sldId="306"/>
-        </pc:sldMkLst>
-      </pc:sldChg>
-      <pc:sldChg chg="addSp delSp modSp add mod">
-        <pc:chgData name="Toby Donaldson" userId="2e6e5431-bb17-4c41-9985-d39c50d83c73" providerId="ADAL" clId="{B9F33DEE-EC52-4B89-A8C8-427ED27EC638}" dt="2024-09-19T00:45:51.630" v="8908" actId="21"/>
-        <pc:sldMkLst>
-          <pc:docMk/>
-          <pc:sldMk cId="711128939" sldId="307"/>
-        </pc:sldMkLst>
-      </pc:sldChg>
-      <pc:sldChg chg="delSp modSp add del mod">
-        <pc:chgData name="Toby Donaldson" userId="2e6e5431-bb17-4c41-9985-d39c50d83c73" providerId="ADAL" clId="{B9F33DEE-EC52-4B89-A8C8-427ED27EC638}" dt="2024-09-17T22:00:08.913" v="7991" actId="2696"/>
-        <pc:sldMkLst>
-          <pc:docMk/>
-          <pc:sldMk cId="3769582309" sldId="307"/>
-        </pc:sldMkLst>
-      </pc:sldChg>
-      <pc:sldChg chg="delSp modSp add mod">
-        <pc:chgData name="Toby Donaldson" userId="2e6e5431-bb17-4c41-9985-d39c50d83c73" providerId="ADAL" clId="{B9F33DEE-EC52-4B89-A8C8-427ED27EC638}" dt="2024-09-17T22:05:14.112" v="8310" actId="21"/>
-        <pc:sldMkLst>
-          <pc:docMk/>
-          <pc:sldMk cId="3381048815" sldId="308"/>
-        </pc:sldMkLst>
-      </pc:sldChg>
-      <pc:sldChg chg="addSp delSp modSp add del mod">
-        <pc:chgData name="Toby Donaldson" userId="2e6e5431-bb17-4c41-9985-d39c50d83c73" providerId="ADAL" clId="{B9F33DEE-EC52-4B89-A8C8-427ED27EC638}" dt="2024-09-17T22:12:09.864" v="8435" actId="2696"/>
-        <pc:sldMkLst>
-          <pc:docMk/>
-          <pc:sldMk cId="2690710224" sldId="309"/>
-        </pc:sldMkLst>
-      </pc:sldChg>
-      <pc:sldChg chg="addSp delSp modSp add mod">
-        <pc:chgData name="Toby Donaldson" userId="2e6e5431-bb17-4c41-9985-d39c50d83c73" providerId="ADAL" clId="{B9F33DEE-EC52-4B89-A8C8-427ED27EC638}" dt="2024-09-19T00:45:39.093" v="8907" actId="21"/>
-        <pc:sldMkLst>
-          <pc:docMk/>
-          <pc:sldMk cId="2722314743" sldId="310"/>
-        </pc:sldMkLst>
-      </pc:sldChg>
-      <pc:sldChg chg="addSp delSp modSp add mod ord">
-        <pc:chgData name="Toby Donaldson" userId="2e6e5431-bb17-4c41-9985-d39c50d83c73" providerId="ADAL" clId="{B9F33DEE-EC52-4B89-A8C8-427ED27EC638}" dt="2024-09-17T22:17:01.881" v="8681" actId="20577"/>
-        <pc:sldMkLst>
-          <pc:docMk/>
-          <pc:sldMk cId="1234247253" sldId="311"/>
-        </pc:sldMkLst>
-      </pc:sldChg>
-      <pc:sldChg chg="addSp modSp add mod">
-        <pc:chgData name="Toby Donaldson" userId="2e6e5431-bb17-4c41-9985-d39c50d83c73" providerId="ADAL" clId="{B9F33DEE-EC52-4B89-A8C8-427ED27EC638}" dt="2024-09-17T22:16:56.570" v="8678" actId="20577"/>
-        <pc:sldMkLst>
-          <pc:docMk/>
-          <pc:sldMk cId="2540764007" sldId="312"/>
-        </pc:sldMkLst>
-      </pc:sldChg>
-      <pc:sldChg chg="addSp delSp modSp add del mod">
-        <pc:chgData name="Toby Donaldson" userId="2e6e5431-bb17-4c41-9985-d39c50d83c73" providerId="ADAL" clId="{B9F33DEE-EC52-4B89-A8C8-427ED27EC638}" dt="2024-09-17T22:25:21.774" v="8894" actId="2696"/>
-        <pc:sldMkLst>
-          <pc:docMk/>
-          <pc:sldMk cId="2281268154" sldId="313"/>
-        </pc:sldMkLst>
-      </pc:sldChg>
-      <pc:sldChg chg="add">
-        <pc:chgData name="Toby Donaldson" userId="2e6e5431-bb17-4c41-9985-d39c50d83c73" providerId="ADAL" clId="{B9F33DEE-EC52-4B89-A8C8-427ED27EC638}" dt="2024-09-17T22:19:28.230" v="8853" actId="2890"/>
-        <pc:sldMkLst>
-          <pc:docMk/>
-          <pc:sldMk cId="280561526" sldId="314"/>
-        </pc:sldMkLst>
-      </pc:sldChg>
-      <pc:sldChg chg="addSp delSp modSp add mod">
-        <pc:chgData name="Toby Donaldson" userId="2e6e5431-bb17-4c41-9985-d39c50d83c73" providerId="ADAL" clId="{B9F33DEE-EC52-4B89-A8C8-427ED27EC638}" dt="2024-09-17T22:23:14.150" v="8893" actId="1076"/>
-        <pc:sldMkLst>
-          <pc:docMk/>
-          <pc:sldMk cId="988044877" sldId="315"/>
-        </pc:sldMkLst>
-      </pc:sldChg>
-      <pc:sldChg chg="addSp delSp modSp add mod">
-        <pc:chgData name="Toby Donaldson" userId="2e6e5431-bb17-4c41-9985-d39c50d83c73" providerId="ADAL" clId="{B9F33DEE-EC52-4B89-A8C8-427ED27EC638}" dt="2024-09-19T00:59:35.686" v="9057" actId="11529"/>
-        <pc:sldMkLst>
-          <pc:docMk/>
-          <pc:sldMk cId="2722267496" sldId="321"/>
-        </pc:sldMkLst>
-      </pc:sldChg>
-    </pc:docChg>
-  </pc:docChgLst>
-  <pc:docChgLst>
-    <pc:chgData name="Toby Donaldson" userId="2e6e5431-bb17-4c41-9985-d39c50d83c73" providerId="ADAL" clId="{20086F44-729C-4D12-B1C6-A34D923A4F13}"/>
-    <pc:docChg chg="undo redo custSel addSld delSld modSld sldOrd addSection delSection modSection">
-      <pc:chgData name="Toby Donaldson" userId="2e6e5431-bb17-4c41-9985-d39c50d83c73" providerId="ADAL" clId="{20086F44-729C-4D12-B1C6-A34D923A4F13}" dt="2024-10-08T21:34:45.504" v="8046" actId="11529"/>
-      <pc:docMkLst>
-        <pc:docMk/>
-      </pc:docMkLst>
-      <pc:sldChg chg="addSp delSp modSp mod">
-        <pc:chgData name="Toby Donaldson" userId="2e6e5431-bb17-4c41-9985-d39c50d83c73" providerId="ADAL" clId="{20086F44-729C-4D12-B1C6-A34D923A4F13}" dt="2024-10-03T21:37:41.706" v="53" actId="1076"/>
-        <pc:sldMkLst>
-          <pc:docMk/>
-          <pc:sldMk cId="3113156551" sldId="256"/>
-        </pc:sldMkLst>
-      </pc:sldChg>
-      <pc:sldChg chg="addSp delSp modSp mod">
-        <pc:chgData name="Toby Donaldson" userId="2e6e5431-bb17-4c41-9985-d39c50d83c73" providerId="ADAL" clId="{20086F44-729C-4D12-B1C6-A34D923A4F13}" dt="2024-10-03T21:51:28.719" v="347" actId="207"/>
-        <pc:sldMkLst>
-          <pc:docMk/>
-          <pc:sldMk cId="3108921986" sldId="297"/>
-        </pc:sldMkLst>
-      </pc:sldChg>
-      <pc:sldChg chg="modSp add mod">
-        <pc:chgData name="Toby Donaldson" userId="2e6e5431-bb17-4c41-9985-d39c50d83c73" providerId="ADAL" clId="{20086F44-729C-4D12-B1C6-A34D923A4F13}" dt="2024-10-03T22:05:02.082" v="419" actId="207"/>
-        <pc:sldMkLst>
-          <pc:docMk/>
-          <pc:sldMk cId="169709043" sldId="298"/>
-        </pc:sldMkLst>
-      </pc:sldChg>
-      <pc:sldChg chg="del">
-        <pc:chgData name="Toby Donaldson" userId="2e6e5431-bb17-4c41-9985-d39c50d83c73" providerId="ADAL" clId="{20086F44-729C-4D12-B1C6-A34D923A4F13}" dt="2024-10-03T21:37:54.868" v="54" actId="47"/>
-        <pc:sldMkLst>
-          <pc:docMk/>
-          <pc:sldMk cId="2811805653" sldId="298"/>
-        </pc:sldMkLst>
-      </pc:sldChg>
-      <pc:sldChg chg="delSp modSp add mod">
-        <pc:chgData name="Toby Donaldson" userId="2e6e5431-bb17-4c41-9985-d39c50d83c73" providerId="ADAL" clId="{20086F44-729C-4D12-B1C6-A34D923A4F13}" dt="2024-10-03T21:57:14.713" v="357" actId="207"/>
-        <pc:sldMkLst>
-          <pc:docMk/>
-          <pc:sldMk cId="3016795140" sldId="299"/>
-        </pc:sldMkLst>
-      </pc:sldChg>
-      <pc:sldChg chg="del">
-        <pc:chgData name="Toby Donaldson" userId="2e6e5431-bb17-4c41-9985-d39c50d83c73" providerId="ADAL" clId="{20086F44-729C-4D12-B1C6-A34D923A4F13}" dt="2024-10-03T21:37:54.868" v="54" actId="47"/>
-        <pc:sldMkLst>
-          <pc:docMk/>
-          <pc:sldMk cId="3119060891" sldId="299"/>
-        </pc:sldMkLst>
-      </pc:sldChg>
-      <pc:sldChg chg="del">
-        <pc:chgData name="Toby Donaldson" userId="2e6e5431-bb17-4c41-9985-d39c50d83c73" providerId="ADAL" clId="{20086F44-729C-4D12-B1C6-A34D923A4F13}" dt="2024-10-03T21:37:54.868" v="54" actId="47"/>
-        <pc:sldMkLst>
-          <pc:docMk/>
-          <pc:sldMk cId="1760604349" sldId="300"/>
-        </pc:sldMkLst>
-      </pc:sldChg>
-      <pc:sldChg chg="addSp modSp add mod">
-        <pc:chgData name="Toby Donaldson" userId="2e6e5431-bb17-4c41-9985-d39c50d83c73" providerId="ADAL" clId="{20086F44-729C-4D12-B1C6-A34D923A4F13}" dt="2024-10-03T21:57:26.717" v="358"/>
-        <pc:sldMkLst>
-          <pc:docMk/>
-          <pc:sldMk cId="2815964907" sldId="300"/>
-        </pc:sldMkLst>
-      </pc:sldChg>
-      <pc:sldChg chg="delSp modSp add mod">
-        <pc:chgData name="Toby Donaldson" userId="2e6e5431-bb17-4c41-9985-d39c50d83c73" providerId="ADAL" clId="{20086F44-729C-4D12-B1C6-A34D923A4F13}" dt="2024-10-03T21:58:21.278" v="367" actId="21"/>
-        <pc:sldMkLst>
-          <pc:docMk/>
-          <pc:sldMk cId="2175829944" sldId="301"/>
-        </pc:sldMkLst>
-      </pc:sldChg>
-      <pc:sldChg chg="del">
-        <pc:chgData name="Toby Donaldson" userId="2e6e5431-bb17-4c41-9985-d39c50d83c73" providerId="ADAL" clId="{20086F44-729C-4D12-B1C6-A34D923A4F13}" dt="2024-10-03T21:37:54.868" v="54" actId="47"/>
-        <pc:sldMkLst>
-          <pc:docMk/>
-          <pc:sldMk cId="3412806536" sldId="301"/>
-        </pc:sldMkLst>
-      </pc:sldChg>
-      <pc:sldChg chg="modSp add mod">
-        <pc:chgData name="Toby Donaldson" userId="2e6e5431-bb17-4c41-9985-d39c50d83c73" providerId="ADAL" clId="{20086F44-729C-4D12-B1C6-A34D923A4F13}" dt="2024-10-03T21:57:41.353" v="360" actId="20577"/>
-        <pc:sldMkLst>
-          <pc:docMk/>
-          <pc:sldMk cId="972195058" sldId="302"/>
-        </pc:sldMkLst>
-      </pc:sldChg>
-      <pc:sldChg chg="del">
-        <pc:chgData name="Toby Donaldson" userId="2e6e5431-bb17-4c41-9985-d39c50d83c73" providerId="ADAL" clId="{20086F44-729C-4D12-B1C6-A34D923A4F13}" dt="2024-10-03T21:37:54.868" v="54" actId="47"/>
-        <pc:sldMkLst>
-          <pc:docMk/>
-          <pc:sldMk cId="1732205588" sldId="302"/>
-        </pc:sldMkLst>
-      </pc:sldChg>
-      <pc:sldChg chg="modSp add del mod">
-        <pc:chgData name="Toby Donaldson" userId="2e6e5431-bb17-4c41-9985-d39c50d83c73" providerId="ADAL" clId="{20086F44-729C-4D12-B1C6-A34D923A4F13}" dt="2024-10-03T22:03:09.409" v="396" actId="2696"/>
-        <pc:sldMkLst>
-          <pc:docMk/>
-          <pc:sldMk cId="2087402192" sldId="303"/>
-        </pc:sldMkLst>
-      </pc:sldChg>
-      <pc:sldChg chg="del">
-        <pc:chgData name="Toby Donaldson" userId="2e6e5431-bb17-4c41-9985-d39c50d83c73" providerId="ADAL" clId="{20086F44-729C-4D12-B1C6-A34D923A4F13}" dt="2024-10-03T21:37:54.868" v="54" actId="47"/>
-        <pc:sldMkLst>
-          <pc:docMk/>
-          <pc:sldMk cId="4097905578" sldId="303"/>
-        </pc:sldMkLst>
-      </pc:sldChg>
-      <pc:sldChg chg="del">
-        <pc:chgData name="Toby Donaldson" userId="2e6e5431-bb17-4c41-9985-d39c50d83c73" providerId="ADAL" clId="{20086F44-729C-4D12-B1C6-A34D923A4F13}" dt="2024-10-03T21:37:54.868" v="54" actId="47"/>
-        <pc:sldMkLst>
-          <pc:docMk/>
-          <pc:sldMk cId="2732166047" sldId="304"/>
-        </pc:sldMkLst>
-      </pc:sldChg>
-      <pc:sldChg chg="addSp delSp modSp add mod">
-        <pc:chgData name="Toby Donaldson" userId="2e6e5431-bb17-4c41-9985-d39c50d83c73" providerId="ADAL" clId="{20086F44-729C-4D12-B1C6-A34D923A4F13}" dt="2024-10-03T21:59:58.465" v="376" actId="21"/>
-        <pc:sldMkLst>
-          <pc:docMk/>
-          <pc:sldMk cId="3323907594" sldId="304"/>
-        </pc:sldMkLst>
-      </pc:sldChg>
-      <pc:sldChg chg="del">
-        <pc:chgData name="Toby Donaldson" userId="2e6e5431-bb17-4c41-9985-d39c50d83c73" providerId="ADAL" clId="{20086F44-729C-4D12-B1C6-A34D923A4F13}" dt="2024-10-03T21:37:54.868" v="54" actId="47"/>
-        <pc:sldMkLst>
-          <pc:docMk/>
-          <pc:sldMk cId="683567091" sldId="305"/>
-        </pc:sldMkLst>
-      </pc:sldChg>
-      <pc:sldChg chg="modSp add mod">
-        <pc:chgData name="Toby Donaldson" userId="2e6e5431-bb17-4c41-9985-d39c50d83c73" providerId="ADAL" clId="{20086F44-729C-4D12-B1C6-A34D923A4F13}" dt="2024-10-03T22:00:54.763" v="383"/>
-        <pc:sldMkLst>
-          <pc:docMk/>
-          <pc:sldMk cId="3242673173" sldId="305"/>
-        </pc:sldMkLst>
-      </pc:sldChg>
-      <pc:sldChg chg="modSp add mod">
-        <pc:chgData name="Toby Donaldson" userId="2e6e5431-bb17-4c41-9985-d39c50d83c73" providerId="ADAL" clId="{20086F44-729C-4D12-B1C6-A34D923A4F13}" dt="2024-10-03T22:01:09.016" v="385" actId="20577"/>
-        <pc:sldMkLst>
-          <pc:docMk/>
-          <pc:sldMk cId="521494747" sldId="306"/>
-        </pc:sldMkLst>
-      </pc:sldChg>
-      <pc:sldChg chg="del">
-        <pc:chgData name="Toby Donaldson" userId="2e6e5431-bb17-4c41-9985-d39c50d83c73" providerId="ADAL" clId="{20086F44-729C-4D12-B1C6-A34D923A4F13}" dt="2024-10-03T21:37:54.868" v="54" actId="47"/>
-        <pc:sldMkLst>
-          <pc:docMk/>
-          <pc:sldMk cId="3573607454" sldId="306"/>
-        </pc:sldMkLst>
-      </pc:sldChg>
-      <pc:sldChg chg="modSp add del mod">
-        <pc:chgData name="Toby Donaldson" userId="2e6e5431-bb17-4c41-9985-d39c50d83c73" providerId="ADAL" clId="{20086F44-729C-4D12-B1C6-A34D923A4F13}" dt="2024-10-03T22:03:30.142" v="397" actId="2696"/>
-        <pc:sldMkLst>
-          <pc:docMk/>
-          <pc:sldMk cId="1567350618" sldId="307"/>
-        </pc:sldMkLst>
-      </pc:sldChg>
-      <pc:sldChg chg="del">
-        <pc:chgData name="Toby Donaldson" userId="2e6e5431-bb17-4c41-9985-d39c50d83c73" providerId="ADAL" clId="{20086F44-729C-4D12-B1C6-A34D923A4F13}" dt="2024-10-03T21:37:54.868" v="54" actId="47"/>
-        <pc:sldMkLst>
-          <pc:docMk/>
-          <pc:sldMk cId="2872453283" sldId="307"/>
-        </pc:sldMkLst>
-      </pc:sldChg>
-      <pc:sldChg chg="modSp add mod">
-        <pc:chgData name="Toby Donaldson" userId="2e6e5431-bb17-4c41-9985-d39c50d83c73" providerId="ADAL" clId="{20086F44-729C-4D12-B1C6-A34D923A4F13}" dt="2024-10-03T22:03:57.355" v="400" actId="20577"/>
-        <pc:sldMkLst>
-          <pc:docMk/>
-          <pc:sldMk cId="4062493392" sldId="307"/>
-        </pc:sldMkLst>
-      </pc:sldChg>
-      <pc:sldChg chg="modSp add mod">
-        <pc:chgData name="Toby Donaldson" userId="2e6e5431-bb17-4c41-9985-d39c50d83c73" providerId="ADAL" clId="{20086F44-729C-4D12-B1C6-A34D923A4F13}" dt="2024-10-03T22:04:07.393" v="402" actId="20577"/>
-        <pc:sldMkLst>
-          <pc:docMk/>
-          <pc:sldMk cId="98537914" sldId="308"/>
-        </pc:sldMkLst>
-      </pc:sldChg>
-      <pc:sldChg chg="modSp add del mod">
-        <pc:chgData name="Toby Donaldson" userId="2e6e5431-bb17-4c41-9985-d39c50d83c73" providerId="ADAL" clId="{20086F44-729C-4D12-B1C6-A34D923A4F13}" dt="2024-10-03T22:03:33.626" v="398" actId="2696"/>
-        <pc:sldMkLst>
-          <pc:docMk/>
-          <pc:sldMk cId="881788143" sldId="308"/>
-        </pc:sldMkLst>
-      </pc:sldChg>
-      <pc:sldChg chg="add del">
-        <pc:chgData name="Toby Donaldson" userId="2e6e5431-bb17-4c41-9985-d39c50d83c73" providerId="ADAL" clId="{20086F44-729C-4D12-B1C6-A34D923A4F13}" dt="2024-10-03T22:02:41.696" v="392" actId="2696"/>
-        <pc:sldMkLst>
-          <pc:docMk/>
-          <pc:sldMk cId="67683111" sldId="309"/>
-        </pc:sldMkLst>
-      </pc:sldChg>
-      <pc:sldChg chg="modSp add mod">
-        <pc:chgData name="Toby Donaldson" userId="2e6e5431-bb17-4c41-9985-d39c50d83c73" providerId="ADAL" clId="{20086F44-729C-4D12-B1C6-A34D923A4F13}" dt="2024-10-03T22:04:19.626" v="404" actId="20577"/>
-        <pc:sldMkLst>
-          <pc:docMk/>
-          <pc:sldMk cId="3679140938" sldId="309"/>
-        </pc:sldMkLst>
-      </pc:sldChg>
-      <pc:sldChg chg="del">
-        <pc:chgData name="Toby Donaldson" userId="2e6e5431-bb17-4c41-9985-d39c50d83c73" providerId="ADAL" clId="{20086F44-729C-4D12-B1C6-A34D923A4F13}" dt="2024-10-03T21:37:54.868" v="54" actId="47"/>
-        <pc:sldMkLst>
-          <pc:docMk/>
-          <pc:sldMk cId="1882997732" sldId="310"/>
-        </pc:sldMkLst>
-      </pc:sldChg>
-      <pc:sldChg chg="modSp add mod">
-        <pc:chgData name="Toby Donaldson" userId="2e6e5431-bb17-4c41-9985-d39c50d83c73" providerId="ADAL" clId="{20086F44-729C-4D12-B1C6-A34D923A4F13}" dt="2024-10-03T22:05:24.639" v="421" actId="20577"/>
-        <pc:sldMkLst>
-          <pc:docMk/>
-          <pc:sldMk cId="2657520401" sldId="310"/>
-        </pc:sldMkLst>
-      </pc:sldChg>
-      <pc:sldChg chg="modSp add mod">
-        <pc:chgData name="Toby Donaldson" userId="2e6e5431-bb17-4c41-9985-d39c50d83c73" providerId="ADAL" clId="{20086F44-729C-4D12-B1C6-A34D923A4F13}" dt="2024-10-03T22:06:41.125" v="423" actId="20577"/>
-        <pc:sldMkLst>
-          <pc:docMk/>
-          <pc:sldMk cId="3744931505" sldId="311"/>
-        </pc:sldMkLst>
-      </pc:sldChg>
-      <pc:sldChg chg="del">
-        <pc:chgData name="Toby Donaldson" userId="2e6e5431-bb17-4c41-9985-d39c50d83c73" providerId="ADAL" clId="{20086F44-729C-4D12-B1C6-A34D923A4F13}" dt="2024-10-03T21:37:54.868" v="54" actId="47"/>
-        <pc:sldMkLst>
-          <pc:docMk/>
-          <pc:sldMk cId="3944662364" sldId="311"/>
-        </pc:sldMkLst>
-      </pc:sldChg>
-      <pc:sldChg chg="del">
-        <pc:chgData name="Toby Donaldson" userId="2e6e5431-bb17-4c41-9985-d39c50d83c73" providerId="ADAL" clId="{20086F44-729C-4D12-B1C6-A34D923A4F13}" dt="2024-10-03T21:37:54.868" v="54" actId="47"/>
-        <pc:sldMkLst>
-          <pc:docMk/>
-          <pc:sldMk cId="2209025065" sldId="312"/>
-        </pc:sldMkLst>
-      </pc:sldChg>
-      <pc:sldChg chg="modSp add mod">
-        <pc:chgData name="Toby Donaldson" userId="2e6e5431-bb17-4c41-9985-d39c50d83c73" providerId="ADAL" clId="{20086F44-729C-4D12-B1C6-A34D923A4F13}" dt="2024-10-03T22:06:48.001" v="425" actId="20577"/>
-        <pc:sldMkLst>
-          <pc:docMk/>
-          <pc:sldMk cId="3207964120" sldId="312"/>
-        </pc:sldMkLst>
-      </pc:sldChg>
-      <pc:sldChg chg="del">
-        <pc:chgData name="Toby Donaldson" userId="2e6e5431-bb17-4c41-9985-d39c50d83c73" providerId="ADAL" clId="{20086F44-729C-4D12-B1C6-A34D923A4F13}" dt="2024-10-03T21:37:54.868" v="54" actId="47"/>
-        <pc:sldMkLst>
-          <pc:docMk/>
-          <pc:sldMk cId="2701333559" sldId="313"/>
-        </pc:sldMkLst>
-      </pc:sldChg>
-      <pc:sldChg chg="new del">
-        <pc:chgData name="Toby Donaldson" userId="2e6e5431-bb17-4c41-9985-d39c50d83c73" providerId="ADAL" clId="{20086F44-729C-4D12-B1C6-A34D923A4F13}" dt="2024-10-03T22:06:59.462" v="428" actId="2696"/>
-        <pc:sldMkLst>
-          <pc:docMk/>
-          <pc:sldMk cId="3692616815" sldId="313"/>
-        </pc:sldMkLst>
-      </pc:sldChg>
-      <pc:sldChg chg="del">
-        <pc:chgData name="Toby Donaldson" userId="2e6e5431-bb17-4c41-9985-d39c50d83c73" providerId="ADAL" clId="{20086F44-729C-4D12-B1C6-A34D923A4F13}" dt="2024-10-03T21:37:54.868" v="54" actId="47"/>
-        <pc:sldMkLst>
-          <pc:docMk/>
-          <pc:sldMk cId="3461131009" sldId="314"/>
-        </pc:sldMkLst>
-      </pc:sldChg>
-      <pc:sldChg chg="addSp delSp modSp add mod">
-        <pc:chgData name="Toby Donaldson" userId="2e6e5431-bb17-4c41-9985-d39c50d83c73" providerId="ADAL" clId="{20086F44-729C-4D12-B1C6-A34D923A4F13}" dt="2024-10-03T23:23:41.659" v="651" actId="20577"/>
-        <pc:sldMkLst>
-          <pc:docMk/>
-          <pc:sldMk cId="3982967344" sldId="314"/>
-        </pc:sldMkLst>
-      </pc:sldChg>
-      <pc:sldChg chg="delSp modSp add mod ord">
-        <pc:chgData name="Toby Donaldson" userId="2e6e5431-bb17-4c41-9985-d39c50d83c73" providerId="ADAL" clId="{20086F44-729C-4D12-B1C6-A34D923A4F13}" dt="2024-10-03T23:23:23.811" v="648"/>
-        <pc:sldMkLst>
-          <pc:docMk/>
-          <pc:sldMk cId="2206724113" sldId="315"/>
-        </pc:sldMkLst>
-      </pc:sldChg>
-      <pc:sldChg chg="del">
-        <pc:chgData name="Toby Donaldson" userId="2e6e5431-bb17-4c41-9985-d39c50d83c73" providerId="ADAL" clId="{20086F44-729C-4D12-B1C6-A34D923A4F13}" dt="2024-10-03T21:37:54.868" v="54" actId="47"/>
-        <pc:sldMkLst>
-          <pc:docMk/>
-          <pc:sldMk cId="2266552019" sldId="315"/>
-        </pc:sldMkLst>
-      </pc:sldChg>
-      <pc:sldChg chg="del">
-        <pc:chgData name="Toby Donaldson" userId="2e6e5431-bb17-4c41-9985-d39c50d83c73" providerId="ADAL" clId="{20086F44-729C-4D12-B1C6-A34D923A4F13}" dt="2024-10-03T21:37:54.868" v="54" actId="47"/>
-        <pc:sldMkLst>
-          <pc:docMk/>
-          <pc:sldMk cId="3858326061" sldId="316"/>
-        </pc:sldMkLst>
-      </pc:sldChg>
-      <pc:sldChg chg="add">
-        <pc:chgData name="Toby Donaldson" userId="2e6e5431-bb17-4c41-9985-d39c50d83c73" providerId="ADAL" clId="{20086F44-729C-4D12-B1C6-A34D923A4F13}" dt="2024-10-03T23:23:32.398" v="649" actId="2890"/>
-        <pc:sldMkLst>
-          <pc:docMk/>
-          <pc:sldMk cId="4046174309" sldId="316"/>
-        </pc:sldMkLst>
-      </pc:sldChg>
-      <pc:sldChg chg="modSp add mod ord">
-        <pc:chgData name="Toby Donaldson" userId="2e6e5431-bb17-4c41-9985-d39c50d83c73" providerId="ADAL" clId="{20086F44-729C-4D12-B1C6-A34D923A4F13}" dt="2024-10-03T23:27:34.397" v="887" actId="20577"/>
-        <pc:sldMkLst>
-          <pc:docMk/>
-          <pc:sldMk cId="2317714996" sldId="317"/>
-        </pc:sldMkLst>
-      </pc:sldChg>
-      <pc:sldChg chg="del">
-        <pc:chgData name="Toby Donaldson" userId="2e6e5431-bb17-4c41-9985-d39c50d83c73" providerId="ADAL" clId="{20086F44-729C-4D12-B1C6-A34D923A4F13}" dt="2024-10-03T21:37:54.868" v="54" actId="47"/>
-        <pc:sldMkLst>
-          <pc:docMk/>
-          <pc:sldMk cId="3248521206" sldId="317"/>
-        </pc:sldMkLst>
-      </pc:sldChg>
-      <pc:sldChg chg="del">
-        <pc:chgData name="Toby Donaldson" userId="2e6e5431-bb17-4c41-9985-d39c50d83c73" providerId="ADAL" clId="{20086F44-729C-4D12-B1C6-A34D923A4F13}" dt="2024-10-03T21:37:54.868" v="54" actId="47"/>
-        <pc:sldMkLst>
-          <pc:docMk/>
-          <pc:sldMk cId="249145512" sldId="318"/>
-        </pc:sldMkLst>
-      </pc:sldChg>
-      <pc:sldChg chg="delSp modSp add mod">
-        <pc:chgData name="Toby Donaldson" userId="2e6e5431-bb17-4c41-9985-d39c50d83c73" providerId="ADAL" clId="{20086F44-729C-4D12-B1C6-A34D923A4F13}" dt="2024-10-03T23:30:14.219" v="1044" actId="207"/>
-        <pc:sldMkLst>
-          <pc:docMk/>
-          <pc:sldMk cId="1531055308" sldId="318"/>
-        </pc:sldMkLst>
-      </pc:sldChg>
-      <pc:sldChg chg="new del">
-        <pc:chgData name="Toby Donaldson" userId="2e6e5431-bb17-4c41-9985-d39c50d83c73" providerId="ADAL" clId="{20086F44-729C-4D12-B1C6-A34D923A4F13}" dt="2024-10-03T23:26:46.701" v="797" actId="2696"/>
-        <pc:sldMkLst>
-          <pc:docMk/>
-          <pc:sldMk cId="4142395185" sldId="318"/>
-        </pc:sldMkLst>
-      </pc:sldChg>
-      <pc:sldChg chg="del">
-        <pc:chgData name="Toby Donaldson" userId="2e6e5431-bb17-4c41-9985-d39c50d83c73" providerId="ADAL" clId="{20086F44-729C-4D12-B1C6-A34D923A4F13}" dt="2024-10-03T21:37:54.868" v="54" actId="47"/>
-        <pc:sldMkLst>
-          <pc:docMk/>
-          <pc:sldMk cId="4252038421" sldId="319"/>
-        </pc:sldMkLst>
-      </pc:sldChg>
-      <pc:sldChg chg="modSp add mod">
-        <pc:chgData name="Toby Donaldson" userId="2e6e5431-bb17-4c41-9985-d39c50d83c73" providerId="ADAL" clId="{20086F44-729C-4D12-B1C6-A34D923A4F13}" dt="2024-10-03T23:30:55.876" v="1057" actId="20577"/>
-        <pc:sldMkLst>
-          <pc:docMk/>
-          <pc:sldMk cId="4273788612" sldId="319"/>
-        </pc:sldMkLst>
-      </pc:sldChg>
-      <pc:sldChg chg="del">
-        <pc:chgData name="Toby Donaldson" userId="2e6e5431-bb17-4c41-9985-d39c50d83c73" providerId="ADAL" clId="{20086F44-729C-4D12-B1C6-A34D923A4F13}" dt="2024-10-03T21:37:54.868" v="54" actId="47"/>
-        <pc:sldMkLst>
-          <pc:docMk/>
-          <pc:sldMk cId="288943026" sldId="320"/>
-        </pc:sldMkLst>
-      </pc:sldChg>
-      <pc:sldChg chg="modSp add mod">
-        <pc:chgData name="Toby Donaldson" userId="2e6e5431-bb17-4c41-9985-d39c50d83c73" providerId="ADAL" clId="{20086F44-729C-4D12-B1C6-A34D923A4F13}" dt="2024-10-03T23:32:27.092" v="1117"/>
-        <pc:sldMkLst>
-          <pc:docMk/>
-          <pc:sldMk cId="2942349654" sldId="320"/>
-        </pc:sldMkLst>
-      </pc:sldChg>
-      <pc:sldChg chg="del">
-        <pc:chgData name="Toby Donaldson" userId="2e6e5431-bb17-4c41-9985-d39c50d83c73" providerId="ADAL" clId="{20086F44-729C-4D12-B1C6-A34D923A4F13}" dt="2024-10-03T21:37:54.868" v="54" actId="47"/>
-        <pc:sldMkLst>
-          <pc:docMk/>
-          <pc:sldMk cId="1396177901" sldId="321"/>
-        </pc:sldMkLst>
-      </pc:sldChg>
-      <pc:sldChg chg="modSp add mod">
-        <pc:chgData name="Toby Donaldson" userId="2e6e5431-bb17-4c41-9985-d39c50d83c73" providerId="ADAL" clId="{20086F44-729C-4D12-B1C6-A34D923A4F13}" dt="2024-10-03T23:34:47.165" v="1157" actId="20577"/>
-        <pc:sldMkLst>
-          <pc:docMk/>
-          <pc:sldMk cId="3803866199" sldId="321"/>
-        </pc:sldMkLst>
-      </pc:sldChg>
-      <pc:sldChg chg="del">
-        <pc:chgData name="Toby Donaldson" userId="2e6e5431-bb17-4c41-9985-d39c50d83c73" providerId="ADAL" clId="{20086F44-729C-4D12-B1C6-A34D923A4F13}" dt="2024-10-03T21:37:54.868" v="54" actId="47"/>
-        <pc:sldMkLst>
-          <pc:docMk/>
-          <pc:sldMk cId="1990104137" sldId="322"/>
-        </pc:sldMkLst>
-      </pc:sldChg>
-      <pc:sldChg chg="modSp add mod">
-        <pc:chgData name="Toby Donaldson" userId="2e6e5431-bb17-4c41-9985-d39c50d83c73" providerId="ADAL" clId="{20086F44-729C-4D12-B1C6-A34D923A4F13}" dt="2024-10-03T23:36:56.254" v="1220" actId="313"/>
-        <pc:sldMkLst>
-          <pc:docMk/>
-          <pc:sldMk cId="3735376480" sldId="322"/>
-        </pc:sldMkLst>
-      </pc:sldChg>
-      <pc:sldChg chg="del">
-        <pc:chgData name="Toby Donaldson" userId="2e6e5431-bb17-4c41-9985-d39c50d83c73" providerId="ADAL" clId="{20086F44-729C-4D12-B1C6-A34D923A4F13}" dt="2024-10-03T21:37:54.868" v="54" actId="47"/>
-        <pc:sldMkLst>
-          <pc:docMk/>
-          <pc:sldMk cId="2358446259" sldId="323"/>
-        </pc:sldMkLst>
-      </pc:sldChg>
-      <pc:sldChg chg="modSp add mod">
-        <pc:chgData name="Toby Donaldson" userId="2e6e5431-bb17-4c41-9985-d39c50d83c73" providerId="ADAL" clId="{20086F44-729C-4D12-B1C6-A34D923A4F13}" dt="2024-10-03T23:38:51.814" v="1303" actId="1076"/>
-        <pc:sldMkLst>
-          <pc:docMk/>
-          <pc:sldMk cId="2878214079" sldId="323"/>
-        </pc:sldMkLst>
-      </pc:sldChg>
-      <pc:sldChg chg="del">
-        <pc:chgData name="Toby Donaldson" userId="2e6e5431-bb17-4c41-9985-d39c50d83c73" providerId="ADAL" clId="{20086F44-729C-4D12-B1C6-A34D923A4F13}" dt="2024-10-03T21:37:54.868" v="54" actId="47"/>
-        <pc:sldMkLst>
-          <pc:docMk/>
-          <pc:sldMk cId="1092517109" sldId="324"/>
-        </pc:sldMkLst>
-      </pc:sldChg>
-      <pc:sldChg chg="addSp modSp add mod">
-        <pc:chgData name="Toby Donaldson" userId="2e6e5431-bb17-4c41-9985-d39c50d83c73" providerId="ADAL" clId="{20086F44-729C-4D12-B1C6-A34D923A4F13}" dt="2024-10-03T23:41:44.460" v="1518" actId="113"/>
-        <pc:sldMkLst>
-          <pc:docMk/>
-          <pc:sldMk cId="3212215102" sldId="324"/>
-        </pc:sldMkLst>
-      </pc:sldChg>
-      <pc:sldChg chg="del">
-        <pc:chgData name="Toby Donaldson" userId="2e6e5431-bb17-4c41-9985-d39c50d83c73" providerId="ADAL" clId="{20086F44-729C-4D12-B1C6-A34D923A4F13}" dt="2024-10-03T21:37:54.868" v="54" actId="47"/>
-        <pc:sldMkLst>
-          <pc:docMk/>
-          <pc:sldMk cId="2215848448" sldId="325"/>
-        </pc:sldMkLst>
-      </pc:sldChg>
-      <pc:sldChg chg="addSp modSp mod">
-        <pc:chgData name="Toby Donaldson" userId="2e6e5431-bb17-4c41-9985-d39c50d83c73" providerId="ADAL" clId="{20086F44-729C-4D12-B1C6-A34D923A4F13}" dt="2024-10-03T23:45:17.791" v="1650" actId="207"/>
-        <pc:sldMkLst>
-          <pc:docMk/>
-          <pc:sldMk cId="3902963989" sldId="325"/>
-        </pc:sldMkLst>
-      </pc:sldChg>
-      <pc:sldChg chg="del">
-        <pc:chgData name="Toby Donaldson" userId="2e6e5431-bb17-4c41-9985-d39c50d83c73" providerId="ADAL" clId="{20086F44-729C-4D12-B1C6-A34D923A4F13}" dt="2024-10-03T21:37:54.868" v="54" actId="47"/>
-        <pc:sldMkLst>
-          <pc:docMk/>
-          <pc:sldMk cId="1270752324" sldId="326"/>
-        </pc:sldMkLst>
-      </pc:sldChg>
-      <pc:sldChg chg="addSp delSp modSp add mod">
-        <pc:chgData name="Toby Donaldson" userId="2e6e5431-bb17-4c41-9985-d39c50d83c73" providerId="ADAL" clId="{20086F44-729C-4D12-B1C6-A34D923A4F13}" dt="2024-10-03T23:45:39.643" v="1653" actId="207"/>
-        <pc:sldMkLst>
-          <pc:docMk/>
-          <pc:sldMk cId="3995934686" sldId="326"/>
-        </pc:sldMkLst>
-      </pc:sldChg>
-      <pc:sldChg chg="addSp delSp modSp add mod ord">
-        <pc:chgData name="Toby Donaldson" userId="2e6e5431-bb17-4c41-9985-d39c50d83c73" providerId="ADAL" clId="{20086F44-729C-4D12-B1C6-A34D923A4F13}" dt="2024-10-03T23:59:16.729" v="1979" actId="114"/>
-        <pc:sldMkLst>
-          <pc:docMk/>
-          <pc:sldMk cId="3331836019" sldId="327"/>
-        </pc:sldMkLst>
-      </pc:sldChg>
-      <pc:sldChg chg="del">
-        <pc:chgData name="Toby Donaldson" userId="2e6e5431-bb17-4c41-9985-d39c50d83c73" providerId="ADAL" clId="{20086F44-729C-4D12-B1C6-A34D923A4F13}" dt="2024-10-03T21:37:54.868" v="54" actId="47"/>
-        <pc:sldMkLst>
-          <pc:docMk/>
-          <pc:sldMk cId="3374951965" sldId="327"/>
-        </pc:sldMkLst>
-      </pc:sldChg>
-      <pc:sldChg chg="del">
-        <pc:chgData name="Toby Donaldson" userId="2e6e5431-bb17-4c41-9985-d39c50d83c73" providerId="ADAL" clId="{20086F44-729C-4D12-B1C6-A34D923A4F13}" dt="2024-10-03T21:37:54.868" v="54" actId="47"/>
-        <pc:sldMkLst>
-          <pc:docMk/>
-          <pc:sldMk cId="2375367705" sldId="328"/>
-        </pc:sldMkLst>
-      </pc:sldChg>
-      <pc:sldChg chg="modSp add mod">
-        <pc:chgData name="Toby Donaldson" userId="2e6e5431-bb17-4c41-9985-d39c50d83c73" providerId="ADAL" clId="{20086F44-729C-4D12-B1C6-A34D923A4F13}" dt="2024-10-03T23:59:22.380" v="1980" actId="114"/>
-        <pc:sldMkLst>
-          <pc:docMk/>
-          <pc:sldMk cId="3488065849" sldId="328"/>
-        </pc:sldMkLst>
-      </pc:sldChg>
-      <pc:sldChg chg="modSp add mod ord">
-        <pc:chgData name="Toby Donaldson" userId="2e6e5431-bb17-4c41-9985-d39c50d83c73" providerId="ADAL" clId="{20086F44-729C-4D12-B1C6-A34D923A4F13}" dt="2024-10-04T00:02:07.481" v="2075" actId="20577"/>
-        <pc:sldMkLst>
-          <pc:docMk/>
-          <pc:sldMk cId="2059733870" sldId="329"/>
-        </pc:sldMkLst>
-      </pc:sldChg>
-      <pc:sldChg chg="del">
-        <pc:chgData name="Toby Donaldson" userId="2e6e5431-bb17-4c41-9985-d39c50d83c73" providerId="ADAL" clId="{20086F44-729C-4D12-B1C6-A34D923A4F13}" dt="2024-10-03T21:37:54.868" v="54" actId="47"/>
-        <pc:sldMkLst>
-          <pc:docMk/>
-          <pc:sldMk cId="3076077529" sldId="329"/>
-        </pc:sldMkLst>
-      </pc:sldChg>
-      <pc:sldChg chg="del">
-        <pc:chgData name="Toby Donaldson" userId="2e6e5431-bb17-4c41-9985-d39c50d83c73" providerId="ADAL" clId="{20086F44-729C-4D12-B1C6-A34D923A4F13}" dt="2024-10-03T21:37:54.868" v="54" actId="47"/>
-        <pc:sldMkLst>
-          <pc:docMk/>
-          <pc:sldMk cId="1630335454" sldId="330"/>
-        </pc:sldMkLst>
-      </pc:sldChg>
-      <pc:sldChg chg="modSp add mod">
-        <pc:chgData name="Toby Donaldson" userId="2e6e5431-bb17-4c41-9985-d39c50d83c73" providerId="ADAL" clId="{20086F44-729C-4D12-B1C6-A34D923A4F13}" dt="2024-10-04T00:03:29.895" v="2139" actId="313"/>
-        <pc:sldMkLst>
-          <pc:docMk/>
-          <pc:sldMk cId="2454781990" sldId="330"/>
-        </pc:sldMkLst>
-      </pc:sldChg>
-      <pc:sldChg chg="del">
-        <pc:chgData name="Toby Donaldson" userId="2e6e5431-bb17-4c41-9985-d39c50d83c73" providerId="ADAL" clId="{20086F44-729C-4D12-B1C6-A34D923A4F13}" dt="2024-10-03T21:37:54.868" v="54" actId="47"/>
-        <pc:sldMkLst>
-          <pc:docMk/>
-          <pc:sldMk cId="519914869" sldId="331"/>
-        </pc:sldMkLst>
-      </pc:sldChg>
-      <pc:sldChg chg="delSp modSp add mod">
-        <pc:chgData name="Toby Donaldson" userId="2e6e5431-bb17-4c41-9985-d39c50d83c73" providerId="ADAL" clId="{20086F44-729C-4D12-B1C6-A34D923A4F13}" dt="2024-10-04T04:10:54.197" v="2418" actId="113"/>
-        <pc:sldMkLst>
-          <pc:docMk/>
-          <pc:sldMk cId="3107842778" sldId="331"/>
-        </pc:sldMkLst>
-      </pc:sldChg>
-      <pc:sldChg chg="addSp delSp modSp add mod ord">
-        <pc:chgData name="Toby Donaldson" userId="2e6e5431-bb17-4c41-9985-d39c50d83c73" providerId="ADAL" clId="{20086F44-729C-4D12-B1C6-A34D923A4F13}" dt="2024-10-04T04:22:50.682" v="2989" actId="313"/>
-        <pc:sldMkLst>
-          <pc:docMk/>
-          <pc:sldMk cId="825497567" sldId="332"/>
-        </pc:sldMkLst>
-      </pc:sldChg>
-      <pc:sldChg chg="del">
-        <pc:chgData name="Toby Donaldson" userId="2e6e5431-bb17-4c41-9985-d39c50d83c73" providerId="ADAL" clId="{20086F44-729C-4D12-B1C6-A34D923A4F13}" dt="2024-10-03T21:37:54.868" v="54" actId="47"/>
-        <pc:sldMkLst>
-          <pc:docMk/>
-          <pc:sldMk cId="2849956798" sldId="332"/>
-        </pc:sldMkLst>
-      </pc:sldChg>
-      <pc:sldChg chg="del">
-        <pc:chgData name="Toby Donaldson" userId="2e6e5431-bb17-4c41-9985-d39c50d83c73" providerId="ADAL" clId="{20086F44-729C-4D12-B1C6-A34D923A4F13}" dt="2024-10-03T21:37:54.868" v="54" actId="47"/>
-        <pc:sldMkLst>
-          <pc:docMk/>
-          <pc:sldMk cId="3967795402" sldId="333"/>
-        </pc:sldMkLst>
-      </pc:sldChg>
-      <pc:sldChg chg="modSp add mod ord">
-        <pc:chgData name="Toby Donaldson" userId="2e6e5431-bb17-4c41-9985-d39c50d83c73" providerId="ADAL" clId="{20086F44-729C-4D12-B1C6-A34D923A4F13}" dt="2024-10-04T04:23:34.569" v="3030" actId="20577"/>
-        <pc:sldMkLst>
-          <pc:docMk/>
-          <pc:sldMk cId="4071468877" sldId="333"/>
-        </pc:sldMkLst>
-      </pc:sldChg>
-      <pc:sldChg chg="del">
-        <pc:chgData name="Toby Donaldson" userId="2e6e5431-bb17-4c41-9985-d39c50d83c73" providerId="ADAL" clId="{20086F44-729C-4D12-B1C6-A34D923A4F13}" dt="2024-10-03T21:37:54.868" v="54" actId="47"/>
-        <pc:sldMkLst>
-          <pc:docMk/>
-          <pc:sldMk cId="2618373808" sldId="334"/>
-        </pc:sldMkLst>
-      </pc:sldChg>
-      <pc:sldChg chg="modSp add mod ord">
-        <pc:chgData name="Toby Donaldson" userId="2e6e5431-bb17-4c41-9985-d39c50d83c73" providerId="ADAL" clId="{20086F44-729C-4D12-B1C6-A34D923A4F13}" dt="2024-10-04T04:22:44.052" v="2985" actId="313"/>
-        <pc:sldMkLst>
-          <pc:docMk/>
-          <pc:sldMk cId="3885508006" sldId="334"/>
-        </pc:sldMkLst>
-      </pc:sldChg>
-      <pc:sldChg chg="delSp modSp add mod ord">
-        <pc:chgData name="Toby Donaldson" userId="2e6e5431-bb17-4c41-9985-d39c50d83c73" providerId="ADAL" clId="{20086F44-729C-4D12-B1C6-A34D923A4F13}" dt="2024-10-06T20:48:50.334" v="3190" actId="113"/>
-        <pc:sldMkLst>
-          <pc:docMk/>
-          <pc:sldMk cId="1720491985" sldId="335"/>
-        </pc:sldMkLst>
-      </pc:sldChg>
-      <pc:sldChg chg="del">
-        <pc:chgData name="Toby Donaldson" userId="2e6e5431-bb17-4c41-9985-d39c50d83c73" providerId="ADAL" clId="{20086F44-729C-4D12-B1C6-A34D923A4F13}" dt="2024-10-03T21:37:54.868" v="54" actId="47"/>
-        <pc:sldMkLst>
-          <pc:docMk/>
-          <pc:sldMk cId="2716633986" sldId="335"/>
-        </pc:sldMkLst>
-      </pc:sldChg>
-      <pc:sldChg chg="del">
-        <pc:chgData name="Toby Donaldson" userId="2e6e5431-bb17-4c41-9985-d39c50d83c73" providerId="ADAL" clId="{20086F44-729C-4D12-B1C6-A34D923A4F13}" dt="2024-10-03T21:37:54.868" v="54" actId="47"/>
-        <pc:sldMkLst>
-          <pc:docMk/>
-          <pc:sldMk cId="1424474129" sldId="336"/>
-        </pc:sldMkLst>
-      </pc:sldChg>
-      <pc:sldChg chg="addSp modSp add mod">
-        <pc:chgData name="Toby Donaldson" userId="2e6e5431-bb17-4c41-9985-d39c50d83c73" providerId="ADAL" clId="{20086F44-729C-4D12-B1C6-A34D923A4F13}" dt="2024-10-06T20:50:02.842" v="3264" actId="1076"/>
-        <pc:sldMkLst>
-          <pc:docMk/>
-          <pc:sldMk cId="1702262640" sldId="336"/>
-        </pc:sldMkLst>
-      </pc:sldChg>
-      <pc:sldChg chg="addSp modSp add mod">
-        <pc:chgData name="Toby Donaldson" userId="2e6e5431-bb17-4c41-9985-d39c50d83c73" providerId="ADAL" clId="{20086F44-729C-4D12-B1C6-A34D923A4F13}" dt="2024-10-06T20:51:36.591" v="3356" actId="14100"/>
-        <pc:sldMkLst>
-          <pc:docMk/>
-          <pc:sldMk cId="1996348735" sldId="337"/>
-        </pc:sldMkLst>
-      </pc:sldChg>
-      <pc:sldChg chg="del">
-        <pc:chgData name="Toby Donaldson" userId="2e6e5431-bb17-4c41-9985-d39c50d83c73" providerId="ADAL" clId="{20086F44-729C-4D12-B1C6-A34D923A4F13}" dt="2024-10-03T21:37:54.868" v="54" actId="47"/>
-        <pc:sldMkLst>
-          <pc:docMk/>
-          <pc:sldMk cId="3046212211" sldId="337"/>
-        </pc:sldMkLst>
-      </pc:sldChg>
-      <pc:sldChg chg="del">
-        <pc:chgData name="Toby Donaldson" userId="2e6e5431-bb17-4c41-9985-d39c50d83c73" providerId="ADAL" clId="{20086F44-729C-4D12-B1C6-A34D923A4F13}" dt="2024-10-03T21:37:54.868" v="54" actId="47"/>
-        <pc:sldMkLst>
-          <pc:docMk/>
-          <pc:sldMk cId="2280668604" sldId="338"/>
-        </pc:sldMkLst>
-      </pc:sldChg>
-      <pc:sldChg chg="modSp add mod">
-        <pc:chgData name="Toby Donaldson" userId="2e6e5431-bb17-4c41-9985-d39c50d83c73" providerId="ADAL" clId="{20086F44-729C-4D12-B1C6-A34D923A4F13}" dt="2024-10-06T20:51:47.755" v="3359" actId="14100"/>
-        <pc:sldMkLst>
-          <pc:docMk/>
-          <pc:sldMk cId="2623435609" sldId="338"/>
-        </pc:sldMkLst>
-      </pc:sldChg>
-      <pc:sldChg chg="modSp add mod">
-        <pc:chgData name="Toby Donaldson" userId="2e6e5431-bb17-4c41-9985-d39c50d83c73" providerId="ADAL" clId="{20086F44-729C-4D12-B1C6-A34D923A4F13}" dt="2024-10-06T20:51:59.739" v="3362" actId="14100"/>
-        <pc:sldMkLst>
-          <pc:docMk/>
-          <pc:sldMk cId="1038925990" sldId="339"/>
-        </pc:sldMkLst>
-      </pc:sldChg>
-      <pc:sldChg chg="del">
-        <pc:chgData name="Toby Donaldson" userId="2e6e5431-bb17-4c41-9985-d39c50d83c73" providerId="ADAL" clId="{20086F44-729C-4D12-B1C6-A34D923A4F13}" dt="2024-10-03T21:37:54.868" v="54" actId="47"/>
-        <pc:sldMkLst>
-          <pc:docMk/>
-          <pc:sldMk cId="1310673805" sldId="339"/>
-        </pc:sldMkLst>
-      </pc:sldChg>
-      <pc:sldChg chg="del">
-        <pc:chgData name="Toby Donaldson" userId="2e6e5431-bb17-4c41-9985-d39c50d83c73" providerId="ADAL" clId="{20086F44-729C-4D12-B1C6-A34D923A4F13}" dt="2024-10-03T21:37:54.868" v="54" actId="47"/>
-        <pc:sldMkLst>
-          <pc:docMk/>
-          <pc:sldMk cId="2203291535" sldId="340"/>
-        </pc:sldMkLst>
-      </pc:sldChg>
-      <pc:sldChg chg="modSp add mod">
-        <pc:chgData name="Toby Donaldson" userId="2e6e5431-bb17-4c41-9985-d39c50d83c73" providerId="ADAL" clId="{20086F44-729C-4D12-B1C6-A34D923A4F13}" dt="2024-10-06T20:52:12.110" v="3365" actId="14100"/>
-        <pc:sldMkLst>
-          <pc:docMk/>
-          <pc:sldMk cId="2898579699" sldId="340"/>
-        </pc:sldMkLst>
-      </pc:sldChg>
-      <pc:sldChg chg="del">
-        <pc:chgData name="Toby Donaldson" userId="2e6e5431-bb17-4c41-9985-d39c50d83c73" providerId="ADAL" clId="{20086F44-729C-4D12-B1C6-A34D923A4F13}" dt="2024-10-03T21:37:54.868" v="54" actId="47"/>
-        <pc:sldMkLst>
-          <pc:docMk/>
-          <pc:sldMk cId="3386612823" sldId="341"/>
-        </pc:sldMkLst>
-      </pc:sldChg>
-      <pc:sldChg chg="delSp modSp add mod">
-        <pc:chgData name="Toby Donaldson" userId="2e6e5431-bb17-4c41-9985-d39c50d83c73" providerId="ADAL" clId="{20086F44-729C-4D12-B1C6-A34D923A4F13}" dt="2024-10-06T20:53:07.173" v="3466" actId="21"/>
-        <pc:sldMkLst>
-          <pc:docMk/>
-          <pc:sldMk cId="4014983717" sldId="341"/>
-        </pc:sldMkLst>
-      </pc:sldChg>
-      <pc:sldChg chg="del">
-        <pc:chgData name="Toby Donaldson" userId="2e6e5431-bb17-4c41-9985-d39c50d83c73" providerId="ADAL" clId="{20086F44-729C-4D12-B1C6-A34D923A4F13}" dt="2024-10-03T21:37:54.868" v="54" actId="47"/>
-        <pc:sldMkLst>
-          <pc:docMk/>
-          <pc:sldMk cId="1534370893" sldId="342"/>
-        </pc:sldMkLst>
-      </pc:sldChg>
-      <pc:sldChg chg="delSp modSp add del mod">
-        <pc:chgData name="Toby Donaldson" userId="2e6e5431-bb17-4c41-9985-d39c50d83c73" providerId="ADAL" clId="{20086F44-729C-4D12-B1C6-A34D923A4F13}" dt="2024-10-06T20:55:01.748" v="3552" actId="2696"/>
-        <pc:sldMkLst>
-          <pc:docMk/>
-          <pc:sldMk cId="3749231992" sldId="342"/>
-        </pc:sldMkLst>
-      </pc:sldChg>
-      <pc:sldChg chg="del">
-        <pc:chgData name="Toby Donaldson" userId="2e6e5431-bb17-4c41-9985-d39c50d83c73" providerId="ADAL" clId="{20086F44-729C-4D12-B1C6-A34D923A4F13}" dt="2024-10-03T21:37:54.868" v="54" actId="47"/>
-        <pc:sldMkLst>
-          <pc:docMk/>
-          <pc:sldMk cId="1866605820" sldId="343"/>
-        </pc:sldMkLst>
-      </pc:sldChg>
-      <pc:sldChg chg="addSp delSp modSp add mod">
-        <pc:chgData name="Toby Donaldson" userId="2e6e5431-bb17-4c41-9985-d39c50d83c73" providerId="ADAL" clId="{20086F44-729C-4D12-B1C6-A34D923A4F13}" dt="2024-10-06T21:34:12.401" v="5247" actId="20577"/>
-        <pc:sldMkLst>
-          <pc:docMk/>
-          <pc:sldMk cId="3285907966" sldId="343"/>
-        </pc:sldMkLst>
-      </pc:sldChg>
-      <pc:sldChg chg="addSp modSp add mod">
-        <pc:chgData name="Toby Donaldson" userId="2e6e5431-bb17-4c41-9985-d39c50d83c73" providerId="ADAL" clId="{20086F44-729C-4D12-B1C6-A34D923A4F13}" dt="2024-10-06T21:34:23.159" v="5248" actId="20577"/>
-        <pc:sldMkLst>
-          <pc:docMk/>
-          <pc:sldMk cId="41229538" sldId="344"/>
-        </pc:sldMkLst>
-      </pc:sldChg>
-      <pc:sldChg chg="del">
-        <pc:chgData name="Toby Donaldson" userId="2e6e5431-bb17-4c41-9985-d39c50d83c73" providerId="ADAL" clId="{20086F44-729C-4D12-B1C6-A34D923A4F13}" dt="2024-10-03T21:37:54.868" v="54" actId="47"/>
-        <pc:sldMkLst>
-          <pc:docMk/>
-          <pc:sldMk cId="3473259547" sldId="344"/>
-        </pc:sldMkLst>
-      </pc:sldChg>
-      <pc:sldChg chg="modSp add mod">
-        <pc:chgData name="Toby Donaldson" userId="2e6e5431-bb17-4c41-9985-d39c50d83c73" providerId="ADAL" clId="{20086F44-729C-4D12-B1C6-A34D923A4F13}" dt="2024-10-06T21:34:27.971" v="5249" actId="20577"/>
-        <pc:sldMkLst>
-          <pc:docMk/>
-          <pc:sldMk cId="1057551346" sldId="345"/>
-        </pc:sldMkLst>
-      </pc:sldChg>
-      <pc:sldChg chg="del">
-        <pc:chgData name="Toby Donaldson" userId="2e6e5431-bb17-4c41-9985-d39c50d83c73" providerId="ADAL" clId="{20086F44-729C-4D12-B1C6-A34D923A4F13}" dt="2024-10-03T21:37:54.868" v="54" actId="47"/>
-        <pc:sldMkLst>
-          <pc:docMk/>
-          <pc:sldMk cId="3515138058" sldId="345"/>
-        </pc:sldMkLst>
-      </pc:sldChg>
-      <pc:sldChg chg="addSp modSp add mod">
-        <pc:chgData name="Toby Donaldson" userId="2e6e5431-bb17-4c41-9985-d39c50d83c73" providerId="ADAL" clId="{20086F44-729C-4D12-B1C6-A34D923A4F13}" dt="2024-10-06T21:34:32.412" v="5250" actId="20577"/>
-        <pc:sldMkLst>
-          <pc:docMk/>
-          <pc:sldMk cId="4044506947" sldId="346"/>
-        </pc:sldMkLst>
-      </pc:sldChg>
-      <pc:sldChg chg="delSp modSp add mod">
-        <pc:chgData name="Toby Donaldson" userId="2e6e5431-bb17-4c41-9985-d39c50d83c73" providerId="ADAL" clId="{20086F44-729C-4D12-B1C6-A34D923A4F13}" dt="2024-10-06T21:34:36.798" v="5251" actId="20577"/>
-        <pc:sldMkLst>
-          <pc:docMk/>
-          <pc:sldMk cId="2657708492" sldId="347"/>
-        </pc:sldMkLst>
-      </pc:sldChg>
-      <pc:sldChg chg="delSp modSp add mod">
-        <pc:chgData name="Toby Donaldson" userId="2e6e5431-bb17-4c41-9985-d39c50d83c73" providerId="ADAL" clId="{20086F44-729C-4D12-B1C6-A34D923A4F13}" dt="2024-10-06T21:34:43.057" v="5252" actId="20577"/>
-        <pc:sldMkLst>
-          <pc:docMk/>
-          <pc:sldMk cId="689492062" sldId="348"/>
-        </pc:sldMkLst>
-      </pc:sldChg>
-      <pc:sldChg chg="modSp add mod">
-        <pc:chgData name="Toby Donaldson" userId="2e6e5431-bb17-4c41-9985-d39c50d83c73" providerId="ADAL" clId="{20086F44-729C-4D12-B1C6-A34D923A4F13}" dt="2024-10-06T21:34:46.204" v="5253" actId="20577"/>
-        <pc:sldMkLst>
-          <pc:docMk/>
-          <pc:sldMk cId="1214199312" sldId="349"/>
-        </pc:sldMkLst>
-      </pc:sldChg>
-      <pc:sldChg chg="addSp modSp add mod ord">
-        <pc:chgData name="Toby Donaldson" userId="2e6e5431-bb17-4c41-9985-d39c50d83c73" providerId="ADAL" clId="{20086F44-729C-4D12-B1C6-A34D923A4F13}" dt="2024-10-06T21:34:50.953" v="5254" actId="20577"/>
-        <pc:sldMkLst>
-          <pc:docMk/>
-          <pc:sldMk cId="894663321" sldId="350"/>
-        </pc:sldMkLst>
-      </pc:sldChg>
-      <pc:sldChg chg="delSp modSp add mod">
-        <pc:chgData name="Toby Donaldson" userId="2e6e5431-bb17-4c41-9985-d39c50d83c73" providerId="ADAL" clId="{20086F44-729C-4D12-B1C6-A34D923A4F13}" dt="2024-10-06T21:06:01.160" v="4348" actId="14100"/>
-        <pc:sldMkLst>
-          <pc:docMk/>
-          <pc:sldMk cId="237995310" sldId="351"/>
-        </pc:sldMkLst>
-      </pc:sldChg>
-      <pc:sldChg chg="addSp modSp add mod">
-        <pc:chgData name="Toby Donaldson" userId="2e6e5431-bb17-4c41-9985-d39c50d83c73" providerId="ADAL" clId="{20086F44-729C-4D12-B1C6-A34D923A4F13}" dt="2024-10-06T21:06:42.716" v="4358" actId="1076"/>
-        <pc:sldMkLst>
-          <pc:docMk/>
-          <pc:sldMk cId="737578770" sldId="352"/>
-        </pc:sldMkLst>
-      </pc:sldChg>
-      <pc:sldChg chg="addSp modSp add mod">
-        <pc:chgData name="Toby Donaldson" userId="2e6e5431-bb17-4c41-9985-d39c50d83c73" providerId="ADAL" clId="{20086F44-729C-4D12-B1C6-A34D923A4F13}" dt="2024-10-06T21:08:01.134" v="4439" actId="11529"/>
-        <pc:sldMkLst>
-          <pc:docMk/>
-          <pc:sldMk cId="3682672744" sldId="353"/>
-        </pc:sldMkLst>
-      </pc:sldChg>
-      <pc:sldChg chg="addSp modSp add mod">
-        <pc:chgData name="Toby Donaldson" userId="2e6e5431-bb17-4c41-9985-d39c50d83c73" providerId="ADAL" clId="{20086F44-729C-4D12-B1C6-A34D923A4F13}" dt="2024-10-06T21:08:53.985" v="4511" actId="14100"/>
-        <pc:sldMkLst>
-          <pc:docMk/>
-          <pc:sldMk cId="538204599" sldId="354"/>
-        </pc:sldMkLst>
-      </pc:sldChg>
-      <pc:sldChg chg="delSp modSp add mod">
-        <pc:chgData name="Toby Donaldson" userId="2e6e5431-bb17-4c41-9985-d39c50d83c73" providerId="ADAL" clId="{20086F44-729C-4D12-B1C6-A34D923A4F13}" dt="2024-10-06T21:09:54.327" v="4557" actId="14100"/>
-        <pc:sldMkLst>
-          <pc:docMk/>
-          <pc:sldMk cId="1123783993" sldId="355"/>
-        </pc:sldMkLst>
-      </pc:sldChg>
-      <pc:sldChg chg="delSp modSp add mod">
-        <pc:chgData name="Toby Donaldson" userId="2e6e5431-bb17-4c41-9985-d39c50d83c73" providerId="ADAL" clId="{20086F44-729C-4D12-B1C6-A34D923A4F13}" dt="2024-10-06T21:10:07.914" v="4560" actId="21"/>
-        <pc:sldMkLst>
-          <pc:docMk/>
-          <pc:sldMk cId="1944055237" sldId="356"/>
-        </pc:sldMkLst>
-      </pc:sldChg>
-      <pc:sldChg chg="delSp modSp add mod">
-        <pc:chgData name="Toby Donaldson" userId="2e6e5431-bb17-4c41-9985-d39c50d83c73" providerId="ADAL" clId="{20086F44-729C-4D12-B1C6-A34D923A4F13}" dt="2024-10-06T21:18:35.079" v="4617" actId="313"/>
-        <pc:sldMkLst>
-          <pc:docMk/>
-          <pc:sldMk cId="1723111724" sldId="357"/>
-        </pc:sldMkLst>
-      </pc:sldChg>
-      <pc:sldChg chg="addSp delSp modSp add mod">
-        <pc:chgData name="Toby Donaldson" userId="2e6e5431-bb17-4c41-9985-d39c50d83c73" providerId="ADAL" clId="{20086F44-729C-4D12-B1C6-A34D923A4F13}" dt="2024-10-06T21:22:27.235" v="4817" actId="21"/>
-        <pc:sldMkLst>
-          <pc:docMk/>
-          <pc:sldMk cId="4001447535" sldId="358"/>
-        </pc:sldMkLst>
-      </pc:sldChg>
-      <pc:sldChg chg="addSp delSp modSp add mod ord">
-        <pc:chgData name="Toby Donaldson" userId="2e6e5431-bb17-4c41-9985-d39c50d83c73" providerId="ADAL" clId="{20086F44-729C-4D12-B1C6-A34D923A4F13}" dt="2024-10-06T21:41:37.221" v="5661" actId="1076"/>
-        <pc:sldMkLst>
-          <pc:docMk/>
-          <pc:sldMk cId="479954462" sldId="359"/>
-        </pc:sldMkLst>
-      </pc:sldChg>
-      <pc:sldChg chg="new del">
-        <pc:chgData name="Toby Donaldson" userId="2e6e5431-bb17-4c41-9985-d39c50d83c73" providerId="ADAL" clId="{20086F44-729C-4D12-B1C6-A34D923A4F13}" dt="2024-10-06T21:23:52.302" v="4887" actId="2696"/>
-        <pc:sldMkLst>
-          <pc:docMk/>
-          <pc:sldMk cId="2128688848" sldId="360"/>
-        </pc:sldMkLst>
-      </pc:sldChg>
-      <pc:sldChg chg="add">
-        <pc:chgData name="Toby Donaldson" userId="2e6e5431-bb17-4c41-9985-d39c50d83c73" providerId="ADAL" clId="{20086F44-729C-4D12-B1C6-A34D923A4F13}" dt="2024-10-06T21:23:42.646" v="4885" actId="2890"/>
-        <pc:sldMkLst>
-          <pc:docMk/>
-          <pc:sldMk cId="1494824162" sldId="361"/>
-        </pc:sldMkLst>
-      </pc:sldChg>
-      <pc:sldChg chg="addSp delSp modSp add mod">
-        <pc:chgData name="Toby Donaldson" userId="2e6e5431-bb17-4c41-9985-d39c50d83c73" providerId="ADAL" clId="{20086F44-729C-4D12-B1C6-A34D923A4F13}" dt="2024-10-06T21:34:04.492" v="5246" actId="1076"/>
-        <pc:sldMkLst>
-          <pc:docMk/>
-          <pc:sldMk cId="876541978" sldId="362"/>
-        </pc:sldMkLst>
-      </pc:sldChg>
-      <pc:sldChg chg="add">
-        <pc:chgData name="Toby Donaldson" userId="2e6e5431-bb17-4c41-9985-d39c50d83c73" providerId="ADAL" clId="{20086F44-729C-4D12-B1C6-A34D923A4F13}" dt="2024-10-06T21:35:18.892" v="5255" actId="2890"/>
-        <pc:sldMkLst>
-          <pc:docMk/>
-          <pc:sldMk cId="1998224056" sldId="363"/>
-        </pc:sldMkLst>
-      </pc:sldChg>
-      <pc:sldChg chg="addSp delSp modSp add mod">
-        <pc:chgData name="Toby Donaldson" userId="2e6e5431-bb17-4c41-9985-d39c50d83c73" providerId="ADAL" clId="{20086F44-729C-4D12-B1C6-A34D923A4F13}" dt="2024-10-06T21:44:46.886" v="5903"/>
-        <pc:sldMkLst>
-          <pc:docMk/>
-          <pc:sldMk cId="3804911334" sldId="364"/>
-        </pc:sldMkLst>
-      </pc:sldChg>
-      <pc:sldChg chg="addSp modSp add mod">
-        <pc:chgData name="Toby Donaldson" userId="2e6e5431-bb17-4c41-9985-d39c50d83c73" providerId="ADAL" clId="{20086F44-729C-4D12-B1C6-A34D923A4F13}" dt="2024-10-06T21:44:34.392" v="5901" actId="113"/>
-        <pc:sldMkLst>
-          <pc:docMk/>
-          <pc:sldMk cId="2226048549" sldId="365"/>
-        </pc:sldMkLst>
-      </pc:sldChg>
-      <pc:sldChg chg="delSp modSp add mod ord">
-        <pc:chgData name="Toby Donaldson" userId="2e6e5431-bb17-4c41-9985-d39c50d83c73" providerId="ADAL" clId="{20086F44-729C-4D12-B1C6-A34D923A4F13}" dt="2024-10-06T21:48:22.977" v="6035" actId="1076"/>
-        <pc:sldMkLst>
-          <pc:docMk/>
-          <pc:sldMk cId="3292605436" sldId="366"/>
-        </pc:sldMkLst>
-      </pc:sldChg>
-      <pc:sldChg chg="addSp modSp add mod">
-        <pc:chgData name="Toby Donaldson" userId="2e6e5431-bb17-4c41-9985-d39c50d83c73" providerId="ADAL" clId="{20086F44-729C-4D12-B1C6-A34D923A4F13}" dt="2024-10-06T21:50:21.117" v="6128" actId="20577"/>
-        <pc:sldMkLst>
-          <pc:docMk/>
-          <pc:sldMk cId="1281652328" sldId="367"/>
-        </pc:sldMkLst>
-      </pc:sldChg>
-      <pc:sldChg chg="addSp modSp add mod">
-        <pc:chgData name="Toby Donaldson" userId="2e6e5431-bb17-4c41-9985-d39c50d83c73" providerId="ADAL" clId="{20086F44-729C-4D12-B1C6-A34D923A4F13}" dt="2024-10-06T21:51:09.868" v="6212" actId="20577"/>
-        <pc:sldMkLst>
-          <pc:docMk/>
-          <pc:sldMk cId="4088079527" sldId="368"/>
-        </pc:sldMkLst>
-      </pc:sldChg>
-      <pc:sldChg chg="delSp modSp add mod">
-        <pc:chgData name="Toby Donaldson" userId="2e6e5431-bb17-4c41-9985-d39c50d83c73" providerId="ADAL" clId="{20086F44-729C-4D12-B1C6-A34D923A4F13}" dt="2024-10-06T21:52:04.752" v="6300" actId="1076"/>
-        <pc:sldMkLst>
-          <pc:docMk/>
-          <pc:sldMk cId="258802373" sldId="369"/>
-        </pc:sldMkLst>
-      </pc:sldChg>
-      <pc:sldChg chg="modSp add mod">
-        <pc:chgData name="Toby Donaldson" userId="2e6e5431-bb17-4c41-9985-d39c50d83c73" providerId="ADAL" clId="{20086F44-729C-4D12-B1C6-A34D923A4F13}" dt="2024-10-06T21:52:46.729" v="6390" actId="20577"/>
-        <pc:sldMkLst>
-          <pc:docMk/>
-          <pc:sldMk cId="1877160746" sldId="370"/>
-        </pc:sldMkLst>
-      </pc:sldChg>
-      <pc:sldChg chg="addSp modSp add mod">
-        <pc:chgData name="Toby Donaldson" userId="2e6e5431-bb17-4c41-9985-d39c50d83c73" providerId="ADAL" clId="{20086F44-729C-4D12-B1C6-A34D923A4F13}" dt="2024-10-06T21:54:03.652" v="6524" actId="14100"/>
-        <pc:sldMkLst>
-          <pc:docMk/>
-          <pc:sldMk cId="3159336100" sldId="371"/>
-        </pc:sldMkLst>
-      </pc:sldChg>
-      <pc:sldChg chg="addSp delSp modSp new mod">
-        <pc:chgData name="Toby Donaldson" userId="2e6e5431-bb17-4c41-9985-d39c50d83c73" providerId="ADAL" clId="{20086F44-729C-4D12-B1C6-A34D923A4F13}" dt="2024-10-08T04:07:31.191" v="7250" actId="20577"/>
-        <pc:sldMkLst>
-          <pc:docMk/>
-          <pc:sldMk cId="2490867769" sldId="391"/>
-        </pc:sldMkLst>
-      </pc:sldChg>
-      <pc:sldChg chg="new del">
-        <pc:chgData name="Toby Donaldson" userId="2e6e5431-bb17-4c41-9985-d39c50d83c73" providerId="ADAL" clId="{20086F44-729C-4D12-B1C6-A34D923A4F13}" dt="2024-10-08T03:33:32.975" v="6808" actId="2696"/>
-        <pc:sldMkLst>
-          <pc:docMk/>
-          <pc:sldMk cId="3683790908" sldId="392"/>
-        </pc:sldMkLst>
-      </pc:sldChg>
-      <pc:sldChg chg="delSp modSp add mod ord">
-        <pc:chgData name="Toby Donaldson" userId="2e6e5431-bb17-4c41-9985-d39c50d83c73" providerId="ADAL" clId="{20086F44-729C-4D12-B1C6-A34D923A4F13}" dt="2024-10-08T03:48:48.967" v="7199" actId="113"/>
-        <pc:sldMkLst>
-          <pc:docMk/>
-          <pc:sldMk cId="1641751640" sldId="393"/>
-        </pc:sldMkLst>
-      </pc:sldChg>
-      <pc:sldChg chg="new del">
-        <pc:chgData name="Toby Donaldson" userId="2e6e5431-bb17-4c41-9985-d39c50d83c73" providerId="ADAL" clId="{20086F44-729C-4D12-B1C6-A34D923A4F13}" dt="2024-10-08T03:47:32.151" v="7170" actId="2696"/>
-        <pc:sldMkLst>
-          <pc:docMk/>
-          <pc:sldMk cId="739521262" sldId="394"/>
-        </pc:sldMkLst>
-      </pc:sldChg>
-      <pc:sldChg chg="modSp add mod">
-        <pc:chgData name="Toby Donaldson" userId="2e6e5431-bb17-4c41-9985-d39c50d83c73" providerId="ADAL" clId="{20086F44-729C-4D12-B1C6-A34D923A4F13}" dt="2024-10-08T03:49:17.024" v="7223" actId="20577"/>
-        <pc:sldMkLst>
-          <pc:docMk/>
-          <pc:sldMk cId="1243566442" sldId="395"/>
-        </pc:sldMkLst>
-      </pc:sldChg>
-      <pc:sldChg chg="addSp delSp modSp add del mod ord">
-        <pc:chgData name="Toby Donaldson" userId="2e6e5431-bb17-4c41-9985-d39c50d83c73" providerId="ADAL" clId="{20086F44-729C-4D12-B1C6-A34D923A4F13}" dt="2024-10-08T21:27:06.918" v="7387" actId="2696"/>
-        <pc:sldMkLst>
-          <pc:docMk/>
-          <pc:sldMk cId="2639103466" sldId="396"/>
-        </pc:sldMkLst>
-      </pc:sldChg>
-      <pc:sldChg chg="addSp modSp add mod">
-        <pc:chgData name="Toby Donaldson" userId="2e6e5431-bb17-4c41-9985-d39c50d83c73" providerId="ADAL" clId="{20086F44-729C-4D12-B1C6-A34D923A4F13}" dt="2024-10-08T21:34:45.504" v="8046" actId="11529"/>
-        <pc:sldMkLst>
-          <pc:docMk/>
-          <pc:sldMk cId="3215829657" sldId="397"/>
-        </pc:sldMkLst>
-      </pc:sldChg>
-    </pc:docChg>
-  </pc:docChgLst>
-  <pc:docChgLst>
-    <pc:chgData name="Toby Donaldson" userId="2e6e5431-bb17-4c41-9985-d39c50d83c73" providerId="ADAL" clId="{0D61E69F-BE4C-465F-B9F9-39BCCE493B2D}"/>
-    <pc:docChg chg="undo redo custSel addSld delSld modSld sldOrd addSection delSection modSection">
-      <pc:chgData name="Toby Donaldson" userId="2e6e5431-bb17-4c41-9985-d39c50d83c73" providerId="ADAL" clId="{0D61E69F-BE4C-465F-B9F9-39BCCE493B2D}" dt="2024-09-23T04:17:53.186" v="4125" actId="20577"/>
-      <pc:docMkLst>
-        <pc:docMk/>
-      </pc:docMkLst>
-      <pc:sldChg chg="modSp mod">
-        <pc:chgData name="Toby Donaldson" userId="2e6e5431-bb17-4c41-9985-d39c50d83c73" providerId="ADAL" clId="{0D61E69F-BE4C-465F-B9F9-39BCCE493B2D}" dt="2024-09-20T22:03:44.922" v="0" actId="1076"/>
-        <pc:sldMkLst>
-          <pc:docMk/>
-          <pc:sldMk cId="3113156551" sldId="256"/>
-        </pc:sldMkLst>
-      </pc:sldChg>
-      <pc:sldChg chg="modSp mod">
-        <pc:chgData name="Toby Donaldson" userId="2e6e5431-bb17-4c41-9985-d39c50d83c73" providerId="ADAL" clId="{0D61E69F-BE4C-465F-B9F9-39BCCE493B2D}" dt="2024-09-20T22:04:05.278" v="3" actId="20577"/>
-        <pc:sldMkLst>
-          <pc:docMk/>
-          <pc:sldMk cId="3119060891" sldId="299"/>
-        </pc:sldMkLst>
-      </pc:sldChg>
-      <pc:sldChg chg="delSp modSp mod">
-        <pc:chgData name="Toby Donaldson" userId="2e6e5431-bb17-4c41-9985-d39c50d83c73" providerId="ADAL" clId="{0D61E69F-BE4C-465F-B9F9-39BCCE493B2D}" dt="2024-09-20T22:04:45.136" v="5" actId="21"/>
-        <pc:sldMkLst>
-          <pc:docMk/>
-          <pc:sldMk cId="1760604349" sldId="300"/>
-        </pc:sldMkLst>
-      </pc:sldChg>
-      <pc:sldChg chg="addSp delSp modSp mod">
-        <pc:chgData name="Toby Donaldson" userId="2e6e5431-bb17-4c41-9985-d39c50d83c73" providerId="ADAL" clId="{0D61E69F-BE4C-465F-B9F9-39BCCE493B2D}" dt="2024-09-23T04:06:10.189" v="3916" actId="21"/>
-        <pc:sldMkLst>
-          <pc:docMk/>
-          <pc:sldMk cId="3412806536" sldId="301"/>
-        </pc:sldMkLst>
-      </pc:sldChg>
-      <pc:sldChg chg="modSp mod">
-        <pc:chgData name="Toby Donaldson" userId="2e6e5431-bb17-4c41-9985-d39c50d83c73" providerId="ADAL" clId="{0D61E69F-BE4C-465F-B9F9-39BCCE493B2D}" dt="2024-09-20T22:12:17.135" v="92" actId="20577"/>
-        <pc:sldMkLst>
-          <pc:docMk/>
-          <pc:sldMk cId="1732205588" sldId="302"/>
-        </pc:sldMkLst>
-      </pc:sldChg>
-      <pc:sldChg chg="addSp delSp modSp mod">
-        <pc:chgData name="Toby Donaldson" userId="2e6e5431-bb17-4c41-9985-d39c50d83c73" providerId="ADAL" clId="{0D61E69F-BE4C-465F-B9F9-39BCCE493B2D}" dt="2024-09-20T22:15:32.902" v="188" actId="1076"/>
-        <pc:sldMkLst>
-          <pc:docMk/>
-          <pc:sldMk cId="4097905578" sldId="303"/>
-        </pc:sldMkLst>
-      </pc:sldChg>
-      <pc:sldChg chg="add">
-        <pc:chgData name="Toby Donaldson" userId="2e6e5431-bb17-4c41-9985-d39c50d83c73" providerId="ADAL" clId="{0D61E69F-BE4C-465F-B9F9-39BCCE493B2D}" dt="2024-09-20T22:04:25.542" v="4" actId="2890"/>
-        <pc:sldMkLst>
-          <pc:docMk/>
-          <pc:sldMk cId="2732166047" sldId="304"/>
-        </pc:sldMkLst>
-      </pc:sldChg>
-      <pc:sldChg chg="addSp modSp add">
-        <pc:chgData name="Toby Donaldson" userId="2e6e5431-bb17-4c41-9985-d39c50d83c73" providerId="ADAL" clId="{0D61E69F-BE4C-465F-B9F9-39BCCE493B2D}" dt="2024-09-20T22:15:38.943" v="189"/>
-        <pc:sldMkLst>
-          <pc:docMk/>
-          <pc:sldMk cId="683567091" sldId="305"/>
-        </pc:sldMkLst>
-      </pc:sldChg>
-      <pc:sldChg chg="addSp delSp modSp new mod">
-        <pc:chgData name="Toby Donaldson" userId="2e6e5431-bb17-4c41-9985-d39c50d83c73" providerId="ADAL" clId="{0D61E69F-BE4C-465F-B9F9-39BCCE493B2D}" dt="2024-09-20T22:40:28.508" v="1257" actId="21"/>
-        <pc:sldMkLst>
-          <pc:docMk/>
-          <pc:sldMk cId="3573607454" sldId="306"/>
-        </pc:sldMkLst>
-      </pc:sldChg>
-      <pc:sldChg chg="addSp delSp modSp add mod">
-        <pc:chgData name="Toby Donaldson" userId="2e6e5431-bb17-4c41-9985-d39c50d83c73" providerId="ADAL" clId="{0D61E69F-BE4C-465F-B9F9-39BCCE493B2D}" dt="2024-09-23T04:08:43.784" v="3934" actId="14100"/>
-        <pc:sldMkLst>
-          <pc:docMk/>
-          <pc:sldMk cId="2872453283" sldId="307"/>
-        </pc:sldMkLst>
-      </pc:sldChg>
-      <pc:sldChg chg="addSp delSp modSp add del mod">
-        <pc:chgData name="Toby Donaldson" userId="2e6e5431-bb17-4c41-9985-d39c50d83c73" providerId="ADAL" clId="{0D61E69F-BE4C-465F-B9F9-39BCCE493B2D}" dt="2024-09-20T22:30:45.560" v="822" actId="2696"/>
-        <pc:sldMkLst>
-          <pc:docMk/>
-          <pc:sldMk cId="2751741213" sldId="308"/>
-        </pc:sldMkLst>
-      </pc:sldChg>
-      <pc:sldChg chg="addSp delSp modSp add mod">
-        <pc:chgData name="Toby Donaldson" userId="2e6e5431-bb17-4c41-9985-d39c50d83c73" providerId="ADAL" clId="{0D61E69F-BE4C-465F-B9F9-39BCCE493B2D}" dt="2024-09-20T22:48:56.037" v="1553" actId="113"/>
-        <pc:sldMkLst>
-          <pc:docMk/>
-          <pc:sldMk cId="892689126" sldId="309"/>
-        </pc:sldMkLst>
-      </pc:sldChg>
-      <pc:sldChg chg="addSp delSp modSp add mod ord">
-        <pc:chgData name="Toby Donaldson" userId="2e6e5431-bb17-4c41-9985-d39c50d83c73" providerId="ADAL" clId="{0D61E69F-BE4C-465F-B9F9-39BCCE493B2D}" dt="2024-09-23T04:10:06.075" v="3941" actId="1076"/>
-        <pc:sldMkLst>
-          <pc:docMk/>
-          <pc:sldMk cId="1882997732" sldId="310"/>
-        </pc:sldMkLst>
-      </pc:sldChg>
-      <pc:sldChg chg="addSp delSp modSp add mod">
-        <pc:chgData name="Toby Donaldson" userId="2e6e5431-bb17-4c41-9985-d39c50d83c73" providerId="ADAL" clId="{0D61E69F-BE4C-465F-B9F9-39BCCE493B2D}" dt="2024-09-20T23:05:05.979" v="2532" actId="21"/>
-        <pc:sldMkLst>
-          <pc:docMk/>
-          <pc:sldMk cId="3944662364" sldId="311"/>
-        </pc:sldMkLst>
-      </pc:sldChg>
-      <pc:sldChg chg="addSp delSp modSp add mod">
-        <pc:chgData name="Toby Donaldson" userId="2e6e5431-bb17-4c41-9985-d39c50d83c73" providerId="ADAL" clId="{0D61E69F-BE4C-465F-B9F9-39BCCE493B2D}" dt="2024-09-23T04:12:38.074" v="3943" actId="21"/>
-        <pc:sldMkLst>
-          <pc:docMk/>
-          <pc:sldMk cId="2209025065" sldId="312"/>
-        </pc:sldMkLst>
-      </pc:sldChg>
-      <pc:sldChg chg="addSp delSp modSp add mod">
-        <pc:chgData name="Toby Donaldson" userId="2e6e5431-bb17-4c41-9985-d39c50d83c73" providerId="ADAL" clId="{0D61E69F-BE4C-465F-B9F9-39BCCE493B2D}" dt="2024-09-23T04:11:18.931" v="3942" actId="207"/>
-        <pc:sldMkLst>
-          <pc:docMk/>
-          <pc:sldMk cId="2701333559" sldId="313"/>
-        </pc:sldMkLst>
-      </pc:sldChg>
-      <pc:sldChg chg="addSp delSp modSp add mod">
-        <pc:chgData name="Toby Donaldson" userId="2e6e5431-bb17-4c41-9985-d39c50d83c73" providerId="ADAL" clId="{0D61E69F-BE4C-465F-B9F9-39BCCE493B2D}" dt="2024-09-23T04:13:23.034" v="3953" actId="20577"/>
-        <pc:sldMkLst>
-          <pc:docMk/>
-          <pc:sldMk cId="3461131009" sldId="314"/>
-        </pc:sldMkLst>
-      </pc:sldChg>
-      <pc:sldChg chg="addSp delSp modSp add mod ord">
-        <pc:chgData name="Toby Donaldson" userId="2e6e5431-bb17-4c41-9985-d39c50d83c73" providerId="ADAL" clId="{0D61E69F-BE4C-465F-B9F9-39BCCE493B2D}" dt="2024-09-23T04:14:01.785" v="3957" actId="207"/>
-        <pc:sldMkLst>
-          <pc:docMk/>
-          <pc:sldMk cId="2266552019" sldId="315"/>
-        </pc:sldMkLst>
-      </pc:sldChg>
-      <pc:sldChg chg="addSp delSp modSp add mod">
-        <pc:chgData name="Toby Donaldson" userId="2e6e5431-bb17-4c41-9985-d39c50d83c73" providerId="ADAL" clId="{0D61E69F-BE4C-465F-B9F9-39BCCE493B2D}" dt="2024-09-23T04:14:31.955" v="3958" actId="113"/>
-        <pc:sldMkLst>
-          <pc:docMk/>
-          <pc:sldMk cId="3858326061" sldId="316"/>
-        </pc:sldMkLst>
-      </pc:sldChg>
-      <pc:sldChg chg="modSp mod">
-        <pc:chgData name="Toby Donaldson" userId="2e6e5431-bb17-4c41-9985-d39c50d83c73" providerId="ADAL" clId="{0D61E69F-BE4C-465F-B9F9-39BCCE493B2D}" dt="2024-09-23T04:15:31.880" v="4022" actId="1076"/>
-        <pc:sldMkLst>
-          <pc:docMk/>
-          <pc:sldMk cId="3248521206" sldId="317"/>
-        </pc:sldMkLst>
-      </pc:sldChg>
-      <pc:sldChg chg="delSp mod">
-        <pc:chgData name="Toby Donaldson" userId="2e6e5431-bb17-4c41-9985-d39c50d83c73" providerId="ADAL" clId="{0D61E69F-BE4C-465F-B9F9-39BCCE493B2D}" dt="2024-09-23T04:14:56.920" v="3960" actId="21"/>
-        <pc:sldMkLst>
-          <pc:docMk/>
-          <pc:sldMk cId="249145512" sldId="318"/>
-        </pc:sldMkLst>
-      </pc:sldChg>
-      <pc:sldChg chg="addSp mod">
-        <pc:chgData name="Toby Donaldson" userId="2e6e5431-bb17-4c41-9985-d39c50d83c73" providerId="ADAL" clId="{0D61E69F-BE4C-465F-B9F9-39BCCE493B2D}" dt="2024-09-21T23:30:38.923" v="2679" actId="11529"/>
-        <pc:sldMkLst>
-          <pc:docMk/>
-          <pc:sldMk cId="4252038421" sldId="319"/>
-        </pc:sldMkLst>
-      </pc:sldChg>
-      <pc:sldChg chg="addSp delSp modSp add mod">
-        <pc:chgData name="Toby Donaldson" userId="2e6e5431-bb17-4c41-9985-d39c50d83c73" providerId="ADAL" clId="{0D61E69F-BE4C-465F-B9F9-39BCCE493B2D}" dt="2024-09-23T04:16:07.295" v="4024" actId="21"/>
-        <pc:sldMkLst>
-          <pc:docMk/>
-          <pc:sldMk cId="288943026" sldId="320"/>
-        </pc:sldMkLst>
-      </pc:sldChg>
-      <pc:sldChg chg="delSp modSp add mod ord">
-        <pc:chgData name="Toby Donaldson" userId="2e6e5431-bb17-4c41-9985-d39c50d83c73" providerId="ADAL" clId="{0D61E69F-BE4C-465F-B9F9-39BCCE493B2D}" dt="2024-09-23T04:15:52.591" v="4023" actId="21"/>
-        <pc:sldMkLst>
-          <pc:docMk/>
-          <pc:sldMk cId="1396177901" sldId="321"/>
-        </pc:sldMkLst>
-      </pc:sldChg>
-      <pc:sldChg chg="addSp delSp modSp add mod ord">
-        <pc:chgData name="Toby Donaldson" userId="2e6e5431-bb17-4c41-9985-d39c50d83c73" providerId="ADAL" clId="{0D61E69F-BE4C-465F-B9F9-39BCCE493B2D}" dt="2024-09-23T04:16:13.037" v="4025" actId="21"/>
-        <pc:sldMkLst>
-          <pc:docMk/>
-          <pc:sldMk cId="1990104137" sldId="322"/>
-        </pc:sldMkLst>
-      </pc:sldChg>
-      <pc:sldChg chg="addSp delSp modSp add mod ord">
-        <pc:chgData name="Toby Donaldson" userId="2e6e5431-bb17-4c41-9985-d39c50d83c73" providerId="ADAL" clId="{0D61E69F-BE4C-465F-B9F9-39BCCE493B2D}" dt="2024-09-23T04:17:53.186" v="4125" actId="20577"/>
-        <pc:sldMkLst>
-          <pc:docMk/>
-          <pc:sldMk cId="2358446259" sldId="323"/>
-        </pc:sldMkLst>
-      </pc:sldChg>
-      <pc:sldChg chg="add ord">
-        <pc:chgData name="Toby Donaldson" userId="2e6e5431-bb17-4c41-9985-d39c50d83c73" providerId="ADAL" clId="{0D61E69F-BE4C-465F-B9F9-39BCCE493B2D}" dt="2024-09-21T23:42:57.100" v="3539"/>
-        <pc:sldMkLst>
-          <pc:docMk/>
-          <pc:sldMk cId="1092517109" sldId="324"/>
-        </pc:sldMkLst>
-      </pc:sldChg>
-      <pc:sldChg chg="addSp delSp modSp new mod">
-        <pc:chgData name="Toby Donaldson" userId="2e6e5431-bb17-4c41-9985-d39c50d83c73" providerId="ADAL" clId="{0D61E69F-BE4C-465F-B9F9-39BCCE493B2D}" dt="2024-09-21T23:52:05.272" v="3742" actId="20577"/>
-        <pc:sldMkLst>
-          <pc:docMk/>
-          <pc:sldMk cId="2215848448" sldId="325"/>
-        </pc:sldMkLst>
-      </pc:sldChg>
-      <pc:sldChg chg="addSp delSp modSp new mod">
-        <pc:chgData name="Toby Donaldson" userId="2e6e5431-bb17-4c41-9985-d39c50d83c73" providerId="ADAL" clId="{0D61E69F-BE4C-465F-B9F9-39BCCE493B2D}" dt="2024-09-21T23:55:44.140" v="3908" actId="1076"/>
-        <pc:sldMkLst>
-          <pc:docMk/>
-          <pc:sldMk cId="1270752324" sldId="326"/>
-        </pc:sldMkLst>
-      </pc:sldChg>
-      <pc:sldChg chg="delSp modSp add mod ord">
-        <pc:chgData name="Toby Donaldson" userId="2e6e5431-bb17-4c41-9985-d39c50d83c73" providerId="ADAL" clId="{0D61E69F-BE4C-465F-B9F9-39BCCE493B2D}" dt="2024-09-23T04:05:54.970" v="3914"/>
-        <pc:sldMkLst>
-          <pc:docMk/>
-          <pc:sldMk cId="3374951965" sldId="327"/>
-        </pc:sldMkLst>
-      </pc:sldChg>
-      <pc:sldChg chg="delSp modSp add mod">
-        <pc:chgData name="Toby Donaldson" userId="2e6e5431-bb17-4c41-9985-d39c50d83c73" providerId="ADAL" clId="{0D61E69F-BE4C-465F-B9F9-39BCCE493B2D}" dt="2024-09-23T04:06:49.399" v="3918" actId="21"/>
-        <pc:sldMkLst>
-          <pc:docMk/>
-          <pc:sldMk cId="2375367705" sldId="328"/>
-        </pc:sldMkLst>
-      </pc:sldChg>
-      <pc:sldChg chg="add">
-        <pc:chgData name="Toby Donaldson" userId="2e6e5431-bb17-4c41-9985-d39c50d83c73" providerId="ADAL" clId="{0D61E69F-BE4C-465F-B9F9-39BCCE493B2D}" dt="2024-09-23T04:06:43.405" v="3917" actId="2890"/>
-        <pc:sldMkLst>
-          <pc:docMk/>
-          <pc:sldMk cId="3076077529" sldId="329"/>
-        </pc:sldMkLst>
-      </pc:sldChg>
-      <pc:sldChg chg="add">
-        <pc:chgData name="Toby Donaldson" userId="2e6e5431-bb17-4c41-9985-d39c50d83c73" providerId="ADAL" clId="{0D61E69F-BE4C-465F-B9F9-39BCCE493B2D}" dt="2024-09-23T04:14:52.116" v="3959" actId="2890"/>
-        <pc:sldMkLst>
-          <pc:docMk/>
-          <pc:sldMk cId="1630335454" sldId="330"/>
-        </pc:sldMkLst>
-      </pc:sldChg>
-      <pc:sldChg chg="addSp modSp add mod">
-        <pc:chgData name="Toby Donaldson" userId="2e6e5431-bb17-4c41-9985-d39c50d83c73" providerId="ADAL" clId="{0D61E69F-BE4C-465F-B9F9-39BCCE493B2D}" dt="2024-09-23T04:17:29.734" v="4089" actId="14100"/>
-        <pc:sldMkLst>
-          <pc:docMk/>
-          <pc:sldMk cId="519914869" sldId="331"/>
-        </pc:sldMkLst>
-      </pc:sldChg>
-    </pc:docChg>
-  </pc:docChgLst>
-  <pc:docChgLst>
-    <pc:chgData name="Toby Donaldson" userId="2e6e5431-bb17-4c41-9985-d39c50d83c73" providerId="ADAL" clId="{CBA97E97-ECF2-4F39-A891-C39F5B7B2557}"/>
-    <pc:docChg chg="undo redo custSel addSld delSld modSld sldOrd addSection modSection">
-      <pc:chgData name="Toby Donaldson" userId="2e6e5431-bb17-4c41-9985-d39c50d83c73" providerId="ADAL" clId="{CBA97E97-ECF2-4F39-A891-C39F5B7B2557}" dt="2024-09-23T18:00:38.228" v="2577" actId="21"/>
-      <pc:docMkLst>
-        <pc:docMk/>
-      </pc:docMkLst>
-      <pc:sldChg chg="addSp delSp modSp mod">
-        <pc:chgData name="Toby Donaldson" userId="2e6e5431-bb17-4c41-9985-d39c50d83c73" providerId="ADAL" clId="{CBA97E97-ECF2-4F39-A891-C39F5B7B2557}" dt="2024-09-19T20:28:46.561" v="113" actId="122"/>
-        <pc:sldMkLst>
-          <pc:docMk/>
-          <pc:sldMk cId="3113156551" sldId="256"/>
-        </pc:sldMkLst>
-      </pc:sldChg>
-      <pc:sldChg chg="del">
-        <pc:chgData name="Toby Donaldson" userId="2e6e5431-bb17-4c41-9985-d39c50d83c73" providerId="ADAL" clId="{CBA97E97-ECF2-4F39-A891-C39F5B7B2557}" dt="2024-09-19T20:28:55.862" v="114" actId="47"/>
-        <pc:sldMkLst>
-          <pc:docMk/>
-          <pc:sldMk cId="1564174174" sldId="257"/>
-        </pc:sldMkLst>
-      </pc:sldChg>
-      <pc:sldChg chg="del">
-        <pc:chgData name="Toby Donaldson" userId="2e6e5431-bb17-4c41-9985-d39c50d83c73" providerId="ADAL" clId="{CBA97E97-ECF2-4F39-A891-C39F5B7B2557}" dt="2024-09-19T20:29:01.218" v="118" actId="47"/>
-        <pc:sldMkLst>
-          <pc:docMk/>
-          <pc:sldMk cId="3476620889" sldId="259"/>
-        </pc:sldMkLst>
-      </pc:sldChg>
-      <pc:sldChg chg="del">
-        <pc:chgData name="Toby Donaldson" userId="2e6e5431-bb17-4c41-9985-d39c50d83c73" providerId="ADAL" clId="{CBA97E97-ECF2-4F39-A891-C39F5B7B2557}" dt="2024-09-19T20:29:01.395" v="119" actId="47"/>
-        <pc:sldMkLst>
-          <pc:docMk/>
-          <pc:sldMk cId="1125239521" sldId="260"/>
-        </pc:sldMkLst>
-      </pc:sldChg>
-      <pc:sldChg chg="del">
-        <pc:chgData name="Toby Donaldson" userId="2e6e5431-bb17-4c41-9985-d39c50d83c73" providerId="ADAL" clId="{CBA97E97-ECF2-4F39-A891-C39F5B7B2557}" dt="2024-09-19T20:29:01.624" v="120" actId="47"/>
-        <pc:sldMkLst>
-          <pc:docMk/>
-          <pc:sldMk cId="296669545" sldId="261"/>
-        </pc:sldMkLst>
-      </pc:sldChg>
-      <pc:sldChg chg="del">
-        <pc:chgData name="Toby Donaldson" userId="2e6e5431-bb17-4c41-9985-d39c50d83c73" providerId="ADAL" clId="{CBA97E97-ECF2-4F39-A891-C39F5B7B2557}" dt="2024-09-19T20:29:01.839" v="121" actId="47"/>
-        <pc:sldMkLst>
-          <pc:docMk/>
-          <pc:sldMk cId="1426591584" sldId="262"/>
-        </pc:sldMkLst>
-      </pc:sldChg>
-      <pc:sldChg chg="del">
-        <pc:chgData name="Toby Donaldson" userId="2e6e5431-bb17-4c41-9985-d39c50d83c73" providerId="ADAL" clId="{CBA97E97-ECF2-4F39-A891-C39F5B7B2557}" dt="2024-09-19T20:29:02.055" v="122" actId="47"/>
-        <pc:sldMkLst>
-          <pc:docMk/>
-          <pc:sldMk cId="3978292670" sldId="263"/>
-        </pc:sldMkLst>
-      </pc:sldChg>
-      <pc:sldChg chg="del">
-        <pc:chgData name="Toby Donaldson" userId="2e6e5431-bb17-4c41-9985-d39c50d83c73" providerId="ADAL" clId="{CBA97E97-ECF2-4F39-A891-C39F5B7B2557}" dt="2024-09-19T20:29:02.231" v="123" actId="47"/>
-        <pc:sldMkLst>
-          <pc:docMk/>
-          <pc:sldMk cId="2698651436" sldId="264"/>
-        </pc:sldMkLst>
-      </pc:sldChg>
-      <pc:sldChg chg="del">
-        <pc:chgData name="Toby Donaldson" userId="2e6e5431-bb17-4c41-9985-d39c50d83c73" providerId="ADAL" clId="{CBA97E97-ECF2-4F39-A891-C39F5B7B2557}" dt="2024-09-19T20:29:02.402" v="124" actId="47"/>
-        <pc:sldMkLst>
-          <pc:docMk/>
-          <pc:sldMk cId="2133653738" sldId="265"/>
-        </pc:sldMkLst>
-      </pc:sldChg>
-      <pc:sldChg chg="del">
-        <pc:chgData name="Toby Donaldson" userId="2e6e5431-bb17-4c41-9985-d39c50d83c73" providerId="ADAL" clId="{CBA97E97-ECF2-4F39-A891-C39F5B7B2557}" dt="2024-09-19T20:29:03.083" v="125" actId="47"/>
-        <pc:sldMkLst>
-          <pc:docMk/>
-          <pc:sldMk cId="1883967527" sldId="266"/>
-        </pc:sldMkLst>
-      </pc:sldChg>
-      <pc:sldChg chg="del">
-        <pc:chgData name="Toby Donaldson" userId="2e6e5431-bb17-4c41-9985-d39c50d83c73" providerId="ADAL" clId="{CBA97E97-ECF2-4F39-A891-C39F5B7B2557}" dt="2024-09-19T20:29:06.571" v="126" actId="47"/>
-        <pc:sldMkLst>
-          <pc:docMk/>
-          <pc:sldMk cId="2020498111" sldId="269"/>
-        </pc:sldMkLst>
-      </pc:sldChg>
-      <pc:sldChg chg="del">
-        <pc:chgData name="Toby Donaldson" userId="2e6e5431-bb17-4c41-9985-d39c50d83c73" providerId="ADAL" clId="{CBA97E97-ECF2-4F39-A891-C39F5B7B2557}" dt="2024-09-19T20:29:12.512" v="142" actId="47"/>
-        <pc:sldMkLst>
-          <pc:docMk/>
-          <pc:sldMk cId="3856894038" sldId="270"/>
-        </pc:sldMkLst>
-      </pc:sldChg>
-      <pc:sldChg chg="del">
-        <pc:chgData name="Toby Donaldson" userId="2e6e5431-bb17-4c41-9985-d39c50d83c73" providerId="ADAL" clId="{CBA97E97-ECF2-4F39-A891-C39F5B7B2557}" dt="2024-09-19T20:29:00.999" v="117" actId="47"/>
-        <pc:sldMkLst>
-          <pc:docMk/>
-          <pc:sldMk cId="624584149" sldId="271"/>
-        </pc:sldMkLst>
-      </pc:sldChg>
-      <pc:sldChg chg="del">
-        <pc:chgData name="Toby Donaldson" userId="2e6e5431-bb17-4c41-9985-d39c50d83c73" providerId="ADAL" clId="{CBA97E97-ECF2-4F39-A891-C39F5B7B2557}" dt="2024-09-19T20:28:59.851" v="115" actId="47"/>
-        <pc:sldMkLst>
-          <pc:docMk/>
-          <pc:sldMk cId="2541733131" sldId="272"/>
-        </pc:sldMkLst>
-      </pc:sldChg>
-      <pc:sldChg chg="del">
-        <pc:chgData name="Toby Donaldson" userId="2e6e5431-bb17-4c41-9985-d39c50d83c73" providerId="ADAL" clId="{CBA97E97-ECF2-4F39-A891-C39F5B7B2557}" dt="2024-09-19T20:28:55.862" v="114" actId="47"/>
-        <pc:sldMkLst>
-          <pc:docMk/>
-          <pc:sldMk cId="354076809" sldId="273"/>
-        </pc:sldMkLst>
-      </pc:sldChg>
-      <pc:sldChg chg="del">
-        <pc:chgData name="Toby Donaldson" userId="2e6e5431-bb17-4c41-9985-d39c50d83c73" providerId="ADAL" clId="{CBA97E97-ECF2-4F39-A891-C39F5B7B2557}" dt="2024-09-19T20:28:55.862" v="114" actId="47"/>
-        <pc:sldMkLst>
-          <pc:docMk/>
-          <pc:sldMk cId="2168191691" sldId="274"/>
-        </pc:sldMkLst>
-      </pc:sldChg>
-      <pc:sldChg chg="del">
-        <pc:chgData name="Toby Donaldson" userId="2e6e5431-bb17-4c41-9985-d39c50d83c73" providerId="ADAL" clId="{CBA97E97-ECF2-4F39-A891-C39F5B7B2557}" dt="2024-09-19T20:28:55.862" v="114" actId="47"/>
-        <pc:sldMkLst>
-          <pc:docMk/>
-          <pc:sldMk cId="3624217243" sldId="275"/>
-        </pc:sldMkLst>
-      </pc:sldChg>
-      <pc:sldChg chg="del">
-        <pc:chgData name="Toby Donaldson" userId="2e6e5431-bb17-4c41-9985-d39c50d83c73" providerId="ADAL" clId="{CBA97E97-ECF2-4F39-A891-C39F5B7B2557}" dt="2024-09-19T20:29:00.389" v="116" actId="47"/>
-        <pc:sldMkLst>
-          <pc:docMk/>
-          <pc:sldMk cId="2165635234" sldId="276"/>
-        </pc:sldMkLst>
-      </pc:sldChg>
-      <pc:sldChg chg="del">
-        <pc:chgData name="Toby Donaldson" userId="2e6e5431-bb17-4c41-9985-d39c50d83c73" providerId="ADAL" clId="{CBA97E97-ECF2-4F39-A891-C39F5B7B2557}" dt="2024-09-19T20:28:55.862" v="114" actId="47"/>
-        <pc:sldMkLst>
-          <pc:docMk/>
-          <pc:sldMk cId="798263514" sldId="277"/>
-        </pc:sldMkLst>
-      </pc:sldChg>
-      <pc:sldChg chg="del">
-        <pc:chgData name="Toby Donaldson" userId="2e6e5431-bb17-4c41-9985-d39c50d83c73" providerId="ADAL" clId="{CBA97E97-ECF2-4F39-A891-C39F5B7B2557}" dt="2024-09-19T20:28:55.862" v="114" actId="47"/>
-        <pc:sldMkLst>
-          <pc:docMk/>
-          <pc:sldMk cId="972997824" sldId="278"/>
-        </pc:sldMkLst>
-      </pc:sldChg>
-      <pc:sldChg chg="del">
-        <pc:chgData name="Toby Donaldson" userId="2e6e5431-bb17-4c41-9985-d39c50d83c73" providerId="ADAL" clId="{CBA97E97-ECF2-4F39-A891-C39F5B7B2557}" dt="2024-09-19T20:29:07.086" v="129" actId="47"/>
-        <pc:sldMkLst>
-          <pc:docMk/>
-          <pc:sldMk cId="3144938788" sldId="279"/>
-        </pc:sldMkLst>
-      </pc:sldChg>
-      <pc:sldChg chg="del">
-        <pc:chgData name="Toby Donaldson" userId="2e6e5431-bb17-4c41-9985-d39c50d83c73" providerId="ADAL" clId="{CBA97E97-ECF2-4F39-A891-C39F5B7B2557}" dt="2024-09-19T20:29:06.757" v="127" actId="47"/>
-        <pc:sldMkLst>
-          <pc:docMk/>
-          <pc:sldMk cId="1423446375" sldId="280"/>
-        </pc:sldMkLst>
-      </pc:sldChg>
-      <pc:sldChg chg="del">
-        <pc:chgData name="Toby Donaldson" userId="2e6e5431-bb17-4c41-9985-d39c50d83c73" providerId="ADAL" clId="{CBA97E97-ECF2-4F39-A891-C39F5B7B2557}" dt="2024-09-19T20:29:06.901" v="128" actId="47"/>
-        <pc:sldMkLst>
-          <pc:docMk/>
-          <pc:sldMk cId="4150615350" sldId="281"/>
-        </pc:sldMkLst>
-      </pc:sldChg>
-      <pc:sldChg chg="del">
-        <pc:chgData name="Toby Donaldson" userId="2e6e5431-bb17-4c41-9985-d39c50d83c73" providerId="ADAL" clId="{CBA97E97-ECF2-4F39-A891-C39F5B7B2557}" dt="2024-09-19T20:29:07.237" v="130" actId="47"/>
-        <pc:sldMkLst>
-          <pc:docMk/>
-          <pc:sldMk cId="3864837313" sldId="282"/>
-        </pc:sldMkLst>
-      </pc:sldChg>
-      <pc:sldChg chg="del">
-        <pc:chgData name="Toby Donaldson" userId="2e6e5431-bb17-4c41-9985-d39c50d83c73" providerId="ADAL" clId="{CBA97E97-ECF2-4F39-A891-C39F5B7B2557}" dt="2024-09-19T20:29:07.768" v="133" actId="47"/>
-        <pc:sldMkLst>
-          <pc:docMk/>
-          <pc:sldMk cId="976387272" sldId="283"/>
-        </pc:sldMkLst>
-      </pc:sldChg>
-      <pc:sldChg chg="del">
-        <pc:chgData name="Toby Donaldson" userId="2e6e5431-bb17-4c41-9985-d39c50d83c73" providerId="ADAL" clId="{CBA97E97-ECF2-4F39-A891-C39F5B7B2557}" dt="2024-09-19T20:29:07.407" v="131" actId="47"/>
-        <pc:sldMkLst>
-          <pc:docMk/>
-          <pc:sldMk cId="899495814" sldId="284"/>
-        </pc:sldMkLst>
-      </pc:sldChg>
-      <pc:sldChg chg="del">
-        <pc:chgData name="Toby Donaldson" userId="2e6e5431-bb17-4c41-9985-d39c50d83c73" providerId="ADAL" clId="{CBA97E97-ECF2-4F39-A891-C39F5B7B2557}" dt="2024-09-19T20:29:07.578" v="132" actId="47"/>
-        <pc:sldMkLst>
-          <pc:docMk/>
-          <pc:sldMk cId="3461707693" sldId="285"/>
-        </pc:sldMkLst>
-      </pc:sldChg>
-      <pc:sldChg chg="del">
-        <pc:chgData name="Toby Donaldson" userId="2e6e5431-bb17-4c41-9985-d39c50d83c73" providerId="ADAL" clId="{CBA97E97-ECF2-4F39-A891-C39F5B7B2557}" dt="2024-09-19T20:29:07.949" v="134" actId="47"/>
-        <pc:sldMkLst>
-          <pc:docMk/>
-          <pc:sldMk cId="2835686456" sldId="287"/>
-        </pc:sldMkLst>
-      </pc:sldChg>
-      <pc:sldChg chg="del">
-        <pc:chgData name="Toby Donaldson" userId="2e6e5431-bb17-4c41-9985-d39c50d83c73" providerId="ADAL" clId="{CBA97E97-ECF2-4F39-A891-C39F5B7B2557}" dt="2024-09-19T20:29:08.093" v="135" actId="47"/>
-        <pc:sldMkLst>
-          <pc:docMk/>
-          <pc:sldMk cId="3265458198" sldId="288"/>
-        </pc:sldMkLst>
-      </pc:sldChg>
-      <pc:sldChg chg="del">
-        <pc:chgData name="Toby Donaldson" userId="2e6e5431-bb17-4c41-9985-d39c50d83c73" providerId="ADAL" clId="{CBA97E97-ECF2-4F39-A891-C39F5B7B2557}" dt="2024-09-19T20:29:08.288" v="136" actId="47"/>
-        <pc:sldMkLst>
-          <pc:docMk/>
-          <pc:sldMk cId="4208034066" sldId="289"/>
-        </pc:sldMkLst>
-      </pc:sldChg>
-      <pc:sldChg chg="del">
-        <pc:chgData name="Toby Donaldson" userId="2e6e5431-bb17-4c41-9985-d39c50d83c73" providerId="ADAL" clId="{CBA97E97-ECF2-4F39-A891-C39F5B7B2557}" dt="2024-09-19T20:29:08.464" v="137" actId="47"/>
-        <pc:sldMkLst>
-          <pc:docMk/>
-          <pc:sldMk cId="3579788506" sldId="290"/>
-        </pc:sldMkLst>
-      </pc:sldChg>
-      <pc:sldChg chg="del">
-        <pc:chgData name="Toby Donaldson" userId="2e6e5431-bb17-4c41-9985-d39c50d83c73" providerId="ADAL" clId="{CBA97E97-ECF2-4F39-A891-C39F5B7B2557}" dt="2024-09-19T20:29:08.657" v="138" actId="47"/>
-        <pc:sldMkLst>
-          <pc:docMk/>
-          <pc:sldMk cId="3231735434" sldId="293"/>
-        </pc:sldMkLst>
-      </pc:sldChg>
-      <pc:sldChg chg="del">
-        <pc:chgData name="Toby Donaldson" userId="2e6e5431-bb17-4c41-9985-d39c50d83c73" providerId="ADAL" clId="{CBA97E97-ECF2-4F39-A891-C39F5B7B2557}" dt="2024-09-19T20:29:08.815" v="139" actId="47"/>
-        <pc:sldMkLst>
-          <pc:docMk/>
-          <pc:sldMk cId="2312098604" sldId="294"/>
-        </pc:sldMkLst>
-      </pc:sldChg>
-      <pc:sldChg chg="del">
-        <pc:chgData name="Toby Donaldson" userId="2e6e5431-bb17-4c41-9985-d39c50d83c73" providerId="ADAL" clId="{CBA97E97-ECF2-4F39-A891-C39F5B7B2557}" dt="2024-09-19T20:29:09.008" v="140" actId="47"/>
-        <pc:sldMkLst>
-          <pc:docMk/>
-          <pc:sldMk cId="1198357223" sldId="295"/>
-        </pc:sldMkLst>
-      </pc:sldChg>
-      <pc:sldChg chg="del">
-        <pc:chgData name="Toby Donaldson" userId="2e6e5431-bb17-4c41-9985-d39c50d83c73" providerId="ADAL" clId="{CBA97E97-ECF2-4F39-A891-C39F5B7B2557}" dt="2024-09-19T20:29:14.859" v="143" actId="47"/>
-        <pc:sldMkLst>
-          <pc:docMk/>
-          <pc:sldMk cId="1989001679" sldId="296"/>
-        </pc:sldMkLst>
-      </pc:sldChg>
-      <pc:sldChg chg="addSp delSp modSp mod ord">
-        <pc:chgData name="Toby Donaldson" userId="2e6e5431-bb17-4c41-9985-d39c50d83c73" providerId="ADAL" clId="{CBA97E97-ECF2-4F39-A891-C39F5B7B2557}" dt="2024-09-19T20:43:36.258" v="690" actId="21"/>
-        <pc:sldMkLst>
-          <pc:docMk/>
-          <pc:sldMk cId="3108921986" sldId="297"/>
-        </pc:sldMkLst>
-      </pc:sldChg>
-      <pc:sldChg chg="delSp add mod">
-        <pc:chgData name="Toby Donaldson" userId="2e6e5431-bb17-4c41-9985-d39c50d83c73" providerId="ADAL" clId="{CBA97E97-ECF2-4F39-A891-C39F5B7B2557}" dt="2024-09-19T20:43:47.642" v="692" actId="21"/>
-        <pc:sldMkLst>
-          <pc:docMk/>
-          <pc:sldMk cId="2811805653" sldId="298"/>
-        </pc:sldMkLst>
-      </pc:sldChg>
-      <pc:sldChg chg="del">
-        <pc:chgData name="Toby Donaldson" userId="2e6e5431-bb17-4c41-9985-d39c50d83c73" providerId="ADAL" clId="{CBA97E97-ECF2-4F39-A891-C39F5B7B2557}" dt="2024-09-19T20:29:15.442" v="144" actId="47"/>
-        <pc:sldMkLst>
-          <pc:docMk/>
-          <pc:sldMk cId="3629807992" sldId="298"/>
-        </pc:sldMkLst>
-      </pc:sldChg>
-      <pc:sldChg chg="del">
-        <pc:chgData name="Toby Donaldson" userId="2e6e5431-bb17-4c41-9985-d39c50d83c73" providerId="ADAL" clId="{CBA97E97-ECF2-4F39-A891-C39F5B7B2557}" dt="2024-09-19T20:29:15.722" v="145" actId="47"/>
-        <pc:sldMkLst>
-          <pc:docMk/>
-          <pc:sldMk cId="302167807" sldId="299"/>
-        </pc:sldMkLst>
-      </pc:sldChg>
-      <pc:sldChg chg="add">
-        <pc:chgData name="Toby Donaldson" userId="2e6e5431-bb17-4c41-9985-d39c50d83c73" providerId="ADAL" clId="{CBA97E97-ECF2-4F39-A891-C39F5B7B2557}" dt="2024-09-19T20:43:42.409" v="691" actId="2890"/>
-        <pc:sldMkLst>
-          <pc:docMk/>
-          <pc:sldMk cId="3119060891" sldId="299"/>
-        </pc:sldMkLst>
-      </pc:sldChg>
-      <pc:sldChg chg="addSp delSp modSp add mod ord">
-        <pc:chgData name="Toby Donaldson" userId="2e6e5431-bb17-4c41-9985-d39c50d83c73" providerId="ADAL" clId="{CBA97E97-ECF2-4F39-A891-C39F5B7B2557}" dt="2024-09-19T21:00:39.256" v="1170" actId="20577"/>
-        <pc:sldMkLst>
-          <pc:docMk/>
-          <pc:sldMk cId="1760604349" sldId="300"/>
-        </pc:sldMkLst>
-      </pc:sldChg>
-      <pc:sldChg chg="del">
-        <pc:chgData name="Toby Donaldson" userId="2e6e5431-bb17-4c41-9985-d39c50d83c73" providerId="ADAL" clId="{CBA97E97-ECF2-4F39-A891-C39F5B7B2557}" dt="2024-09-19T20:29:15.957" v="146" actId="47"/>
-        <pc:sldMkLst>
-          <pc:docMk/>
-          <pc:sldMk cId="2498533820" sldId="300"/>
-        </pc:sldMkLst>
-      </pc:sldChg>
-      <pc:sldChg chg="modSp add mod">
-        <pc:chgData name="Toby Donaldson" userId="2e6e5431-bb17-4c41-9985-d39c50d83c73" providerId="ADAL" clId="{CBA97E97-ECF2-4F39-A891-C39F5B7B2557}" dt="2024-09-19T21:01:25.679" v="1172" actId="20577"/>
-        <pc:sldMkLst>
-          <pc:docMk/>
-          <pc:sldMk cId="3412806536" sldId="301"/>
-        </pc:sldMkLst>
-      </pc:sldChg>
-      <pc:sldChg chg="del">
-        <pc:chgData name="Toby Donaldson" userId="2e6e5431-bb17-4c41-9985-d39c50d83c73" providerId="ADAL" clId="{CBA97E97-ECF2-4F39-A891-C39F5B7B2557}" dt="2024-09-19T20:29:16.153" v="147" actId="47"/>
-        <pc:sldMkLst>
-          <pc:docMk/>
-          <pc:sldMk cId="3751592408" sldId="301"/>
-        </pc:sldMkLst>
-      </pc:sldChg>
-      <pc:sldChg chg="del">
-        <pc:chgData name="Toby Donaldson" userId="2e6e5431-bb17-4c41-9985-d39c50d83c73" providerId="ADAL" clId="{CBA97E97-ECF2-4F39-A891-C39F5B7B2557}" dt="2024-09-19T20:29:16.395" v="148" actId="47"/>
-        <pc:sldMkLst>
-          <pc:docMk/>
-          <pc:sldMk cId="1018217066" sldId="302"/>
-        </pc:sldMkLst>
-      </pc:sldChg>
-      <pc:sldChg chg="addSp delSp modSp add mod ord">
-        <pc:chgData name="Toby Donaldson" userId="2e6e5431-bb17-4c41-9985-d39c50d83c73" providerId="ADAL" clId="{CBA97E97-ECF2-4F39-A891-C39F5B7B2557}" dt="2024-09-19T21:05:48.932" v="1432" actId="14100"/>
-        <pc:sldMkLst>
-          <pc:docMk/>
-          <pc:sldMk cId="1732205588" sldId="302"/>
-        </pc:sldMkLst>
-      </pc:sldChg>
-      <pc:sldChg chg="addSp delSp modSp add mod">
-        <pc:chgData name="Toby Donaldson" userId="2e6e5431-bb17-4c41-9985-d39c50d83c73" providerId="ADAL" clId="{CBA97E97-ECF2-4F39-A891-C39F5B7B2557}" dt="2024-09-19T21:15:22.764" v="1531" actId="208"/>
-        <pc:sldMkLst>
-          <pc:docMk/>
-          <pc:sldMk cId="4097905578" sldId="303"/>
-        </pc:sldMkLst>
-      </pc:sldChg>
-      <pc:sldChg chg="del">
-        <pc:chgData name="Toby Donaldson" userId="2e6e5431-bb17-4c41-9985-d39c50d83c73" providerId="ADAL" clId="{CBA97E97-ECF2-4F39-A891-C39F5B7B2557}" dt="2024-09-19T20:29:16.632" v="149" actId="47"/>
-        <pc:sldMkLst>
-          <pc:docMk/>
-          <pc:sldMk cId="3762144442" sldId="304"/>
-        </pc:sldMkLst>
-      </pc:sldChg>
-      <pc:sldChg chg="del">
-        <pc:chgData name="Toby Donaldson" userId="2e6e5431-bb17-4c41-9985-d39c50d83c73" providerId="ADAL" clId="{CBA97E97-ECF2-4F39-A891-C39F5B7B2557}" dt="2024-09-19T20:29:17.481" v="150" actId="47"/>
-        <pc:sldMkLst>
-          <pc:docMk/>
-          <pc:sldMk cId="3098928990" sldId="305"/>
-        </pc:sldMkLst>
-      </pc:sldChg>
-      <pc:sldChg chg="del">
-        <pc:chgData name="Toby Donaldson" userId="2e6e5431-bb17-4c41-9985-d39c50d83c73" providerId="ADAL" clId="{CBA97E97-ECF2-4F39-A891-C39F5B7B2557}" dt="2024-09-19T20:29:17.666" v="151" actId="47"/>
-        <pc:sldMkLst>
-          <pc:docMk/>
-          <pc:sldMk cId="2186739661" sldId="306"/>
-        </pc:sldMkLst>
-      </pc:sldChg>
-      <pc:sldChg chg="del">
-        <pc:chgData name="Toby Donaldson" userId="2e6e5431-bb17-4c41-9985-d39c50d83c73" providerId="ADAL" clId="{CBA97E97-ECF2-4F39-A891-C39F5B7B2557}" dt="2024-09-19T20:29:17.839" v="152" actId="47"/>
-        <pc:sldMkLst>
-          <pc:docMk/>
-          <pc:sldMk cId="711128939" sldId="307"/>
-        </pc:sldMkLst>
-      </pc:sldChg>
-      <pc:sldChg chg="delSp modSp mod">
-        <pc:chgData name="Toby Donaldson" userId="2e6e5431-bb17-4c41-9985-d39c50d83c73" providerId="ADAL" clId="{CBA97E97-ECF2-4F39-A891-C39F5B7B2557}" dt="2024-09-23T17:48:51.671" v="2506" actId="207"/>
-        <pc:sldMkLst>
-          <pc:docMk/>
-          <pc:sldMk cId="2872453283" sldId="307"/>
-        </pc:sldMkLst>
-      </pc:sldChg>
-      <pc:sldChg chg="del">
-        <pc:chgData name="Toby Donaldson" userId="2e6e5431-bb17-4c41-9985-d39c50d83c73" providerId="ADAL" clId="{CBA97E97-ECF2-4F39-A891-C39F5B7B2557}" dt="2024-09-19T20:29:18.025" v="153" actId="47"/>
-        <pc:sldMkLst>
-          <pc:docMk/>
-          <pc:sldMk cId="3381048815" sldId="308"/>
-        </pc:sldMkLst>
-      </pc:sldChg>
-      <pc:sldChg chg="del">
-        <pc:chgData name="Toby Donaldson" userId="2e6e5431-bb17-4c41-9985-d39c50d83c73" providerId="ADAL" clId="{CBA97E97-ECF2-4F39-A891-C39F5B7B2557}" dt="2024-09-23T17:50:21.834" v="2525" actId="2696"/>
-        <pc:sldMkLst>
-          <pc:docMk/>
-          <pc:sldMk cId="892689126" sldId="309"/>
-        </pc:sldMkLst>
-      </pc:sldChg>
-      <pc:sldChg chg="addSp delSp modSp mod">
-        <pc:chgData name="Toby Donaldson" userId="2e6e5431-bb17-4c41-9985-d39c50d83c73" providerId="ADAL" clId="{CBA97E97-ECF2-4F39-A891-C39F5B7B2557}" dt="2024-09-23T17:50:01.034" v="2524" actId="1076"/>
-        <pc:sldMkLst>
-          <pc:docMk/>
-          <pc:sldMk cId="1882997732" sldId="310"/>
-        </pc:sldMkLst>
-      </pc:sldChg>
-      <pc:sldChg chg="del">
-        <pc:chgData name="Toby Donaldson" userId="2e6e5431-bb17-4c41-9985-d39c50d83c73" providerId="ADAL" clId="{CBA97E97-ECF2-4F39-A891-C39F5B7B2557}" dt="2024-09-19T20:29:18.174" v="154" actId="47"/>
-        <pc:sldMkLst>
-          <pc:docMk/>
-          <pc:sldMk cId="2722314743" sldId="310"/>
-        </pc:sldMkLst>
-      </pc:sldChg>
-      <pc:sldChg chg="delSp modSp mod">
-        <pc:chgData name="Toby Donaldson" userId="2e6e5431-bb17-4c41-9985-d39c50d83c73" providerId="ADAL" clId="{CBA97E97-ECF2-4F39-A891-C39F5B7B2557}" dt="2024-09-23T17:51:18.238" v="2531" actId="113"/>
-        <pc:sldMkLst>
-          <pc:docMk/>
-          <pc:sldMk cId="3944662364" sldId="311"/>
-        </pc:sldMkLst>
-      </pc:sldChg>
-      <pc:sldChg chg="addSp modSp mod">
-        <pc:chgData name="Toby Donaldson" userId="2e6e5431-bb17-4c41-9985-d39c50d83c73" providerId="ADAL" clId="{CBA97E97-ECF2-4F39-A891-C39F5B7B2557}" dt="2024-09-23T17:56:45.472" v="2557" actId="1076"/>
-        <pc:sldMkLst>
-          <pc:docMk/>
-          <pc:sldMk cId="2209025065" sldId="312"/>
-        </pc:sldMkLst>
-      </pc:sldChg>
-      <pc:sldChg chg="modSp mod">
-        <pc:chgData name="Toby Donaldson" userId="2e6e5431-bb17-4c41-9985-d39c50d83c73" providerId="ADAL" clId="{CBA97E97-ECF2-4F39-A891-C39F5B7B2557}" dt="2024-09-23T17:56:31.742" v="2556" actId="313"/>
-        <pc:sldMkLst>
-          <pc:docMk/>
-          <pc:sldMk cId="2701333559" sldId="313"/>
-        </pc:sldMkLst>
-      </pc:sldChg>
-      <pc:sldChg chg="delSp modSp mod">
-        <pc:chgData name="Toby Donaldson" userId="2e6e5431-bb17-4c41-9985-d39c50d83c73" providerId="ADAL" clId="{CBA97E97-ECF2-4F39-A891-C39F5B7B2557}" dt="2024-09-23T17:57:28.423" v="2560" actId="20577"/>
-        <pc:sldMkLst>
-          <pc:docMk/>
-          <pc:sldMk cId="3461131009" sldId="314"/>
-        </pc:sldMkLst>
-      </pc:sldChg>
-      <pc:sldChg chg="delSp modSp mod">
-        <pc:chgData name="Toby Donaldson" userId="2e6e5431-bb17-4c41-9985-d39c50d83c73" providerId="ADAL" clId="{CBA97E97-ECF2-4F39-A891-C39F5B7B2557}" dt="2024-09-23T17:58:06.617" v="2563" actId="21"/>
-        <pc:sldMkLst>
-          <pc:docMk/>
-          <pc:sldMk cId="2266552019" sldId="315"/>
-        </pc:sldMkLst>
-      </pc:sldChg>
-      <pc:sldChg chg="addSp delSp modSp mod">
-        <pc:chgData name="Toby Donaldson" userId="2e6e5431-bb17-4c41-9985-d39c50d83c73" providerId="ADAL" clId="{CBA97E97-ECF2-4F39-A891-C39F5B7B2557}" dt="2024-09-23T17:59:40.050" v="2571" actId="207"/>
-        <pc:sldMkLst>
-          <pc:docMk/>
-          <pc:sldMk cId="3858326061" sldId="316"/>
-        </pc:sldMkLst>
-      </pc:sldChg>
-      <pc:sldChg chg="del">
-        <pc:chgData name="Toby Donaldson" userId="2e6e5431-bb17-4c41-9985-d39c50d83c73" providerId="ADAL" clId="{CBA97E97-ECF2-4F39-A891-C39F5B7B2557}" dt="2024-09-19T20:29:18.357" v="155" actId="47"/>
-        <pc:sldMkLst>
-          <pc:docMk/>
-          <pc:sldMk cId="1963568937" sldId="317"/>
-        </pc:sldMkLst>
-      </pc:sldChg>
-      <pc:sldChg chg="addSp delSp modSp new mod ord">
-        <pc:chgData name="Toby Donaldson" userId="2e6e5431-bb17-4c41-9985-d39c50d83c73" providerId="ADAL" clId="{CBA97E97-ECF2-4F39-A891-C39F5B7B2557}" dt="2024-09-21T00:33:01.012" v="2278"/>
-        <pc:sldMkLst>
-          <pc:docMk/>
-          <pc:sldMk cId="3248521206" sldId="317"/>
-        </pc:sldMkLst>
-      </pc:sldChg>
-      <pc:sldChg chg="add">
-        <pc:chgData name="Toby Donaldson" userId="2e6e5431-bb17-4c41-9985-d39c50d83c73" providerId="ADAL" clId="{CBA97E97-ECF2-4F39-A891-C39F5B7B2557}" dt="2024-09-21T00:31:46.443" v="2169" actId="2890"/>
-        <pc:sldMkLst>
-          <pc:docMk/>
-          <pc:sldMk cId="249145512" sldId="318"/>
-        </pc:sldMkLst>
-      </pc:sldChg>
-      <pc:sldChg chg="del">
-        <pc:chgData name="Toby Donaldson" userId="2e6e5431-bb17-4c41-9985-d39c50d83c73" providerId="ADAL" clId="{CBA97E97-ECF2-4F39-A891-C39F5B7B2557}" dt="2024-09-19T20:29:19.194" v="157" actId="47"/>
-        <pc:sldMkLst>
-          <pc:docMk/>
-          <pc:sldMk cId="3184009082" sldId="318"/>
-        </pc:sldMkLst>
-      </pc:sldChg>
-      <pc:sldChg chg="del">
-        <pc:chgData name="Toby Donaldson" userId="2e6e5431-bb17-4c41-9985-d39c50d83c73" providerId="ADAL" clId="{CBA97E97-ECF2-4F39-A891-C39F5B7B2557}" dt="2024-09-19T20:29:18.564" v="156" actId="47"/>
-        <pc:sldMkLst>
-          <pc:docMk/>
-          <pc:sldMk cId="155828000" sldId="319"/>
-        </pc:sldMkLst>
-      </pc:sldChg>
-      <pc:sldChg chg="addSp modSp add mod">
-        <pc:chgData name="Toby Donaldson" userId="2e6e5431-bb17-4c41-9985-d39c50d83c73" providerId="ADAL" clId="{CBA97E97-ECF2-4F39-A891-C39F5B7B2557}" dt="2024-09-21T00:35:19.906" v="2331" actId="1076"/>
-        <pc:sldMkLst>
-          <pc:docMk/>
-          <pc:sldMk cId="4252038421" sldId="319"/>
-        </pc:sldMkLst>
-      </pc:sldChg>
-      <pc:sldChg chg="del">
-        <pc:chgData name="Toby Donaldson" userId="2e6e5431-bb17-4c41-9985-d39c50d83c73" providerId="ADAL" clId="{CBA97E97-ECF2-4F39-A891-C39F5B7B2557}" dt="2024-09-19T20:29:19.717" v="158" actId="47"/>
-        <pc:sldMkLst>
-          <pc:docMk/>
-          <pc:sldMk cId="3885649669" sldId="320"/>
-        </pc:sldMkLst>
-      </pc:sldChg>
-      <pc:sldChg chg="del">
-        <pc:chgData name="Toby Donaldson" userId="2e6e5431-bb17-4c41-9985-d39c50d83c73" providerId="ADAL" clId="{CBA97E97-ECF2-4F39-A891-C39F5B7B2557}" dt="2024-09-19T20:29:09.185" v="141" actId="47"/>
-        <pc:sldMkLst>
-          <pc:docMk/>
-          <pc:sldMk cId="2722267496" sldId="321"/>
-        </pc:sldMkLst>
-      </pc:sldChg>
-      <pc:sldChg chg="delSp modSp add mod">
-        <pc:chgData name="Toby Donaldson" userId="2e6e5431-bb17-4c41-9985-d39c50d83c73" providerId="ADAL" clId="{CBA97E97-ECF2-4F39-A891-C39F5B7B2557}" dt="2024-09-23T17:51:54.876" v="2534" actId="21"/>
-        <pc:sldMkLst>
-          <pc:docMk/>
-          <pc:sldMk cId="2849956798" sldId="332"/>
-        </pc:sldMkLst>
-      </pc:sldChg>
-      <pc:sldChg chg="delSp modSp add mod">
-        <pc:chgData name="Toby Donaldson" userId="2e6e5431-bb17-4c41-9985-d39c50d83c73" providerId="ADAL" clId="{CBA97E97-ECF2-4F39-A891-C39F5B7B2557}" dt="2024-09-23T17:52:13.385" v="2536" actId="21"/>
-        <pc:sldMkLst>
-          <pc:docMk/>
-          <pc:sldMk cId="3967795402" sldId="333"/>
-        </pc:sldMkLst>
-      </pc:sldChg>
-      <pc:sldChg chg="add">
-        <pc:chgData name="Toby Donaldson" userId="2e6e5431-bb17-4c41-9985-d39c50d83c73" providerId="ADAL" clId="{CBA97E97-ECF2-4F39-A891-C39F5B7B2557}" dt="2024-09-23T17:52:03.064" v="2535" actId="2890"/>
-        <pc:sldMkLst>
-          <pc:docMk/>
-          <pc:sldMk cId="2618373808" sldId="334"/>
-        </pc:sldMkLst>
-      </pc:sldChg>
-      <pc:sldChg chg="delSp modSp add mod">
-        <pc:chgData name="Toby Donaldson" userId="2e6e5431-bb17-4c41-9985-d39c50d83c73" providerId="ADAL" clId="{CBA97E97-ECF2-4F39-A891-C39F5B7B2557}" dt="2024-09-23T17:58:29.916" v="2565" actId="21"/>
-        <pc:sldMkLst>
-          <pc:docMk/>
-          <pc:sldMk cId="2716633986" sldId="335"/>
-        </pc:sldMkLst>
-      </pc:sldChg>
-      <pc:sldChg chg="add">
-        <pc:chgData name="Toby Donaldson" userId="2e6e5431-bb17-4c41-9985-d39c50d83c73" providerId="ADAL" clId="{CBA97E97-ECF2-4F39-A891-C39F5B7B2557}" dt="2024-09-23T17:58:22.695" v="2564" actId="2890"/>
-        <pc:sldMkLst>
-          <pc:docMk/>
-          <pc:sldMk cId="1424474129" sldId="336"/>
-        </pc:sldMkLst>
-      </pc:sldChg>
-      <pc:sldChg chg="delSp modSp add mod">
-        <pc:chgData name="Toby Donaldson" userId="2e6e5431-bb17-4c41-9985-d39c50d83c73" providerId="ADAL" clId="{CBA97E97-ECF2-4F39-A891-C39F5B7B2557}" dt="2024-09-23T18:00:38.228" v="2577" actId="21"/>
-        <pc:sldMkLst>
-          <pc:docMk/>
-          <pc:sldMk cId="3046212211" sldId="337"/>
-        </pc:sldMkLst>
-      </pc:sldChg>
-      <pc:sldChg chg="add">
-        <pc:chgData name="Toby Donaldson" userId="2e6e5431-bb17-4c41-9985-d39c50d83c73" providerId="ADAL" clId="{CBA97E97-ECF2-4F39-A891-C39F5B7B2557}" dt="2024-09-23T18:00:31.341" v="2576" actId="2890"/>
-        <pc:sldMkLst>
-          <pc:docMk/>
-          <pc:sldMk cId="2280668604" sldId="338"/>
-        </pc:sldMkLst>
+        <pc:spChg chg="mod">
+          <ac:chgData name="Toby Donaldson" userId="2e6e5431-bb17-4c41-9985-d39c50d83c73" providerId="ADAL" clId="{7F9681A8-EEE2-56F4-9B39-ECCBEE0471AC}" dt="2026-02-03T00:18:50.922" v="0" actId="207"/>
+          <ac:spMkLst>
+            <pc:docMk/>
+            <pc:sldMk cId="4046174309" sldId="316"/>
+            <ac:spMk id="9" creationId="{5A513EF9-B47A-67ED-A879-FCA6EC8BFB73}"/>
+          </ac:spMkLst>
+        </pc:spChg>
       </pc:sldChg>
     </pc:docChg>
   </pc:docChgLst>
@@ -4347,7 +463,7 @@
           <a:p>
             <a:fld id="{F8162804-B246-4973-81E8-228E8D571902}" type="datetimeFigureOut">
               <a:rPr lang="en-AU" smtClean="0"/>
-              <a:t>15/10/2025</a:t>
+              <a:t>2/2/2026</a:t>
             </a:fld>
             <a:endParaRPr lang="en-AU"/>
           </a:p>
@@ -4764,7 +880,7 @@
           <a:p>
             <a:fld id="{05FEF993-8C17-4AA1-A568-B2EE0046F6BB}" type="datetime1">
               <a:rPr lang="en-AU" smtClean="0"/>
-              <a:t>15/10/2025</a:t>
+              <a:t>2/2/2026</a:t>
             </a:fld>
             <a:endParaRPr lang="en-AU"/>
           </a:p>
@@ -4964,7 +1080,7 @@
           <a:p>
             <a:fld id="{E3B588EE-5698-4527-9DB2-ACD518686AB3}" type="datetime1">
               <a:rPr lang="en-AU" smtClean="0"/>
-              <a:t>15/10/2025</a:t>
+              <a:t>2/2/2026</a:t>
             </a:fld>
             <a:endParaRPr lang="en-AU"/>
           </a:p>
@@ -5174,7 +1290,7 @@
           <a:p>
             <a:fld id="{EB1AEAFD-673C-49C9-9E87-345916F4966D}" type="datetime1">
               <a:rPr lang="en-AU" smtClean="0"/>
-              <a:t>15/10/2025</a:t>
+              <a:t>2/2/2026</a:t>
             </a:fld>
             <a:endParaRPr lang="en-AU"/>
           </a:p>
@@ -5374,7 +1490,7 @@
           <a:p>
             <a:fld id="{A343F544-1CF7-4940-8A71-C151BB078596}" type="datetime1">
               <a:rPr lang="en-AU" smtClean="0"/>
-              <a:t>15/10/2025</a:t>
+              <a:t>2/2/2026</a:t>
             </a:fld>
             <a:endParaRPr lang="en-AU"/>
           </a:p>
@@ -5650,7 +1766,7 @@
           <a:p>
             <a:fld id="{EEC9A0B8-47BE-4EBE-895C-4C62B36C50AF}" type="datetime1">
               <a:rPr lang="en-AU" smtClean="0"/>
-              <a:t>15/10/2025</a:t>
+              <a:t>2/2/2026</a:t>
             </a:fld>
             <a:endParaRPr lang="en-AU"/>
           </a:p>
@@ -5918,7 +2034,7 @@
           <a:p>
             <a:fld id="{7217689D-5032-4671-91C5-541D88033229}" type="datetime1">
               <a:rPr lang="en-AU" smtClean="0"/>
-              <a:t>15/10/2025</a:t>
+              <a:t>2/2/2026</a:t>
             </a:fld>
             <a:endParaRPr lang="en-AU"/>
           </a:p>
@@ -6333,7 +2449,7 @@
           <a:p>
             <a:fld id="{467A03C3-44F2-41B6-ADB8-009D9A974BEC}" type="datetime1">
               <a:rPr lang="en-AU" smtClean="0"/>
-              <a:t>15/10/2025</a:t>
+              <a:t>2/2/2026</a:t>
             </a:fld>
             <a:endParaRPr lang="en-AU"/>
           </a:p>
@@ -6475,7 +2591,7 @@
           <a:p>
             <a:fld id="{5AA8176C-6D36-44C4-8474-01BB2AF97904}" type="datetime1">
               <a:rPr lang="en-AU" smtClean="0"/>
-              <a:t>15/10/2025</a:t>
+              <a:t>2/2/2026</a:t>
             </a:fld>
             <a:endParaRPr lang="en-AU"/>
           </a:p>
@@ -6588,7 +2704,7 @@
           <a:p>
             <a:fld id="{ABCF4B4C-1DF1-4DDF-8F39-0671CF1075AF}" type="datetime1">
               <a:rPr lang="en-AU" smtClean="0"/>
-              <a:t>15/10/2025</a:t>
+              <a:t>2/2/2026</a:t>
             </a:fld>
             <a:endParaRPr lang="en-AU"/>
           </a:p>
@@ -6901,7 +3017,7 @@
           <a:p>
             <a:fld id="{CC6863CD-B029-4C34-BC29-C1A363BBC9B9}" type="datetime1">
               <a:rPr lang="en-AU" smtClean="0"/>
-              <a:t>15/10/2025</a:t>
+              <a:t>2/2/2026</a:t>
             </a:fld>
             <a:endParaRPr lang="en-AU"/>
           </a:p>
@@ -7190,7 +3306,7 @@
           <a:p>
             <a:fld id="{6E1F883F-65A2-4D24-B482-47EA72C1614F}" type="datetime1">
               <a:rPr lang="en-AU" smtClean="0"/>
-              <a:t>15/10/2025</a:t>
+              <a:t>2/2/2026</a:t>
             </a:fld>
             <a:endParaRPr lang="en-AU"/>
           </a:p>
@@ -7433,7 +3549,7 @@
           <a:p>
             <a:fld id="{526482F6-BAC0-4446-873D-C3498BDB5CA0}" type="datetime1">
               <a:rPr lang="en-AU" smtClean="0"/>
-              <a:t>15/10/2025</a:t>
+              <a:t>2/2/2026</a:t>
             </a:fld>
             <a:endParaRPr lang="en-AU"/>
           </a:p>
@@ -13687,10 +9803,10 @@
           <a:p>
             <a:pPr algn="ctr"/>
             <a:r>
-              <a:rPr lang="en-CA"/>
+              <a:rPr lang="en-CA" dirty="0"/>
               <a:t>N % A is how much is “left over” when A is divided into N.</a:t>
             </a:r>
-            <a:endParaRPr lang="en-AU"/>
+            <a:endParaRPr lang="en-AU" dirty="0"/>
           </a:p>
         </p:txBody>
       </p:sp>
@@ -14363,10 +10479,22 @@
           <a:p>
             <a:pPr algn="ctr"/>
             <a:r>
-              <a:rPr lang="en-CA" b="1"/>
-              <a:t>14 * 17 + 11 = 249</a:t>
-            </a:r>
-            <a:endParaRPr lang="en-AU"/>
+              <a:rPr lang="en-CA" b="1" dirty="0"/>
+              <a:t>14 * 17 + </a:t>
+            </a:r>
+            <a:r>
+              <a:rPr lang="en-CA" b="1" dirty="0">
+                <a:solidFill>
+                  <a:srgbClr val="FF0000"/>
+                </a:solidFill>
+              </a:rPr>
+              <a:t>11</a:t>
+            </a:r>
+            <a:r>
+              <a:rPr lang="en-CA" b="1" dirty="0"/>
+              <a:t> = 249</a:t>
+            </a:r>
+            <a:endParaRPr lang="en-AU" dirty="0"/>
           </a:p>
         </p:txBody>
       </p:sp>
@@ -15009,93 +11137,93 @@
           <a:custGeom>
             <a:avLst/>
             <a:gdLst>
-              <a:gd name="connsiteX0" fmla="*/ 0 w 4243589"/>
-              <a:gd name="connsiteY0" fmla="*/ 0 h 18288"/>
-              <a:gd name="connsiteX1" fmla="*/ 478919 w 4243589"/>
-              <a:gd name="connsiteY1" fmla="*/ 0 h 18288"/>
-              <a:gd name="connsiteX2" fmla="*/ 957839 w 4243589"/>
-              <a:gd name="connsiteY2" fmla="*/ 0 h 18288"/>
-              <a:gd name="connsiteX3" fmla="*/ 1521630 w 4243589"/>
-              <a:gd name="connsiteY3" fmla="*/ 0 h 18288"/>
-              <a:gd name="connsiteX4" fmla="*/ 2212729 w 4243589"/>
-              <a:gd name="connsiteY4" fmla="*/ 0 h 18288"/>
-              <a:gd name="connsiteX5" fmla="*/ 2734084 w 4243589"/>
-              <a:gd name="connsiteY5" fmla="*/ 0 h 18288"/>
-              <a:gd name="connsiteX6" fmla="*/ 3255439 w 4243589"/>
-              <a:gd name="connsiteY6" fmla="*/ 0 h 18288"/>
-              <a:gd name="connsiteX7" fmla="*/ 4243589 w 4243589"/>
-              <a:gd name="connsiteY7" fmla="*/ 0 h 18288"/>
-              <a:gd name="connsiteX8" fmla="*/ 4243589 w 4243589"/>
-              <a:gd name="connsiteY8" fmla="*/ 18288 h 18288"/>
-              <a:gd name="connsiteX9" fmla="*/ 3594926 w 4243589"/>
-              <a:gd name="connsiteY9" fmla="*/ 18288 h 18288"/>
-              <a:gd name="connsiteX10" fmla="*/ 3073571 w 4243589"/>
-              <a:gd name="connsiteY10" fmla="*/ 18288 h 18288"/>
-              <a:gd name="connsiteX11" fmla="*/ 2552216 w 4243589"/>
-              <a:gd name="connsiteY11" fmla="*/ 18288 h 18288"/>
-              <a:gd name="connsiteX12" fmla="*/ 1903553 w 4243589"/>
-              <a:gd name="connsiteY12" fmla="*/ 18288 h 18288"/>
-              <a:gd name="connsiteX13" fmla="*/ 1212454 w 4243589"/>
-              <a:gd name="connsiteY13" fmla="*/ 18288 h 18288"/>
-              <a:gd name="connsiteX14" fmla="*/ 733535 w 4243589"/>
-              <a:gd name="connsiteY14" fmla="*/ 18288 h 18288"/>
-              <a:gd name="connsiteX15" fmla="*/ 0 w 4243589"/>
-              <a:gd name="connsiteY15" fmla="*/ 18288 h 18288"/>
-              <a:gd name="connsiteX16" fmla="*/ 0 w 4243589"/>
-              <a:gd name="connsiteY16" fmla="*/ 0 h 18288"/>
+              <a:gd name="csX0" fmla="*/ 0 w 4243589"/>
+              <a:gd name="csY0" fmla="*/ 0 h 18288"/>
+              <a:gd name="csX1" fmla="*/ 478919 w 4243589"/>
+              <a:gd name="csY1" fmla="*/ 0 h 18288"/>
+              <a:gd name="csX2" fmla="*/ 957839 w 4243589"/>
+              <a:gd name="csY2" fmla="*/ 0 h 18288"/>
+              <a:gd name="csX3" fmla="*/ 1521630 w 4243589"/>
+              <a:gd name="csY3" fmla="*/ 0 h 18288"/>
+              <a:gd name="csX4" fmla="*/ 2212729 w 4243589"/>
+              <a:gd name="csY4" fmla="*/ 0 h 18288"/>
+              <a:gd name="csX5" fmla="*/ 2734084 w 4243589"/>
+              <a:gd name="csY5" fmla="*/ 0 h 18288"/>
+              <a:gd name="csX6" fmla="*/ 3255439 w 4243589"/>
+              <a:gd name="csY6" fmla="*/ 0 h 18288"/>
+              <a:gd name="csX7" fmla="*/ 4243589 w 4243589"/>
+              <a:gd name="csY7" fmla="*/ 0 h 18288"/>
+              <a:gd name="csX8" fmla="*/ 4243589 w 4243589"/>
+              <a:gd name="csY8" fmla="*/ 18288 h 18288"/>
+              <a:gd name="csX9" fmla="*/ 3594926 w 4243589"/>
+              <a:gd name="csY9" fmla="*/ 18288 h 18288"/>
+              <a:gd name="csX10" fmla="*/ 3073571 w 4243589"/>
+              <a:gd name="csY10" fmla="*/ 18288 h 18288"/>
+              <a:gd name="csX11" fmla="*/ 2552216 w 4243589"/>
+              <a:gd name="csY11" fmla="*/ 18288 h 18288"/>
+              <a:gd name="csX12" fmla="*/ 1903553 w 4243589"/>
+              <a:gd name="csY12" fmla="*/ 18288 h 18288"/>
+              <a:gd name="csX13" fmla="*/ 1212454 w 4243589"/>
+              <a:gd name="csY13" fmla="*/ 18288 h 18288"/>
+              <a:gd name="csX14" fmla="*/ 733535 w 4243589"/>
+              <a:gd name="csY14" fmla="*/ 18288 h 18288"/>
+              <a:gd name="csX15" fmla="*/ 0 w 4243589"/>
+              <a:gd name="csY15" fmla="*/ 18288 h 18288"/>
+              <a:gd name="csX16" fmla="*/ 0 w 4243589"/>
+              <a:gd name="csY16" fmla="*/ 0 h 18288"/>
             </a:gdLst>
             <a:ahLst/>
             <a:cxnLst>
               <a:cxn ang="0">
-                <a:pos x="connsiteX0" y="connsiteY0"/>
+                <a:pos x="csX0" y="csY0"/>
               </a:cxn>
               <a:cxn ang="0">
-                <a:pos x="connsiteX1" y="connsiteY1"/>
+                <a:pos x="csX1" y="csY1"/>
               </a:cxn>
               <a:cxn ang="0">
-                <a:pos x="connsiteX2" y="connsiteY2"/>
+                <a:pos x="csX2" y="csY2"/>
               </a:cxn>
               <a:cxn ang="0">
-                <a:pos x="connsiteX3" y="connsiteY3"/>
+                <a:pos x="csX3" y="csY3"/>
               </a:cxn>
               <a:cxn ang="0">
-                <a:pos x="connsiteX4" y="connsiteY4"/>
+                <a:pos x="csX4" y="csY4"/>
               </a:cxn>
               <a:cxn ang="0">
-                <a:pos x="connsiteX5" y="connsiteY5"/>
+                <a:pos x="csX5" y="csY5"/>
               </a:cxn>
               <a:cxn ang="0">
-                <a:pos x="connsiteX6" y="connsiteY6"/>
+                <a:pos x="csX6" y="csY6"/>
               </a:cxn>
               <a:cxn ang="0">
-                <a:pos x="connsiteX7" y="connsiteY7"/>
+                <a:pos x="csX7" y="csY7"/>
               </a:cxn>
               <a:cxn ang="0">
-                <a:pos x="connsiteX8" y="connsiteY8"/>
+                <a:pos x="csX8" y="csY8"/>
               </a:cxn>
               <a:cxn ang="0">
-                <a:pos x="connsiteX9" y="connsiteY9"/>
+                <a:pos x="csX9" y="csY9"/>
               </a:cxn>
               <a:cxn ang="0">
-                <a:pos x="connsiteX10" y="connsiteY10"/>
+                <a:pos x="csX10" y="csY10"/>
               </a:cxn>
               <a:cxn ang="0">
-                <a:pos x="connsiteX11" y="connsiteY11"/>
+                <a:pos x="csX11" y="csY11"/>
               </a:cxn>
               <a:cxn ang="0">
-                <a:pos x="connsiteX12" y="connsiteY12"/>
+                <a:pos x="csX12" y="csY12"/>
               </a:cxn>
               <a:cxn ang="0">
-                <a:pos x="connsiteX13" y="connsiteY13"/>
+                <a:pos x="csX13" y="csY13"/>
               </a:cxn>
               <a:cxn ang="0">
-                <a:pos x="connsiteX14" y="connsiteY14"/>
+                <a:pos x="csX14" y="csY14"/>
               </a:cxn>
               <a:cxn ang="0">
-                <a:pos x="connsiteX15" y="connsiteY15"/>
+                <a:pos x="csX15" y="csY15"/>
               </a:cxn>
               <a:cxn ang="0">
-                <a:pos x="connsiteX16" y="connsiteY16"/>
+                <a:pos x="csX16" y="csY16"/>
               </a:cxn>
             </a:cxnLst>
             <a:rect l="l" t="t" r="r" b="b"/>

--- a/lecture_notes/chapter5/chapter5.pptx
+++ b/lecture_notes/chapter5/chapter5.pptx
@@ -81,16 +81,16 @@
     <p:sldId id="361" r:id="rId72"/>
     <p:sldId id="397" r:id="rId73"/>
     <p:sldId id="359" r:id="rId74"/>
-    <p:sldId id="386" r:id="rId75"/>
-    <p:sldId id="363" r:id="rId76"/>
-    <p:sldId id="364" r:id="rId77"/>
-    <p:sldId id="365" r:id="rId78"/>
-    <p:sldId id="366" r:id="rId79"/>
-    <p:sldId id="367" r:id="rId80"/>
-    <p:sldId id="368" r:id="rId81"/>
-    <p:sldId id="369" r:id="rId82"/>
-    <p:sldId id="370" r:id="rId83"/>
-    <p:sldId id="371" r:id="rId84"/>
+    <p:sldId id="363" r:id="rId75"/>
+    <p:sldId id="404" r:id="rId76"/>
+    <p:sldId id="405" r:id="rId77"/>
+    <p:sldId id="407" r:id="rId78"/>
+    <p:sldId id="408" r:id="rId79"/>
+    <p:sldId id="411" r:id="rId80"/>
+    <p:sldId id="409" r:id="rId81"/>
+    <p:sldId id="410" r:id="rId82"/>
+    <p:sldId id="412" r:id="rId83"/>
+    <p:sldId id="413" r:id="rId84"/>
     <p:sldId id="372" r:id="rId85"/>
     <p:sldId id="373" r:id="rId86"/>
     <p:sldId id="375" r:id="rId87"/>
@@ -308,16 +308,16 @@
         <p14:section name="Recursion" id="{D04F6D11-18A2-48E4-A4E0-599B1964EA24}">
           <p14:sldIdLst>
             <p14:sldId id="359"/>
-            <p14:sldId id="386"/>
             <p14:sldId id="363"/>
-            <p14:sldId id="364"/>
-            <p14:sldId id="365"/>
-            <p14:sldId id="366"/>
-            <p14:sldId id="367"/>
-            <p14:sldId id="368"/>
-            <p14:sldId id="369"/>
-            <p14:sldId id="370"/>
-            <p14:sldId id="371"/>
+            <p14:sldId id="404"/>
+            <p14:sldId id="405"/>
+            <p14:sldId id="407"/>
+            <p14:sldId id="408"/>
+            <p14:sldId id="411"/>
+            <p14:sldId id="409"/>
+            <p14:sldId id="410"/>
+            <p14:sldId id="412"/>
+            <p14:sldId id="413"/>
           </p14:sldIdLst>
         </p14:section>
         <p14:section name="Tracing a Recursive Function" id="{6134E3A5-D5B9-4043-990D-1C8917636CAA}">
@@ -365,7 +365,7 @@
 <file path=ppt/revisionInfo.xml><?xml version="1.0" encoding="utf-8"?>
 <p1510:revInfo xmlns:a="http://schemas.openxmlformats.org/drawingml/2006/main" xmlns:r="http://schemas.openxmlformats.org/officeDocument/2006/relationships" xmlns:p1510="http://schemas.microsoft.com/office/powerpoint/2015/10/main">
   <p1510:revLst>
-    <p1510:client id="{C966C1DB-36E8-034B-83C3-34A1D23586E2}" v="18" dt="2026-02-06T18:24:25.994"/>
+    <p1510:client id="{6C9AD567-726A-7B49-A25E-19B99E4B39ED}" v="25" dt="2026-02-09T06:34:06.029"/>
   </p1510:revLst>
 </p1510:revInfo>
 </file>
@@ -880,22 +880,6 @@
           <pc:docMk/>
           <pc:sldMk cId="3789802841" sldId="402"/>
         </pc:sldMkLst>
-        <pc:spChg chg="del">
-          <ac:chgData name="Toby Donaldson" userId="2e6e5431-bb17-4c41-9985-d39c50d83c73" providerId="ADAL" clId="{F31BC264-820E-54C4-A6D1-F92AF9CC222E}" dt="2026-02-06T16:58:36.483" v="294" actId="21"/>
-          <ac:spMkLst>
-            <pc:docMk/>
-            <pc:sldMk cId="3789802841" sldId="402"/>
-            <ac:spMk id="7" creationId="{D87DDBF6-DAA5-D7A0-16A2-682AB00E9018}"/>
-          </ac:spMkLst>
-        </pc:spChg>
-        <pc:spChg chg="del">
-          <ac:chgData name="Toby Donaldson" userId="2e6e5431-bb17-4c41-9985-d39c50d83c73" providerId="ADAL" clId="{F31BC264-820E-54C4-A6D1-F92AF9CC222E}" dt="2026-02-06T16:58:32.369" v="293" actId="21"/>
-          <ac:spMkLst>
-            <pc:docMk/>
-            <pc:sldMk cId="3789802841" sldId="402"/>
-            <ac:spMk id="8" creationId="{F4FEFC0D-D743-89C1-4F50-7E8AE479EB03}"/>
-          </ac:spMkLst>
-        </pc:spChg>
         <pc:spChg chg="add mod">
           <ac:chgData name="Toby Donaldson" userId="2e6e5431-bb17-4c41-9985-d39c50d83c73" providerId="ADAL" clId="{F31BC264-820E-54C4-A6D1-F92AF9CC222E}" dt="2026-02-06T17:01:33.414" v="452" actId="14100"/>
           <ac:spMkLst>
@@ -957,8 +941,8 @@
   </pc:docChgLst>
   <pc:docChgLst>
     <pc:chgData name="Toby Donaldson" userId="2e6e5431-bb17-4c41-9985-d39c50d83c73" providerId="ADAL" clId="{7F9681A8-EEE2-56F4-9B39-ECCBEE0471AC}"/>
-    <pc:docChg chg="modSld">
-      <pc:chgData name="Toby Donaldson" userId="2e6e5431-bb17-4c41-9985-d39c50d83c73" providerId="ADAL" clId="{7F9681A8-EEE2-56F4-9B39-ECCBEE0471AC}" dt="2026-02-03T00:18:50.922" v="0" actId="207"/>
+    <pc:docChg chg="undo custSel addSld delSld modSld sldOrd modSection">
+      <pc:chgData name="Toby Donaldson" userId="2e6e5431-bb17-4c41-9985-d39c50d83c73" providerId="ADAL" clId="{7F9681A8-EEE2-56F4-9B39-ECCBEE0471AC}" dt="2026-02-09T06:34:11.305" v="1720" actId="20577"/>
       <pc:docMkLst>
         <pc:docMk/>
       </pc:docMkLst>
@@ -974,6 +958,652 @@
             <pc:docMk/>
             <pc:sldMk cId="4046174309" sldId="316"/>
             <ac:spMk id="9" creationId="{5A513EF9-B47A-67ED-A879-FCA6EC8BFB73}"/>
+          </ac:spMkLst>
+        </pc:spChg>
+      </pc:sldChg>
+      <pc:sldChg chg="delSp modSp mod">
+        <pc:chgData name="Toby Donaldson" userId="2e6e5431-bb17-4c41-9985-d39c50d83c73" providerId="ADAL" clId="{7F9681A8-EEE2-56F4-9B39-ECCBEE0471AC}" dt="2026-02-09T05:34:52.548" v="124" actId="1076"/>
+        <pc:sldMkLst>
+          <pc:docMk/>
+          <pc:sldMk cId="479954462" sldId="359"/>
+        </pc:sldMkLst>
+        <pc:spChg chg="mod">
+          <ac:chgData name="Toby Donaldson" userId="2e6e5431-bb17-4c41-9985-d39c50d83c73" providerId="ADAL" clId="{7F9681A8-EEE2-56F4-9B39-ECCBEE0471AC}" dt="2026-02-09T05:34:37.776" v="120" actId="27636"/>
+          <ac:spMkLst>
+            <pc:docMk/>
+            <pc:sldMk cId="479954462" sldId="359"/>
+            <ac:spMk id="2" creationId="{07ED7D0B-E1CC-813B-7DF5-9B8EEDDE1E5F}"/>
+          </ac:spMkLst>
+        </pc:spChg>
+        <pc:spChg chg="del">
+          <ac:chgData name="Toby Donaldson" userId="2e6e5431-bb17-4c41-9985-d39c50d83c73" providerId="ADAL" clId="{7F9681A8-EEE2-56F4-9B39-ECCBEE0471AC}" dt="2026-02-09T05:34:08.538" v="3" actId="21"/>
+          <ac:spMkLst>
+            <pc:docMk/>
+            <pc:sldMk cId="479954462" sldId="359"/>
+            <ac:spMk id="9" creationId="{8EE735F9-A83D-1F3E-F692-E234EC6D516B}"/>
+          </ac:spMkLst>
+        </pc:spChg>
+        <pc:picChg chg="del">
+          <ac:chgData name="Toby Donaldson" userId="2e6e5431-bb17-4c41-9985-d39c50d83c73" providerId="ADAL" clId="{7F9681A8-EEE2-56F4-9B39-ECCBEE0471AC}" dt="2026-02-09T05:34:03.235" v="2" actId="21"/>
+          <ac:picMkLst>
+            <pc:docMk/>
+            <pc:sldMk cId="479954462" sldId="359"/>
+            <ac:picMk id="1026" creationId="{B5AA3BD7-72A2-C667-3255-C733885FE368}"/>
+          </ac:picMkLst>
+        </pc:picChg>
+        <pc:picChg chg="del">
+          <ac:chgData name="Toby Donaldson" userId="2e6e5431-bb17-4c41-9985-d39c50d83c73" providerId="ADAL" clId="{7F9681A8-EEE2-56F4-9B39-ECCBEE0471AC}" dt="2026-02-09T05:34:03.235" v="2" actId="21"/>
+          <ac:picMkLst>
+            <pc:docMk/>
+            <pc:sldMk cId="479954462" sldId="359"/>
+            <ac:picMk id="1028" creationId="{1D3B183A-234E-17E7-F132-4453F35097E3}"/>
+          </ac:picMkLst>
+        </pc:picChg>
+        <pc:picChg chg="del">
+          <ac:chgData name="Toby Donaldson" userId="2e6e5431-bb17-4c41-9985-d39c50d83c73" providerId="ADAL" clId="{7F9681A8-EEE2-56F4-9B39-ECCBEE0471AC}" dt="2026-02-09T05:34:03.235" v="2" actId="21"/>
+          <ac:picMkLst>
+            <pc:docMk/>
+            <pc:sldMk cId="479954462" sldId="359"/>
+            <ac:picMk id="1030" creationId="{8DFCFC22-B0D7-FD1A-BBE3-5647AA7B97A8}"/>
+          </ac:picMkLst>
+        </pc:picChg>
+        <pc:picChg chg="mod">
+          <ac:chgData name="Toby Donaldson" userId="2e6e5431-bb17-4c41-9985-d39c50d83c73" providerId="ADAL" clId="{7F9681A8-EEE2-56F4-9B39-ECCBEE0471AC}" dt="2026-02-09T05:34:52.548" v="124" actId="1076"/>
+          <ac:picMkLst>
+            <pc:docMk/>
+            <pc:sldMk cId="479954462" sldId="359"/>
+            <ac:picMk id="1032" creationId="{BA8026C5-A8CF-486B-7BFF-3E058C3388EA}"/>
+          </ac:picMkLst>
+        </pc:picChg>
+      </pc:sldChg>
+      <pc:sldChg chg="addSp delSp modSp mod modNotesTx">
+        <pc:chgData name="Toby Donaldson" userId="2e6e5431-bb17-4c41-9985-d39c50d83c73" providerId="ADAL" clId="{7F9681A8-EEE2-56F4-9B39-ECCBEE0471AC}" dt="2026-02-09T06:31:11.790" v="1697" actId="20577"/>
+        <pc:sldMkLst>
+          <pc:docMk/>
+          <pc:sldMk cId="1998224056" sldId="363"/>
+        </pc:sldMkLst>
+        <pc:spChg chg="del">
+          <ac:chgData name="Toby Donaldson" userId="2e6e5431-bb17-4c41-9985-d39c50d83c73" providerId="ADAL" clId="{7F9681A8-EEE2-56F4-9B39-ECCBEE0471AC}" dt="2026-02-09T05:35:19.837" v="129" actId="21"/>
+          <ac:spMkLst>
+            <pc:docMk/>
+            <pc:sldMk cId="1998224056" sldId="363"/>
+            <ac:spMk id="2" creationId="{9275407B-6D3F-183D-1CF7-9949528E3E3F}"/>
+          </ac:spMkLst>
+        </pc:spChg>
+        <pc:spChg chg="add del mod">
+          <ac:chgData name="Toby Donaldson" userId="2e6e5431-bb17-4c41-9985-d39c50d83c73" providerId="ADAL" clId="{7F9681A8-EEE2-56F4-9B39-ECCBEE0471AC}" dt="2026-02-09T05:38:52.905" v="536" actId="21"/>
+          <ac:spMkLst>
+            <pc:docMk/>
+            <pc:sldMk cId="1998224056" sldId="363"/>
+            <ac:spMk id="5" creationId="{C1E44C5B-0358-932E-4F73-CB801367A42C}"/>
+          </ac:spMkLst>
+        </pc:spChg>
+        <pc:spChg chg="add del mod">
+          <ac:chgData name="Toby Donaldson" userId="2e6e5431-bb17-4c41-9985-d39c50d83c73" providerId="ADAL" clId="{7F9681A8-EEE2-56F4-9B39-ECCBEE0471AC}" dt="2026-02-09T05:38:57.640" v="537" actId="21"/>
+          <ac:spMkLst>
+            <pc:docMk/>
+            <pc:sldMk cId="1998224056" sldId="363"/>
+            <ac:spMk id="7" creationId="{7EC11B78-C582-7557-DCA0-2F92FD4DB78E}"/>
+          </ac:spMkLst>
+        </pc:spChg>
+        <pc:spChg chg="mod">
+          <ac:chgData name="Toby Donaldson" userId="2e6e5431-bb17-4c41-9985-d39c50d83c73" providerId="ADAL" clId="{7F9681A8-EEE2-56F4-9B39-ECCBEE0471AC}" dt="2026-02-09T05:36:54.281" v="192" actId="20577"/>
+          <ac:spMkLst>
+            <pc:docMk/>
+            <pc:sldMk cId="1998224056" sldId="363"/>
+            <ac:spMk id="8" creationId="{A6BEF248-2585-C699-BA51-4CB6407CD0C2}"/>
+          </ac:spMkLst>
+        </pc:spChg>
+        <pc:spChg chg="del">
+          <ac:chgData name="Toby Donaldson" userId="2e6e5431-bb17-4c41-9985-d39c50d83c73" providerId="ADAL" clId="{7F9681A8-EEE2-56F4-9B39-ECCBEE0471AC}" dt="2026-02-09T05:35:43.197" v="174" actId="21"/>
+          <ac:spMkLst>
+            <pc:docMk/>
+            <pc:sldMk cId="1998224056" sldId="363"/>
+            <ac:spMk id="9" creationId="{9E06EC88-03E8-2E31-9237-EDF2929D6271}"/>
+          </ac:spMkLst>
+        </pc:spChg>
+        <pc:spChg chg="add mod">
+          <ac:chgData name="Toby Donaldson" userId="2e6e5431-bb17-4c41-9985-d39c50d83c73" providerId="ADAL" clId="{7F9681A8-EEE2-56F4-9B39-ECCBEE0471AC}" dt="2026-02-09T06:31:11.790" v="1697" actId="20577"/>
+          <ac:spMkLst>
+            <pc:docMk/>
+            <pc:sldMk cId="1998224056" sldId="363"/>
+            <ac:spMk id="10" creationId="{9AE5E092-17E7-CCFD-C695-518FCD22F3F9}"/>
+          </ac:spMkLst>
+        </pc:spChg>
+        <pc:spChg chg="del">
+          <ac:chgData name="Toby Donaldson" userId="2e6e5431-bb17-4c41-9985-d39c50d83c73" providerId="ADAL" clId="{7F9681A8-EEE2-56F4-9B39-ECCBEE0471AC}" dt="2026-02-09T05:35:37.934" v="173" actId="21"/>
+          <ac:spMkLst>
+            <pc:docMk/>
+            <pc:sldMk cId="1998224056" sldId="363"/>
+            <ac:spMk id="11" creationId="{7E5899BA-E00B-2734-6E93-78D3062FA33B}"/>
+          </ac:spMkLst>
+        </pc:spChg>
+        <pc:spChg chg="add mod">
+          <ac:chgData name="Toby Donaldson" userId="2e6e5431-bb17-4c41-9985-d39c50d83c73" providerId="ADAL" clId="{7F9681A8-EEE2-56F4-9B39-ECCBEE0471AC}" dt="2026-02-09T06:28:26.908" v="1611" actId="1076"/>
+          <ac:spMkLst>
+            <pc:docMk/>
+            <pc:sldMk cId="1998224056" sldId="363"/>
+            <ac:spMk id="12" creationId="{44B798B4-882C-1618-9A32-F3F555F7D939}"/>
+          </ac:spMkLst>
+        </pc:spChg>
+        <pc:cxnChg chg="del mod">
+          <ac:chgData name="Toby Donaldson" userId="2e6e5431-bb17-4c41-9985-d39c50d83c73" providerId="ADAL" clId="{7F9681A8-EEE2-56F4-9B39-ECCBEE0471AC}" dt="2026-02-09T05:35:37.934" v="173" actId="21"/>
+          <ac:cxnSpMkLst>
+            <pc:docMk/>
+            <pc:sldMk cId="1998224056" sldId="363"/>
+            <ac:cxnSpMk id="20" creationId="{84D9ADDA-E4D3-3AE7-CF4D-31F73AA40C73}"/>
+          </ac:cxnSpMkLst>
+        </pc:cxnChg>
+        <pc:cxnChg chg="del">
+          <ac:chgData name="Toby Donaldson" userId="2e6e5431-bb17-4c41-9985-d39c50d83c73" providerId="ADAL" clId="{7F9681A8-EEE2-56F4-9B39-ECCBEE0471AC}" dt="2026-02-09T05:35:37.934" v="173" actId="21"/>
+          <ac:cxnSpMkLst>
+            <pc:docMk/>
+            <pc:sldMk cId="1998224056" sldId="363"/>
+            <ac:cxnSpMk id="22" creationId="{1468AD52-2E6B-3137-1A09-5E6E46AC444C}"/>
+          </ac:cxnSpMkLst>
+        </pc:cxnChg>
+        <pc:cxnChg chg="del mod">
+          <ac:chgData name="Toby Donaldson" userId="2e6e5431-bb17-4c41-9985-d39c50d83c73" providerId="ADAL" clId="{7F9681A8-EEE2-56F4-9B39-ECCBEE0471AC}" dt="2026-02-09T05:35:37.934" v="173" actId="21"/>
+          <ac:cxnSpMkLst>
+            <pc:docMk/>
+            <pc:sldMk cId="1998224056" sldId="363"/>
+            <ac:cxnSpMk id="27" creationId="{F6C95250-500F-538B-54F2-187760E37960}"/>
+          </ac:cxnSpMkLst>
+        </pc:cxnChg>
+        <pc:cxnChg chg="del">
+          <ac:chgData name="Toby Donaldson" userId="2e6e5431-bb17-4c41-9985-d39c50d83c73" providerId="ADAL" clId="{7F9681A8-EEE2-56F4-9B39-ECCBEE0471AC}" dt="2026-02-09T05:35:37.934" v="173" actId="21"/>
+          <ac:cxnSpMkLst>
+            <pc:docMk/>
+            <pc:sldMk cId="1998224056" sldId="363"/>
+            <ac:cxnSpMk id="31" creationId="{CF815867-FF16-6467-0B98-4614711819B9}"/>
+          </ac:cxnSpMkLst>
+        </pc:cxnChg>
+        <pc:cxnChg chg="del">
+          <ac:chgData name="Toby Donaldson" userId="2e6e5431-bb17-4c41-9985-d39c50d83c73" providerId="ADAL" clId="{7F9681A8-EEE2-56F4-9B39-ECCBEE0471AC}" dt="2026-02-09T05:35:37.934" v="173" actId="21"/>
+          <ac:cxnSpMkLst>
+            <pc:docMk/>
+            <pc:sldMk cId="1998224056" sldId="363"/>
+            <ac:cxnSpMk id="34" creationId="{183921CB-9D06-2380-CDDD-49C6C7EC5D8E}"/>
+          </ac:cxnSpMkLst>
+        </pc:cxnChg>
+      </pc:sldChg>
+      <pc:sldChg chg="del">
+        <pc:chgData name="Toby Donaldson" userId="2e6e5431-bb17-4c41-9985-d39c50d83c73" providerId="ADAL" clId="{7F9681A8-EEE2-56F4-9B39-ECCBEE0471AC}" dt="2026-02-09T05:37:07.033" v="193" actId="2696"/>
+        <pc:sldMkLst>
+          <pc:docMk/>
+          <pc:sldMk cId="3804911334" sldId="364"/>
+        </pc:sldMkLst>
+      </pc:sldChg>
+      <pc:sldChg chg="del">
+        <pc:chgData name="Toby Donaldson" userId="2e6e5431-bb17-4c41-9985-d39c50d83c73" providerId="ADAL" clId="{7F9681A8-EEE2-56F4-9B39-ECCBEE0471AC}" dt="2026-02-09T06:00:11.372" v="1164" actId="2696"/>
+        <pc:sldMkLst>
+          <pc:docMk/>
+          <pc:sldMk cId="2226048549" sldId="365"/>
+        </pc:sldMkLst>
+      </pc:sldChg>
+      <pc:sldChg chg="del">
+        <pc:chgData name="Toby Donaldson" userId="2e6e5431-bb17-4c41-9985-d39c50d83c73" providerId="ADAL" clId="{7F9681A8-EEE2-56F4-9B39-ECCBEE0471AC}" dt="2026-02-09T06:26:15.550" v="1590" actId="2696"/>
+        <pc:sldMkLst>
+          <pc:docMk/>
+          <pc:sldMk cId="3292605436" sldId="366"/>
+        </pc:sldMkLst>
+      </pc:sldChg>
+      <pc:sldChg chg="del ord">
+        <pc:chgData name="Toby Donaldson" userId="2e6e5431-bb17-4c41-9985-d39c50d83c73" providerId="ADAL" clId="{7F9681A8-EEE2-56F4-9B39-ECCBEE0471AC}" dt="2026-02-09T06:26:15.550" v="1590" actId="2696"/>
+        <pc:sldMkLst>
+          <pc:docMk/>
+          <pc:sldMk cId="1281652328" sldId="367"/>
+        </pc:sldMkLst>
+      </pc:sldChg>
+      <pc:sldChg chg="del ord">
+        <pc:chgData name="Toby Donaldson" userId="2e6e5431-bb17-4c41-9985-d39c50d83c73" providerId="ADAL" clId="{7F9681A8-EEE2-56F4-9B39-ECCBEE0471AC}" dt="2026-02-09T06:26:15.550" v="1590" actId="2696"/>
+        <pc:sldMkLst>
+          <pc:docMk/>
+          <pc:sldMk cId="4088079527" sldId="368"/>
+        </pc:sldMkLst>
+      </pc:sldChg>
+      <pc:sldChg chg="del ord">
+        <pc:chgData name="Toby Donaldson" userId="2e6e5431-bb17-4c41-9985-d39c50d83c73" providerId="ADAL" clId="{7F9681A8-EEE2-56F4-9B39-ECCBEE0471AC}" dt="2026-02-09T06:26:15.550" v="1590" actId="2696"/>
+        <pc:sldMkLst>
+          <pc:docMk/>
+          <pc:sldMk cId="258802373" sldId="369"/>
+        </pc:sldMkLst>
+      </pc:sldChg>
+      <pc:sldChg chg="del ord">
+        <pc:chgData name="Toby Donaldson" userId="2e6e5431-bb17-4c41-9985-d39c50d83c73" providerId="ADAL" clId="{7F9681A8-EEE2-56F4-9B39-ECCBEE0471AC}" dt="2026-02-09T06:26:15.550" v="1590" actId="2696"/>
+        <pc:sldMkLst>
+          <pc:docMk/>
+          <pc:sldMk cId="1877160746" sldId="370"/>
+        </pc:sldMkLst>
+      </pc:sldChg>
+      <pc:sldChg chg="del ord">
+        <pc:chgData name="Toby Donaldson" userId="2e6e5431-bb17-4c41-9985-d39c50d83c73" providerId="ADAL" clId="{7F9681A8-EEE2-56F4-9B39-ECCBEE0471AC}" dt="2026-02-09T06:26:15.550" v="1590" actId="2696"/>
+        <pc:sldMkLst>
+          <pc:docMk/>
+          <pc:sldMk cId="3159336100" sldId="371"/>
+        </pc:sldMkLst>
+      </pc:sldChg>
+      <pc:sldChg chg="ord">
+        <pc:chgData name="Toby Donaldson" userId="2e6e5431-bb17-4c41-9985-d39c50d83c73" providerId="ADAL" clId="{7F9681A8-EEE2-56F4-9B39-ECCBEE0471AC}" dt="2026-02-09T06:26:01.178" v="1589" actId="20578"/>
+        <pc:sldMkLst>
+          <pc:docMk/>
+          <pc:sldMk cId="1016439760" sldId="372"/>
+        </pc:sldMkLst>
+      </pc:sldChg>
+      <pc:sldChg chg="del">
+        <pc:chgData name="Toby Donaldson" userId="2e6e5431-bb17-4c41-9985-d39c50d83c73" providerId="ADAL" clId="{7F9681A8-EEE2-56F4-9B39-ECCBEE0471AC}" dt="2026-02-09T05:35:14.747" v="128" actId="2696"/>
+        <pc:sldMkLst>
+          <pc:docMk/>
+          <pc:sldMk cId="1134019399" sldId="386"/>
+        </pc:sldMkLst>
+      </pc:sldChg>
+      <pc:sldChg chg="add del">
+        <pc:chgData name="Toby Donaldson" userId="2e6e5431-bb17-4c41-9985-d39c50d83c73" providerId="ADAL" clId="{7F9681A8-EEE2-56F4-9B39-ECCBEE0471AC}" dt="2026-02-09T06:00:11.372" v="1164" actId="2696"/>
+        <pc:sldMkLst>
+          <pc:docMk/>
+          <pc:sldMk cId="32405101" sldId="403"/>
+        </pc:sldMkLst>
+      </pc:sldChg>
+      <pc:sldChg chg="add del">
+        <pc:chgData name="Toby Donaldson" userId="2e6e5431-bb17-4c41-9985-d39c50d83c73" providerId="ADAL" clId="{7F9681A8-EEE2-56F4-9B39-ECCBEE0471AC}" dt="2026-02-09T05:35:11.535" v="127" actId="2696"/>
+        <pc:sldMkLst>
+          <pc:docMk/>
+          <pc:sldMk cId="662349139" sldId="403"/>
+        </pc:sldMkLst>
+      </pc:sldChg>
+      <pc:sldChg chg="add del">
+        <pc:chgData name="Toby Donaldson" userId="2e6e5431-bb17-4c41-9985-d39c50d83c73" providerId="ADAL" clId="{7F9681A8-EEE2-56F4-9B39-ECCBEE0471AC}" dt="2026-02-09T05:34:59.118" v="125" actId="2696"/>
+        <pc:sldMkLst>
+          <pc:docMk/>
+          <pc:sldMk cId="1536879329" sldId="403"/>
+        </pc:sldMkLst>
+      </pc:sldChg>
+      <pc:sldChg chg="addSp modSp add mod modNotesTx">
+        <pc:chgData name="Toby Donaldson" userId="2e6e5431-bb17-4c41-9985-d39c50d83c73" providerId="ADAL" clId="{7F9681A8-EEE2-56F4-9B39-ECCBEE0471AC}" dt="2026-02-09T06:31:06.040" v="1689" actId="20577"/>
+        <pc:sldMkLst>
+          <pc:docMk/>
+          <pc:sldMk cId="2110900456" sldId="404"/>
+        </pc:sldMkLst>
+        <pc:spChg chg="add mod">
+          <ac:chgData name="Toby Donaldson" userId="2e6e5431-bb17-4c41-9985-d39c50d83c73" providerId="ADAL" clId="{7F9681A8-EEE2-56F4-9B39-ECCBEE0471AC}" dt="2026-02-09T06:28:44.850" v="1614" actId="20577"/>
+          <ac:spMkLst>
+            <pc:docMk/>
+            <pc:sldMk cId="2110900456" sldId="404"/>
+            <ac:spMk id="2" creationId="{F1A04480-DB14-7045-2111-099C7A00CCDE}"/>
+          </ac:spMkLst>
+        </pc:spChg>
+        <pc:spChg chg="mod">
+          <ac:chgData name="Toby Donaldson" userId="2e6e5431-bb17-4c41-9985-d39c50d83c73" providerId="ADAL" clId="{7F9681A8-EEE2-56F4-9B39-ECCBEE0471AC}" dt="2026-02-09T06:31:06.040" v="1689" actId="20577"/>
+          <ac:spMkLst>
+            <pc:docMk/>
+            <pc:sldMk cId="2110900456" sldId="404"/>
+            <ac:spMk id="5" creationId="{334A0234-94F7-2AD7-3C49-F9998E322B4B}"/>
+          </ac:spMkLst>
+        </pc:spChg>
+        <pc:spChg chg="mod">
+          <ac:chgData name="Toby Donaldson" userId="2e6e5431-bb17-4c41-9985-d39c50d83c73" providerId="ADAL" clId="{7F9681A8-EEE2-56F4-9B39-ECCBEE0471AC}" dt="2026-02-09T06:08:29.204" v="1363" actId="13926"/>
+          <ac:spMkLst>
+            <pc:docMk/>
+            <pc:sldMk cId="2110900456" sldId="404"/>
+            <ac:spMk id="8" creationId="{F0EB4DC7-9C01-32E3-9862-8D3A9800A2C3}"/>
+          </ac:spMkLst>
+        </pc:spChg>
+      </pc:sldChg>
+      <pc:sldChg chg="addSp modSp add mod modNotesTx">
+        <pc:chgData name="Toby Donaldson" userId="2e6e5431-bb17-4c41-9985-d39c50d83c73" providerId="ADAL" clId="{7F9681A8-EEE2-56F4-9B39-ECCBEE0471AC}" dt="2026-02-09T06:31:00.606" v="1682" actId="20577"/>
+        <pc:sldMkLst>
+          <pc:docMk/>
+          <pc:sldMk cId="3259957246" sldId="405"/>
+        </pc:sldMkLst>
+        <pc:spChg chg="add mod">
+          <ac:chgData name="Toby Donaldson" userId="2e6e5431-bb17-4c41-9985-d39c50d83c73" providerId="ADAL" clId="{7F9681A8-EEE2-56F4-9B39-ECCBEE0471AC}" dt="2026-02-09T06:29:01.934" v="1619" actId="20577"/>
+          <ac:spMkLst>
+            <pc:docMk/>
+            <pc:sldMk cId="3259957246" sldId="405"/>
+            <ac:spMk id="2" creationId="{325D5AA5-CC3D-1E26-2D99-26F5B18EC161}"/>
+          </ac:spMkLst>
+        </pc:spChg>
+        <pc:spChg chg="mod">
+          <ac:chgData name="Toby Donaldson" userId="2e6e5431-bb17-4c41-9985-d39c50d83c73" providerId="ADAL" clId="{7F9681A8-EEE2-56F4-9B39-ECCBEE0471AC}" dt="2026-02-09T06:31:00.606" v="1682" actId="20577"/>
+          <ac:spMkLst>
+            <pc:docMk/>
+            <pc:sldMk cId="3259957246" sldId="405"/>
+            <ac:spMk id="5" creationId="{C8923093-DB00-8A49-F61D-39396BA6F89C}"/>
+          </ac:spMkLst>
+        </pc:spChg>
+        <pc:spChg chg="mod">
+          <ac:chgData name="Toby Donaldson" userId="2e6e5431-bb17-4c41-9985-d39c50d83c73" providerId="ADAL" clId="{7F9681A8-EEE2-56F4-9B39-ECCBEE0471AC}" dt="2026-02-09T06:08:35.154" v="1364" actId="13926"/>
+          <ac:spMkLst>
+            <pc:docMk/>
+            <pc:sldMk cId="3259957246" sldId="405"/>
+            <ac:spMk id="8" creationId="{F9338C2D-18C0-C5C6-B17C-26AE2E10A618}"/>
+          </ac:spMkLst>
+        </pc:spChg>
+      </pc:sldChg>
+      <pc:sldChg chg="modSp add del mod modNotesTx">
+        <pc:chgData name="Toby Donaldson" userId="2e6e5431-bb17-4c41-9985-d39c50d83c73" providerId="ADAL" clId="{7F9681A8-EEE2-56F4-9B39-ECCBEE0471AC}" dt="2026-02-09T06:29:27.215" v="1620" actId="2696"/>
+        <pc:sldMkLst>
+          <pc:docMk/>
+          <pc:sldMk cId="1360404199" sldId="406"/>
+        </pc:sldMkLst>
+        <pc:spChg chg="mod">
+          <ac:chgData name="Toby Donaldson" userId="2e6e5431-bb17-4c41-9985-d39c50d83c73" providerId="ADAL" clId="{7F9681A8-EEE2-56F4-9B39-ECCBEE0471AC}" dt="2026-02-09T06:01:42.407" v="1217" actId="20577"/>
+          <ac:spMkLst>
+            <pc:docMk/>
+            <pc:sldMk cId="1360404199" sldId="406"/>
+            <ac:spMk id="5" creationId="{A4292859-1FD1-9CCF-96BE-C78D90D31CF1}"/>
+          </ac:spMkLst>
+        </pc:spChg>
+        <pc:spChg chg="mod">
+          <ac:chgData name="Toby Donaldson" userId="2e6e5431-bb17-4c41-9985-d39c50d83c73" providerId="ADAL" clId="{7F9681A8-EEE2-56F4-9B39-ECCBEE0471AC}" dt="2026-02-09T05:50:17.597" v="918" actId="313"/>
+          <ac:spMkLst>
+            <pc:docMk/>
+            <pc:sldMk cId="1360404199" sldId="406"/>
+            <ac:spMk id="8" creationId="{B6409FC8-8715-CA7F-07F6-47AD733B8C4E}"/>
+          </ac:spMkLst>
+        </pc:spChg>
+      </pc:sldChg>
+      <pc:sldChg chg="addSp modSp add mod modNotesTx">
+        <pc:chgData name="Toby Donaldson" userId="2e6e5431-bb17-4c41-9985-d39c50d83c73" providerId="ADAL" clId="{7F9681A8-EEE2-56F4-9B39-ECCBEE0471AC}" dt="2026-02-09T06:31:53.232" v="1701" actId="20577"/>
+        <pc:sldMkLst>
+          <pc:docMk/>
+          <pc:sldMk cId="3729450128" sldId="407"/>
+        </pc:sldMkLst>
+        <pc:spChg chg="add mod">
+          <ac:chgData name="Toby Donaldson" userId="2e6e5431-bb17-4c41-9985-d39c50d83c73" providerId="ADAL" clId="{7F9681A8-EEE2-56F4-9B39-ECCBEE0471AC}" dt="2026-02-09T05:55:05.872" v="999" actId="14100"/>
+          <ac:spMkLst>
+            <pc:docMk/>
+            <pc:sldMk cId="3729450128" sldId="407"/>
+            <ac:spMk id="2" creationId="{A36BBE9B-DBA1-F233-491F-105328B4355E}"/>
+          </ac:spMkLst>
+        </pc:spChg>
+        <pc:spChg chg="mod">
+          <ac:chgData name="Toby Donaldson" userId="2e6e5431-bb17-4c41-9985-d39c50d83c73" providerId="ADAL" clId="{7F9681A8-EEE2-56F4-9B39-ECCBEE0471AC}" dt="2026-02-09T06:30:48.046" v="1674" actId="2711"/>
+          <ac:spMkLst>
+            <pc:docMk/>
+            <pc:sldMk cId="3729450128" sldId="407"/>
+            <ac:spMk id="5" creationId="{B5455AB7-E327-21FC-2D3A-A845BF0B6D19}"/>
+          </ac:spMkLst>
+        </pc:spChg>
+        <pc:spChg chg="add mod">
+          <ac:chgData name="Toby Donaldson" userId="2e6e5431-bb17-4c41-9985-d39c50d83c73" providerId="ADAL" clId="{7F9681A8-EEE2-56F4-9B39-ECCBEE0471AC}" dt="2026-02-09T05:56:06.656" v="1085" actId="1076"/>
+          <ac:spMkLst>
+            <pc:docMk/>
+            <pc:sldMk cId="3729450128" sldId="407"/>
+            <ac:spMk id="7" creationId="{A756AA1C-A1B4-046A-9DA5-2ECA6B86E464}"/>
+          </ac:spMkLst>
+        </pc:spChg>
+        <pc:spChg chg="mod">
+          <ac:chgData name="Toby Donaldson" userId="2e6e5431-bb17-4c41-9985-d39c50d83c73" providerId="ADAL" clId="{7F9681A8-EEE2-56F4-9B39-ECCBEE0471AC}" dt="2026-02-09T06:00:54.736" v="1196" actId="20577"/>
+          <ac:spMkLst>
+            <pc:docMk/>
+            <pc:sldMk cId="3729450128" sldId="407"/>
+            <ac:spMk id="8" creationId="{BC0F9A1D-1174-E5C3-A74F-5F44E89FD756}"/>
+          </ac:spMkLst>
+        </pc:spChg>
+        <pc:spChg chg="add mod">
+          <ac:chgData name="Toby Donaldson" userId="2e6e5431-bb17-4c41-9985-d39c50d83c73" providerId="ADAL" clId="{7F9681A8-EEE2-56F4-9B39-ECCBEE0471AC}" dt="2026-02-09T06:31:53.232" v="1701" actId="20577"/>
+          <ac:spMkLst>
+            <pc:docMk/>
+            <pc:sldMk cId="3729450128" sldId="407"/>
+            <ac:spMk id="16" creationId="{9308FB2C-9501-9655-87BD-CC19900B6C20}"/>
+          </ac:spMkLst>
+        </pc:spChg>
+        <pc:cxnChg chg="add mod">
+          <ac:chgData name="Toby Donaldson" userId="2e6e5431-bb17-4c41-9985-d39c50d83c73" providerId="ADAL" clId="{7F9681A8-EEE2-56F4-9B39-ECCBEE0471AC}" dt="2026-02-09T05:56:17.522" v="1087" actId="14100"/>
+          <ac:cxnSpMkLst>
+            <pc:docMk/>
+            <pc:sldMk cId="3729450128" sldId="407"/>
+            <ac:cxnSpMk id="6" creationId="{3F3CD08B-266C-207A-EC6E-D22C640828A1}"/>
+          </ac:cxnSpMkLst>
+        </pc:cxnChg>
+        <pc:cxnChg chg="add mod">
+          <ac:chgData name="Toby Donaldson" userId="2e6e5431-bb17-4c41-9985-d39c50d83c73" providerId="ADAL" clId="{7F9681A8-EEE2-56F4-9B39-ECCBEE0471AC}" dt="2026-02-09T05:56:25.103" v="1090" actId="14100"/>
+          <ac:cxnSpMkLst>
+            <pc:docMk/>
+            <pc:sldMk cId="3729450128" sldId="407"/>
+            <ac:cxnSpMk id="10" creationId="{5EE0D6AD-3B77-9122-58F4-AC57CA00F464}"/>
+          </ac:cxnSpMkLst>
+        </pc:cxnChg>
+        <pc:cxnChg chg="add mod">
+          <ac:chgData name="Toby Donaldson" userId="2e6e5431-bb17-4c41-9985-d39c50d83c73" providerId="ADAL" clId="{7F9681A8-EEE2-56F4-9B39-ECCBEE0471AC}" dt="2026-02-09T06:01:06.720" v="1199" actId="14100"/>
+          <ac:cxnSpMkLst>
+            <pc:docMk/>
+            <pc:sldMk cId="3729450128" sldId="407"/>
+            <ac:cxnSpMk id="13" creationId="{3F86274D-60E1-CC9F-CDC4-4D4C7EDCABAA}"/>
+          </ac:cxnSpMkLst>
+        </pc:cxnChg>
+      </pc:sldChg>
+      <pc:sldChg chg="addSp delSp modSp add mod modNotesTx">
+        <pc:chgData name="Toby Donaldson" userId="2e6e5431-bb17-4c41-9985-d39c50d83c73" providerId="ADAL" clId="{7F9681A8-EEE2-56F4-9B39-ECCBEE0471AC}" dt="2026-02-09T06:32:03.980" v="1703" actId="20577"/>
+        <pc:sldMkLst>
+          <pc:docMk/>
+          <pc:sldMk cId="2998418148" sldId="408"/>
+        </pc:sldMkLst>
+        <pc:spChg chg="del">
+          <ac:chgData name="Toby Donaldson" userId="2e6e5431-bb17-4c41-9985-d39c50d83c73" providerId="ADAL" clId="{7F9681A8-EEE2-56F4-9B39-ECCBEE0471AC}" dt="2026-02-09T06:00:47.312" v="1181" actId="21"/>
+          <ac:spMkLst>
+            <pc:docMk/>
+            <pc:sldMk cId="2998418148" sldId="408"/>
+            <ac:spMk id="2" creationId="{482EC785-8A7C-76B9-6B4C-CE9F18A105DD}"/>
+          </ac:spMkLst>
+        </pc:spChg>
+        <pc:spChg chg="add mod">
+          <ac:chgData name="Toby Donaldson" userId="2e6e5431-bb17-4c41-9985-d39c50d83c73" providerId="ADAL" clId="{7F9681A8-EEE2-56F4-9B39-ECCBEE0471AC}" dt="2026-02-09T06:32:03.980" v="1703" actId="20577"/>
+          <ac:spMkLst>
+            <pc:docMk/>
+            <pc:sldMk cId="2998418148" sldId="408"/>
+            <ac:spMk id="3" creationId="{45890C17-C42F-4D9A-0985-53080766B77E}"/>
+          </ac:spMkLst>
+        </pc:spChg>
+        <pc:spChg chg="mod">
+          <ac:chgData name="Toby Donaldson" userId="2e6e5431-bb17-4c41-9985-d39c50d83c73" providerId="ADAL" clId="{7F9681A8-EEE2-56F4-9B39-ECCBEE0471AC}" dt="2026-02-09T06:31:34.014" v="1699" actId="13926"/>
+          <ac:spMkLst>
+            <pc:docMk/>
+            <pc:sldMk cId="2998418148" sldId="408"/>
+            <ac:spMk id="5" creationId="{F23B0FAB-685F-F6ED-77CE-7D3A3C89EF34}"/>
+          </ac:spMkLst>
+        </pc:spChg>
+        <pc:spChg chg="del">
+          <ac:chgData name="Toby Donaldson" userId="2e6e5431-bb17-4c41-9985-d39c50d83c73" providerId="ADAL" clId="{7F9681A8-EEE2-56F4-9B39-ECCBEE0471AC}" dt="2026-02-09T06:00:47.312" v="1181" actId="21"/>
+          <ac:spMkLst>
+            <pc:docMk/>
+            <pc:sldMk cId="2998418148" sldId="408"/>
+            <ac:spMk id="7" creationId="{70B98F96-A905-B2DE-BB51-867545551DAD}"/>
+          </ac:spMkLst>
+        </pc:spChg>
+        <pc:spChg chg="mod">
+          <ac:chgData name="Toby Donaldson" userId="2e6e5431-bb17-4c41-9985-d39c50d83c73" providerId="ADAL" clId="{7F9681A8-EEE2-56F4-9B39-ECCBEE0471AC}" dt="2026-02-09T06:09:01.354" v="1366" actId="13926"/>
+          <ac:spMkLst>
+            <pc:docMk/>
+            <pc:sldMk cId="2998418148" sldId="408"/>
+            <ac:spMk id="8" creationId="{DE8EDE39-CB9A-CFEF-4753-F032B0E24B47}"/>
+          </ac:spMkLst>
+        </pc:spChg>
+        <pc:cxnChg chg="del mod">
+          <ac:chgData name="Toby Donaldson" userId="2e6e5431-bb17-4c41-9985-d39c50d83c73" providerId="ADAL" clId="{7F9681A8-EEE2-56F4-9B39-ECCBEE0471AC}" dt="2026-02-09T06:00:47.312" v="1181" actId="21"/>
+          <ac:cxnSpMkLst>
+            <pc:docMk/>
+            <pc:sldMk cId="2998418148" sldId="408"/>
+            <ac:cxnSpMk id="6" creationId="{04039A38-46D3-8E38-34C5-91FCDC93DA39}"/>
+          </ac:cxnSpMkLst>
+        </pc:cxnChg>
+        <pc:cxnChg chg="del mod">
+          <ac:chgData name="Toby Donaldson" userId="2e6e5431-bb17-4c41-9985-d39c50d83c73" providerId="ADAL" clId="{7F9681A8-EEE2-56F4-9B39-ECCBEE0471AC}" dt="2026-02-09T06:00:47.312" v="1181" actId="21"/>
+          <ac:cxnSpMkLst>
+            <pc:docMk/>
+            <pc:sldMk cId="2998418148" sldId="408"/>
+            <ac:cxnSpMk id="10" creationId="{9388D8AD-41EF-659B-9B44-E693D33ACFBC}"/>
+          </ac:cxnSpMkLst>
+        </pc:cxnChg>
+      </pc:sldChg>
+      <pc:sldChg chg="addSp modSp add mod modNotesTx">
+        <pc:chgData name="Toby Donaldson" userId="2e6e5431-bb17-4c41-9985-d39c50d83c73" providerId="ADAL" clId="{7F9681A8-EEE2-56F4-9B39-ECCBEE0471AC}" dt="2026-02-09T06:32:52.083" v="1709" actId="20577"/>
+        <pc:sldMkLst>
+          <pc:docMk/>
+          <pc:sldMk cId="3682634751" sldId="409"/>
+        </pc:sldMkLst>
+        <pc:spChg chg="add mod">
+          <ac:chgData name="Toby Donaldson" userId="2e6e5431-bb17-4c41-9985-d39c50d83c73" providerId="ADAL" clId="{7F9681A8-EEE2-56F4-9B39-ECCBEE0471AC}" dt="2026-02-09T06:32:52.083" v="1709" actId="20577"/>
+          <ac:spMkLst>
+            <pc:docMk/>
+            <pc:sldMk cId="3682634751" sldId="409"/>
+            <ac:spMk id="2" creationId="{6814128E-C1D7-1711-79EA-12E08B54A658}"/>
+          </ac:spMkLst>
+        </pc:spChg>
+        <pc:spChg chg="mod">
+          <ac:chgData name="Toby Donaldson" userId="2e6e5431-bb17-4c41-9985-d39c50d83c73" providerId="ADAL" clId="{7F9681A8-EEE2-56F4-9B39-ECCBEE0471AC}" dt="2026-02-09T06:09:13.913" v="1367" actId="13926"/>
+          <ac:spMkLst>
+            <pc:docMk/>
+            <pc:sldMk cId="3682634751" sldId="409"/>
+            <ac:spMk id="8" creationId="{E9065CC0-15D2-9187-F9DA-8DDC808AE320}"/>
+          </ac:spMkLst>
+        </pc:spChg>
+      </pc:sldChg>
+      <pc:sldChg chg="addSp modSp add mod modNotesTx">
+        <pc:chgData name="Toby Donaldson" userId="2e6e5431-bb17-4c41-9985-d39c50d83c73" providerId="ADAL" clId="{7F9681A8-EEE2-56F4-9B39-ECCBEE0471AC}" dt="2026-02-09T06:33:23.539" v="1712" actId="20577"/>
+        <pc:sldMkLst>
+          <pc:docMk/>
+          <pc:sldMk cId="2331652611" sldId="410"/>
+        </pc:sldMkLst>
+        <pc:spChg chg="add mod">
+          <ac:chgData name="Toby Donaldson" userId="2e6e5431-bb17-4c41-9985-d39c50d83c73" providerId="ADAL" clId="{7F9681A8-EEE2-56F4-9B39-ECCBEE0471AC}" dt="2026-02-09T06:33:23.539" v="1712" actId="20577"/>
+          <ac:spMkLst>
+            <pc:docMk/>
+            <pc:sldMk cId="2331652611" sldId="410"/>
+            <ac:spMk id="2" creationId="{15F52271-3EEF-EBF8-3A72-16E6FEEE1973}"/>
+          </ac:spMkLst>
+        </pc:spChg>
+        <pc:spChg chg="mod">
+          <ac:chgData name="Toby Donaldson" userId="2e6e5431-bb17-4c41-9985-d39c50d83c73" providerId="ADAL" clId="{7F9681A8-EEE2-56F4-9B39-ECCBEE0471AC}" dt="2026-02-09T06:10:42.838" v="1379" actId="13926"/>
+          <ac:spMkLst>
+            <pc:docMk/>
+            <pc:sldMk cId="2331652611" sldId="410"/>
+            <ac:spMk id="5" creationId="{E733F7CC-23AD-F956-CD58-6D47A4F0B7E7}"/>
+          </ac:spMkLst>
+        </pc:spChg>
+        <pc:spChg chg="mod">
+          <ac:chgData name="Toby Donaldson" userId="2e6e5431-bb17-4c41-9985-d39c50d83c73" providerId="ADAL" clId="{7F9681A8-EEE2-56F4-9B39-ECCBEE0471AC}" dt="2026-02-09T06:10:51.106" v="1381" actId="13926"/>
+          <ac:spMkLst>
+            <pc:docMk/>
+            <pc:sldMk cId="2331652611" sldId="410"/>
+            <ac:spMk id="8" creationId="{60E9EBE6-68B9-8B53-3E33-D25691CB26C7}"/>
+          </ac:spMkLst>
+        </pc:spChg>
+      </pc:sldChg>
+      <pc:sldChg chg="addSp modSp add mod modNotesTx">
+        <pc:chgData name="Toby Donaldson" userId="2e6e5431-bb17-4c41-9985-d39c50d83c73" providerId="ADAL" clId="{7F9681A8-EEE2-56F4-9B39-ECCBEE0471AC}" dt="2026-02-09T06:32:32.192" v="1706" actId="20577"/>
+        <pc:sldMkLst>
+          <pc:docMk/>
+          <pc:sldMk cId="1764671766" sldId="411"/>
+        </pc:sldMkLst>
+        <pc:spChg chg="add mod">
+          <ac:chgData name="Toby Donaldson" userId="2e6e5431-bb17-4c41-9985-d39c50d83c73" providerId="ADAL" clId="{7F9681A8-EEE2-56F4-9B39-ECCBEE0471AC}" dt="2026-02-09T06:32:32.192" v="1706" actId="20577"/>
+          <ac:spMkLst>
+            <pc:docMk/>
+            <pc:sldMk cId="1764671766" sldId="411"/>
+            <ac:spMk id="2" creationId="{9162E3F8-38CF-C34B-F866-31A58B3D18FA}"/>
+          </ac:spMkLst>
+        </pc:spChg>
+        <pc:spChg chg="mod">
+          <ac:chgData name="Toby Donaldson" userId="2e6e5431-bb17-4c41-9985-d39c50d83c73" providerId="ADAL" clId="{7F9681A8-EEE2-56F4-9B39-ECCBEE0471AC}" dt="2026-02-09T06:08:20.638" v="1362" actId="13926"/>
+          <ac:spMkLst>
+            <pc:docMk/>
+            <pc:sldMk cId="1764671766" sldId="411"/>
+            <ac:spMk id="8" creationId="{6E816C85-676E-F8F7-A850-28F72E554F7B}"/>
+          </ac:spMkLst>
+        </pc:spChg>
+      </pc:sldChg>
+      <pc:sldChg chg="addSp modSp add mod">
+        <pc:chgData name="Toby Donaldson" userId="2e6e5431-bb17-4c41-9985-d39c50d83c73" providerId="ADAL" clId="{7F9681A8-EEE2-56F4-9B39-ECCBEE0471AC}" dt="2026-02-09T06:33:35.004" v="1715" actId="20577"/>
+        <pc:sldMkLst>
+          <pc:docMk/>
+          <pc:sldMk cId="2192803340" sldId="412"/>
+        </pc:sldMkLst>
+        <pc:spChg chg="add mod">
+          <ac:chgData name="Toby Donaldson" userId="2e6e5431-bb17-4c41-9985-d39c50d83c73" providerId="ADAL" clId="{7F9681A8-EEE2-56F4-9B39-ECCBEE0471AC}" dt="2026-02-09T06:33:35.004" v="1715" actId="20577"/>
+          <ac:spMkLst>
+            <pc:docMk/>
+            <pc:sldMk cId="2192803340" sldId="412"/>
+            <ac:spMk id="2" creationId="{809EFAF4-04AD-0CD3-0582-F9BC18B2330E}"/>
+          </ac:spMkLst>
+        </pc:spChg>
+        <pc:spChg chg="mod">
+          <ac:chgData name="Toby Donaldson" userId="2e6e5431-bb17-4c41-9985-d39c50d83c73" providerId="ADAL" clId="{7F9681A8-EEE2-56F4-9B39-ECCBEE0471AC}" dt="2026-02-09T06:15:56.423" v="1437" actId="14100"/>
+          <ac:spMkLst>
+            <pc:docMk/>
+            <pc:sldMk cId="2192803340" sldId="412"/>
+            <ac:spMk id="5" creationId="{E767F971-B002-3B8B-A763-2EECC6CF76A6}"/>
+          </ac:spMkLst>
+        </pc:spChg>
+        <pc:spChg chg="mod">
+          <ac:chgData name="Toby Donaldson" userId="2e6e5431-bb17-4c41-9985-d39c50d83c73" providerId="ADAL" clId="{7F9681A8-EEE2-56F4-9B39-ECCBEE0471AC}" dt="2026-02-09T06:21:06.340" v="1458" actId="13926"/>
+          <ac:spMkLst>
+            <pc:docMk/>
+            <pc:sldMk cId="2192803340" sldId="412"/>
+            <ac:spMk id="8" creationId="{C4C4F505-B25D-4D13-EFDD-5302E56CC8C2}"/>
+          </ac:spMkLst>
+        </pc:spChg>
+      </pc:sldChg>
+      <pc:sldChg chg="addSp modSp add mod">
+        <pc:chgData name="Toby Donaldson" userId="2e6e5431-bb17-4c41-9985-d39c50d83c73" providerId="ADAL" clId="{7F9681A8-EEE2-56F4-9B39-ECCBEE0471AC}" dt="2026-02-09T06:34:11.305" v="1720" actId="20577"/>
+        <pc:sldMkLst>
+          <pc:docMk/>
+          <pc:sldMk cId="1954144585" sldId="413"/>
+        </pc:sldMkLst>
+        <pc:spChg chg="add mod">
+          <ac:chgData name="Toby Donaldson" userId="2e6e5431-bb17-4c41-9985-d39c50d83c73" providerId="ADAL" clId="{7F9681A8-EEE2-56F4-9B39-ECCBEE0471AC}" dt="2026-02-09T06:24:12.249" v="1587" actId="20577"/>
+          <ac:spMkLst>
+            <pc:docMk/>
+            <pc:sldMk cId="1954144585" sldId="413"/>
+            <ac:spMk id="2" creationId="{79EDE6F9-734C-AE48-662E-01E703AA84D4}"/>
+          </ac:spMkLst>
+        </pc:spChg>
+        <pc:spChg chg="add mod">
+          <ac:chgData name="Toby Donaldson" userId="2e6e5431-bb17-4c41-9985-d39c50d83c73" providerId="ADAL" clId="{7F9681A8-EEE2-56F4-9B39-ECCBEE0471AC}" dt="2026-02-09T06:34:11.305" v="1720" actId="20577"/>
+          <ac:spMkLst>
+            <pc:docMk/>
+            <pc:sldMk cId="1954144585" sldId="413"/>
+            <ac:spMk id="3" creationId="{FB421CE8-00F2-A98A-7A18-663B87C45CC6}"/>
+          </ac:spMkLst>
+        </pc:spChg>
+        <pc:spChg chg="mod">
+          <ac:chgData name="Toby Donaldson" userId="2e6e5431-bb17-4c41-9985-d39c50d83c73" providerId="ADAL" clId="{7F9681A8-EEE2-56F4-9B39-ECCBEE0471AC}" dt="2026-02-09T06:23:46.021" v="1578" actId="13926"/>
+          <ac:spMkLst>
+            <pc:docMk/>
+            <pc:sldMk cId="1954144585" sldId="413"/>
+            <ac:spMk id="5" creationId="{63C8D30D-D87C-EC05-54FF-8FDB96AC3C52}"/>
+          </ac:spMkLst>
+        </pc:spChg>
+        <pc:spChg chg="mod">
+          <ac:chgData name="Toby Donaldson" userId="2e6e5431-bb17-4c41-9985-d39c50d83c73" providerId="ADAL" clId="{7F9681A8-EEE2-56F4-9B39-ECCBEE0471AC}" dt="2026-02-09T06:23:11.503" v="1549" actId="14100"/>
+          <ac:spMkLst>
+            <pc:docMk/>
+            <pc:sldMk cId="1954144585" sldId="413"/>
+            <ac:spMk id="8" creationId="{0E028120-D2B9-7422-3488-C6E91A49CA58}"/>
+          </ac:spMkLst>
+        </pc:spChg>
+      </pc:sldChg>
+      <pc:sldChg chg="addSp delSp modSp add del mod">
+        <pc:chgData name="Toby Donaldson" userId="2e6e5431-bb17-4c41-9985-d39c50d83c73" providerId="ADAL" clId="{7F9681A8-EEE2-56F4-9B39-ECCBEE0471AC}" dt="2026-02-09T06:31:24.764" v="1698" actId="2696"/>
+        <pc:sldMkLst>
+          <pc:docMk/>
+          <pc:sldMk cId="4245036208" sldId="414"/>
+        </pc:sldMkLst>
+        <pc:spChg chg="del">
+          <ac:chgData name="Toby Donaldson" userId="2e6e5431-bb17-4c41-9985-d39c50d83c73" providerId="ADAL" clId="{7F9681A8-EEE2-56F4-9B39-ECCBEE0471AC}" dt="2026-02-09T06:30:09.305" v="1622" actId="21"/>
+          <ac:spMkLst>
+            <pc:docMk/>
+            <pc:sldMk cId="4245036208" sldId="414"/>
+            <ac:spMk id="5" creationId="{C6A57D57-55E4-81D8-9C9D-63F17700B172}"/>
+          </ac:spMkLst>
+        </pc:spChg>
+        <pc:spChg chg="add mod">
+          <ac:chgData name="Toby Donaldson" userId="2e6e5431-bb17-4c41-9985-d39c50d83c73" providerId="ADAL" clId="{7F9681A8-EEE2-56F4-9B39-ECCBEE0471AC}" dt="2026-02-09T06:30:09.305" v="1622" actId="21"/>
+          <ac:spMkLst>
+            <pc:docMk/>
+            <pc:sldMk cId="4245036208" sldId="414"/>
+            <ac:spMk id="9" creationId="{FFA00295-8F3A-444B-AEF8-07D04C607B4D}"/>
           </ac:spMkLst>
         </pc:spChg>
       </pc:sldChg>
@@ -1670,7 +2300,7 @@
           <a:p>
             <a:fld id="{F8162804-B246-4973-81E8-228E8D571902}" type="datetimeFigureOut">
               <a:rPr lang="en-AU" smtClean="0"/>
-              <a:t>6/2/2026</a:t>
+              <a:t>8/2/2026</a:t>
             </a:fld>
             <a:endParaRPr lang="en-AU"/>
           </a:p>
@@ -1938,6 +2568,1062 @@
 </p:notesMaster>
 </file>
 
+<file path=ppt/notesSlides/notesSlide1.xml><?xml version="1.0" encoding="utf-8"?>
+<p:notes xmlns:a="http://schemas.openxmlformats.org/drawingml/2006/main" xmlns:r="http://schemas.openxmlformats.org/officeDocument/2006/relationships" xmlns:p="http://schemas.openxmlformats.org/presentationml/2006/main">
+  <p:cSld>
+    <p:spTree>
+      <p:nvGrpSpPr>
+        <p:cNvPr id="1" name=""/>
+        <p:cNvGrpSpPr/>
+        <p:nvPr/>
+      </p:nvGrpSpPr>
+      <p:grpSpPr>
+        <a:xfrm>
+          <a:off x="0" y="0"/>
+          <a:ext cx="0" cy="0"/>
+          <a:chOff x="0" y="0"/>
+          <a:chExt cx="0" cy="0"/>
+        </a:xfrm>
+      </p:grpSpPr>
+      <p:sp>
+        <p:nvSpPr>
+          <p:cNvPr id="2" name="Slide Image Placeholder 1"/>
+          <p:cNvSpPr>
+            <a:spLocks noGrp="1" noRot="1" noChangeAspect="1"/>
+          </p:cNvSpPr>
+          <p:nvPr>
+            <p:ph type="sldImg"/>
+          </p:nvPr>
+        </p:nvSpPr>
+        <p:spPr/>
+      </p:sp>
+      <p:sp>
+        <p:nvSpPr>
+          <p:cNvPr id="3" name="Notes Placeholder 2"/>
+          <p:cNvSpPr>
+            <a:spLocks noGrp="1"/>
+          </p:cNvSpPr>
+          <p:nvPr>
+            <p:ph type="body" idx="1"/>
+          </p:nvPr>
+        </p:nvSpPr>
+        <p:spPr/>
+        <p:txBody>
+          <a:bodyPr/>
+          <a:lstStyle/>
+          <a:p>
+            <a:endParaRPr lang="en-US" dirty="0"/>
+          </a:p>
+        </p:txBody>
+      </p:sp>
+      <p:sp>
+        <p:nvSpPr>
+          <p:cNvPr id="4" name="Slide Number Placeholder 3"/>
+          <p:cNvSpPr>
+            <a:spLocks noGrp="1"/>
+          </p:cNvSpPr>
+          <p:nvPr>
+            <p:ph type="sldNum" sz="quarter" idx="5"/>
+          </p:nvPr>
+        </p:nvSpPr>
+        <p:spPr/>
+        <p:txBody>
+          <a:bodyPr/>
+          <a:lstStyle/>
+          <a:p>
+            <a:fld id="{2F9F5347-3E6A-4C40-928A-729612897D4A}" type="slidenum">
+              <a:rPr lang="en-AU" smtClean="0"/>
+              <a:t>74</a:t>
+            </a:fld>
+            <a:endParaRPr lang="en-AU"/>
+          </a:p>
+        </p:txBody>
+      </p:sp>
+    </p:spTree>
+    <p:extLst>
+      <p:ext uri="{BB962C8B-B14F-4D97-AF65-F5344CB8AC3E}">
+        <p14:creationId xmlns:p14="http://schemas.microsoft.com/office/powerpoint/2010/main" val="2733398968"/>
+      </p:ext>
+    </p:extLst>
+  </p:cSld>
+  <p:clrMapOvr>
+    <a:masterClrMapping/>
+  </p:clrMapOvr>
+</p:notes>
+</file>
+
+<file path=ppt/notesSlides/notesSlide10.xml><?xml version="1.0" encoding="utf-8"?>
+<p:notes xmlns:a="http://schemas.openxmlformats.org/drawingml/2006/main" xmlns:r="http://schemas.openxmlformats.org/officeDocument/2006/relationships" xmlns:p="http://schemas.openxmlformats.org/presentationml/2006/main">
+  <p:cSld>
+    <p:spTree>
+      <p:nvGrpSpPr>
+        <p:cNvPr id="1" name="">
+          <a:extLst>
+            <a:ext uri="{FF2B5EF4-FFF2-40B4-BE49-F238E27FC236}">
+              <a16:creationId xmlns:a16="http://schemas.microsoft.com/office/drawing/2014/main" id="{DF3FA2B2-C766-0938-D011-D4F7946CE6B9}"/>
+            </a:ext>
+          </a:extLst>
+        </p:cNvPr>
+        <p:cNvGrpSpPr/>
+        <p:nvPr/>
+      </p:nvGrpSpPr>
+      <p:grpSpPr>
+        <a:xfrm>
+          <a:off x="0" y="0"/>
+          <a:ext cx="0" cy="0"/>
+          <a:chOff x="0" y="0"/>
+          <a:chExt cx="0" cy="0"/>
+        </a:xfrm>
+      </p:grpSpPr>
+      <p:sp>
+        <p:nvSpPr>
+          <p:cNvPr id="2" name="Slide Image Placeholder 1">
+            <a:extLst>
+              <a:ext uri="{FF2B5EF4-FFF2-40B4-BE49-F238E27FC236}">
+                <a16:creationId xmlns:a16="http://schemas.microsoft.com/office/drawing/2014/main" id="{34E957C6-17D7-FF0B-9F33-E94BB47E908E}"/>
+              </a:ext>
+            </a:extLst>
+          </p:cNvPr>
+          <p:cNvSpPr>
+            <a:spLocks noGrp="1" noRot="1" noChangeAspect="1"/>
+          </p:cNvSpPr>
+          <p:nvPr>
+            <p:ph type="sldImg"/>
+          </p:nvPr>
+        </p:nvSpPr>
+        <p:spPr/>
+      </p:sp>
+      <p:sp>
+        <p:nvSpPr>
+          <p:cNvPr id="3" name="Notes Placeholder 2">
+            <a:extLst>
+              <a:ext uri="{FF2B5EF4-FFF2-40B4-BE49-F238E27FC236}">
+                <a16:creationId xmlns:a16="http://schemas.microsoft.com/office/drawing/2014/main" id="{F12D396C-6908-0E13-2462-943E27D3FCFD}"/>
+              </a:ext>
+            </a:extLst>
+          </p:cNvPr>
+          <p:cNvSpPr>
+            <a:spLocks noGrp="1"/>
+          </p:cNvSpPr>
+          <p:nvPr>
+            <p:ph type="body" idx="1"/>
+          </p:nvPr>
+        </p:nvSpPr>
+        <p:spPr/>
+        <p:txBody>
+          <a:bodyPr/>
+          <a:lstStyle/>
+          <a:p>
+            <a:endParaRPr lang="en-US" dirty="0"/>
+          </a:p>
+        </p:txBody>
+      </p:sp>
+      <p:sp>
+        <p:nvSpPr>
+          <p:cNvPr id="4" name="Slide Number Placeholder 3">
+            <a:extLst>
+              <a:ext uri="{FF2B5EF4-FFF2-40B4-BE49-F238E27FC236}">
+                <a16:creationId xmlns:a16="http://schemas.microsoft.com/office/drawing/2014/main" id="{9187C76A-9783-8C65-1F27-350368794EAA}"/>
+              </a:ext>
+            </a:extLst>
+          </p:cNvPr>
+          <p:cNvSpPr>
+            <a:spLocks noGrp="1"/>
+          </p:cNvSpPr>
+          <p:nvPr>
+            <p:ph type="sldNum" sz="quarter" idx="5"/>
+          </p:nvPr>
+        </p:nvSpPr>
+        <p:spPr/>
+        <p:txBody>
+          <a:bodyPr/>
+          <a:lstStyle/>
+          <a:p>
+            <a:fld id="{2F9F5347-3E6A-4C40-928A-729612897D4A}" type="slidenum">
+              <a:rPr lang="en-AU" smtClean="0"/>
+              <a:t>83</a:t>
+            </a:fld>
+            <a:endParaRPr lang="en-AU"/>
+          </a:p>
+        </p:txBody>
+      </p:sp>
+    </p:spTree>
+    <p:extLst>
+      <p:ext uri="{BB962C8B-B14F-4D97-AF65-F5344CB8AC3E}">
+        <p14:creationId xmlns:p14="http://schemas.microsoft.com/office/powerpoint/2010/main" val="1905171536"/>
+      </p:ext>
+    </p:extLst>
+  </p:cSld>
+  <p:clrMapOvr>
+    <a:masterClrMapping/>
+  </p:clrMapOvr>
+</p:notes>
+</file>
+
+<file path=ppt/notesSlides/notesSlide2.xml><?xml version="1.0" encoding="utf-8"?>
+<p:notes xmlns:a="http://schemas.openxmlformats.org/drawingml/2006/main" xmlns:r="http://schemas.openxmlformats.org/officeDocument/2006/relationships" xmlns:p="http://schemas.openxmlformats.org/presentationml/2006/main">
+  <p:cSld>
+    <p:spTree>
+      <p:nvGrpSpPr>
+        <p:cNvPr id="1" name="">
+          <a:extLst>
+            <a:ext uri="{FF2B5EF4-FFF2-40B4-BE49-F238E27FC236}">
+              <a16:creationId xmlns:a16="http://schemas.microsoft.com/office/drawing/2014/main" id="{0FA34138-6F8F-D4A9-378F-BBD4A2D56078}"/>
+            </a:ext>
+          </a:extLst>
+        </p:cNvPr>
+        <p:cNvGrpSpPr/>
+        <p:nvPr/>
+      </p:nvGrpSpPr>
+      <p:grpSpPr>
+        <a:xfrm>
+          <a:off x="0" y="0"/>
+          <a:ext cx="0" cy="0"/>
+          <a:chOff x="0" y="0"/>
+          <a:chExt cx="0" cy="0"/>
+        </a:xfrm>
+      </p:grpSpPr>
+      <p:sp>
+        <p:nvSpPr>
+          <p:cNvPr id="2" name="Slide Image Placeholder 1">
+            <a:extLst>
+              <a:ext uri="{FF2B5EF4-FFF2-40B4-BE49-F238E27FC236}">
+                <a16:creationId xmlns:a16="http://schemas.microsoft.com/office/drawing/2014/main" id="{F06D71B6-DF77-F017-C129-85BAF0EB979E}"/>
+              </a:ext>
+            </a:extLst>
+          </p:cNvPr>
+          <p:cNvSpPr>
+            <a:spLocks noGrp="1" noRot="1" noChangeAspect="1"/>
+          </p:cNvSpPr>
+          <p:nvPr>
+            <p:ph type="sldImg"/>
+          </p:nvPr>
+        </p:nvSpPr>
+        <p:spPr/>
+      </p:sp>
+      <p:sp>
+        <p:nvSpPr>
+          <p:cNvPr id="3" name="Notes Placeholder 2">
+            <a:extLst>
+              <a:ext uri="{FF2B5EF4-FFF2-40B4-BE49-F238E27FC236}">
+                <a16:creationId xmlns:a16="http://schemas.microsoft.com/office/drawing/2014/main" id="{1BAFCCBA-83E4-1189-E8F3-3292C4E14467}"/>
+              </a:ext>
+            </a:extLst>
+          </p:cNvPr>
+          <p:cNvSpPr>
+            <a:spLocks noGrp="1"/>
+          </p:cNvSpPr>
+          <p:nvPr>
+            <p:ph type="body" idx="1"/>
+          </p:nvPr>
+        </p:nvSpPr>
+        <p:spPr/>
+        <p:txBody>
+          <a:bodyPr/>
+          <a:lstStyle/>
+          <a:p>
+            <a:endParaRPr lang="en-US" dirty="0"/>
+          </a:p>
+        </p:txBody>
+      </p:sp>
+      <p:sp>
+        <p:nvSpPr>
+          <p:cNvPr id="4" name="Slide Number Placeholder 3">
+            <a:extLst>
+              <a:ext uri="{FF2B5EF4-FFF2-40B4-BE49-F238E27FC236}">
+                <a16:creationId xmlns:a16="http://schemas.microsoft.com/office/drawing/2014/main" id="{EC7F9C79-3C95-E628-950E-A7C2E9CB4FE2}"/>
+              </a:ext>
+            </a:extLst>
+          </p:cNvPr>
+          <p:cNvSpPr>
+            <a:spLocks noGrp="1"/>
+          </p:cNvSpPr>
+          <p:nvPr>
+            <p:ph type="sldNum" sz="quarter" idx="5"/>
+          </p:nvPr>
+        </p:nvSpPr>
+        <p:spPr/>
+        <p:txBody>
+          <a:bodyPr/>
+          <a:lstStyle/>
+          <a:p>
+            <a:fld id="{2F9F5347-3E6A-4C40-928A-729612897D4A}" type="slidenum">
+              <a:rPr lang="en-AU" smtClean="0"/>
+              <a:t>75</a:t>
+            </a:fld>
+            <a:endParaRPr lang="en-AU"/>
+          </a:p>
+        </p:txBody>
+      </p:sp>
+    </p:spTree>
+    <p:extLst>
+      <p:ext uri="{BB962C8B-B14F-4D97-AF65-F5344CB8AC3E}">
+        <p14:creationId xmlns:p14="http://schemas.microsoft.com/office/powerpoint/2010/main" val="1997398887"/>
+      </p:ext>
+    </p:extLst>
+  </p:cSld>
+  <p:clrMapOvr>
+    <a:masterClrMapping/>
+  </p:clrMapOvr>
+</p:notes>
+</file>
+
+<file path=ppt/notesSlides/notesSlide3.xml><?xml version="1.0" encoding="utf-8"?>
+<p:notes xmlns:a="http://schemas.openxmlformats.org/drawingml/2006/main" xmlns:r="http://schemas.openxmlformats.org/officeDocument/2006/relationships" xmlns:p="http://schemas.openxmlformats.org/presentationml/2006/main">
+  <p:cSld>
+    <p:spTree>
+      <p:nvGrpSpPr>
+        <p:cNvPr id="1" name="">
+          <a:extLst>
+            <a:ext uri="{FF2B5EF4-FFF2-40B4-BE49-F238E27FC236}">
+              <a16:creationId xmlns:a16="http://schemas.microsoft.com/office/drawing/2014/main" id="{05AB0296-131E-1B11-4459-F03E29CD9E9E}"/>
+            </a:ext>
+          </a:extLst>
+        </p:cNvPr>
+        <p:cNvGrpSpPr/>
+        <p:nvPr/>
+      </p:nvGrpSpPr>
+      <p:grpSpPr>
+        <a:xfrm>
+          <a:off x="0" y="0"/>
+          <a:ext cx="0" cy="0"/>
+          <a:chOff x="0" y="0"/>
+          <a:chExt cx="0" cy="0"/>
+        </a:xfrm>
+      </p:grpSpPr>
+      <p:sp>
+        <p:nvSpPr>
+          <p:cNvPr id="2" name="Slide Image Placeholder 1">
+            <a:extLst>
+              <a:ext uri="{FF2B5EF4-FFF2-40B4-BE49-F238E27FC236}">
+                <a16:creationId xmlns:a16="http://schemas.microsoft.com/office/drawing/2014/main" id="{EBBC8D8A-4013-6EE3-1C4A-12D5E469DA70}"/>
+              </a:ext>
+            </a:extLst>
+          </p:cNvPr>
+          <p:cNvSpPr>
+            <a:spLocks noGrp="1" noRot="1" noChangeAspect="1"/>
+          </p:cNvSpPr>
+          <p:nvPr>
+            <p:ph type="sldImg"/>
+          </p:nvPr>
+        </p:nvSpPr>
+        <p:spPr/>
+      </p:sp>
+      <p:sp>
+        <p:nvSpPr>
+          <p:cNvPr id="3" name="Notes Placeholder 2">
+            <a:extLst>
+              <a:ext uri="{FF2B5EF4-FFF2-40B4-BE49-F238E27FC236}">
+                <a16:creationId xmlns:a16="http://schemas.microsoft.com/office/drawing/2014/main" id="{19A40CF5-098E-AAB7-80C2-7414CD36DDCD}"/>
+              </a:ext>
+            </a:extLst>
+          </p:cNvPr>
+          <p:cNvSpPr>
+            <a:spLocks noGrp="1"/>
+          </p:cNvSpPr>
+          <p:nvPr>
+            <p:ph type="body" idx="1"/>
+          </p:nvPr>
+        </p:nvSpPr>
+        <p:spPr/>
+        <p:txBody>
+          <a:bodyPr/>
+          <a:lstStyle/>
+          <a:p>
+            <a:endParaRPr lang="en-US" dirty="0"/>
+          </a:p>
+        </p:txBody>
+      </p:sp>
+      <p:sp>
+        <p:nvSpPr>
+          <p:cNvPr id="4" name="Slide Number Placeholder 3">
+            <a:extLst>
+              <a:ext uri="{FF2B5EF4-FFF2-40B4-BE49-F238E27FC236}">
+                <a16:creationId xmlns:a16="http://schemas.microsoft.com/office/drawing/2014/main" id="{755DB2A2-49D7-2960-BB93-E61CC509FA17}"/>
+              </a:ext>
+            </a:extLst>
+          </p:cNvPr>
+          <p:cNvSpPr>
+            <a:spLocks noGrp="1"/>
+          </p:cNvSpPr>
+          <p:nvPr>
+            <p:ph type="sldNum" sz="quarter" idx="5"/>
+          </p:nvPr>
+        </p:nvSpPr>
+        <p:spPr/>
+        <p:txBody>
+          <a:bodyPr/>
+          <a:lstStyle/>
+          <a:p>
+            <a:fld id="{2F9F5347-3E6A-4C40-928A-729612897D4A}" type="slidenum">
+              <a:rPr lang="en-AU" smtClean="0"/>
+              <a:t>76</a:t>
+            </a:fld>
+            <a:endParaRPr lang="en-AU"/>
+          </a:p>
+        </p:txBody>
+      </p:sp>
+    </p:spTree>
+    <p:extLst>
+      <p:ext uri="{BB962C8B-B14F-4D97-AF65-F5344CB8AC3E}">
+        <p14:creationId xmlns:p14="http://schemas.microsoft.com/office/powerpoint/2010/main" val="2206850073"/>
+      </p:ext>
+    </p:extLst>
+  </p:cSld>
+  <p:clrMapOvr>
+    <a:masterClrMapping/>
+  </p:clrMapOvr>
+</p:notes>
+</file>
+
+<file path=ppt/notesSlides/notesSlide4.xml><?xml version="1.0" encoding="utf-8"?>
+<p:notes xmlns:a="http://schemas.openxmlformats.org/drawingml/2006/main" xmlns:r="http://schemas.openxmlformats.org/officeDocument/2006/relationships" xmlns:p="http://schemas.openxmlformats.org/presentationml/2006/main">
+  <p:cSld>
+    <p:spTree>
+      <p:nvGrpSpPr>
+        <p:cNvPr id="1" name="">
+          <a:extLst>
+            <a:ext uri="{FF2B5EF4-FFF2-40B4-BE49-F238E27FC236}">
+              <a16:creationId xmlns:a16="http://schemas.microsoft.com/office/drawing/2014/main" id="{E90AB9B3-233B-9296-783C-4D15C60BE14E}"/>
+            </a:ext>
+          </a:extLst>
+        </p:cNvPr>
+        <p:cNvGrpSpPr/>
+        <p:nvPr/>
+      </p:nvGrpSpPr>
+      <p:grpSpPr>
+        <a:xfrm>
+          <a:off x="0" y="0"/>
+          <a:ext cx="0" cy="0"/>
+          <a:chOff x="0" y="0"/>
+          <a:chExt cx="0" cy="0"/>
+        </a:xfrm>
+      </p:grpSpPr>
+      <p:sp>
+        <p:nvSpPr>
+          <p:cNvPr id="2" name="Slide Image Placeholder 1">
+            <a:extLst>
+              <a:ext uri="{FF2B5EF4-FFF2-40B4-BE49-F238E27FC236}">
+                <a16:creationId xmlns:a16="http://schemas.microsoft.com/office/drawing/2014/main" id="{FA04D8DD-24D4-AEE5-61B8-E73745223FDF}"/>
+              </a:ext>
+            </a:extLst>
+          </p:cNvPr>
+          <p:cNvSpPr>
+            <a:spLocks noGrp="1" noRot="1" noChangeAspect="1"/>
+          </p:cNvSpPr>
+          <p:nvPr>
+            <p:ph type="sldImg"/>
+          </p:nvPr>
+        </p:nvSpPr>
+        <p:spPr/>
+      </p:sp>
+      <p:sp>
+        <p:nvSpPr>
+          <p:cNvPr id="3" name="Notes Placeholder 2">
+            <a:extLst>
+              <a:ext uri="{FF2B5EF4-FFF2-40B4-BE49-F238E27FC236}">
+                <a16:creationId xmlns:a16="http://schemas.microsoft.com/office/drawing/2014/main" id="{D71695C6-31C5-115A-72C9-60E2C9CD9FB6}"/>
+              </a:ext>
+            </a:extLst>
+          </p:cNvPr>
+          <p:cNvSpPr>
+            <a:spLocks noGrp="1"/>
+          </p:cNvSpPr>
+          <p:nvPr>
+            <p:ph type="body" idx="1"/>
+          </p:nvPr>
+        </p:nvSpPr>
+        <p:spPr/>
+        <p:txBody>
+          <a:bodyPr/>
+          <a:lstStyle/>
+          <a:p>
+            <a:endParaRPr lang="en-US" dirty="0"/>
+          </a:p>
+        </p:txBody>
+      </p:sp>
+      <p:sp>
+        <p:nvSpPr>
+          <p:cNvPr id="4" name="Slide Number Placeholder 3">
+            <a:extLst>
+              <a:ext uri="{FF2B5EF4-FFF2-40B4-BE49-F238E27FC236}">
+                <a16:creationId xmlns:a16="http://schemas.microsoft.com/office/drawing/2014/main" id="{A89B73EF-1A50-372E-2380-D4337F4BF2E1}"/>
+              </a:ext>
+            </a:extLst>
+          </p:cNvPr>
+          <p:cNvSpPr>
+            <a:spLocks noGrp="1"/>
+          </p:cNvSpPr>
+          <p:nvPr>
+            <p:ph type="sldNum" sz="quarter" idx="5"/>
+          </p:nvPr>
+        </p:nvSpPr>
+        <p:spPr/>
+        <p:txBody>
+          <a:bodyPr/>
+          <a:lstStyle/>
+          <a:p>
+            <a:fld id="{2F9F5347-3E6A-4C40-928A-729612897D4A}" type="slidenum">
+              <a:rPr lang="en-AU" smtClean="0"/>
+              <a:t>77</a:t>
+            </a:fld>
+            <a:endParaRPr lang="en-AU"/>
+          </a:p>
+        </p:txBody>
+      </p:sp>
+    </p:spTree>
+    <p:extLst>
+      <p:ext uri="{BB962C8B-B14F-4D97-AF65-F5344CB8AC3E}">
+        <p14:creationId xmlns:p14="http://schemas.microsoft.com/office/powerpoint/2010/main" val="3655883076"/>
+      </p:ext>
+    </p:extLst>
+  </p:cSld>
+  <p:clrMapOvr>
+    <a:masterClrMapping/>
+  </p:clrMapOvr>
+</p:notes>
+</file>
+
+<file path=ppt/notesSlides/notesSlide5.xml><?xml version="1.0" encoding="utf-8"?>
+<p:notes xmlns:a="http://schemas.openxmlformats.org/drawingml/2006/main" xmlns:r="http://schemas.openxmlformats.org/officeDocument/2006/relationships" xmlns:p="http://schemas.openxmlformats.org/presentationml/2006/main">
+  <p:cSld>
+    <p:spTree>
+      <p:nvGrpSpPr>
+        <p:cNvPr id="1" name="">
+          <a:extLst>
+            <a:ext uri="{FF2B5EF4-FFF2-40B4-BE49-F238E27FC236}">
+              <a16:creationId xmlns:a16="http://schemas.microsoft.com/office/drawing/2014/main" id="{B757ECAA-223E-5109-DBFF-9EDBC41B0FEF}"/>
+            </a:ext>
+          </a:extLst>
+        </p:cNvPr>
+        <p:cNvGrpSpPr/>
+        <p:nvPr/>
+      </p:nvGrpSpPr>
+      <p:grpSpPr>
+        <a:xfrm>
+          <a:off x="0" y="0"/>
+          <a:ext cx="0" cy="0"/>
+          <a:chOff x="0" y="0"/>
+          <a:chExt cx="0" cy="0"/>
+        </a:xfrm>
+      </p:grpSpPr>
+      <p:sp>
+        <p:nvSpPr>
+          <p:cNvPr id="2" name="Slide Image Placeholder 1">
+            <a:extLst>
+              <a:ext uri="{FF2B5EF4-FFF2-40B4-BE49-F238E27FC236}">
+                <a16:creationId xmlns:a16="http://schemas.microsoft.com/office/drawing/2014/main" id="{C0B6CF72-4BAB-F883-2A4B-D5081ED54B5D}"/>
+              </a:ext>
+            </a:extLst>
+          </p:cNvPr>
+          <p:cNvSpPr>
+            <a:spLocks noGrp="1" noRot="1" noChangeAspect="1"/>
+          </p:cNvSpPr>
+          <p:nvPr>
+            <p:ph type="sldImg"/>
+          </p:nvPr>
+        </p:nvSpPr>
+        <p:spPr/>
+      </p:sp>
+      <p:sp>
+        <p:nvSpPr>
+          <p:cNvPr id="3" name="Notes Placeholder 2">
+            <a:extLst>
+              <a:ext uri="{FF2B5EF4-FFF2-40B4-BE49-F238E27FC236}">
+                <a16:creationId xmlns:a16="http://schemas.microsoft.com/office/drawing/2014/main" id="{7A8A1875-06BC-E8C6-DB60-F9E342DB3DC4}"/>
+              </a:ext>
+            </a:extLst>
+          </p:cNvPr>
+          <p:cNvSpPr>
+            <a:spLocks noGrp="1"/>
+          </p:cNvSpPr>
+          <p:nvPr>
+            <p:ph type="body" idx="1"/>
+          </p:nvPr>
+        </p:nvSpPr>
+        <p:spPr/>
+        <p:txBody>
+          <a:bodyPr/>
+          <a:lstStyle/>
+          <a:p>
+            <a:endParaRPr lang="en-US" dirty="0"/>
+          </a:p>
+        </p:txBody>
+      </p:sp>
+      <p:sp>
+        <p:nvSpPr>
+          <p:cNvPr id="4" name="Slide Number Placeholder 3">
+            <a:extLst>
+              <a:ext uri="{FF2B5EF4-FFF2-40B4-BE49-F238E27FC236}">
+                <a16:creationId xmlns:a16="http://schemas.microsoft.com/office/drawing/2014/main" id="{CF500CFC-750D-FB5B-A636-B4EC5B0CDE5D}"/>
+              </a:ext>
+            </a:extLst>
+          </p:cNvPr>
+          <p:cNvSpPr>
+            <a:spLocks noGrp="1"/>
+          </p:cNvSpPr>
+          <p:nvPr>
+            <p:ph type="sldNum" sz="quarter" idx="5"/>
+          </p:nvPr>
+        </p:nvSpPr>
+        <p:spPr/>
+        <p:txBody>
+          <a:bodyPr/>
+          <a:lstStyle/>
+          <a:p>
+            <a:fld id="{2F9F5347-3E6A-4C40-928A-729612897D4A}" type="slidenum">
+              <a:rPr lang="en-AU" smtClean="0"/>
+              <a:t>78</a:t>
+            </a:fld>
+            <a:endParaRPr lang="en-AU"/>
+          </a:p>
+        </p:txBody>
+      </p:sp>
+    </p:spTree>
+    <p:extLst>
+      <p:ext uri="{BB962C8B-B14F-4D97-AF65-F5344CB8AC3E}">
+        <p14:creationId xmlns:p14="http://schemas.microsoft.com/office/powerpoint/2010/main" val="2435893906"/>
+      </p:ext>
+    </p:extLst>
+  </p:cSld>
+  <p:clrMapOvr>
+    <a:masterClrMapping/>
+  </p:clrMapOvr>
+</p:notes>
+</file>
+
+<file path=ppt/notesSlides/notesSlide6.xml><?xml version="1.0" encoding="utf-8"?>
+<p:notes xmlns:a="http://schemas.openxmlformats.org/drawingml/2006/main" xmlns:r="http://schemas.openxmlformats.org/officeDocument/2006/relationships" xmlns:p="http://schemas.openxmlformats.org/presentationml/2006/main">
+  <p:cSld>
+    <p:spTree>
+      <p:nvGrpSpPr>
+        <p:cNvPr id="1" name="">
+          <a:extLst>
+            <a:ext uri="{FF2B5EF4-FFF2-40B4-BE49-F238E27FC236}">
+              <a16:creationId xmlns:a16="http://schemas.microsoft.com/office/drawing/2014/main" id="{3443290E-2F1E-BCD0-A027-1F472FB66487}"/>
+            </a:ext>
+          </a:extLst>
+        </p:cNvPr>
+        <p:cNvGrpSpPr/>
+        <p:nvPr/>
+      </p:nvGrpSpPr>
+      <p:grpSpPr>
+        <a:xfrm>
+          <a:off x="0" y="0"/>
+          <a:ext cx="0" cy="0"/>
+          <a:chOff x="0" y="0"/>
+          <a:chExt cx="0" cy="0"/>
+        </a:xfrm>
+      </p:grpSpPr>
+      <p:sp>
+        <p:nvSpPr>
+          <p:cNvPr id="2" name="Slide Image Placeholder 1">
+            <a:extLst>
+              <a:ext uri="{FF2B5EF4-FFF2-40B4-BE49-F238E27FC236}">
+                <a16:creationId xmlns:a16="http://schemas.microsoft.com/office/drawing/2014/main" id="{2B5E866A-C7FD-A675-2CA1-A62A7FEF78BD}"/>
+              </a:ext>
+            </a:extLst>
+          </p:cNvPr>
+          <p:cNvSpPr>
+            <a:spLocks noGrp="1" noRot="1" noChangeAspect="1"/>
+          </p:cNvSpPr>
+          <p:nvPr>
+            <p:ph type="sldImg"/>
+          </p:nvPr>
+        </p:nvSpPr>
+        <p:spPr/>
+      </p:sp>
+      <p:sp>
+        <p:nvSpPr>
+          <p:cNvPr id="3" name="Notes Placeholder 2">
+            <a:extLst>
+              <a:ext uri="{FF2B5EF4-FFF2-40B4-BE49-F238E27FC236}">
+                <a16:creationId xmlns:a16="http://schemas.microsoft.com/office/drawing/2014/main" id="{8A799ECE-8B1D-39BE-FD6A-49CE962E5454}"/>
+              </a:ext>
+            </a:extLst>
+          </p:cNvPr>
+          <p:cNvSpPr>
+            <a:spLocks noGrp="1"/>
+          </p:cNvSpPr>
+          <p:nvPr>
+            <p:ph type="body" idx="1"/>
+          </p:nvPr>
+        </p:nvSpPr>
+        <p:spPr/>
+        <p:txBody>
+          <a:bodyPr/>
+          <a:lstStyle/>
+          <a:p>
+            <a:endParaRPr lang="en-US" dirty="0"/>
+          </a:p>
+        </p:txBody>
+      </p:sp>
+      <p:sp>
+        <p:nvSpPr>
+          <p:cNvPr id="4" name="Slide Number Placeholder 3">
+            <a:extLst>
+              <a:ext uri="{FF2B5EF4-FFF2-40B4-BE49-F238E27FC236}">
+                <a16:creationId xmlns:a16="http://schemas.microsoft.com/office/drawing/2014/main" id="{AC6E3B2B-F733-0286-0A1E-1426A73A9A0F}"/>
+              </a:ext>
+            </a:extLst>
+          </p:cNvPr>
+          <p:cNvSpPr>
+            <a:spLocks noGrp="1"/>
+          </p:cNvSpPr>
+          <p:nvPr>
+            <p:ph type="sldNum" sz="quarter" idx="5"/>
+          </p:nvPr>
+        </p:nvSpPr>
+        <p:spPr/>
+        <p:txBody>
+          <a:bodyPr/>
+          <a:lstStyle/>
+          <a:p>
+            <a:fld id="{2F9F5347-3E6A-4C40-928A-729612897D4A}" type="slidenum">
+              <a:rPr lang="en-AU" smtClean="0"/>
+              <a:t>79</a:t>
+            </a:fld>
+            <a:endParaRPr lang="en-AU"/>
+          </a:p>
+        </p:txBody>
+      </p:sp>
+    </p:spTree>
+    <p:extLst>
+      <p:ext uri="{BB962C8B-B14F-4D97-AF65-F5344CB8AC3E}">
+        <p14:creationId xmlns:p14="http://schemas.microsoft.com/office/powerpoint/2010/main" val="3585227248"/>
+      </p:ext>
+    </p:extLst>
+  </p:cSld>
+  <p:clrMapOvr>
+    <a:masterClrMapping/>
+  </p:clrMapOvr>
+</p:notes>
+</file>
+
+<file path=ppt/notesSlides/notesSlide7.xml><?xml version="1.0" encoding="utf-8"?>
+<p:notes xmlns:a="http://schemas.openxmlformats.org/drawingml/2006/main" xmlns:r="http://schemas.openxmlformats.org/officeDocument/2006/relationships" xmlns:p="http://schemas.openxmlformats.org/presentationml/2006/main">
+  <p:cSld>
+    <p:spTree>
+      <p:nvGrpSpPr>
+        <p:cNvPr id="1" name="">
+          <a:extLst>
+            <a:ext uri="{FF2B5EF4-FFF2-40B4-BE49-F238E27FC236}">
+              <a16:creationId xmlns:a16="http://schemas.microsoft.com/office/drawing/2014/main" id="{D5688CC0-9777-12A9-F2C0-796916657D5F}"/>
+            </a:ext>
+          </a:extLst>
+        </p:cNvPr>
+        <p:cNvGrpSpPr/>
+        <p:nvPr/>
+      </p:nvGrpSpPr>
+      <p:grpSpPr>
+        <a:xfrm>
+          <a:off x="0" y="0"/>
+          <a:ext cx="0" cy="0"/>
+          <a:chOff x="0" y="0"/>
+          <a:chExt cx="0" cy="0"/>
+        </a:xfrm>
+      </p:grpSpPr>
+      <p:sp>
+        <p:nvSpPr>
+          <p:cNvPr id="2" name="Slide Image Placeholder 1">
+            <a:extLst>
+              <a:ext uri="{FF2B5EF4-FFF2-40B4-BE49-F238E27FC236}">
+                <a16:creationId xmlns:a16="http://schemas.microsoft.com/office/drawing/2014/main" id="{52E4ED9C-84E7-7FA8-DE58-13844B396543}"/>
+              </a:ext>
+            </a:extLst>
+          </p:cNvPr>
+          <p:cNvSpPr>
+            <a:spLocks noGrp="1" noRot="1" noChangeAspect="1"/>
+          </p:cNvSpPr>
+          <p:nvPr>
+            <p:ph type="sldImg"/>
+          </p:nvPr>
+        </p:nvSpPr>
+        <p:spPr/>
+      </p:sp>
+      <p:sp>
+        <p:nvSpPr>
+          <p:cNvPr id="3" name="Notes Placeholder 2">
+            <a:extLst>
+              <a:ext uri="{FF2B5EF4-FFF2-40B4-BE49-F238E27FC236}">
+                <a16:creationId xmlns:a16="http://schemas.microsoft.com/office/drawing/2014/main" id="{FF3CE7FC-6191-06B5-12A5-7CFB1FB68CBD}"/>
+              </a:ext>
+            </a:extLst>
+          </p:cNvPr>
+          <p:cNvSpPr>
+            <a:spLocks noGrp="1"/>
+          </p:cNvSpPr>
+          <p:nvPr>
+            <p:ph type="body" idx="1"/>
+          </p:nvPr>
+        </p:nvSpPr>
+        <p:spPr/>
+        <p:txBody>
+          <a:bodyPr/>
+          <a:lstStyle/>
+          <a:p>
+            <a:endParaRPr lang="en-US" dirty="0"/>
+          </a:p>
+        </p:txBody>
+      </p:sp>
+      <p:sp>
+        <p:nvSpPr>
+          <p:cNvPr id="4" name="Slide Number Placeholder 3">
+            <a:extLst>
+              <a:ext uri="{FF2B5EF4-FFF2-40B4-BE49-F238E27FC236}">
+                <a16:creationId xmlns:a16="http://schemas.microsoft.com/office/drawing/2014/main" id="{ECFCA055-4BF3-7812-CE68-BE66E4C4B745}"/>
+              </a:ext>
+            </a:extLst>
+          </p:cNvPr>
+          <p:cNvSpPr>
+            <a:spLocks noGrp="1"/>
+          </p:cNvSpPr>
+          <p:nvPr>
+            <p:ph type="sldNum" sz="quarter" idx="5"/>
+          </p:nvPr>
+        </p:nvSpPr>
+        <p:spPr/>
+        <p:txBody>
+          <a:bodyPr/>
+          <a:lstStyle/>
+          <a:p>
+            <a:fld id="{2F9F5347-3E6A-4C40-928A-729612897D4A}" type="slidenum">
+              <a:rPr lang="en-AU" smtClean="0"/>
+              <a:t>80</a:t>
+            </a:fld>
+            <a:endParaRPr lang="en-AU"/>
+          </a:p>
+        </p:txBody>
+      </p:sp>
+    </p:spTree>
+    <p:extLst>
+      <p:ext uri="{BB962C8B-B14F-4D97-AF65-F5344CB8AC3E}">
+        <p14:creationId xmlns:p14="http://schemas.microsoft.com/office/powerpoint/2010/main" val="2275875590"/>
+      </p:ext>
+    </p:extLst>
+  </p:cSld>
+  <p:clrMapOvr>
+    <a:masterClrMapping/>
+  </p:clrMapOvr>
+</p:notes>
+</file>
+
+<file path=ppt/notesSlides/notesSlide8.xml><?xml version="1.0" encoding="utf-8"?>
+<p:notes xmlns:a="http://schemas.openxmlformats.org/drawingml/2006/main" xmlns:r="http://schemas.openxmlformats.org/officeDocument/2006/relationships" xmlns:p="http://schemas.openxmlformats.org/presentationml/2006/main">
+  <p:cSld>
+    <p:spTree>
+      <p:nvGrpSpPr>
+        <p:cNvPr id="1" name="">
+          <a:extLst>
+            <a:ext uri="{FF2B5EF4-FFF2-40B4-BE49-F238E27FC236}">
+              <a16:creationId xmlns:a16="http://schemas.microsoft.com/office/drawing/2014/main" id="{2A9D5EDC-C488-3400-39DD-CF29402C416F}"/>
+            </a:ext>
+          </a:extLst>
+        </p:cNvPr>
+        <p:cNvGrpSpPr/>
+        <p:nvPr/>
+      </p:nvGrpSpPr>
+      <p:grpSpPr>
+        <a:xfrm>
+          <a:off x="0" y="0"/>
+          <a:ext cx="0" cy="0"/>
+          <a:chOff x="0" y="0"/>
+          <a:chExt cx="0" cy="0"/>
+        </a:xfrm>
+      </p:grpSpPr>
+      <p:sp>
+        <p:nvSpPr>
+          <p:cNvPr id="2" name="Slide Image Placeholder 1">
+            <a:extLst>
+              <a:ext uri="{FF2B5EF4-FFF2-40B4-BE49-F238E27FC236}">
+                <a16:creationId xmlns:a16="http://schemas.microsoft.com/office/drawing/2014/main" id="{4B9D8D6E-F0CC-1314-1542-CA6B7E7040FF}"/>
+              </a:ext>
+            </a:extLst>
+          </p:cNvPr>
+          <p:cNvSpPr>
+            <a:spLocks noGrp="1" noRot="1" noChangeAspect="1"/>
+          </p:cNvSpPr>
+          <p:nvPr>
+            <p:ph type="sldImg"/>
+          </p:nvPr>
+        </p:nvSpPr>
+        <p:spPr/>
+      </p:sp>
+      <p:sp>
+        <p:nvSpPr>
+          <p:cNvPr id="3" name="Notes Placeholder 2">
+            <a:extLst>
+              <a:ext uri="{FF2B5EF4-FFF2-40B4-BE49-F238E27FC236}">
+                <a16:creationId xmlns:a16="http://schemas.microsoft.com/office/drawing/2014/main" id="{49A30732-8C07-58E9-12BB-074ECA60E413}"/>
+              </a:ext>
+            </a:extLst>
+          </p:cNvPr>
+          <p:cNvSpPr>
+            <a:spLocks noGrp="1"/>
+          </p:cNvSpPr>
+          <p:nvPr>
+            <p:ph type="body" idx="1"/>
+          </p:nvPr>
+        </p:nvSpPr>
+        <p:spPr/>
+        <p:txBody>
+          <a:bodyPr/>
+          <a:lstStyle/>
+          <a:p>
+            <a:endParaRPr lang="en-US" dirty="0"/>
+          </a:p>
+        </p:txBody>
+      </p:sp>
+      <p:sp>
+        <p:nvSpPr>
+          <p:cNvPr id="4" name="Slide Number Placeholder 3">
+            <a:extLst>
+              <a:ext uri="{FF2B5EF4-FFF2-40B4-BE49-F238E27FC236}">
+                <a16:creationId xmlns:a16="http://schemas.microsoft.com/office/drawing/2014/main" id="{00F5414A-F419-3556-93DE-5047B077A03E}"/>
+              </a:ext>
+            </a:extLst>
+          </p:cNvPr>
+          <p:cNvSpPr>
+            <a:spLocks noGrp="1"/>
+          </p:cNvSpPr>
+          <p:nvPr>
+            <p:ph type="sldNum" sz="quarter" idx="5"/>
+          </p:nvPr>
+        </p:nvSpPr>
+        <p:spPr/>
+        <p:txBody>
+          <a:bodyPr/>
+          <a:lstStyle/>
+          <a:p>
+            <a:fld id="{2F9F5347-3E6A-4C40-928A-729612897D4A}" type="slidenum">
+              <a:rPr lang="en-AU" smtClean="0"/>
+              <a:t>81</a:t>
+            </a:fld>
+            <a:endParaRPr lang="en-AU"/>
+          </a:p>
+        </p:txBody>
+      </p:sp>
+    </p:spTree>
+    <p:extLst>
+      <p:ext uri="{BB962C8B-B14F-4D97-AF65-F5344CB8AC3E}">
+        <p14:creationId xmlns:p14="http://schemas.microsoft.com/office/powerpoint/2010/main" val="533907327"/>
+      </p:ext>
+    </p:extLst>
+  </p:cSld>
+  <p:clrMapOvr>
+    <a:masterClrMapping/>
+  </p:clrMapOvr>
+</p:notes>
+</file>
+
+<file path=ppt/notesSlides/notesSlide9.xml><?xml version="1.0" encoding="utf-8"?>
+<p:notes xmlns:a="http://schemas.openxmlformats.org/drawingml/2006/main" xmlns:r="http://schemas.openxmlformats.org/officeDocument/2006/relationships" xmlns:p="http://schemas.openxmlformats.org/presentationml/2006/main">
+  <p:cSld>
+    <p:spTree>
+      <p:nvGrpSpPr>
+        <p:cNvPr id="1" name="">
+          <a:extLst>
+            <a:ext uri="{FF2B5EF4-FFF2-40B4-BE49-F238E27FC236}">
+              <a16:creationId xmlns:a16="http://schemas.microsoft.com/office/drawing/2014/main" id="{8411E9C7-5658-5B67-B2C2-C42D7B1F8A59}"/>
+            </a:ext>
+          </a:extLst>
+        </p:cNvPr>
+        <p:cNvGrpSpPr/>
+        <p:nvPr/>
+      </p:nvGrpSpPr>
+      <p:grpSpPr>
+        <a:xfrm>
+          <a:off x="0" y="0"/>
+          <a:ext cx="0" cy="0"/>
+          <a:chOff x="0" y="0"/>
+          <a:chExt cx="0" cy="0"/>
+        </a:xfrm>
+      </p:grpSpPr>
+      <p:sp>
+        <p:nvSpPr>
+          <p:cNvPr id="2" name="Slide Image Placeholder 1">
+            <a:extLst>
+              <a:ext uri="{FF2B5EF4-FFF2-40B4-BE49-F238E27FC236}">
+                <a16:creationId xmlns:a16="http://schemas.microsoft.com/office/drawing/2014/main" id="{4A6CB5BE-7DAD-5489-79EF-08688E585F51}"/>
+              </a:ext>
+            </a:extLst>
+          </p:cNvPr>
+          <p:cNvSpPr>
+            <a:spLocks noGrp="1" noRot="1" noChangeAspect="1"/>
+          </p:cNvSpPr>
+          <p:nvPr>
+            <p:ph type="sldImg"/>
+          </p:nvPr>
+        </p:nvSpPr>
+        <p:spPr/>
+      </p:sp>
+      <p:sp>
+        <p:nvSpPr>
+          <p:cNvPr id="3" name="Notes Placeholder 2">
+            <a:extLst>
+              <a:ext uri="{FF2B5EF4-FFF2-40B4-BE49-F238E27FC236}">
+                <a16:creationId xmlns:a16="http://schemas.microsoft.com/office/drawing/2014/main" id="{71D8772F-032A-45A1-CB80-B20A62771A20}"/>
+              </a:ext>
+            </a:extLst>
+          </p:cNvPr>
+          <p:cNvSpPr>
+            <a:spLocks noGrp="1"/>
+          </p:cNvSpPr>
+          <p:nvPr>
+            <p:ph type="body" idx="1"/>
+          </p:nvPr>
+        </p:nvSpPr>
+        <p:spPr/>
+        <p:txBody>
+          <a:bodyPr/>
+          <a:lstStyle/>
+          <a:p>
+            <a:endParaRPr lang="en-US" dirty="0"/>
+          </a:p>
+        </p:txBody>
+      </p:sp>
+      <p:sp>
+        <p:nvSpPr>
+          <p:cNvPr id="4" name="Slide Number Placeholder 3">
+            <a:extLst>
+              <a:ext uri="{FF2B5EF4-FFF2-40B4-BE49-F238E27FC236}">
+                <a16:creationId xmlns:a16="http://schemas.microsoft.com/office/drawing/2014/main" id="{E478D982-5DA7-AB4B-7241-61B9B24348E5}"/>
+              </a:ext>
+            </a:extLst>
+          </p:cNvPr>
+          <p:cNvSpPr>
+            <a:spLocks noGrp="1"/>
+          </p:cNvSpPr>
+          <p:nvPr>
+            <p:ph type="sldNum" sz="quarter" idx="5"/>
+          </p:nvPr>
+        </p:nvSpPr>
+        <p:spPr/>
+        <p:txBody>
+          <a:bodyPr/>
+          <a:lstStyle/>
+          <a:p>
+            <a:fld id="{2F9F5347-3E6A-4C40-928A-729612897D4A}" type="slidenum">
+              <a:rPr lang="en-AU" smtClean="0"/>
+              <a:t>82</a:t>
+            </a:fld>
+            <a:endParaRPr lang="en-AU"/>
+          </a:p>
+        </p:txBody>
+      </p:sp>
+    </p:spTree>
+    <p:extLst>
+      <p:ext uri="{BB962C8B-B14F-4D97-AF65-F5344CB8AC3E}">
+        <p14:creationId xmlns:p14="http://schemas.microsoft.com/office/powerpoint/2010/main" val="3867170230"/>
+      </p:ext>
+    </p:extLst>
+  </p:cSld>
+  <p:clrMapOvr>
+    <a:masterClrMapping/>
+  </p:clrMapOvr>
+</p:notes>
+</file>
+
 <file path=ppt/slideLayouts/slideLayout1.xml><?xml version="1.0" encoding="utf-8"?>
 <p:sldLayout xmlns:a="http://schemas.openxmlformats.org/drawingml/2006/main" xmlns:r="http://schemas.openxmlformats.org/officeDocument/2006/relationships" xmlns:p="http://schemas.openxmlformats.org/presentationml/2006/main" type="title" preserve="1">
   <p:cSld name="Title Slide">
@@ -2087,7 +3773,7 @@
           <a:p>
             <a:fld id="{05FEF993-8C17-4AA1-A568-B2EE0046F6BB}" type="datetime1">
               <a:rPr lang="en-AU" smtClean="0"/>
-              <a:t>6/2/2026</a:t>
+              <a:t>8/2/2026</a:t>
             </a:fld>
             <a:endParaRPr lang="en-AU"/>
           </a:p>
@@ -2287,7 +3973,7 @@
           <a:p>
             <a:fld id="{E3B588EE-5698-4527-9DB2-ACD518686AB3}" type="datetime1">
               <a:rPr lang="en-AU" smtClean="0"/>
-              <a:t>6/2/2026</a:t>
+              <a:t>8/2/2026</a:t>
             </a:fld>
             <a:endParaRPr lang="en-AU"/>
           </a:p>
@@ -2497,7 +4183,7 @@
           <a:p>
             <a:fld id="{EB1AEAFD-673C-49C9-9E87-345916F4966D}" type="datetime1">
               <a:rPr lang="en-AU" smtClean="0"/>
-              <a:t>6/2/2026</a:t>
+              <a:t>8/2/2026</a:t>
             </a:fld>
             <a:endParaRPr lang="en-AU"/>
           </a:p>
@@ -2697,7 +4383,7 @@
           <a:p>
             <a:fld id="{A343F544-1CF7-4940-8A71-C151BB078596}" type="datetime1">
               <a:rPr lang="en-AU" smtClean="0"/>
-              <a:t>6/2/2026</a:t>
+              <a:t>8/2/2026</a:t>
             </a:fld>
             <a:endParaRPr lang="en-AU"/>
           </a:p>
@@ -2973,7 +4659,7 @@
           <a:p>
             <a:fld id="{EEC9A0B8-47BE-4EBE-895C-4C62B36C50AF}" type="datetime1">
               <a:rPr lang="en-AU" smtClean="0"/>
-              <a:t>6/2/2026</a:t>
+              <a:t>8/2/2026</a:t>
             </a:fld>
             <a:endParaRPr lang="en-AU"/>
           </a:p>
@@ -3241,7 +4927,7 @@
           <a:p>
             <a:fld id="{7217689D-5032-4671-91C5-541D88033229}" type="datetime1">
               <a:rPr lang="en-AU" smtClean="0"/>
-              <a:t>6/2/2026</a:t>
+              <a:t>8/2/2026</a:t>
             </a:fld>
             <a:endParaRPr lang="en-AU"/>
           </a:p>
@@ -3656,7 +5342,7 @@
           <a:p>
             <a:fld id="{467A03C3-44F2-41B6-ADB8-009D9A974BEC}" type="datetime1">
               <a:rPr lang="en-AU" smtClean="0"/>
-              <a:t>6/2/2026</a:t>
+              <a:t>8/2/2026</a:t>
             </a:fld>
             <a:endParaRPr lang="en-AU"/>
           </a:p>
@@ -3798,7 +5484,7 @@
           <a:p>
             <a:fld id="{5AA8176C-6D36-44C4-8474-01BB2AF97904}" type="datetime1">
               <a:rPr lang="en-AU" smtClean="0"/>
-              <a:t>6/2/2026</a:t>
+              <a:t>8/2/2026</a:t>
             </a:fld>
             <a:endParaRPr lang="en-AU"/>
           </a:p>
@@ -3911,7 +5597,7 @@
           <a:p>
             <a:fld id="{ABCF4B4C-1DF1-4DDF-8F39-0671CF1075AF}" type="datetime1">
               <a:rPr lang="en-AU" smtClean="0"/>
-              <a:t>6/2/2026</a:t>
+              <a:t>8/2/2026</a:t>
             </a:fld>
             <a:endParaRPr lang="en-AU"/>
           </a:p>
@@ -4224,7 +5910,7 @@
           <a:p>
             <a:fld id="{CC6863CD-B029-4C34-BC29-C1A363BBC9B9}" type="datetime1">
               <a:rPr lang="en-AU" smtClean="0"/>
-              <a:t>6/2/2026</a:t>
+              <a:t>8/2/2026</a:t>
             </a:fld>
             <a:endParaRPr lang="en-AU"/>
           </a:p>
@@ -4513,7 +6199,7 @@
           <a:p>
             <a:fld id="{6E1F883F-65A2-4D24-B482-47EA72C1614F}" type="datetime1">
               <a:rPr lang="en-AU" smtClean="0"/>
-              <a:t>6/2/2026</a:t>
+              <a:t>8/2/2026</a:t>
             </a:fld>
             <a:endParaRPr lang="en-AU"/>
           </a:p>
@@ -4756,7 +6442,7 @@
           <a:p>
             <a:fld id="{526482F6-BAC0-4446-873D-C3498BDB5CA0}" type="datetime1">
               <a:rPr lang="en-AU" smtClean="0"/>
-              <a:t>6/2/2026</a:t>
+              <a:t>8/2/2026</a:t>
             </a:fld>
             <a:endParaRPr lang="en-AU"/>
           </a:p>
@@ -37268,8 +38954,8 @@
         </p:nvSpPr>
         <p:spPr>
           <a:xfrm>
-            <a:off x="465665" y="203993"/>
-            <a:ext cx="3454402" cy="1325563"/>
+            <a:off x="465664" y="203993"/>
+            <a:ext cx="10381011" cy="1325563"/>
           </a:xfrm>
         </p:spPr>
         <p:txBody>
@@ -37279,17 +38965,10 @@
           <a:lstStyle/>
           <a:p>
             <a:r>
-              <a:rPr lang="en-CA"/>
-              <a:t>Recursive</a:t>
-            </a:r>
-            <a:br>
-              <a:rPr lang="en-CA"/>
-            </a:br>
-            <a:r>
-              <a:rPr lang="en-CA"/>
-              <a:t>Functions </a:t>
-            </a:r>
-            <a:endParaRPr lang="en-AU"/>
+              <a:rPr lang="en-CA" dirty="0"/>
+              <a:t>How would you describe this picture to someone over the phone?</a:t>
+            </a:r>
+            <a:endParaRPr lang="en-AU" dirty="0"/>
           </a:p>
         </p:txBody>
       </p:sp>
@@ -37322,201 +39001,6 @@
           </a:p>
         </p:txBody>
       </p:sp>
-      <p:sp>
-        <p:nvSpPr>
-          <p:cNvPr id="9" name="TextBox 8">
-            <a:extLst>
-              <a:ext uri="{FF2B5EF4-FFF2-40B4-BE49-F238E27FC236}">
-                <a16:creationId xmlns:a16="http://schemas.microsoft.com/office/drawing/2014/main" id="{8EE735F9-A83D-1F3E-F692-E234EC6D516B}"/>
-              </a:ext>
-            </a:extLst>
-          </p:cNvPr>
-          <p:cNvSpPr txBox="1"/>
-          <p:nvPr/>
-        </p:nvSpPr>
-        <p:spPr>
-          <a:xfrm>
-            <a:off x="398015" y="1883419"/>
-            <a:ext cx="2548386" cy="2031325"/>
-          </a:xfrm>
-          <a:prstGeom prst="rect">
-            <a:avLst/>
-          </a:prstGeom>
-          <a:solidFill>
-            <a:schemeClr val="accent2">
-              <a:lumMod val="40000"/>
-              <a:lumOff val="60000"/>
-            </a:schemeClr>
-          </a:solidFill>
-        </p:spPr>
-        <p:txBody>
-          <a:bodyPr wrap="square" rtlCol="0">
-            <a:spAutoFit/>
-          </a:bodyPr>
-          <a:lstStyle/>
-          <a:p>
-            <a:pPr algn="ctr"/>
-            <a:r>
-              <a:rPr lang="en-CA"/>
-              <a:t>In general, </a:t>
-            </a:r>
-            <a:r>
-              <a:rPr lang="en-CA" b="1"/>
-              <a:t>recursion</a:t>
-            </a:r>
-            <a:r>
-              <a:rPr lang="en-CA"/>
-              <a:t> is the idea of making a thing out of smaller copies of that thing.</a:t>
-            </a:r>
-            <a:br>
-              <a:rPr lang="en-CA"/>
-            </a:br>
-            <a:br>
-              <a:rPr lang="en-CA"/>
-            </a:br>
-            <a:r>
-              <a:rPr lang="en-CA"/>
-              <a:t>We often see this is nature and math.</a:t>
-            </a:r>
-            <a:endParaRPr lang="en-AU"/>
-          </a:p>
-        </p:txBody>
-      </p:sp>
-      <p:pic>
-        <p:nvPicPr>
-          <p:cNvPr id="1026" name="Picture 2" descr="Recursion: a short introduction. Probably, one of the most common… | by  Oscar Angel | Medium">
-            <a:extLst>
-              <a:ext uri="{FF2B5EF4-FFF2-40B4-BE49-F238E27FC236}">
-                <a16:creationId xmlns:a16="http://schemas.microsoft.com/office/drawing/2014/main" id="{B5AA3BD7-72A2-C667-3255-C733885FE368}"/>
-              </a:ext>
-            </a:extLst>
-          </p:cNvPr>
-          <p:cNvPicPr>
-            <a:picLocks noChangeAspect="1" noChangeArrowheads="1"/>
-          </p:cNvPicPr>
-          <p:nvPr/>
-        </p:nvPicPr>
-        <p:blipFill rotWithShape="1">
-          <a:blip r:embed="rId2">
-            <a:extLst>
-              <a:ext uri="{28A0092B-C50C-407E-A947-70E740481C1C}">
-                <a14:useLocalDpi xmlns:a14="http://schemas.microsoft.com/office/drawing/2010/main" val="0"/>
-              </a:ext>
-            </a:extLst>
-          </a:blip>
-          <a:srcRect t="1991" r="10108"/>
-          <a:stretch/>
-        </p:blipFill>
-        <p:spPr bwMode="auto">
-          <a:xfrm>
-            <a:off x="4783359" y="203993"/>
-            <a:ext cx="3624041" cy="2455332"/>
-          </a:xfrm>
-          <a:prstGeom prst="rect">
-            <a:avLst/>
-          </a:prstGeom>
-          <a:noFill/>
-          <a:extLst>
-            <a:ext uri="{909E8E84-426E-40DD-AFC4-6F175D3DCCD1}">
-              <a14:hiddenFill xmlns:a14="http://schemas.microsoft.com/office/drawing/2010/main">
-                <a:solidFill>
-                  <a:srgbClr val="FFFFFF"/>
-                </a:solidFill>
-              </a14:hiddenFill>
-            </a:ext>
-          </a:extLst>
-        </p:spPr>
-      </p:pic>
-      <p:pic>
-        <p:nvPicPr>
-          <p:cNvPr id="1028" name="Picture 4" descr="Recursion">
-            <a:extLst>
-              <a:ext uri="{FF2B5EF4-FFF2-40B4-BE49-F238E27FC236}">
-                <a16:creationId xmlns:a16="http://schemas.microsoft.com/office/drawing/2014/main" id="{1D3B183A-234E-17E7-F132-4453F35097E3}"/>
-              </a:ext>
-            </a:extLst>
-          </p:cNvPr>
-          <p:cNvPicPr>
-            <a:picLocks noChangeAspect="1" noChangeArrowheads="1"/>
-          </p:cNvPicPr>
-          <p:nvPr/>
-        </p:nvPicPr>
-        <p:blipFill rotWithShape="1">
-          <a:blip r:embed="rId3">
-            <a:extLst>
-              <a:ext uri="{28A0092B-C50C-407E-A947-70E740481C1C}">
-                <a14:useLocalDpi xmlns:a14="http://schemas.microsoft.com/office/drawing/2010/main" val="0"/>
-              </a:ext>
-            </a:extLst>
-          </a:blip>
-          <a:srcRect b="10582"/>
-          <a:stretch/>
-        </p:blipFill>
-        <p:spPr bwMode="auto">
-          <a:xfrm>
-            <a:off x="4988829" y="3295389"/>
-            <a:ext cx="3213100" cy="1216279"/>
-          </a:xfrm>
-          <a:prstGeom prst="rect">
-            <a:avLst/>
-          </a:prstGeom>
-          <a:noFill/>
-          <a:extLst>
-            <a:ext uri="{909E8E84-426E-40DD-AFC4-6F175D3DCCD1}">
-              <a14:hiddenFill xmlns:a14="http://schemas.microsoft.com/office/drawing/2010/main">
-                <a:solidFill>
-                  <a:srgbClr val="FFFFFF"/>
-                </a:solidFill>
-              </a14:hiddenFill>
-            </a:ext>
-          </a:extLst>
-        </p:spPr>
-      </p:pic>
-      <p:pic>
-        <p:nvPicPr>
-          <p:cNvPr id="1030" name="Picture 6" descr="Nature – The Book of Threes">
-            <a:extLst>
-              <a:ext uri="{FF2B5EF4-FFF2-40B4-BE49-F238E27FC236}">
-                <a16:creationId xmlns:a16="http://schemas.microsoft.com/office/drawing/2014/main" id="{8DFCFC22-B0D7-FD1A-BBE3-5647AA7B97A8}"/>
-              </a:ext>
-            </a:extLst>
-          </p:cNvPr>
-          <p:cNvPicPr>
-            <a:picLocks noChangeAspect="1" noChangeArrowheads="1"/>
-          </p:cNvPicPr>
-          <p:nvPr/>
-        </p:nvPicPr>
-        <p:blipFill rotWithShape="1">
-          <a:blip r:embed="rId4">
-            <a:extLst>
-              <a:ext uri="{28A0092B-C50C-407E-A947-70E740481C1C}">
-                <a14:useLocalDpi xmlns:a14="http://schemas.microsoft.com/office/drawing/2010/main" val="0"/>
-              </a:ext>
-            </a:extLst>
-          </a:blip>
-          <a:srcRect t="11363" b="4842"/>
-          <a:stretch/>
-        </p:blipFill>
-        <p:spPr bwMode="auto">
-          <a:xfrm>
-            <a:off x="4988829" y="5147732"/>
-            <a:ext cx="3213100" cy="1346201"/>
-          </a:xfrm>
-          <a:prstGeom prst="rect">
-            <a:avLst/>
-          </a:prstGeom>
-          <a:noFill/>
-          <a:extLst>
-            <a:ext uri="{909E8E84-426E-40DD-AFC4-6F175D3DCCD1}">
-              <a14:hiddenFill xmlns:a14="http://schemas.microsoft.com/office/drawing/2010/main">
-                <a:solidFill>
-                  <a:srgbClr val="FFFFFF"/>
-                </a:solidFill>
-              </a14:hiddenFill>
-            </a:ext>
-          </a:extLst>
-        </p:spPr>
-      </p:pic>
       <p:pic>
         <p:nvPicPr>
           <p:cNvPr id="1032" name="Picture 8" descr="undefined">
@@ -37532,7 +39016,7 @@
           <p:nvPr/>
         </p:nvPicPr>
         <p:blipFill>
-          <a:blip r:embed="rId5">
+          <a:blip r:embed="rId2">
             <a:extLst>
               <a:ext uri="{28A0092B-C50C-407E-A947-70E740481C1C}">
                 <a14:useLocalDpi xmlns:a14="http://schemas.microsoft.com/office/drawing/2010/main" val="0"/>
@@ -37546,8 +39030,8 @@
         </p:blipFill>
         <p:spPr bwMode="auto">
           <a:xfrm>
-            <a:off x="9206815" y="2556136"/>
-            <a:ext cx="2486025" cy="2153093"/>
+            <a:off x="3420993" y="1810880"/>
+            <a:ext cx="5350013" cy="4633532"/>
           </a:xfrm>
           <a:prstGeom prst="rect">
             <a:avLst/>
@@ -37585,7 +39069,7 @@
         <p:cNvPr id="1" name="">
           <a:extLst>
             <a:ext uri="{FF2B5EF4-FFF2-40B4-BE49-F238E27FC236}">
-              <a16:creationId xmlns:a16="http://schemas.microsoft.com/office/drawing/2014/main" id="{F70C2D44-D06C-60C4-AFA3-C777C094D6A2}"/>
+              <a16:creationId xmlns:a16="http://schemas.microsoft.com/office/drawing/2014/main" id="{01F6A661-0A58-321E-D285-381958EF7731}"/>
             </a:ext>
           </a:extLst>
         </p:cNvPr>
@@ -37602,10 +39086,84 @@
       </p:grpSpPr>
       <p:sp>
         <p:nvSpPr>
-          <p:cNvPr id="2" name="Title 1">
-            <a:extLst>
-              <a:ext uri="{FF2B5EF4-FFF2-40B4-BE49-F238E27FC236}">
-                <a16:creationId xmlns:a16="http://schemas.microsoft.com/office/drawing/2014/main" id="{0955A619-B04A-2A3D-3AD7-AF1975CCD8E4}"/>
+          <p:cNvPr id="4" name="Slide Number Placeholder 3">
+            <a:extLst>
+              <a:ext uri="{FF2B5EF4-FFF2-40B4-BE49-F238E27FC236}">
+                <a16:creationId xmlns:a16="http://schemas.microsoft.com/office/drawing/2014/main" id="{2E8FD748-DC0D-7FDC-18C1-8F39E0A8F586}"/>
+              </a:ext>
+            </a:extLst>
+          </p:cNvPr>
+          <p:cNvSpPr>
+            <a:spLocks noGrp="1"/>
+          </p:cNvSpPr>
+          <p:nvPr>
+            <p:ph type="sldNum" sz="quarter" idx="12"/>
+          </p:nvPr>
+        </p:nvSpPr>
+        <p:spPr/>
+        <p:txBody>
+          <a:bodyPr/>
+          <a:lstStyle/>
+          <a:p>
+            <a:fld id="{CBA0A0CD-12E5-4065-8C87-26D031211F61}" type="slidenum">
+              <a:rPr lang="en-AU" smtClean="0"/>
+              <a:t>74</a:t>
+            </a:fld>
+            <a:endParaRPr lang="en-AU"/>
+          </a:p>
+        </p:txBody>
+      </p:sp>
+      <p:sp>
+        <p:nvSpPr>
+          <p:cNvPr id="8" name="TextBox 7">
+            <a:extLst>
+              <a:ext uri="{FF2B5EF4-FFF2-40B4-BE49-F238E27FC236}">
+                <a16:creationId xmlns:a16="http://schemas.microsoft.com/office/drawing/2014/main" id="{A6BEF248-2585-C699-BA51-4CB6407CD0C2}"/>
+              </a:ext>
+            </a:extLst>
+          </p:cNvPr>
+          <p:cNvSpPr txBox="1"/>
+          <p:nvPr/>
+        </p:nvSpPr>
+        <p:spPr>
+          <a:xfrm>
+            <a:off x="3920067" y="2663784"/>
+            <a:ext cx="4318000" cy="1323439"/>
+          </a:xfrm>
+          <a:prstGeom prst="rect">
+            <a:avLst/>
+          </a:prstGeom>
+          <a:noFill/>
+        </p:spPr>
+        <p:txBody>
+          <a:bodyPr wrap="square" rtlCol="0">
+            <a:spAutoFit/>
+          </a:bodyPr>
+          <a:lstStyle/>
+          <a:p>
+            <a:r>
+              <a:rPr lang="en-US" sz="4000" dirty="0">
+                <a:latin typeface="Consolas" panose="020B0609020204030204" pitchFamily="49" charset="0"/>
+              </a:rPr>
+              <a:t>def mystery():</a:t>
+            </a:r>
+          </a:p>
+          <a:p>
+            <a:r>
+              <a:rPr lang="en-US" sz="4000" dirty="0">
+                <a:latin typeface="Consolas" panose="020B0609020204030204" pitchFamily="49" charset="0"/>
+              </a:rPr>
+              <a:t>    mystery()</a:t>
+            </a:r>
+          </a:p>
+        </p:txBody>
+      </p:sp>
+      <p:sp>
+        <p:nvSpPr>
+          <p:cNvPr id="10" name="Title 4">
+            <a:extLst>
+              <a:ext uri="{FF2B5EF4-FFF2-40B4-BE49-F238E27FC236}">
+                <a16:creationId xmlns:a16="http://schemas.microsoft.com/office/drawing/2014/main" id="{9AE5E092-17E7-CCFD-C695-518FCD22F3F9}"/>
               </a:ext>
             </a:extLst>
           </p:cNvPr>
@@ -37618,66 +39176,38 @@
         </p:nvSpPr>
         <p:spPr>
           <a:xfrm>
-            <a:off x="465665" y="203993"/>
-            <a:ext cx="3454402" cy="1325563"/>
-          </a:xfrm>
-        </p:spPr>
-        <p:txBody>
-          <a:bodyPr>
-            <a:normAutofit/>
-          </a:bodyPr>
-          <a:lstStyle/>
-          <a:p>
-            <a:r>
-              <a:rPr lang="en-CA"/>
-              <a:t>Recursive</a:t>
-            </a:r>
-            <a:br>
-              <a:rPr lang="en-CA"/>
-            </a:br>
-            <a:r>
-              <a:rPr lang="en-CA"/>
-              <a:t>Functions </a:t>
-            </a:r>
-            <a:endParaRPr lang="en-AU"/>
-          </a:p>
-        </p:txBody>
-      </p:sp>
-      <p:sp>
-        <p:nvSpPr>
-          <p:cNvPr id="4" name="Slide Number Placeholder 3">
-            <a:extLst>
-              <a:ext uri="{FF2B5EF4-FFF2-40B4-BE49-F238E27FC236}">
-                <a16:creationId xmlns:a16="http://schemas.microsoft.com/office/drawing/2014/main" id="{DF8C89D4-A6C9-5B34-326B-FC10DE4007CE}"/>
-              </a:ext>
-            </a:extLst>
-          </p:cNvPr>
-          <p:cNvSpPr>
-            <a:spLocks noGrp="1"/>
-          </p:cNvSpPr>
-          <p:nvPr>
-            <p:ph type="sldNum" sz="quarter" idx="12"/>
-          </p:nvPr>
-        </p:nvSpPr>
-        <p:spPr/>
+            <a:off x="409903" y="365125"/>
+            <a:ext cx="10943897" cy="1325563"/>
+          </a:xfrm>
+        </p:spPr>
         <p:txBody>
           <a:bodyPr/>
           <a:lstStyle/>
           <a:p>
-            <a:fld id="{CBA0A0CD-12E5-4065-8C87-26D031211F61}" type="slidenum">
-              <a:rPr lang="en-AU" smtClean="0"/>
-              <a:t>74</a:t>
-            </a:fld>
-            <a:endParaRPr lang="en-AU"/>
-          </a:p>
-        </p:txBody>
-      </p:sp>
-      <p:sp>
-        <p:nvSpPr>
-          <p:cNvPr id="9" name="TextBox 8">
-            <a:extLst>
-              <a:ext uri="{FF2B5EF4-FFF2-40B4-BE49-F238E27FC236}">
-                <a16:creationId xmlns:a16="http://schemas.microsoft.com/office/drawing/2014/main" id="{482965F9-DEE0-46BB-DCA9-64EFE0F7C0FD}"/>
+            <a:r>
+              <a:rPr lang="en-US" dirty="0"/>
+              <a:t>What happens when you call </a:t>
+            </a:r>
+            <a:r>
+              <a:rPr lang="en-US" dirty="0">
+                <a:latin typeface="Consolas" panose="020B0609020204030204" pitchFamily="49" charset="0"/>
+                <a:cs typeface="Consolas" panose="020B0609020204030204" pitchFamily="49" charset="0"/>
+              </a:rPr>
+              <a:t>mystery()</a:t>
+            </a:r>
+            <a:r>
+              <a:rPr lang="en-US" dirty="0"/>
+              <a:t> ?</a:t>
+            </a:r>
+          </a:p>
+        </p:txBody>
+      </p:sp>
+      <p:sp>
+        <p:nvSpPr>
+          <p:cNvPr id="12" name="TextBox 11">
+            <a:extLst>
+              <a:ext uri="{FF2B5EF4-FFF2-40B4-BE49-F238E27FC236}">
+                <a16:creationId xmlns:a16="http://schemas.microsoft.com/office/drawing/2014/main" id="{44B798B4-882C-1618-9A32-F3F555F7D939}"/>
               </a:ext>
             </a:extLst>
           </p:cNvPr>
@@ -37686,13 +39216,18 @@
         </p:nvSpPr>
         <p:spPr>
           <a:xfrm>
-            <a:off x="3614355" y="1659285"/>
-            <a:ext cx="5314960" cy="3539430"/>
+            <a:off x="9581322" y="1506022"/>
+            <a:ext cx="1932989" cy="369332"/>
           </a:xfrm>
           <a:prstGeom prst="rect">
             <a:avLst/>
           </a:prstGeom>
-          <a:noFill/>
+          <a:solidFill>
+            <a:schemeClr val="accent2">
+              <a:lumMod val="40000"/>
+              <a:lumOff val="60000"/>
+            </a:schemeClr>
+          </a:solidFill>
         </p:spPr>
         <p:txBody>
           <a:bodyPr wrap="square" rtlCol="0">
@@ -37702,49 +39237,17 @@
           <a:p>
             <a:pPr algn="ctr"/>
             <a:r>
-              <a:rPr lang="en-CA" sz="2800"/>
-              <a:t>Recursive functions are </a:t>
-            </a:r>
-            <a:r>
-              <a:rPr lang="en-CA" sz="2800" b="1"/>
-              <a:t>not</a:t>
-            </a:r>
-            <a:r>
-              <a:rPr lang="en-CA" sz="2800"/>
-              <a:t> very common in practice.</a:t>
-            </a:r>
-          </a:p>
-          <a:p>
-            <a:pPr algn="ctr"/>
-            <a:endParaRPr lang="en-CA" sz="2800"/>
-          </a:p>
-          <a:p>
-            <a:pPr algn="ctr"/>
-            <a:r>
-              <a:rPr lang="en-CA" sz="2800"/>
-              <a:t>But they appear all the time in the theory of computer science!</a:t>
-            </a:r>
-          </a:p>
-          <a:p>
-            <a:pPr algn="ctr"/>
-            <a:r>
-              <a:rPr lang="en-CA" sz="2800"/>
-              <a:t> </a:t>
-            </a:r>
-            <a:br>
-              <a:rPr lang="en-CA" sz="2800"/>
-            </a:br>
-            <a:r>
-              <a:rPr lang="en-CA" sz="2800"/>
-              <a:t>Recursion is at the core of computation. </a:t>
-            </a:r>
+              <a:rPr lang="en-CA" dirty="0"/>
+              <a:t>See mystery1.py</a:t>
+            </a:r>
+            <a:endParaRPr lang="en-AU" dirty="0"/>
           </a:p>
         </p:txBody>
       </p:sp>
     </p:spTree>
     <p:extLst>
       <p:ext uri="{BB962C8B-B14F-4D97-AF65-F5344CB8AC3E}">
-        <p14:creationId xmlns:p14="http://schemas.microsoft.com/office/powerpoint/2010/main" val="1134019399"/>
+        <p14:creationId xmlns:p14="http://schemas.microsoft.com/office/powerpoint/2010/main" val="1998224056"/>
       </p:ext>
     </p:extLst>
   </p:cSld>
@@ -37762,7 +39265,7 @@
         <p:cNvPr id="1" name="">
           <a:extLst>
             <a:ext uri="{FF2B5EF4-FFF2-40B4-BE49-F238E27FC236}">
-              <a16:creationId xmlns:a16="http://schemas.microsoft.com/office/drawing/2014/main" id="{01F6A661-0A58-321E-D285-381958EF7731}"/>
+              <a16:creationId xmlns:a16="http://schemas.microsoft.com/office/drawing/2014/main" id="{D8A2937B-577B-9D9B-A3ED-BEC3E58678F7}"/>
             </a:ext>
           </a:extLst>
         </p:cNvPr>
@@ -37779,10 +39282,104 @@
       </p:grpSpPr>
       <p:sp>
         <p:nvSpPr>
-          <p:cNvPr id="2" name="Title 1">
-            <a:extLst>
-              <a:ext uri="{FF2B5EF4-FFF2-40B4-BE49-F238E27FC236}">
-                <a16:creationId xmlns:a16="http://schemas.microsoft.com/office/drawing/2014/main" id="{9275407B-6D3F-183D-1CF7-9949528E3E3F}"/>
+          <p:cNvPr id="4" name="Slide Number Placeholder 3">
+            <a:extLst>
+              <a:ext uri="{FF2B5EF4-FFF2-40B4-BE49-F238E27FC236}">
+                <a16:creationId xmlns:a16="http://schemas.microsoft.com/office/drawing/2014/main" id="{6BFA85A8-5515-F7E8-9713-FFA1909FF9A3}"/>
+              </a:ext>
+            </a:extLst>
+          </p:cNvPr>
+          <p:cNvSpPr>
+            <a:spLocks noGrp="1"/>
+          </p:cNvSpPr>
+          <p:nvPr>
+            <p:ph type="sldNum" sz="quarter" idx="12"/>
+          </p:nvPr>
+        </p:nvSpPr>
+        <p:spPr/>
+        <p:txBody>
+          <a:bodyPr/>
+          <a:lstStyle/>
+          <a:p>
+            <a:fld id="{CBA0A0CD-12E5-4065-8C87-26D031211F61}" type="slidenum">
+              <a:rPr lang="en-AU" smtClean="0"/>
+              <a:t>75</a:t>
+            </a:fld>
+            <a:endParaRPr lang="en-AU"/>
+          </a:p>
+        </p:txBody>
+      </p:sp>
+      <p:sp>
+        <p:nvSpPr>
+          <p:cNvPr id="8" name="TextBox 7">
+            <a:extLst>
+              <a:ext uri="{FF2B5EF4-FFF2-40B4-BE49-F238E27FC236}">
+                <a16:creationId xmlns:a16="http://schemas.microsoft.com/office/drawing/2014/main" id="{F0EB4DC7-9C01-32E3-9862-8D3A9800A2C3}"/>
+              </a:ext>
+            </a:extLst>
+          </p:cNvPr>
+          <p:cNvSpPr txBox="1"/>
+          <p:nvPr/>
+        </p:nvSpPr>
+        <p:spPr>
+          <a:xfrm>
+            <a:off x="3920067" y="2663784"/>
+            <a:ext cx="5192402" cy="1938992"/>
+          </a:xfrm>
+          <a:prstGeom prst="rect">
+            <a:avLst/>
+          </a:prstGeom>
+          <a:noFill/>
+        </p:spPr>
+        <p:txBody>
+          <a:bodyPr wrap="square" rtlCol="0">
+            <a:spAutoFit/>
+          </a:bodyPr>
+          <a:lstStyle/>
+          <a:p>
+            <a:r>
+              <a:rPr lang="en-US" sz="4000" dirty="0">
+                <a:latin typeface="Consolas" panose="020B0609020204030204" pitchFamily="49" charset="0"/>
+              </a:rPr>
+              <a:t>def mystery():</a:t>
+            </a:r>
+          </a:p>
+          <a:p>
+            <a:r>
+              <a:rPr lang="en-US" sz="4000" dirty="0">
+                <a:latin typeface="Consolas" panose="020B0609020204030204" pitchFamily="49" charset="0"/>
+              </a:rPr>
+              <a:t>    mystery()</a:t>
+            </a:r>
+            <a:br>
+              <a:rPr lang="en-US" sz="4000" dirty="0">
+                <a:latin typeface="Consolas" panose="020B0609020204030204" pitchFamily="49" charset="0"/>
+              </a:rPr>
+            </a:br>
+            <a:r>
+              <a:rPr lang="en-US" sz="4000" dirty="0">
+                <a:latin typeface="Consolas" panose="020B0609020204030204" pitchFamily="49" charset="0"/>
+              </a:rPr>
+              <a:t>    </a:t>
+            </a:r>
+            <a:r>
+              <a:rPr lang="en-US" sz="4000" dirty="0">
+                <a:highlight>
+                  <a:srgbClr val="FFFF00"/>
+                </a:highlight>
+                <a:latin typeface="Consolas" panose="020B0609020204030204" pitchFamily="49" charset="0"/>
+              </a:rPr>
+              <a:t>print('done')</a:t>
+            </a:r>
+          </a:p>
+        </p:txBody>
+      </p:sp>
+      <p:sp>
+        <p:nvSpPr>
+          <p:cNvPr id="5" name="Title 4">
+            <a:extLst>
+              <a:ext uri="{FF2B5EF4-FFF2-40B4-BE49-F238E27FC236}">
+                <a16:creationId xmlns:a16="http://schemas.microsoft.com/office/drawing/2014/main" id="{334A0234-94F7-2AD7-3C49-F9998E322B4B}"/>
               </a:ext>
             </a:extLst>
           </p:cNvPr>
@@ -37795,66 +39392,38 @@
         </p:nvSpPr>
         <p:spPr>
           <a:xfrm>
-            <a:off x="465665" y="203993"/>
-            <a:ext cx="3454402" cy="1325563"/>
-          </a:xfrm>
-        </p:spPr>
-        <p:txBody>
-          <a:bodyPr>
-            <a:normAutofit/>
-          </a:bodyPr>
-          <a:lstStyle/>
-          <a:p>
-            <a:r>
-              <a:rPr lang="en-CA"/>
-              <a:t>Recursive</a:t>
-            </a:r>
-            <a:br>
-              <a:rPr lang="en-CA"/>
-            </a:br>
-            <a:r>
-              <a:rPr lang="en-CA"/>
-              <a:t>Functions </a:t>
-            </a:r>
-            <a:endParaRPr lang="en-AU"/>
-          </a:p>
-        </p:txBody>
-      </p:sp>
-      <p:sp>
-        <p:nvSpPr>
-          <p:cNvPr id="4" name="Slide Number Placeholder 3">
-            <a:extLst>
-              <a:ext uri="{FF2B5EF4-FFF2-40B4-BE49-F238E27FC236}">
-                <a16:creationId xmlns:a16="http://schemas.microsoft.com/office/drawing/2014/main" id="{2E8FD748-DC0D-7FDC-18C1-8F39E0A8F586}"/>
-              </a:ext>
-            </a:extLst>
-          </p:cNvPr>
-          <p:cNvSpPr>
-            <a:spLocks noGrp="1"/>
-          </p:cNvSpPr>
-          <p:nvPr>
-            <p:ph type="sldNum" sz="quarter" idx="12"/>
-          </p:nvPr>
-        </p:nvSpPr>
-        <p:spPr/>
+            <a:off x="409903" y="365125"/>
+            <a:ext cx="10943897" cy="1325563"/>
+          </a:xfrm>
+        </p:spPr>
         <p:txBody>
           <a:bodyPr/>
           <a:lstStyle/>
           <a:p>
-            <a:fld id="{CBA0A0CD-12E5-4065-8C87-26D031211F61}" type="slidenum">
-              <a:rPr lang="en-AU" smtClean="0"/>
-              <a:t>75</a:t>
-            </a:fld>
-            <a:endParaRPr lang="en-AU"/>
-          </a:p>
-        </p:txBody>
-      </p:sp>
-      <p:sp>
-        <p:nvSpPr>
-          <p:cNvPr id="8" name="TextBox 7">
-            <a:extLst>
-              <a:ext uri="{FF2B5EF4-FFF2-40B4-BE49-F238E27FC236}">
-                <a16:creationId xmlns:a16="http://schemas.microsoft.com/office/drawing/2014/main" id="{A6BEF248-2585-C699-BA51-4CB6407CD0C2}"/>
+            <a:r>
+              <a:rPr lang="en-US" dirty="0"/>
+              <a:t>What happens when you call </a:t>
+            </a:r>
+            <a:r>
+              <a:rPr lang="en-US" dirty="0">
+                <a:latin typeface="Consolas" panose="020B0609020204030204" pitchFamily="49" charset="0"/>
+                <a:cs typeface="Consolas" panose="020B0609020204030204" pitchFamily="49" charset="0"/>
+              </a:rPr>
+              <a:t>mystery()</a:t>
+            </a:r>
+            <a:r>
+              <a:rPr lang="en-US" dirty="0"/>
+              <a:t> ?</a:t>
+            </a:r>
+          </a:p>
+        </p:txBody>
+      </p:sp>
+      <p:sp>
+        <p:nvSpPr>
+          <p:cNvPr id="2" name="TextBox 1">
+            <a:extLst>
+              <a:ext uri="{FF2B5EF4-FFF2-40B4-BE49-F238E27FC236}">
+                <a16:creationId xmlns:a16="http://schemas.microsoft.com/office/drawing/2014/main" id="{F1A04480-DB14-7045-2111-099C7A00CCDE}"/>
               </a:ext>
             </a:extLst>
           </p:cNvPr>
@@ -37863,53 +39432,8 @@
         </p:nvSpPr>
         <p:spPr>
           <a:xfrm>
-            <a:off x="3920067" y="2663784"/>
-            <a:ext cx="4318000" cy="1323439"/>
-          </a:xfrm>
-          <a:prstGeom prst="rect">
-            <a:avLst/>
-          </a:prstGeom>
-          <a:noFill/>
-        </p:spPr>
-        <p:txBody>
-          <a:bodyPr wrap="square" rtlCol="0">
-            <a:spAutoFit/>
-          </a:bodyPr>
-          <a:lstStyle/>
-          <a:p>
-            <a:r>
-              <a:rPr lang="en-US" sz="4000">
-                <a:latin typeface="Consolas" panose="020B0609020204030204" pitchFamily="49" charset="0"/>
-              </a:rPr>
-              <a:t>def forever():</a:t>
-            </a:r>
-          </a:p>
-          <a:p>
-            <a:r>
-              <a:rPr lang="en-US" sz="4000">
-                <a:latin typeface="Consolas" panose="020B0609020204030204" pitchFamily="49" charset="0"/>
-              </a:rPr>
-              <a:t>    forever()</a:t>
-            </a:r>
-          </a:p>
-        </p:txBody>
-      </p:sp>
-      <p:sp>
-        <p:nvSpPr>
-          <p:cNvPr id="9" name="TextBox 8">
-            <a:extLst>
-              <a:ext uri="{FF2B5EF4-FFF2-40B4-BE49-F238E27FC236}">
-                <a16:creationId xmlns:a16="http://schemas.microsoft.com/office/drawing/2014/main" id="{9E06EC88-03E8-2E31-9237-EDF2929D6271}"/>
-              </a:ext>
-            </a:extLst>
-          </p:cNvPr>
-          <p:cNvSpPr txBox="1"/>
-          <p:nvPr/>
-        </p:nvSpPr>
-        <p:spPr>
-          <a:xfrm>
-            <a:off x="398015" y="1883419"/>
-            <a:ext cx="2548386" cy="646331"/>
+            <a:off x="9581322" y="1506022"/>
+            <a:ext cx="1932989" cy="369332"/>
           </a:xfrm>
           <a:prstGeom prst="rect">
             <a:avLst/>
@@ -37929,27 +39453,84 @@
           <a:p>
             <a:pPr algn="ctr"/>
             <a:r>
-              <a:rPr lang="en-CA"/>
-              <a:t>A function is </a:t>
-            </a:r>
-            <a:r>
-              <a:rPr lang="en-CA" b="1"/>
-              <a:t>recursive</a:t>
-            </a:r>
-            <a:r>
-              <a:rPr lang="en-CA"/>
-              <a:t> if it calls itself.</a:t>
-            </a:r>
+              <a:rPr lang="en-CA" dirty="0"/>
+              <a:t>See mystery2.py</a:t>
+            </a:r>
+            <a:endParaRPr lang="en-AU" dirty="0"/>
+          </a:p>
+        </p:txBody>
+      </p:sp>
+    </p:spTree>
+    <p:extLst>
+      <p:ext uri="{BB962C8B-B14F-4D97-AF65-F5344CB8AC3E}">
+        <p14:creationId xmlns:p14="http://schemas.microsoft.com/office/powerpoint/2010/main" val="2110900456"/>
+      </p:ext>
+    </p:extLst>
+  </p:cSld>
+  <p:clrMapOvr>
+    <a:masterClrMapping/>
+  </p:clrMapOvr>
+</p:sld>
+</file>
+
+<file path=ppt/slides/slide76.xml><?xml version="1.0" encoding="utf-8"?>
+<p:sld xmlns:a="http://schemas.openxmlformats.org/drawingml/2006/main" xmlns:r="http://schemas.openxmlformats.org/officeDocument/2006/relationships" xmlns:p="http://schemas.openxmlformats.org/presentationml/2006/main">
+  <p:cSld>
+    <p:spTree>
+      <p:nvGrpSpPr>
+        <p:cNvPr id="1" name="">
+          <a:extLst>
+            <a:ext uri="{FF2B5EF4-FFF2-40B4-BE49-F238E27FC236}">
+              <a16:creationId xmlns:a16="http://schemas.microsoft.com/office/drawing/2014/main" id="{77A66299-A0AA-FC45-8935-B06C998D6025}"/>
+            </a:ext>
+          </a:extLst>
+        </p:cNvPr>
+        <p:cNvGrpSpPr/>
+        <p:nvPr/>
+      </p:nvGrpSpPr>
+      <p:grpSpPr>
+        <a:xfrm>
+          <a:off x="0" y="0"/>
+          <a:ext cx="0" cy="0"/>
+          <a:chOff x="0" y="0"/>
+          <a:chExt cx="0" cy="0"/>
+        </a:xfrm>
+      </p:grpSpPr>
+      <p:sp>
+        <p:nvSpPr>
+          <p:cNvPr id="4" name="Slide Number Placeholder 3">
+            <a:extLst>
+              <a:ext uri="{FF2B5EF4-FFF2-40B4-BE49-F238E27FC236}">
+                <a16:creationId xmlns:a16="http://schemas.microsoft.com/office/drawing/2014/main" id="{4ED3C7AB-6DA7-3B9A-DFF5-D8D8352EF90A}"/>
+              </a:ext>
+            </a:extLst>
+          </p:cNvPr>
+          <p:cNvSpPr>
+            <a:spLocks noGrp="1"/>
+          </p:cNvSpPr>
+          <p:nvPr>
+            <p:ph type="sldNum" sz="quarter" idx="12"/>
+          </p:nvPr>
+        </p:nvSpPr>
+        <p:spPr/>
+        <p:txBody>
+          <a:bodyPr/>
+          <a:lstStyle/>
+          <a:p>
+            <a:fld id="{CBA0A0CD-12E5-4065-8C87-26D031211F61}" type="slidenum">
+              <a:rPr lang="en-AU" smtClean="0"/>
+              <a:t>76</a:t>
+            </a:fld>
             <a:endParaRPr lang="en-AU"/>
           </a:p>
         </p:txBody>
       </p:sp>
       <p:sp>
         <p:nvSpPr>
-          <p:cNvPr id="11" name="TextBox 10">
-            <a:extLst>
-              <a:ext uri="{FF2B5EF4-FFF2-40B4-BE49-F238E27FC236}">
-                <a16:creationId xmlns:a16="http://schemas.microsoft.com/office/drawing/2014/main" id="{7E5899BA-E00B-2734-6E93-78D3062FA33B}"/>
+          <p:cNvPr id="8" name="TextBox 7">
+            <a:extLst>
+              <a:ext uri="{FF2B5EF4-FFF2-40B4-BE49-F238E27FC236}">
+                <a16:creationId xmlns:a16="http://schemas.microsoft.com/office/drawing/2014/main" id="{F9338C2D-18C0-C5C6-B17C-26AE2E10A618}"/>
               </a:ext>
             </a:extLst>
           </p:cNvPr>
@@ -37958,18 +39539,13 @@
         </p:nvSpPr>
         <p:spPr>
           <a:xfrm>
-            <a:off x="9287933" y="2045718"/>
-            <a:ext cx="2167467" cy="707886"/>
+            <a:off x="3920067" y="2663784"/>
+            <a:ext cx="7147326" cy="2554545"/>
           </a:xfrm>
           <a:prstGeom prst="rect">
             <a:avLst/>
           </a:prstGeom>
           <a:noFill/>
-          <a:ln>
-            <a:solidFill>
-              <a:schemeClr val="tx1"/>
-            </a:solidFill>
-          </a:ln>
         </p:spPr>
         <p:txBody>
           <a:bodyPr wrap="square" rtlCol="0">
@@ -37977,34 +39553,512 @@
           </a:bodyPr>
           <a:lstStyle/>
           <a:p>
+            <a:r>
+              <a:rPr lang="en-US" sz="4000" dirty="0">
+                <a:latin typeface="Consolas" panose="020B0609020204030204" pitchFamily="49" charset="0"/>
+              </a:rPr>
+              <a:t>def mystery():</a:t>
+            </a:r>
+          </a:p>
+          <a:p>
+            <a:r>
+              <a:rPr lang="en-US" sz="4000" dirty="0">
+                <a:latin typeface="Consolas" panose="020B0609020204030204" pitchFamily="49" charset="0"/>
+              </a:rPr>
+              <a:t>    </a:t>
+            </a:r>
+            <a:r>
+              <a:rPr lang="en-US" sz="4000" dirty="0">
+                <a:highlight>
+                  <a:srgbClr val="FFFF00"/>
+                </a:highlight>
+                <a:latin typeface="Consolas" panose="020B0609020204030204" pitchFamily="49" charset="0"/>
+              </a:rPr>
+              <a:t>print('calling ...')</a:t>
+            </a:r>
+            <a:br>
+              <a:rPr lang="en-US" sz="4000" dirty="0">
+                <a:latin typeface="Consolas" panose="020B0609020204030204" pitchFamily="49" charset="0"/>
+              </a:rPr>
+            </a:br>
+            <a:r>
+              <a:rPr lang="en-US" sz="4000" dirty="0">
+                <a:latin typeface="Consolas" panose="020B0609020204030204" pitchFamily="49" charset="0"/>
+              </a:rPr>
+              <a:t>    mystery()</a:t>
+            </a:r>
+            <a:br>
+              <a:rPr lang="en-US" sz="4000" dirty="0">
+                <a:latin typeface="Consolas" panose="020B0609020204030204" pitchFamily="49" charset="0"/>
+              </a:rPr>
+            </a:br>
+            <a:r>
+              <a:rPr lang="en-US" sz="4000" dirty="0">
+                <a:latin typeface="Consolas" panose="020B0609020204030204" pitchFamily="49" charset="0"/>
+              </a:rPr>
+              <a:t>    </a:t>
+            </a:r>
+          </a:p>
+        </p:txBody>
+      </p:sp>
+      <p:sp>
+        <p:nvSpPr>
+          <p:cNvPr id="5" name="Title 4">
+            <a:extLst>
+              <a:ext uri="{FF2B5EF4-FFF2-40B4-BE49-F238E27FC236}">
+                <a16:creationId xmlns:a16="http://schemas.microsoft.com/office/drawing/2014/main" id="{C8923093-DB00-8A49-F61D-39396BA6F89C}"/>
+              </a:ext>
+            </a:extLst>
+          </p:cNvPr>
+          <p:cNvSpPr>
+            <a:spLocks noGrp="1"/>
+          </p:cNvSpPr>
+          <p:nvPr>
+            <p:ph type="title"/>
+          </p:nvPr>
+        </p:nvSpPr>
+        <p:spPr>
+          <a:xfrm>
+            <a:off x="409903" y="365125"/>
+            <a:ext cx="10943897" cy="1325563"/>
+          </a:xfrm>
+        </p:spPr>
+        <p:txBody>
+          <a:bodyPr/>
+          <a:lstStyle/>
+          <a:p>
+            <a:r>
+              <a:rPr lang="en-US" dirty="0"/>
+              <a:t>What happens when you call </a:t>
+            </a:r>
+            <a:r>
+              <a:rPr lang="en-US" dirty="0">
+                <a:latin typeface="Consolas" panose="020B0609020204030204" pitchFamily="49" charset="0"/>
+                <a:cs typeface="Consolas" panose="020B0609020204030204" pitchFamily="49" charset="0"/>
+              </a:rPr>
+              <a:t>mystery()</a:t>
+            </a:r>
+            <a:r>
+              <a:rPr lang="en-US" dirty="0"/>
+              <a:t> ?</a:t>
+            </a:r>
+          </a:p>
+        </p:txBody>
+      </p:sp>
+      <p:sp>
+        <p:nvSpPr>
+          <p:cNvPr id="2" name="TextBox 1">
+            <a:extLst>
+              <a:ext uri="{FF2B5EF4-FFF2-40B4-BE49-F238E27FC236}">
+                <a16:creationId xmlns:a16="http://schemas.microsoft.com/office/drawing/2014/main" id="{325D5AA5-CC3D-1E26-2D99-26F5B18EC161}"/>
+              </a:ext>
+            </a:extLst>
+          </p:cNvPr>
+          <p:cNvSpPr txBox="1"/>
+          <p:nvPr/>
+        </p:nvSpPr>
+        <p:spPr>
+          <a:xfrm>
+            <a:off x="9581322" y="1506022"/>
+            <a:ext cx="1932989" cy="369332"/>
+          </a:xfrm>
+          <a:prstGeom prst="rect">
+            <a:avLst/>
+          </a:prstGeom>
+          <a:solidFill>
+            <a:schemeClr val="accent2">
+              <a:lumMod val="40000"/>
+              <a:lumOff val="60000"/>
+            </a:schemeClr>
+          </a:solidFill>
+        </p:spPr>
+        <p:txBody>
+          <a:bodyPr wrap="square" rtlCol="0">
+            <a:spAutoFit/>
+          </a:bodyPr>
+          <a:lstStyle/>
+          <a:p>
             <a:pPr algn="ctr"/>
             <a:r>
-              <a:rPr lang="en-CA" sz="4000"/>
-              <a:t>forever()</a:t>
-            </a:r>
-            <a:endParaRPr lang="en-AU" sz="4000"/>
+              <a:rPr lang="en-CA" dirty="0"/>
+              <a:t>See mystery3.py</a:t>
+            </a:r>
+            <a:endParaRPr lang="en-AU" dirty="0"/>
+          </a:p>
+        </p:txBody>
+      </p:sp>
+    </p:spTree>
+    <p:extLst>
+      <p:ext uri="{BB962C8B-B14F-4D97-AF65-F5344CB8AC3E}">
+        <p14:creationId xmlns:p14="http://schemas.microsoft.com/office/powerpoint/2010/main" val="3259957246"/>
+      </p:ext>
+    </p:extLst>
+  </p:cSld>
+  <p:clrMapOvr>
+    <a:masterClrMapping/>
+  </p:clrMapOvr>
+</p:sld>
+</file>
+
+<file path=ppt/slides/slide77.xml><?xml version="1.0" encoding="utf-8"?>
+<p:sld xmlns:a="http://schemas.openxmlformats.org/drawingml/2006/main" xmlns:r="http://schemas.openxmlformats.org/officeDocument/2006/relationships" xmlns:p="http://schemas.openxmlformats.org/presentationml/2006/main">
+  <p:cSld>
+    <p:spTree>
+      <p:nvGrpSpPr>
+        <p:cNvPr id="1" name="">
+          <a:extLst>
+            <a:ext uri="{FF2B5EF4-FFF2-40B4-BE49-F238E27FC236}">
+              <a16:creationId xmlns:a16="http://schemas.microsoft.com/office/drawing/2014/main" id="{52DA0AB3-F4C0-F43C-F50A-660AD7781398}"/>
+            </a:ext>
+          </a:extLst>
+        </p:cNvPr>
+        <p:cNvGrpSpPr/>
+        <p:nvPr/>
+      </p:nvGrpSpPr>
+      <p:grpSpPr>
+        <a:xfrm>
+          <a:off x="0" y="0"/>
+          <a:ext cx="0" cy="0"/>
+          <a:chOff x="0" y="0"/>
+          <a:chExt cx="0" cy="0"/>
+        </a:xfrm>
+      </p:grpSpPr>
+      <p:sp>
+        <p:nvSpPr>
+          <p:cNvPr id="4" name="Slide Number Placeholder 3">
+            <a:extLst>
+              <a:ext uri="{FF2B5EF4-FFF2-40B4-BE49-F238E27FC236}">
+                <a16:creationId xmlns:a16="http://schemas.microsoft.com/office/drawing/2014/main" id="{1D267677-6D82-57A9-E995-4553A655A4E0}"/>
+              </a:ext>
+            </a:extLst>
+          </p:cNvPr>
+          <p:cNvSpPr>
+            <a:spLocks noGrp="1"/>
+          </p:cNvSpPr>
+          <p:nvPr>
+            <p:ph type="sldNum" sz="quarter" idx="12"/>
+          </p:nvPr>
+        </p:nvSpPr>
+        <p:spPr/>
+        <p:txBody>
+          <a:bodyPr/>
+          <a:lstStyle/>
+          <a:p>
+            <a:fld id="{CBA0A0CD-12E5-4065-8C87-26D031211F61}" type="slidenum">
+              <a:rPr lang="en-AU" smtClean="0"/>
+              <a:t>77</a:t>
+            </a:fld>
+            <a:endParaRPr lang="en-AU"/>
+          </a:p>
+        </p:txBody>
+      </p:sp>
+      <p:sp>
+        <p:nvSpPr>
+          <p:cNvPr id="8" name="TextBox 7">
+            <a:extLst>
+              <a:ext uri="{FF2B5EF4-FFF2-40B4-BE49-F238E27FC236}">
+                <a16:creationId xmlns:a16="http://schemas.microsoft.com/office/drawing/2014/main" id="{BC0F9A1D-1174-E5C3-A74F-5F44E89FD756}"/>
+              </a:ext>
+            </a:extLst>
+          </p:cNvPr>
+          <p:cNvSpPr txBox="1"/>
+          <p:nvPr/>
+        </p:nvSpPr>
+        <p:spPr>
+          <a:xfrm>
+            <a:off x="3310467" y="1880388"/>
+            <a:ext cx="7147326" cy="4401205"/>
+          </a:xfrm>
+          <a:prstGeom prst="rect">
+            <a:avLst/>
+          </a:prstGeom>
+          <a:noFill/>
+        </p:spPr>
+        <p:txBody>
+          <a:bodyPr wrap="square" rtlCol="0">
+            <a:spAutoFit/>
+          </a:bodyPr>
+          <a:lstStyle/>
+          <a:p>
+            <a:r>
+              <a:rPr lang="en-US" sz="4000" dirty="0">
+                <a:latin typeface="Consolas" panose="020B0609020204030204" pitchFamily="49" charset="0"/>
+              </a:rPr>
+              <a:t>n = 0</a:t>
+            </a:r>
+          </a:p>
+          <a:p>
+            <a:r>
+              <a:rPr lang="en-US" sz="4000" dirty="0">
+                <a:latin typeface="Consolas" panose="020B0609020204030204" pitchFamily="49" charset="0"/>
+              </a:rPr>
+              <a:t>def mystery():</a:t>
+            </a:r>
+          </a:p>
+          <a:p>
+            <a:r>
+              <a:rPr lang="en-US" sz="4000" dirty="0">
+                <a:latin typeface="Consolas" panose="020B0609020204030204" pitchFamily="49" charset="0"/>
+              </a:rPr>
+              <a:t>   global n   </a:t>
+            </a:r>
+          </a:p>
+          <a:p>
+            <a:r>
+              <a:rPr lang="en-US" sz="4000" dirty="0">
+                <a:latin typeface="Consolas" panose="020B0609020204030204" pitchFamily="49" charset="0"/>
+              </a:rPr>
+              <a:t>   print('calling ...')</a:t>
+            </a:r>
+          </a:p>
+          <a:p>
+            <a:r>
+              <a:rPr lang="en-US" sz="4000" dirty="0">
+                <a:latin typeface="Consolas" panose="020B0609020204030204" pitchFamily="49" charset="0"/>
+              </a:rPr>
+              <a:t>   n += 1</a:t>
+            </a:r>
+          </a:p>
+          <a:p>
+            <a:r>
+              <a:rPr lang="en-US" sz="4000" dirty="0">
+                <a:latin typeface="Consolas" panose="020B0609020204030204" pitchFamily="49" charset="0"/>
+              </a:rPr>
+              <a:t>   print(</a:t>
+            </a:r>
+            <a:r>
+              <a:rPr lang="en-US" sz="4000" dirty="0" err="1">
+                <a:latin typeface="Consolas" panose="020B0609020204030204" pitchFamily="49" charset="0"/>
+              </a:rPr>
+              <a:t>f'n</a:t>
+            </a:r>
+            <a:r>
+              <a:rPr lang="en-US" sz="4000" dirty="0">
+                <a:latin typeface="Consolas" panose="020B0609020204030204" pitchFamily="49" charset="0"/>
+              </a:rPr>
+              <a:t> = {n}’)</a:t>
+            </a:r>
+            <a:br>
+              <a:rPr lang="en-US" sz="4000" dirty="0">
+                <a:latin typeface="Consolas" panose="020B0609020204030204" pitchFamily="49" charset="0"/>
+              </a:rPr>
+            </a:br>
+            <a:r>
+              <a:rPr lang="en-US" sz="4000" dirty="0">
+                <a:latin typeface="Consolas" panose="020B0609020204030204" pitchFamily="49" charset="0"/>
+              </a:rPr>
+              <a:t>   mystery()   </a:t>
+            </a:r>
+          </a:p>
+        </p:txBody>
+      </p:sp>
+      <p:sp>
+        <p:nvSpPr>
+          <p:cNvPr id="5" name="Title 4">
+            <a:extLst>
+              <a:ext uri="{FF2B5EF4-FFF2-40B4-BE49-F238E27FC236}">
+                <a16:creationId xmlns:a16="http://schemas.microsoft.com/office/drawing/2014/main" id="{B5455AB7-E327-21FC-2D3A-A845BF0B6D19}"/>
+              </a:ext>
+            </a:extLst>
+          </p:cNvPr>
+          <p:cNvSpPr>
+            <a:spLocks noGrp="1"/>
+          </p:cNvSpPr>
+          <p:nvPr>
+            <p:ph type="title"/>
+          </p:nvPr>
+        </p:nvSpPr>
+        <p:spPr>
+          <a:xfrm>
+            <a:off x="409903" y="365125"/>
+            <a:ext cx="10943897" cy="1325563"/>
+          </a:xfrm>
+        </p:spPr>
+        <p:txBody>
+          <a:bodyPr/>
+          <a:lstStyle/>
+          <a:p>
+            <a:r>
+              <a:rPr lang="en-US" dirty="0"/>
+              <a:t>What happens when you call </a:t>
+            </a:r>
+            <a:r>
+              <a:rPr lang="en-US" dirty="0">
+                <a:latin typeface="Consolas" panose="020B0609020204030204" pitchFamily="49" charset="0"/>
+                <a:cs typeface="Consolas" panose="020B0609020204030204" pitchFamily="49" charset="0"/>
+              </a:rPr>
+              <a:t>mystery()</a:t>
+            </a:r>
+            <a:r>
+              <a:rPr lang="en-US" dirty="0"/>
+              <a:t> ?</a:t>
+            </a:r>
+          </a:p>
+        </p:txBody>
+      </p:sp>
+      <p:sp>
+        <p:nvSpPr>
+          <p:cNvPr id="2" name="TextBox 1">
+            <a:extLst>
+              <a:ext uri="{FF2B5EF4-FFF2-40B4-BE49-F238E27FC236}">
+                <a16:creationId xmlns:a16="http://schemas.microsoft.com/office/drawing/2014/main" id="{A36BBE9B-DBA1-F233-491F-105328B4355E}"/>
+              </a:ext>
+            </a:extLst>
+          </p:cNvPr>
+          <p:cNvSpPr txBox="1"/>
+          <p:nvPr/>
+        </p:nvSpPr>
+        <p:spPr>
+          <a:xfrm>
+            <a:off x="99929" y="3917170"/>
+            <a:ext cx="1634278" cy="923330"/>
+          </a:xfrm>
+          <a:prstGeom prst="rect">
+            <a:avLst/>
+          </a:prstGeom>
+          <a:solidFill>
+            <a:schemeClr val="accent2">
+              <a:lumMod val="40000"/>
+              <a:lumOff val="60000"/>
+            </a:schemeClr>
+          </a:solidFill>
+        </p:spPr>
+        <p:txBody>
+          <a:bodyPr wrap="square" rtlCol="0">
+            <a:spAutoFit/>
+          </a:bodyPr>
+          <a:lstStyle/>
+          <a:p>
+            <a:pPr algn="ctr"/>
+            <a:r>
+              <a:rPr lang="en-CA" dirty="0"/>
+              <a:t>Necessary to modify global variable </a:t>
+            </a:r>
+            <a:r>
+              <a:rPr lang="en-CA" dirty="0">
+                <a:latin typeface="Consolas" panose="020B0609020204030204" pitchFamily="49" charset="0"/>
+                <a:cs typeface="Consolas" panose="020B0609020204030204" pitchFamily="49" charset="0"/>
+              </a:rPr>
+              <a:t>n</a:t>
+            </a:r>
+            <a:r>
+              <a:rPr lang="en-CA" dirty="0"/>
+              <a:t>.</a:t>
+            </a:r>
+            <a:endParaRPr lang="en-AU" dirty="0"/>
           </a:p>
         </p:txBody>
       </p:sp>
       <p:cxnSp>
         <p:nvCxnSpPr>
-          <p:cNvPr id="20" name="Straight Arrow Connector 19">
-            <a:extLst>
-              <a:ext uri="{FF2B5EF4-FFF2-40B4-BE49-F238E27FC236}">
-                <a16:creationId xmlns:a16="http://schemas.microsoft.com/office/drawing/2014/main" id="{84D9ADDA-E4D3-3AE7-CF4D-31F73AA40C73}"/>
+          <p:cNvPr id="6" name="Straight Arrow Connector 5">
+            <a:extLst>
+              <a:ext uri="{FF2B5EF4-FFF2-40B4-BE49-F238E27FC236}">
+                <a16:creationId xmlns:a16="http://schemas.microsoft.com/office/drawing/2014/main" id="{3F3CD08B-266C-207A-EC6E-D22C640828A1}"/>
               </a:ext>
             </a:extLst>
           </p:cNvPr>
           <p:cNvCxnSpPr>
             <a:cxnSpLocks/>
-            <a:stCxn id="11" idx="2"/>
+            <a:stCxn id="2" idx="3"/>
           </p:cNvCxnSpPr>
           <p:nvPr/>
         </p:nvCxnSpPr>
         <p:spPr>
-          <a:xfrm>
-            <a:off x="10371667" y="2753604"/>
-            <a:ext cx="0" cy="571899"/>
+          <a:xfrm flipV="1">
+            <a:off x="1734207" y="3594538"/>
+            <a:ext cx="2417379" cy="784297"/>
+          </a:xfrm>
+          <a:prstGeom prst="straightConnector1">
+            <a:avLst/>
+          </a:prstGeom>
+          <a:ln>
+            <a:tailEnd type="triangle"/>
+          </a:ln>
+        </p:spPr>
+        <p:style>
+          <a:lnRef idx="2">
+            <a:schemeClr val="accent1"/>
+          </a:lnRef>
+          <a:fillRef idx="0">
+            <a:schemeClr val="accent1"/>
+          </a:fillRef>
+          <a:effectRef idx="1">
+            <a:schemeClr val="accent1"/>
+          </a:effectRef>
+          <a:fontRef idx="minor">
+            <a:schemeClr val="tx1"/>
+          </a:fontRef>
+        </p:style>
+      </p:cxnSp>
+      <p:sp>
+        <p:nvSpPr>
+          <p:cNvPr id="7" name="TextBox 6">
+            <a:extLst>
+              <a:ext uri="{FF2B5EF4-FFF2-40B4-BE49-F238E27FC236}">
+                <a16:creationId xmlns:a16="http://schemas.microsoft.com/office/drawing/2014/main" id="{A756AA1C-A1B4-046A-9DA5-2ECA6B86E464}"/>
+              </a:ext>
+            </a:extLst>
+          </p:cNvPr>
+          <p:cNvSpPr txBox="1"/>
+          <p:nvPr/>
+        </p:nvSpPr>
+        <p:spPr>
+          <a:xfrm>
+            <a:off x="99929" y="1859278"/>
+            <a:ext cx="1923312" cy="1200329"/>
+          </a:xfrm>
+          <a:prstGeom prst="rect">
+            <a:avLst/>
+          </a:prstGeom>
+          <a:solidFill>
+            <a:schemeClr val="accent2">
+              <a:lumMod val="40000"/>
+              <a:lumOff val="60000"/>
+            </a:schemeClr>
+          </a:solidFill>
+        </p:spPr>
+        <p:txBody>
+          <a:bodyPr wrap="square" rtlCol="0">
+            <a:spAutoFit/>
+          </a:bodyPr>
+          <a:lstStyle/>
+          <a:p>
+            <a:pPr algn="ctr"/>
+            <a:r>
+              <a:rPr lang="en-CA" dirty="0">
+                <a:latin typeface="Consolas" panose="020B0609020204030204" pitchFamily="49" charset="0"/>
+                <a:cs typeface="Consolas" panose="020B0609020204030204" pitchFamily="49" charset="0"/>
+              </a:rPr>
+              <a:t>n</a:t>
+            </a:r>
+            <a:r>
+              <a:rPr lang="en-CA" dirty="0"/>
+              <a:t> is a global variable, i.e. it is defined outside of a function.</a:t>
+            </a:r>
+            <a:endParaRPr lang="en-AU" dirty="0"/>
+          </a:p>
+        </p:txBody>
+      </p:sp>
+      <p:cxnSp>
+        <p:nvCxnSpPr>
+          <p:cNvPr id="10" name="Straight Arrow Connector 9">
+            <a:extLst>
+              <a:ext uri="{FF2B5EF4-FFF2-40B4-BE49-F238E27FC236}">
+                <a16:creationId xmlns:a16="http://schemas.microsoft.com/office/drawing/2014/main" id="{5EE0D6AD-3B77-9122-58F4-AC57CA00F464}"/>
+              </a:ext>
+            </a:extLst>
+          </p:cNvPr>
+          <p:cNvCxnSpPr>
+            <a:cxnSpLocks/>
+            <a:stCxn id="7" idx="3"/>
+          </p:cNvCxnSpPr>
+          <p:nvPr/>
+        </p:nvCxnSpPr>
+        <p:spPr>
+          <a:xfrm flipV="1">
+            <a:off x="2023241" y="2307333"/>
+            <a:ext cx="1287226" cy="152110"/>
           </a:xfrm>
           <a:prstGeom prst="straightConnector1">
             <a:avLst/>
@@ -38030,22 +40084,23 @@
       </p:cxnSp>
       <p:cxnSp>
         <p:nvCxnSpPr>
-          <p:cNvPr id="22" name="Straight Arrow Connector 21">
-            <a:extLst>
-              <a:ext uri="{FF2B5EF4-FFF2-40B4-BE49-F238E27FC236}">
-                <a16:creationId xmlns:a16="http://schemas.microsoft.com/office/drawing/2014/main" id="{1468AD52-2E6B-3137-1A09-5E6E46AC444C}"/>
+          <p:cNvPr id="13" name="Straight Arrow Connector 12">
+            <a:extLst>
+              <a:ext uri="{FF2B5EF4-FFF2-40B4-BE49-F238E27FC236}">
+                <a16:creationId xmlns:a16="http://schemas.microsoft.com/office/drawing/2014/main" id="{3F86274D-60E1-CC9F-CDC4-4D4C7EDCABAA}"/>
               </a:ext>
             </a:extLst>
           </p:cNvPr>
           <p:cNvCxnSpPr>
             <a:cxnSpLocks/>
+            <a:stCxn id="2" idx="3"/>
           </p:cNvCxnSpPr>
           <p:nvPr/>
         </p:nvCxnSpPr>
         <p:spPr>
-          <a:xfrm flipH="1">
-            <a:off x="8932333" y="3325503"/>
-            <a:ext cx="1439333" cy="0"/>
+          <a:xfrm>
+            <a:off x="1734207" y="4378835"/>
+            <a:ext cx="2417379" cy="329799"/>
           </a:xfrm>
           <a:prstGeom prst="straightConnector1">
             <a:avLst/>
@@ -38069,243 +40124,12 @@
           </a:fontRef>
         </p:style>
       </p:cxnSp>
-      <p:cxnSp>
-        <p:nvCxnSpPr>
-          <p:cNvPr id="27" name="Straight Arrow Connector 26">
-            <a:extLst>
-              <a:ext uri="{FF2B5EF4-FFF2-40B4-BE49-F238E27FC236}">
-                <a16:creationId xmlns:a16="http://schemas.microsoft.com/office/drawing/2014/main" id="{F6C95250-500F-538B-54F2-187760E37960}"/>
-              </a:ext>
-            </a:extLst>
-          </p:cNvPr>
-          <p:cNvCxnSpPr>
-            <a:endCxn id="11" idx="0"/>
-          </p:cNvCxnSpPr>
-          <p:nvPr/>
-        </p:nvCxnSpPr>
-        <p:spPr>
-          <a:xfrm>
-            <a:off x="10371666" y="1295400"/>
-            <a:ext cx="1" cy="750318"/>
-          </a:xfrm>
-          <a:prstGeom prst="straightConnector1">
-            <a:avLst/>
-          </a:prstGeom>
-          <a:ln>
-            <a:tailEnd type="triangle"/>
-          </a:ln>
-        </p:spPr>
-        <p:style>
-          <a:lnRef idx="2">
-            <a:schemeClr val="accent1"/>
-          </a:lnRef>
-          <a:fillRef idx="0">
-            <a:schemeClr val="accent1"/>
-          </a:fillRef>
-          <a:effectRef idx="1">
-            <a:schemeClr val="accent1"/>
-          </a:effectRef>
-          <a:fontRef idx="minor">
-            <a:schemeClr val="tx1"/>
-          </a:fontRef>
-        </p:style>
-      </p:cxnSp>
-      <p:cxnSp>
-        <p:nvCxnSpPr>
-          <p:cNvPr id="31" name="Straight Arrow Connector 30">
-            <a:extLst>
-              <a:ext uri="{FF2B5EF4-FFF2-40B4-BE49-F238E27FC236}">
-                <a16:creationId xmlns:a16="http://schemas.microsoft.com/office/drawing/2014/main" id="{CF815867-FF16-6467-0B98-4614711819B9}"/>
-              </a:ext>
-            </a:extLst>
-          </p:cNvPr>
-          <p:cNvCxnSpPr>
-            <a:cxnSpLocks/>
-          </p:cNvCxnSpPr>
-          <p:nvPr/>
-        </p:nvCxnSpPr>
-        <p:spPr>
-          <a:xfrm flipV="1">
-            <a:off x="8932333" y="1670559"/>
-            <a:ext cx="0" cy="1654944"/>
-          </a:xfrm>
-          <a:prstGeom prst="straightConnector1">
-            <a:avLst/>
-          </a:prstGeom>
-          <a:ln>
-            <a:tailEnd type="triangle"/>
-          </a:ln>
-        </p:spPr>
-        <p:style>
-          <a:lnRef idx="2">
-            <a:schemeClr val="accent1"/>
-          </a:lnRef>
-          <a:fillRef idx="0">
-            <a:schemeClr val="accent1"/>
-          </a:fillRef>
-          <a:effectRef idx="1">
-            <a:schemeClr val="accent1"/>
-          </a:effectRef>
-          <a:fontRef idx="minor">
-            <a:schemeClr val="tx1"/>
-          </a:fontRef>
-        </p:style>
-      </p:cxnSp>
-      <p:cxnSp>
-        <p:nvCxnSpPr>
-          <p:cNvPr id="34" name="Straight Arrow Connector 33">
-            <a:extLst>
-              <a:ext uri="{FF2B5EF4-FFF2-40B4-BE49-F238E27FC236}">
-                <a16:creationId xmlns:a16="http://schemas.microsoft.com/office/drawing/2014/main" id="{183921CB-9D06-2380-CDDD-49C6C7EC5D8E}"/>
-              </a:ext>
-            </a:extLst>
-          </p:cNvPr>
-          <p:cNvCxnSpPr>
-            <a:cxnSpLocks/>
-          </p:cNvCxnSpPr>
-          <p:nvPr/>
-        </p:nvCxnSpPr>
-        <p:spPr>
-          <a:xfrm flipV="1">
-            <a:off x="8932333" y="1670558"/>
-            <a:ext cx="1439333" cy="1"/>
-          </a:xfrm>
-          <a:prstGeom prst="straightConnector1">
-            <a:avLst/>
-          </a:prstGeom>
-          <a:ln>
-            <a:tailEnd type="triangle"/>
-          </a:ln>
-        </p:spPr>
-        <p:style>
-          <a:lnRef idx="2">
-            <a:schemeClr val="accent1"/>
-          </a:lnRef>
-          <a:fillRef idx="0">
-            <a:schemeClr val="accent1"/>
-          </a:fillRef>
-          <a:effectRef idx="1">
-            <a:schemeClr val="accent1"/>
-          </a:effectRef>
-          <a:fontRef idx="minor">
-            <a:schemeClr val="tx1"/>
-          </a:fontRef>
-        </p:style>
-      </p:cxnSp>
-    </p:spTree>
-    <p:extLst>
-      <p:ext uri="{BB962C8B-B14F-4D97-AF65-F5344CB8AC3E}">
-        <p14:creationId xmlns:p14="http://schemas.microsoft.com/office/powerpoint/2010/main" val="1998224056"/>
-      </p:ext>
-    </p:extLst>
-  </p:cSld>
-  <p:clrMapOvr>
-    <a:masterClrMapping/>
-  </p:clrMapOvr>
-</p:sld>
-</file>
-
-<file path=ppt/slides/slide76.xml><?xml version="1.0" encoding="utf-8"?>
-<p:sld xmlns:a="http://schemas.openxmlformats.org/drawingml/2006/main" xmlns:r="http://schemas.openxmlformats.org/officeDocument/2006/relationships" xmlns:p="http://schemas.openxmlformats.org/presentationml/2006/main">
-  <p:cSld>
-    <p:spTree>
-      <p:nvGrpSpPr>
-        <p:cNvPr id="1" name="">
-          <a:extLst>
-            <a:ext uri="{FF2B5EF4-FFF2-40B4-BE49-F238E27FC236}">
-              <a16:creationId xmlns:a16="http://schemas.microsoft.com/office/drawing/2014/main" id="{9A4A0C94-E9B5-23B6-BB7F-54552C32F965}"/>
-            </a:ext>
-          </a:extLst>
-        </p:cNvPr>
-        <p:cNvGrpSpPr/>
-        <p:nvPr/>
-      </p:nvGrpSpPr>
-      <p:grpSpPr>
-        <a:xfrm>
-          <a:off x="0" y="0"/>
-          <a:ext cx="0" cy="0"/>
-          <a:chOff x="0" y="0"/>
-          <a:chExt cx="0" cy="0"/>
-        </a:xfrm>
-      </p:grpSpPr>
-      <p:sp>
-        <p:nvSpPr>
-          <p:cNvPr id="2" name="Title 1">
-            <a:extLst>
-              <a:ext uri="{FF2B5EF4-FFF2-40B4-BE49-F238E27FC236}">
-                <a16:creationId xmlns:a16="http://schemas.microsoft.com/office/drawing/2014/main" id="{998782B3-92AD-C637-AECE-584EF9F85906}"/>
-              </a:ext>
-            </a:extLst>
-          </p:cNvPr>
-          <p:cNvSpPr>
-            <a:spLocks noGrp="1"/>
-          </p:cNvSpPr>
-          <p:nvPr>
-            <p:ph type="title"/>
-          </p:nvPr>
-        </p:nvSpPr>
-        <p:spPr>
-          <a:xfrm>
-            <a:off x="465665" y="203993"/>
-            <a:ext cx="3454402" cy="1325563"/>
-          </a:xfrm>
-        </p:spPr>
-        <p:txBody>
-          <a:bodyPr>
-            <a:normAutofit/>
-          </a:bodyPr>
-          <a:lstStyle/>
-          <a:p>
-            <a:r>
-              <a:rPr lang="en-CA"/>
-              <a:t>Recursive</a:t>
-            </a:r>
-            <a:br>
-              <a:rPr lang="en-CA"/>
-            </a:br>
-            <a:r>
-              <a:rPr lang="en-CA"/>
-              <a:t>Functions </a:t>
-            </a:r>
-            <a:endParaRPr lang="en-AU"/>
-          </a:p>
-        </p:txBody>
-      </p:sp>
-      <p:sp>
-        <p:nvSpPr>
-          <p:cNvPr id="4" name="Slide Number Placeholder 3">
-            <a:extLst>
-              <a:ext uri="{FF2B5EF4-FFF2-40B4-BE49-F238E27FC236}">
-                <a16:creationId xmlns:a16="http://schemas.microsoft.com/office/drawing/2014/main" id="{7A1E98C2-B74C-37ED-7BDF-10F6A815E2D2}"/>
-              </a:ext>
-            </a:extLst>
-          </p:cNvPr>
-          <p:cNvSpPr>
-            <a:spLocks noGrp="1"/>
-          </p:cNvSpPr>
-          <p:nvPr>
-            <p:ph type="sldNum" sz="quarter" idx="12"/>
-          </p:nvPr>
-        </p:nvSpPr>
-        <p:spPr/>
-        <p:txBody>
-          <a:bodyPr/>
-          <a:lstStyle/>
-          <a:p>
-            <a:fld id="{CBA0A0CD-12E5-4065-8C87-26D031211F61}" type="slidenum">
-              <a:rPr lang="en-AU" smtClean="0"/>
-              <a:t>76</a:t>
-            </a:fld>
-            <a:endParaRPr lang="en-AU"/>
-          </a:p>
-        </p:txBody>
-      </p:sp>
-      <p:sp>
-        <p:nvSpPr>
-          <p:cNvPr id="8" name="TextBox 7">
-            <a:extLst>
-              <a:ext uri="{FF2B5EF4-FFF2-40B4-BE49-F238E27FC236}">
-                <a16:creationId xmlns:a16="http://schemas.microsoft.com/office/drawing/2014/main" id="{5FDF338F-684C-44AA-2D7E-78DDA71A033D}"/>
+      <p:sp>
+        <p:nvSpPr>
+          <p:cNvPr id="16" name="TextBox 15">
+            <a:extLst>
+              <a:ext uri="{FF2B5EF4-FFF2-40B4-BE49-F238E27FC236}">
+                <a16:creationId xmlns:a16="http://schemas.microsoft.com/office/drawing/2014/main" id="{9308FB2C-9501-9655-87BD-CC19900B6C20}"/>
               </a:ext>
             </a:extLst>
           </p:cNvPr>
@@ -38314,53 +40138,8 @@
         </p:nvSpPr>
         <p:spPr>
           <a:xfrm>
-            <a:off x="3920067" y="2663784"/>
-            <a:ext cx="4318000" cy="1323439"/>
-          </a:xfrm>
-          <a:prstGeom prst="rect">
-            <a:avLst/>
-          </a:prstGeom>
-          <a:noFill/>
-        </p:spPr>
-        <p:txBody>
-          <a:bodyPr wrap="square" rtlCol="0">
-            <a:spAutoFit/>
-          </a:bodyPr>
-          <a:lstStyle/>
-          <a:p>
-            <a:r>
-              <a:rPr lang="en-US" sz="4000">
-                <a:latin typeface="Consolas" panose="020B0609020204030204" pitchFamily="49" charset="0"/>
-              </a:rPr>
-              <a:t>def forever():</a:t>
-            </a:r>
-          </a:p>
-          <a:p>
-            <a:r>
-              <a:rPr lang="en-US" sz="4000">
-                <a:latin typeface="Consolas" panose="020B0609020204030204" pitchFamily="49" charset="0"/>
-              </a:rPr>
-              <a:t>    forever()</a:t>
-            </a:r>
-          </a:p>
-        </p:txBody>
-      </p:sp>
-      <p:sp>
-        <p:nvSpPr>
-          <p:cNvPr id="9" name="TextBox 8">
-            <a:extLst>
-              <a:ext uri="{FF2B5EF4-FFF2-40B4-BE49-F238E27FC236}">
-                <a16:creationId xmlns:a16="http://schemas.microsoft.com/office/drawing/2014/main" id="{0EB3F1CA-1326-7B44-0BC8-8E2277596635}"/>
-              </a:ext>
-            </a:extLst>
-          </p:cNvPr>
-          <p:cNvSpPr txBox="1"/>
-          <p:nvPr/>
-        </p:nvSpPr>
-        <p:spPr>
-          <a:xfrm>
-            <a:off x="398015" y="1883419"/>
-            <a:ext cx="2548386" cy="646331"/>
+            <a:off x="9581322" y="1506022"/>
+            <a:ext cx="1932989" cy="369332"/>
           </a:xfrm>
           <a:prstGeom prst="rect">
             <a:avLst/>
@@ -38380,890 +40159,17 @@
           <a:p>
             <a:pPr algn="ctr"/>
             <a:r>
-              <a:rPr lang="en-CA"/>
-              <a:t>A function is </a:t>
-            </a:r>
-            <a:r>
-              <a:rPr lang="en-CA" b="1"/>
-              <a:t>recursive</a:t>
-            </a:r>
-            <a:r>
-              <a:rPr lang="en-CA"/>
-              <a:t> if it calls itself.</a:t>
-            </a:r>
-            <a:endParaRPr lang="en-AU"/>
-          </a:p>
-        </p:txBody>
-      </p:sp>
-      <p:sp>
-        <p:nvSpPr>
-          <p:cNvPr id="11" name="TextBox 10">
-            <a:extLst>
-              <a:ext uri="{FF2B5EF4-FFF2-40B4-BE49-F238E27FC236}">
-                <a16:creationId xmlns:a16="http://schemas.microsoft.com/office/drawing/2014/main" id="{83081EBF-094B-D199-E1AE-93662D824D76}"/>
-              </a:ext>
-            </a:extLst>
-          </p:cNvPr>
-          <p:cNvSpPr txBox="1"/>
-          <p:nvPr/>
-        </p:nvSpPr>
-        <p:spPr>
-          <a:xfrm>
-            <a:off x="9287933" y="2045718"/>
-            <a:ext cx="2167467" cy="707886"/>
-          </a:xfrm>
-          <a:prstGeom prst="rect">
-            <a:avLst/>
-          </a:prstGeom>
-          <a:noFill/>
-          <a:ln>
-            <a:solidFill>
-              <a:schemeClr val="tx1"/>
-            </a:solidFill>
-          </a:ln>
-        </p:spPr>
-        <p:txBody>
-          <a:bodyPr wrap="square" rtlCol="0">
-            <a:spAutoFit/>
-          </a:bodyPr>
-          <a:lstStyle/>
-          <a:p>
-            <a:pPr algn="ctr"/>
-            <a:r>
-              <a:rPr lang="en-CA" sz="4000"/>
-              <a:t>forever()</a:t>
-            </a:r>
-            <a:endParaRPr lang="en-AU" sz="4000"/>
-          </a:p>
-        </p:txBody>
-      </p:sp>
-      <p:cxnSp>
-        <p:nvCxnSpPr>
-          <p:cNvPr id="20" name="Straight Arrow Connector 19">
-            <a:extLst>
-              <a:ext uri="{FF2B5EF4-FFF2-40B4-BE49-F238E27FC236}">
-                <a16:creationId xmlns:a16="http://schemas.microsoft.com/office/drawing/2014/main" id="{8BB1DDE9-2B52-E8E9-DAB7-FD52A1A80D54}"/>
-              </a:ext>
-            </a:extLst>
-          </p:cNvPr>
-          <p:cNvCxnSpPr>
-            <a:cxnSpLocks/>
-            <a:stCxn id="11" idx="2"/>
-          </p:cNvCxnSpPr>
-          <p:nvPr/>
-        </p:nvCxnSpPr>
-        <p:spPr>
-          <a:xfrm>
-            <a:off x="10371667" y="2753604"/>
-            <a:ext cx="0" cy="571899"/>
-          </a:xfrm>
-          <a:prstGeom prst="straightConnector1">
-            <a:avLst/>
-          </a:prstGeom>
-          <a:ln>
-            <a:tailEnd type="triangle"/>
-          </a:ln>
-        </p:spPr>
-        <p:style>
-          <a:lnRef idx="2">
-            <a:schemeClr val="accent1"/>
-          </a:lnRef>
-          <a:fillRef idx="0">
-            <a:schemeClr val="accent1"/>
-          </a:fillRef>
-          <a:effectRef idx="1">
-            <a:schemeClr val="accent1"/>
-          </a:effectRef>
-          <a:fontRef idx="minor">
-            <a:schemeClr val="tx1"/>
-          </a:fontRef>
-        </p:style>
-      </p:cxnSp>
-      <p:cxnSp>
-        <p:nvCxnSpPr>
-          <p:cNvPr id="22" name="Straight Arrow Connector 21">
-            <a:extLst>
-              <a:ext uri="{FF2B5EF4-FFF2-40B4-BE49-F238E27FC236}">
-                <a16:creationId xmlns:a16="http://schemas.microsoft.com/office/drawing/2014/main" id="{193F73BA-DC31-3DB3-05A9-438D05951C59}"/>
-              </a:ext>
-            </a:extLst>
-          </p:cNvPr>
-          <p:cNvCxnSpPr>
-            <a:cxnSpLocks/>
-          </p:cNvCxnSpPr>
-          <p:nvPr/>
-        </p:nvCxnSpPr>
-        <p:spPr>
-          <a:xfrm flipH="1">
-            <a:off x="8932333" y="3325503"/>
-            <a:ext cx="1439333" cy="0"/>
-          </a:xfrm>
-          <a:prstGeom prst="straightConnector1">
-            <a:avLst/>
-          </a:prstGeom>
-          <a:ln>
-            <a:tailEnd type="triangle"/>
-          </a:ln>
-        </p:spPr>
-        <p:style>
-          <a:lnRef idx="2">
-            <a:schemeClr val="accent1"/>
-          </a:lnRef>
-          <a:fillRef idx="0">
-            <a:schemeClr val="accent1"/>
-          </a:fillRef>
-          <a:effectRef idx="1">
-            <a:schemeClr val="accent1"/>
-          </a:effectRef>
-          <a:fontRef idx="minor">
-            <a:schemeClr val="tx1"/>
-          </a:fontRef>
-        </p:style>
-      </p:cxnSp>
-      <p:cxnSp>
-        <p:nvCxnSpPr>
-          <p:cNvPr id="27" name="Straight Arrow Connector 26">
-            <a:extLst>
-              <a:ext uri="{FF2B5EF4-FFF2-40B4-BE49-F238E27FC236}">
-                <a16:creationId xmlns:a16="http://schemas.microsoft.com/office/drawing/2014/main" id="{C12D4EC1-FB0D-7659-F726-E88AF8777010}"/>
-              </a:ext>
-            </a:extLst>
-          </p:cNvPr>
-          <p:cNvCxnSpPr>
-            <a:endCxn id="11" idx="0"/>
-          </p:cNvCxnSpPr>
-          <p:nvPr/>
-        </p:nvCxnSpPr>
-        <p:spPr>
-          <a:xfrm>
-            <a:off x="10371666" y="1295400"/>
-            <a:ext cx="1" cy="750318"/>
-          </a:xfrm>
-          <a:prstGeom prst="straightConnector1">
-            <a:avLst/>
-          </a:prstGeom>
-          <a:ln>
-            <a:tailEnd type="triangle"/>
-          </a:ln>
-        </p:spPr>
-        <p:style>
-          <a:lnRef idx="2">
-            <a:schemeClr val="accent1"/>
-          </a:lnRef>
-          <a:fillRef idx="0">
-            <a:schemeClr val="accent1"/>
-          </a:fillRef>
-          <a:effectRef idx="1">
-            <a:schemeClr val="accent1"/>
-          </a:effectRef>
-          <a:fontRef idx="minor">
-            <a:schemeClr val="tx1"/>
-          </a:fontRef>
-        </p:style>
-      </p:cxnSp>
-      <p:cxnSp>
-        <p:nvCxnSpPr>
-          <p:cNvPr id="31" name="Straight Arrow Connector 30">
-            <a:extLst>
-              <a:ext uri="{FF2B5EF4-FFF2-40B4-BE49-F238E27FC236}">
-                <a16:creationId xmlns:a16="http://schemas.microsoft.com/office/drawing/2014/main" id="{EAEA1930-16CE-749F-F279-64BE2D7780E6}"/>
-              </a:ext>
-            </a:extLst>
-          </p:cNvPr>
-          <p:cNvCxnSpPr>
-            <a:cxnSpLocks/>
-          </p:cNvCxnSpPr>
-          <p:nvPr/>
-        </p:nvCxnSpPr>
-        <p:spPr>
-          <a:xfrm flipV="1">
-            <a:off x="8932333" y="1670559"/>
-            <a:ext cx="0" cy="1654944"/>
-          </a:xfrm>
-          <a:prstGeom prst="straightConnector1">
-            <a:avLst/>
-          </a:prstGeom>
-          <a:ln>
-            <a:tailEnd type="triangle"/>
-          </a:ln>
-        </p:spPr>
-        <p:style>
-          <a:lnRef idx="2">
-            <a:schemeClr val="accent1"/>
-          </a:lnRef>
-          <a:fillRef idx="0">
-            <a:schemeClr val="accent1"/>
-          </a:fillRef>
-          <a:effectRef idx="1">
-            <a:schemeClr val="accent1"/>
-          </a:effectRef>
-          <a:fontRef idx="minor">
-            <a:schemeClr val="tx1"/>
-          </a:fontRef>
-        </p:style>
-      </p:cxnSp>
-      <p:cxnSp>
-        <p:nvCxnSpPr>
-          <p:cNvPr id="34" name="Straight Arrow Connector 33">
-            <a:extLst>
-              <a:ext uri="{FF2B5EF4-FFF2-40B4-BE49-F238E27FC236}">
-                <a16:creationId xmlns:a16="http://schemas.microsoft.com/office/drawing/2014/main" id="{6927A4E1-E3ED-4BEC-F461-A681A28F7409}"/>
-              </a:ext>
-            </a:extLst>
-          </p:cNvPr>
-          <p:cNvCxnSpPr>
-            <a:cxnSpLocks/>
-          </p:cNvCxnSpPr>
-          <p:nvPr/>
-        </p:nvCxnSpPr>
-        <p:spPr>
-          <a:xfrm flipV="1">
-            <a:off x="8932333" y="1670558"/>
-            <a:ext cx="1439333" cy="1"/>
-          </a:xfrm>
-          <a:prstGeom prst="straightConnector1">
-            <a:avLst/>
-          </a:prstGeom>
-          <a:ln>
-            <a:tailEnd type="triangle"/>
-          </a:ln>
-        </p:spPr>
-        <p:style>
-          <a:lnRef idx="2">
-            <a:schemeClr val="accent1"/>
-          </a:lnRef>
-          <a:fillRef idx="0">
-            <a:schemeClr val="accent1"/>
-          </a:fillRef>
-          <a:effectRef idx="1">
-            <a:schemeClr val="accent1"/>
-          </a:effectRef>
-          <a:fontRef idx="minor">
-            <a:schemeClr val="tx1"/>
-          </a:fontRef>
-        </p:style>
-      </p:cxnSp>
-      <p:sp>
-        <p:nvSpPr>
-          <p:cNvPr id="5" name="TextBox 4">
-            <a:extLst>
-              <a:ext uri="{FF2B5EF4-FFF2-40B4-BE49-F238E27FC236}">
-                <a16:creationId xmlns:a16="http://schemas.microsoft.com/office/drawing/2014/main" id="{4E5FB387-091A-378E-801F-F7931B72D96A}"/>
-              </a:ext>
-            </a:extLst>
-          </p:cNvPr>
-          <p:cNvSpPr txBox="1"/>
-          <p:nvPr/>
-        </p:nvSpPr>
-        <p:spPr>
-          <a:xfrm>
-            <a:off x="948349" y="4612901"/>
-            <a:ext cx="2827784" cy="1200329"/>
-          </a:xfrm>
-          <a:prstGeom prst="rect">
-            <a:avLst/>
-          </a:prstGeom>
-          <a:solidFill>
-            <a:schemeClr val="accent2">
-              <a:lumMod val="40000"/>
-              <a:lumOff val="60000"/>
-            </a:schemeClr>
-          </a:solidFill>
-        </p:spPr>
-        <p:txBody>
-          <a:bodyPr wrap="square" rtlCol="0">
-            <a:spAutoFit/>
-          </a:bodyPr>
-          <a:lstStyle/>
-          <a:p>
-            <a:pPr algn="ctr"/>
-            <a:r>
-              <a:rPr lang="en-CA"/>
-              <a:t>In </a:t>
-            </a:r>
-            <a:r>
-              <a:rPr lang="en-CA" b="1"/>
-              <a:t>theory</a:t>
-            </a:r>
-            <a:r>
-              <a:rPr lang="en-CA"/>
-              <a:t>, this causes an </a:t>
-            </a:r>
-            <a:r>
-              <a:rPr lang="en-CA" b="1"/>
-              <a:t>infinite loop</a:t>
-            </a:r>
-            <a:r>
-              <a:rPr lang="en-CA"/>
-              <a:t> when called: forever() keeps getting called and it never stops …</a:t>
-            </a:r>
-            <a:endParaRPr lang="en-AU"/>
+              <a:rPr lang="en-CA" dirty="0"/>
+              <a:t>See mystery4.py</a:t>
+            </a:r>
+            <a:endParaRPr lang="en-AU" dirty="0"/>
           </a:p>
         </p:txBody>
       </p:sp>
     </p:spTree>
     <p:extLst>
       <p:ext uri="{BB962C8B-B14F-4D97-AF65-F5344CB8AC3E}">
-        <p14:creationId xmlns:p14="http://schemas.microsoft.com/office/powerpoint/2010/main" val="3804911334"/>
-      </p:ext>
-    </p:extLst>
-  </p:cSld>
-  <p:clrMapOvr>
-    <a:masterClrMapping/>
-  </p:clrMapOvr>
-</p:sld>
-</file>
-
-<file path=ppt/slides/slide77.xml><?xml version="1.0" encoding="utf-8"?>
-<p:sld xmlns:a="http://schemas.openxmlformats.org/drawingml/2006/main" xmlns:r="http://schemas.openxmlformats.org/officeDocument/2006/relationships" xmlns:p="http://schemas.openxmlformats.org/presentationml/2006/main">
-  <p:cSld>
-    <p:spTree>
-      <p:nvGrpSpPr>
-        <p:cNvPr id="1" name="">
-          <a:extLst>
-            <a:ext uri="{FF2B5EF4-FFF2-40B4-BE49-F238E27FC236}">
-              <a16:creationId xmlns:a16="http://schemas.microsoft.com/office/drawing/2014/main" id="{02045E50-F4C9-C681-99DC-67ECD3AED111}"/>
-            </a:ext>
-          </a:extLst>
-        </p:cNvPr>
-        <p:cNvGrpSpPr/>
-        <p:nvPr/>
-      </p:nvGrpSpPr>
-      <p:grpSpPr>
-        <a:xfrm>
-          <a:off x="0" y="0"/>
-          <a:ext cx="0" cy="0"/>
-          <a:chOff x="0" y="0"/>
-          <a:chExt cx="0" cy="0"/>
-        </a:xfrm>
-      </p:grpSpPr>
-      <p:sp>
-        <p:nvSpPr>
-          <p:cNvPr id="2" name="Title 1">
-            <a:extLst>
-              <a:ext uri="{FF2B5EF4-FFF2-40B4-BE49-F238E27FC236}">
-                <a16:creationId xmlns:a16="http://schemas.microsoft.com/office/drawing/2014/main" id="{6F162684-1179-182B-7F4D-513DDA4D5CB1}"/>
-              </a:ext>
-            </a:extLst>
-          </p:cNvPr>
-          <p:cNvSpPr>
-            <a:spLocks noGrp="1"/>
-          </p:cNvSpPr>
-          <p:nvPr>
-            <p:ph type="title"/>
-          </p:nvPr>
-        </p:nvSpPr>
-        <p:spPr>
-          <a:xfrm>
-            <a:off x="465665" y="203993"/>
-            <a:ext cx="3454402" cy="1325563"/>
-          </a:xfrm>
-        </p:spPr>
-        <p:txBody>
-          <a:bodyPr>
-            <a:normAutofit/>
-          </a:bodyPr>
-          <a:lstStyle/>
-          <a:p>
-            <a:r>
-              <a:rPr lang="en-CA"/>
-              <a:t>Recursive</a:t>
-            </a:r>
-            <a:br>
-              <a:rPr lang="en-CA"/>
-            </a:br>
-            <a:r>
-              <a:rPr lang="en-CA"/>
-              <a:t>Functions </a:t>
-            </a:r>
-            <a:endParaRPr lang="en-AU"/>
-          </a:p>
-        </p:txBody>
-      </p:sp>
-      <p:sp>
-        <p:nvSpPr>
-          <p:cNvPr id="4" name="Slide Number Placeholder 3">
-            <a:extLst>
-              <a:ext uri="{FF2B5EF4-FFF2-40B4-BE49-F238E27FC236}">
-                <a16:creationId xmlns:a16="http://schemas.microsoft.com/office/drawing/2014/main" id="{A03319B5-595B-D23B-DE53-EA829FDC19B8}"/>
-              </a:ext>
-            </a:extLst>
-          </p:cNvPr>
-          <p:cNvSpPr>
-            <a:spLocks noGrp="1"/>
-          </p:cNvSpPr>
-          <p:nvPr>
-            <p:ph type="sldNum" sz="quarter" idx="12"/>
-          </p:nvPr>
-        </p:nvSpPr>
-        <p:spPr/>
-        <p:txBody>
-          <a:bodyPr/>
-          <a:lstStyle/>
-          <a:p>
-            <a:fld id="{CBA0A0CD-12E5-4065-8C87-26D031211F61}" type="slidenum">
-              <a:rPr lang="en-AU" smtClean="0"/>
-              <a:t>77</a:t>
-            </a:fld>
-            <a:endParaRPr lang="en-AU"/>
-          </a:p>
-        </p:txBody>
-      </p:sp>
-      <p:sp>
-        <p:nvSpPr>
-          <p:cNvPr id="8" name="TextBox 7">
-            <a:extLst>
-              <a:ext uri="{FF2B5EF4-FFF2-40B4-BE49-F238E27FC236}">
-                <a16:creationId xmlns:a16="http://schemas.microsoft.com/office/drawing/2014/main" id="{18922B2C-BB18-545A-D147-452EBAF8109B}"/>
-              </a:ext>
-            </a:extLst>
-          </p:cNvPr>
-          <p:cNvSpPr txBox="1"/>
-          <p:nvPr/>
-        </p:nvSpPr>
-        <p:spPr>
-          <a:xfrm>
-            <a:off x="3920067" y="2663784"/>
-            <a:ext cx="4318000" cy="1323439"/>
-          </a:xfrm>
-          <a:prstGeom prst="rect">
-            <a:avLst/>
-          </a:prstGeom>
-          <a:noFill/>
-        </p:spPr>
-        <p:txBody>
-          <a:bodyPr wrap="square" rtlCol="0">
-            <a:spAutoFit/>
-          </a:bodyPr>
-          <a:lstStyle/>
-          <a:p>
-            <a:r>
-              <a:rPr lang="en-US" sz="4000">
-                <a:latin typeface="Consolas" panose="020B0609020204030204" pitchFamily="49" charset="0"/>
-              </a:rPr>
-              <a:t>def forever():</a:t>
-            </a:r>
-          </a:p>
-          <a:p>
-            <a:r>
-              <a:rPr lang="en-US" sz="4000">
-                <a:latin typeface="Consolas" panose="020B0609020204030204" pitchFamily="49" charset="0"/>
-              </a:rPr>
-              <a:t>    forever()</a:t>
-            </a:r>
-          </a:p>
-        </p:txBody>
-      </p:sp>
-      <p:sp>
-        <p:nvSpPr>
-          <p:cNvPr id="9" name="TextBox 8">
-            <a:extLst>
-              <a:ext uri="{FF2B5EF4-FFF2-40B4-BE49-F238E27FC236}">
-                <a16:creationId xmlns:a16="http://schemas.microsoft.com/office/drawing/2014/main" id="{84D42F58-861E-90C5-408F-2886464FC3CC}"/>
-              </a:ext>
-            </a:extLst>
-          </p:cNvPr>
-          <p:cNvSpPr txBox="1"/>
-          <p:nvPr/>
-        </p:nvSpPr>
-        <p:spPr>
-          <a:xfrm>
-            <a:off x="398015" y="1883419"/>
-            <a:ext cx="2548386" cy="646331"/>
-          </a:xfrm>
-          <a:prstGeom prst="rect">
-            <a:avLst/>
-          </a:prstGeom>
-          <a:solidFill>
-            <a:schemeClr val="accent2">
-              <a:lumMod val="40000"/>
-              <a:lumOff val="60000"/>
-            </a:schemeClr>
-          </a:solidFill>
-        </p:spPr>
-        <p:txBody>
-          <a:bodyPr wrap="square" rtlCol="0">
-            <a:spAutoFit/>
-          </a:bodyPr>
-          <a:lstStyle/>
-          <a:p>
-            <a:pPr algn="ctr"/>
-            <a:r>
-              <a:rPr lang="en-CA"/>
-              <a:t>A function is </a:t>
-            </a:r>
-            <a:r>
-              <a:rPr lang="en-CA" b="1"/>
-              <a:t>recursive</a:t>
-            </a:r>
-            <a:r>
-              <a:rPr lang="en-CA"/>
-              <a:t> if it calls itself.</a:t>
-            </a:r>
-            <a:endParaRPr lang="en-AU"/>
-          </a:p>
-        </p:txBody>
-      </p:sp>
-      <p:sp>
-        <p:nvSpPr>
-          <p:cNvPr id="11" name="TextBox 10">
-            <a:extLst>
-              <a:ext uri="{FF2B5EF4-FFF2-40B4-BE49-F238E27FC236}">
-                <a16:creationId xmlns:a16="http://schemas.microsoft.com/office/drawing/2014/main" id="{3E3A260D-9680-F3C4-5026-48B1ECECEA6A}"/>
-              </a:ext>
-            </a:extLst>
-          </p:cNvPr>
-          <p:cNvSpPr txBox="1"/>
-          <p:nvPr/>
-        </p:nvSpPr>
-        <p:spPr>
-          <a:xfrm>
-            <a:off x="9287933" y="2045718"/>
-            <a:ext cx="2167467" cy="707886"/>
-          </a:xfrm>
-          <a:prstGeom prst="rect">
-            <a:avLst/>
-          </a:prstGeom>
-          <a:noFill/>
-          <a:ln>
-            <a:solidFill>
-              <a:schemeClr val="tx1"/>
-            </a:solidFill>
-          </a:ln>
-        </p:spPr>
-        <p:txBody>
-          <a:bodyPr wrap="square" rtlCol="0">
-            <a:spAutoFit/>
-          </a:bodyPr>
-          <a:lstStyle/>
-          <a:p>
-            <a:pPr algn="ctr"/>
-            <a:r>
-              <a:rPr lang="en-CA" sz="4000"/>
-              <a:t>forever()</a:t>
-            </a:r>
-            <a:endParaRPr lang="en-AU" sz="4000"/>
-          </a:p>
-        </p:txBody>
-      </p:sp>
-      <p:cxnSp>
-        <p:nvCxnSpPr>
-          <p:cNvPr id="20" name="Straight Arrow Connector 19">
-            <a:extLst>
-              <a:ext uri="{FF2B5EF4-FFF2-40B4-BE49-F238E27FC236}">
-                <a16:creationId xmlns:a16="http://schemas.microsoft.com/office/drawing/2014/main" id="{A4C74A7E-4BCA-C56F-5249-145037C7093B}"/>
-              </a:ext>
-            </a:extLst>
-          </p:cNvPr>
-          <p:cNvCxnSpPr>
-            <a:cxnSpLocks/>
-            <a:stCxn id="11" idx="2"/>
-          </p:cNvCxnSpPr>
-          <p:nvPr/>
-        </p:nvCxnSpPr>
-        <p:spPr>
-          <a:xfrm>
-            <a:off x="10371667" y="2753604"/>
-            <a:ext cx="0" cy="571899"/>
-          </a:xfrm>
-          <a:prstGeom prst="straightConnector1">
-            <a:avLst/>
-          </a:prstGeom>
-          <a:ln>
-            <a:tailEnd type="triangle"/>
-          </a:ln>
-        </p:spPr>
-        <p:style>
-          <a:lnRef idx="2">
-            <a:schemeClr val="accent1"/>
-          </a:lnRef>
-          <a:fillRef idx="0">
-            <a:schemeClr val="accent1"/>
-          </a:fillRef>
-          <a:effectRef idx="1">
-            <a:schemeClr val="accent1"/>
-          </a:effectRef>
-          <a:fontRef idx="minor">
-            <a:schemeClr val="tx1"/>
-          </a:fontRef>
-        </p:style>
-      </p:cxnSp>
-      <p:cxnSp>
-        <p:nvCxnSpPr>
-          <p:cNvPr id="22" name="Straight Arrow Connector 21">
-            <a:extLst>
-              <a:ext uri="{FF2B5EF4-FFF2-40B4-BE49-F238E27FC236}">
-                <a16:creationId xmlns:a16="http://schemas.microsoft.com/office/drawing/2014/main" id="{DA8BB207-2483-6078-A005-496C151B3C70}"/>
-              </a:ext>
-            </a:extLst>
-          </p:cNvPr>
-          <p:cNvCxnSpPr>
-            <a:cxnSpLocks/>
-          </p:cNvCxnSpPr>
-          <p:nvPr/>
-        </p:nvCxnSpPr>
-        <p:spPr>
-          <a:xfrm flipH="1">
-            <a:off x="8932333" y="3325503"/>
-            <a:ext cx="1439333" cy="0"/>
-          </a:xfrm>
-          <a:prstGeom prst="straightConnector1">
-            <a:avLst/>
-          </a:prstGeom>
-          <a:ln>
-            <a:tailEnd type="triangle"/>
-          </a:ln>
-        </p:spPr>
-        <p:style>
-          <a:lnRef idx="2">
-            <a:schemeClr val="accent1"/>
-          </a:lnRef>
-          <a:fillRef idx="0">
-            <a:schemeClr val="accent1"/>
-          </a:fillRef>
-          <a:effectRef idx="1">
-            <a:schemeClr val="accent1"/>
-          </a:effectRef>
-          <a:fontRef idx="minor">
-            <a:schemeClr val="tx1"/>
-          </a:fontRef>
-        </p:style>
-      </p:cxnSp>
-      <p:cxnSp>
-        <p:nvCxnSpPr>
-          <p:cNvPr id="27" name="Straight Arrow Connector 26">
-            <a:extLst>
-              <a:ext uri="{FF2B5EF4-FFF2-40B4-BE49-F238E27FC236}">
-                <a16:creationId xmlns:a16="http://schemas.microsoft.com/office/drawing/2014/main" id="{0F1B552A-8946-4553-ED3C-A117D5B9F54D}"/>
-              </a:ext>
-            </a:extLst>
-          </p:cNvPr>
-          <p:cNvCxnSpPr>
-            <a:endCxn id="11" idx="0"/>
-          </p:cNvCxnSpPr>
-          <p:nvPr/>
-        </p:nvCxnSpPr>
-        <p:spPr>
-          <a:xfrm>
-            <a:off x="10371666" y="1295400"/>
-            <a:ext cx="1" cy="750318"/>
-          </a:xfrm>
-          <a:prstGeom prst="straightConnector1">
-            <a:avLst/>
-          </a:prstGeom>
-          <a:ln>
-            <a:tailEnd type="triangle"/>
-          </a:ln>
-        </p:spPr>
-        <p:style>
-          <a:lnRef idx="2">
-            <a:schemeClr val="accent1"/>
-          </a:lnRef>
-          <a:fillRef idx="0">
-            <a:schemeClr val="accent1"/>
-          </a:fillRef>
-          <a:effectRef idx="1">
-            <a:schemeClr val="accent1"/>
-          </a:effectRef>
-          <a:fontRef idx="minor">
-            <a:schemeClr val="tx1"/>
-          </a:fontRef>
-        </p:style>
-      </p:cxnSp>
-      <p:cxnSp>
-        <p:nvCxnSpPr>
-          <p:cNvPr id="31" name="Straight Arrow Connector 30">
-            <a:extLst>
-              <a:ext uri="{FF2B5EF4-FFF2-40B4-BE49-F238E27FC236}">
-                <a16:creationId xmlns:a16="http://schemas.microsoft.com/office/drawing/2014/main" id="{7586675E-E1D6-E1C4-D55A-0CA7CD6AC38A}"/>
-              </a:ext>
-            </a:extLst>
-          </p:cNvPr>
-          <p:cNvCxnSpPr>
-            <a:cxnSpLocks/>
-          </p:cNvCxnSpPr>
-          <p:nvPr/>
-        </p:nvCxnSpPr>
-        <p:spPr>
-          <a:xfrm flipV="1">
-            <a:off x="8932333" y="1670559"/>
-            <a:ext cx="0" cy="1654944"/>
-          </a:xfrm>
-          <a:prstGeom prst="straightConnector1">
-            <a:avLst/>
-          </a:prstGeom>
-          <a:ln>
-            <a:tailEnd type="triangle"/>
-          </a:ln>
-        </p:spPr>
-        <p:style>
-          <a:lnRef idx="2">
-            <a:schemeClr val="accent1"/>
-          </a:lnRef>
-          <a:fillRef idx="0">
-            <a:schemeClr val="accent1"/>
-          </a:fillRef>
-          <a:effectRef idx="1">
-            <a:schemeClr val="accent1"/>
-          </a:effectRef>
-          <a:fontRef idx="minor">
-            <a:schemeClr val="tx1"/>
-          </a:fontRef>
-        </p:style>
-      </p:cxnSp>
-      <p:cxnSp>
-        <p:nvCxnSpPr>
-          <p:cNvPr id="34" name="Straight Arrow Connector 33">
-            <a:extLst>
-              <a:ext uri="{FF2B5EF4-FFF2-40B4-BE49-F238E27FC236}">
-                <a16:creationId xmlns:a16="http://schemas.microsoft.com/office/drawing/2014/main" id="{C815A7E4-3EB0-E8E3-2685-1ECB5DFE30D9}"/>
-              </a:ext>
-            </a:extLst>
-          </p:cNvPr>
-          <p:cNvCxnSpPr>
-            <a:cxnSpLocks/>
-          </p:cNvCxnSpPr>
-          <p:nvPr/>
-        </p:nvCxnSpPr>
-        <p:spPr>
-          <a:xfrm flipV="1">
-            <a:off x="8932333" y="1670558"/>
-            <a:ext cx="1439333" cy="1"/>
-          </a:xfrm>
-          <a:prstGeom prst="straightConnector1">
-            <a:avLst/>
-          </a:prstGeom>
-          <a:ln>
-            <a:tailEnd type="triangle"/>
-          </a:ln>
-        </p:spPr>
-        <p:style>
-          <a:lnRef idx="2">
-            <a:schemeClr val="accent1"/>
-          </a:lnRef>
-          <a:fillRef idx="0">
-            <a:schemeClr val="accent1"/>
-          </a:fillRef>
-          <a:effectRef idx="1">
-            <a:schemeClr val="accent1"/>
-          </a:effectRef>
-          <a:fontRef idx="minor">
-            <a:schemeClr val="tx1"/>
-          </a:fontRef>
-        </p:style>
-      </p:cxnSp>
-      <p:sp>
-        <p:nvSpPr>
-          <p:cNvPr id="3" name="TextBox 2">
-            <a:extLst>
-              <a:ext uri="{FF2B5EF4-FFF2-40B4-BE49-F238E27FC236}">
-                <a16:creationId xmlns:a16="http://schemas.microsoft.com/office/drawing/2014/main" id="{32C197D0-31CC-191F-EF5B-8F6E87BBD181}"/>
-              </a:ext>
-            </a:extLst>
-          </p:cNvPr>
-          <p:cNvSpPr txBox="1"/>
-          <p:nvPr/>
-        </p:nvSpPr>
-        <p:spPr>
-          <a:xfrm>
-            <a:off x="948349" y="4612901"/>
-            <a:ext cx="2827784" cy="1200329"/>
-          </a:xfrm>
-          <a:prstGeom prst="rect">
-            <a:avLst/>
-          </a:prstGeom>
-          <a:solidFill>
-            <a:schemeClr val="accent2">
-              <a:lumMod val="40000"/>
-              <a:lumOff val="60000"/>
-            </a:schemeClr>
-          </a:solidFill>
-        </p:spPr>
-        <p:txBody>
-          <a:bodyPr wrap="square" rtlCol="0">
-            <a:spAutoFit/>
-          </a:bodyPr>
-          <a:lstStyle/>
-          <a:p>
-            <a:pPr algn="ctr"/>
-            <a:r>
-              <a:rPr lang="en-CA"/>
-              <a:t>In </a:t>
-            </a:r>
-            <a:r>
-              <a:rPr lang="en-CA" b="1"/>
-              <a:t>theory</a:t>
-            </a:r>
-            <a:r>
-              <a:rPr lang="en-CA"/>
-              <a:t>, this causes an </a:t>
-            </a:r>
-            <a:r>
-              <a:rPr lang="en-CA" b="1"/>
-              <a:t>infinite loop</a:t>
-            </a:r>
-            <a:r>
-              <a:rPr lang="en-CA"/>
-              <a:t> when called: runs forever and never stops …</a:t>
-            </a:r>
-            <a:endParaRPr lang="en-AU"/>
-          </a:p>
-        </p:txBody>
-      </p:sp>
-      <p:sp>
-        <p:nvSpPr>
-          <p:cNvPr id="5" name="TextBox 4">
-            <a:extLst>
-              <a:ext uri="{FF2B5EF4-FFF2-40B4-BE49-F238E27FC236}">
-                <a16:creationId xmlns:a16="http://schemas.microsoft.com/office/drawing/2014/main" id="{ABCD393B-6A0F-9881-0B81-62CCAE88B582}"/>
-              </a:ext>
-            </a:extLst>
-          </p:cNvPr>
-          <p:cNvSpPr txBox="1"/>
-          <p:nvPr/>
-        </p:nvSpPr>
-        <p:spPr>
-          <a:xfrm>
-            <a:off x="4682107" y="4612900"/>
-            <a:ext cx="3327359" cy="1200329"/>
-          </a:xfrm>
-          <a:prstGeom prst="rect">
-            <a:avLst/>
-          </a:prstGeom>
-          <a:solidFill>
-            <a:schemeClr val="accent2">
-              <a:lumMod val="40000"/>
-              <a:lumOff val="60000"/>
-            </a:schemeClr>
-          </a:solidFill>
-        </p:spPr>
-        <p:txBody>
-          <a:bodyPr wrap="square" rtlCol="0">
-            <a:spAutoFit/>
-          </a:bodyPr>
-          <a:lstStyle/>
-          <a:p>
-            <a:pPr algn="ctr"/>
-            <a:r>
-              <a:rPr lang="en-CA"/>
-              <a:t>… but in </a:t>
-            </a:r>
-            <a:r>
-              <a:rPr lang="en-CA" b="1"/>
-              <a:t>practice</a:t>
-            </a:r>
-            <a:r>
-              <a:rPr lang="en-CA"/>
-              <a:t> each function call uses a little memory, so eventually all memory is used and it crashes.</a:t>
-            </a:r>
-            <a:endParaRPr lang="en-AU"/>
-          </a:p>
-        </p:txBody>
-      </p:sp>
-    </p:spTree>
-    <p:extLst>
-      <p:ext uri="{BB962C8B-B14F-4D97-AF65-F5344CB8AC3E}">
-        <p14:creationId xmlns:p14="http://schemas.microsoft.com/office/powerpoint/2010/main" val="2226048549"/>
+        <p14:creationId xmlns:p14="http://schemas.microsoft.com/office/powerpoint/2010/main" val="3729450128"/>
       </p:ext>
     </p:extLst>
   </p:cSld>
@@ -39281,7 +40187,7 @@
         <p:cNvPr id="1" name="">
           <a:extLst>
             <a:ext uri="{FF2B5EF4-FFF2-40B4-BE49-F238E27FC236}">
-              <a16:creationId xmlns:a16="http://schemas.microsoft.com/office/drawing/2014/main" id="{417F1B9C-9425-15F8-A48E-92E8AEACD025}"/>
+              <a16:creationId xmlns:a16="http://schemas.microsoft.com/office/drawing/2014/main" id="{77AF607A-5BA9-1B07-00B0-D27845CC8864}"/>
             </a:ext>
           </a:extLst>
         </p:cNvPr>
@@ -39298,10 +40204,122 @@
       </p:grpSpPr>
       <p:sp>
         <p:nvSpPr>
-          <p:cNvPr id="2" name="Title 1">
-            <a:extLst>
-              <a:ext uri="{FF2B5EF4-FFF2-40B4-BE49-F238E27FC236}">
-                <a16:creationId xmlns:a16="http://schemas.microsoft.com/office/drawing/2014/main" id="{17C06E7B-E207-70D2-D3F1-E07CED850D2F}"/>
+          <p:cNvPr id="4" name="Slide Number Placeholder 3">
+            <a:extLst>
+              <a:ext uri="{FF2B5EF4-FFF2-40B4-BE49-F238E27FC236}">
+                <a16:creationId xmlns:a16="http://schemas.microsoft.com/office/drawing/2014/main" id="{7E4276B5-2210-A25F-4553-D9AFF0B6B176}"/>
+              </a:ext>
+            </a:extLst>
+          </p:cNvPr>
+          <p:cNvSpPr>
+            <a:spLocks noGrp="1"/>
+          </p:cNvSpPr>
+          <p:nvPr>
+            <p:ph type="sldNum" sz="quarter" idx="12"/>
+          </p:nvPr>
+        </p:nvSpPr>
+        <p:spPr/>
+        <p:txBody>
+          <a:bodyPr/>
+          <a:lstStyle/>
+          <a:p>
+            <a:fld id="{CBA0A0CD-12E5-4065-8C87-26D031211F61}" type="slidenum">
+              <a:rPr lang="en-AU" smtClean="0"/>
+              <a:t>78</a:t>
+            </a:fld>
+            <a:endParaRPr lang="en-AU"/>
+          </a:p>
+        </p:txBody>
+      </p:sp>
+      <p:sp>
+        <p:nvSpPr>
+          <p:cNvPr id="8" name="TextBox 7">
+            <a:extLst>
+              <a:ext uri="{FF2B5EF4-FFF2-40B4-BE49-F238E27FC236}">
+                <a16:creationId xmlns:a16="http://schemas.microsoft.com/office/drawing/2014/main" id="{DE8EDE39-CB9A-CFEF-4753-F032B0E24B47}"/>
+              </a:ext>
+            </a:extLst>
+          </p:cNvPr>
+          <p:cNvSpPr txBox="1"/>
+          <p:nvPr/>
+        </p:nvSpPr>
+        <p:spPr>
+          <a:xfrm>
+            <a:off x="2834874" y="2216719"/>
+            <a:ext cx="7147326" cy="1938992"/>
+          </a:xfrm>
+          <a:prstGeom prst="rect">
+            <a:avLst/>
+          </a:prstGeom>
+          <a:noFill/>
+        </p:spPr>
+        <p:txBody>
+          <a:bodyPr wrap="square" rtlCol="0">
+            <a:spAutoFit/>
+          </a:bodyPr>
+          <a:lstStyle/>
+          <a:p>
+            <a:r>
+              <a:rPr lang="en-US" sz="4000" dirty="0">
+                <a:latin typeface="Consolas" panose="020B0609020204030204" pitchFamily="49" charset="0"/>
+              </a:rPr>
+              <a:t>def mystery(</a:t>
+            </a:r>
+            <a:r>
+              <a:rPr lang="en-US" sz="4000" dirty="0">
+                <a:highlight>
+                  <a:srgbClr val="FFFF00"/>
+                </a:highlight>
+                <a:latin typeface="Consolas" panose="020B0609020204030204" pitchFamily="49" charset="0"/>
+              </a:rPr>
+              <a:t>n</a:t>
+            </a:r>
+            <a:r>
+              <a:rPr lang="en-US" sz="4000" dirty="0">
+                <a:latin typeface="Consolas" panose="020B0609020204030204" pitchFamily="49" charset="0"/>
+              </a:rPr>
+              <a:t>):</a:t>
+            </a:r>
+          </a:p>
+          <a:p>
+            <a:r>
+              <a:rPr lang="en-US" sz="4000" dirty="0">
+                <a:latin typeface="Consolas" panose="020B0609020204030204" pitchFamily="49" charset="0"/>
+              </a:rPr>
+              <a:t>   print('calling ...')</a:t>
+            </a:r>
+          </a:p>
+          <a:p>
+            <a:r>
+              <a:rPr lang="en-US" sz="4000" dirty="0">
+                <a:latin typeface="Consolas" panose="020B0609020204030204" pitchFamily="49" charset="0"/>
+              </a:rPr>
+              <a:t>   mystery(</a:t>
+            </a:r>
+            <a:r>
+              <a:rPr lang="en-US" sz="4000" dirty="0">
+                <a:highlight>
+                  <a:srgbClr val="FFFF00"/>
+                </a:highlight>
+                <a:latin typeface="Consolas" panose="020B0609020204030204" pitchFamily="49" charset="0"/>
+              </a:rPr>
+              <a:t>n</a:t>
+            </a:r>
+            <a:r>
+              <a:rPr lang="en-US" sz="4000" dirty="0">
+                <a:latin typeface="Consolas" panose="020B0609020204030204" pitchFamily="49" charset="0"/>
+              </a:rPr>
+              <a:t>)</a:t>
+            </a:r>
+          </a:p>
+        </p:txBody>
+      </p:sp>
+      <p:sp>
+        <p:nvSpPr>
+          <p:cNvPr id="5" name="Title 4">
+            <a:extLst>
+              <a:ext uri="{FF2B5EF4-FFF2-40B4-BE49-F238E27FC236}">
+                <a16:creationId xmlns:a16="http://schemas.microsoft.com/office/drawing/2014/main" id="{F23B0FAB-685F-F6ED-77CE-7D3A3C89EF34}"/>
               </a:ext>
             </a:extLst>
           </p:cNvPr>
@@ -39314,66 +40332,55 @@
         </p:nvSpPr>
         <p:spPr>
           <a:xfrm>
-            <a:off x="465665" y="203993"/>
-            <a:ext cx="3454402" cy="1325563"/>
-          </a:xfrm>
-        </p:spPr>
-        <p:txBody>
-          <a:bodyPr>
-            <a:normAutofit/>
-          </a:bodyPr>
-          <a:lstStyle/>
-          <a:p>
-            <a:r>
-              <a:rPr lang="en-CA"/>
-              <a:t>Recursive</a:t>
-            </a:r>
-            <a:br>
-              <a:rPr lang="en-CA"/>
-            </a:br>
-            <a:r>
-              <a:rPr lang="en-CA"/>
-              <a:t>Functions </a:t>
-            </a:r>
-            <a:endParaRPr lang="en-AU"/>
-          </a:p>
-        </p:txBody>
-      </p:sp>
-      <p:sp>
-        <p:nvSpPr>
-          <p:cNvPr id="4" name="Slide Number Placeholder 3">
-            <a:extLst>
-              <a:ext uri="{FF2B5EF4-FFF2-40B4-BE49-F238E27FC236}">
-                <a16:creationId xmlns:a16="http://schemas.microsoft.com/office/drawing/2014/main" id="{52CB4949-23BC-98C6-CCDE-575AAFCF4050}"/>
-              </a:ext>
-            </a:extLst>
-          </p:cNvPr>
-          <p:cNvSpPr>
-            <a:spLocks noGrp="1"/>
-          </p:cNvSpPr>
-          <p:nvPr>
-            <p:ph type="sldNum" sz="quarter" idx="12"/>
-          </p:nvPr>
-        </p:nvSpPr>
-        <p:spPr/>
+            <a:off x="409903" y="365125"/>
+            <a:ext cx="10943897" cy="1325563"/>
+          </a:xfrm>
+        </p:spPr>
         <p:txBody>
           <a:bodyPr/>
           <a:lstStyle/>
           <a:p>
-            <a:fld id="{CBA0A0CD-12E5-4065-8C87-26D031211F61}" type="slidenum">
-              <a:rPr lang="en-AU" smtClean="0"/>
-              <a:t>78</a:t>
-            </a:fld>
-            <a:endParaRPr lang="en-AU"/>
-          </a:p>
-        </p:txBody>
-      </p:sp>
-      <p:sp>
-        <p:nvSpPr>
-          <p:cNvPr id="8" name="TextBox 7">
-            <a:extLst>
-              <a:ext uri="{FF2B5EF4-FFF2-40B4-BE49-F238E27FC236}">
-                <a16:creationId xmlns:a16="http://schemas.microsoft.com/office/drawing/2014/main" id="{3B6B86C4-201D-717B-27B8-548041962BBE}"/>
+            <a:r>
+              <a:rPr lang="en-US" dirty="0"/>
+              <a:t>What happens when you call </a:t>
+            </a:r>
+            <a:r>
+              <a:rPr lang="en-US" dirty="0">
+                <a:latin typeface="Consolas" panose="020B0609020204030204" pitchFamily="49" charset="0"/>
+                <a:cs typeface="Consolas" panose="020B0609020204030204" pitchFamily="49" charset="0"/>
+              </a:rPr>
+              <a:t>mystery(</a:t>
+            </a:r>
+            <a:r>
+              <a:rPr lang="en-US" dirty="0">
+                <a:highlight>
+                  <a:srgbClr val="FFFF00"/>
+                </a:highlight>
+                <a:latin typeface="Consolas" panose="020B0609020204030204" pitchFamily="49" charset="0"/>
+                <a:cs typeface="Consolas" panose="020B0609020204030204" pitchFamily="49" charset="0"/>
+              </a:rPr>
+              <a:t>1</a:t>
+            </a:r>
+            <a:r>
+              <a:rPr lang="en-US" dirty="0">
+                <a:latin typeface="Consolas" panose="020B0609020204030204" pitchFamily="49" charset="0"/>
+                <a:cs typeface="Consolas" panose="020B0609020204030204" pitchFamily="49" charset="0"/>
+              </a:rPr>
+              <a:t>)</a:t>
+            </a:r>
+            <a:r>
+              <a:rPr lang="en-US" dirty="0"/>
+              <a:t> ?</a:t>
+            </a:r>
+          </a:p>
+        </p:txBody>
+      </p:sp>
+      <p:sp>
+        <p:nvSpPr>
+          <p:cNvPr id="3" name="TextBox 2">
+            <a:extLst>
+              <a:ext uri="{FF2B5EF4-FFF2-40B4-BE49-F238E27FC236}">
+                <a16:creationId xmlns:a16="http://schemas.microsoft.com/office/drawing/2014/main" id="{45890C17-C42F-4D9A-0985-53080766B77E}"/>
               </a:ext>
             </a:extLst>
           </p:cNvPr>
@@ -39382,85 +40389,8 @@
         </p:nvSpPr>
         <p:spPr>
           <a:xfrm>
-            <a:off x="4284133" y="1690118"/>
-            <a:ext cx="5020733" cy="2308324"/>
-          </a:xfrm>
-          <a:prstGeom prst="rect">
-            <a:avLst/>
-          </a:prstGeom>
-          <a:noFill/>
-        </p:spPr>
-        <p:txBody>
-          <a:bodyPr wrap="square" rtlCol="0">
-            <a:spAutoFit/>
-          </a:bodyPr>
-          <a:lstStyle/>
-          <a:p>
-            <a:r>
-              <a:rPr lang="en-US" sz="2400">
-                <a:latin typeface="Consolas" panose="020B0609020204030204" pitchFamily="49" charset="0"/>
-              </a:rPr>
-              <a:t>def countdown(n):</a:t>
-            </a:r>
-          </a:p>
-          <a:p>
-            <a:r>
-              <a:rPr lang="en-US" sz="2400">
-                <a:latin typeface="Consolas" panose="020B0609020204030204" pitchFamily="49" charset="0"/>
-              </a:rPr>
-              <a:t>    if n &lt;= 0:</a:t>
-            </a:r>
-          </a:p>
-          <a:p>
-            <a:r>
-              <a:rPr lang="en-US" sz="2400">
-                <a:latin typeface="Consolas" panose="020B0609020204030204" pitchFamily="49" charset="0"/>
-              </a:rPr>
-              <a:t>        print('Blastoff!')</a:t>
-            </a:r>
-          </a:p>
-          <a:p>
-            <a:r>
-              <a:rPr lang="en-US" sz="2400">
-                <a:latin typeface="Consolas" panose="020B0609020204030204" pitchFamily="49" charset="0"/>
-              </a:rPr>
-              <a:t>    else:</a:t>
-            </a:r>
-          </a:p>
-          <a:p>
-            <a:r>
-              <a:rPr lang="en-US" sz="2400">
-                <a:latin typeface="Consolas" panose="020B0609020204030204" pitchFamily="49" charset="0"/>
-              </a:rPr>
-              <a:t>        print(n)</a:t>
-            </a:r>
-          </a:p>
-          <a:p>
-            <a:r>
-              <a:rPr lang="en-US" sz="2400">
-                <a:latin typeface="Consolas" panose="020B0609020204030204" pitchFamily="49" charset="0"/>
-              </a:rPr>
-              <a:t>        countdown(n-1)</a:t>
-            </a:r>
-          </a:p>
-        </p:txBody>
-      </p:sp>
-      <p:sp>
-        <p:nvSpPr>
-          <p:cNvPr id="9" name="TextBox 8">
-            <a:extLst>
-              <a:ext uri="{FF2B5EF4-FFF2-40B4-BE49-F238E27FC236}">
-                <a16:creationId xmlns:a16="http://schemas.microsoft.com/office/drawing/2014/main" id="{2959890D-64D5-8FF5-FC52-F85A510583B2}"/>
-              </a:ext>
-            </a:extLst>
-          </p:cNvPr>
-          <p:cNvSpPr txBox="1"/>
-          <p:nvPr/>
-        </p:nvSpPr>
-        <p:spPr>
-          <a:xfrm>
-            <a:off x="465665" y="1891886"/>
-            <a:ext cx="2260602" cy="2585323"/>
+            <a:off x="9581322" y="1506022"/>
+            <a:ext cx="1932989" cy="369332"/>
           </a:xfrm>
           <a:prstGeom prst="rect">
             <a:avLst/>
@@ -39478,74 +40408,19 @@
           </a:bodyPr>
           <a:lstStyle/>
           <a:p>
-            <a:r>
-              <a:rPr lang="en-CA"/>
-              <a:t>This recursive function prints this:</a:t>
-            </a:r>
-          </a:p>
-          <a:p>
-            <a:endParaRPr lang="en-CA"/>
-          </a:p>
-          <a:p>
-            <a:r>
-              <a:rPr lang="en-CA">
-                <a:latin typeface="Consolas" panose="020B0609020204030204" pitchFamily="49" charset="0"/>
-              </a:rPr>
-              <a:t>&gt;&gt;&gt; countdown(3)</a:t>
-            </a:r>
-          </a:p>
-          <a:p>
-            <a:endParaRPr lang="en-CA">
-              <a:latin typeface="Consolas" panose="020B0609020204030204" pitchFamily="49" charset="0"/>
-            </a:endParaRPr>
-          </a:p>
-          <a:p>
-            <a:r>
-              <a:rPr lang="en-CA">
-                <a:latin typeface="Consolas" panose="020B0609020204030204" pitchFamily="49" charset="0"/>
-              </a:rPr>
-              <a:t>3</a:t>
-            </a:r>
-          </a:p>
-          <a:p>
-            <a:r>
-              <a:rPr lang="en-CA">
-                <a:latin typeface="Consolas" panose="020B0609020204030204" pitchFamily="49" charset="0"/>
-              </a:rPr>
-              <a:t>2</a:t>
-            </a:r>
-          </a:p>
-          <a:p>
-            <a:r>
-              <a:rPr lang="en-CA">
-                <a:latin typeface="Consolas" panose="020B0609020204030204" pitchFamily="49" charset="0"/>
-              </a:rPr>
-              <a:t>1</a:t>
-            </a:r>
-          </a:p>
-          <a:p>
-            <a:r>
-              <a:rPr lang="en-CA" err="1">
-                <a:latin typeface="Consolas" panose="020B0609020204030204" pitchFamily="49" charset="0"/>
-              </a:rPr>
-              <a:t>Blastoff</a:t>
-            </a:r>
-            <a:r>
-              <a:rPr lang="en-CA">
-                <a:latin typeface="Consolas" panose="020B0609020204030204" pitchFamily="49" charset="0"/>
-              </a:rPr>
-              <a:t>! </a:t>
-            </a:r>
-            <a:endParaRPr lang="en-AU">
-              <a:latin typeface="Consolas" panose="020B0609020204030204" pitchFamily="49" charset="0"/>
-            </a:endParaRPr>
+            <a:pPr algn="ctr"/>
+            <a:r>
+              <a:rPr lang="en-CA" dirty="0"/>
+              <a:t>See mystery5.py</a:t>
+            </a:r>
+            <a:endParaRPr lang="en-AU" dirty="0"/>
           </a:p>
         </p:txBody>
       </p:sp>
     </p:spTree>
     <p:extLst>
       <p:ext uri="{BB962C8B-B14F-4D97-AF65-F5344CB8AC3E}">
-        <p14:creationId xmlns:p14="http://schemas.microsoft.com/office/powerpoint/2010/main" val="3292605436"/>
+        <p14:creationId xmlns:p14="http://schemas.microsoft.com/office/powerpoint/2010/main" val="2998418148"/>
       </p:ext>
     </p:extLst>
   </p:cSld>
@@ -39563,7 +40438,7 @@
         <p:cNvPr id="1" name="">
           <a:extLst>
             <a:ext uri="{FF2B5EF4-FFF2-40B4-BE49-F238E27FC236}">
-              <a16:creationId xmlns:a16="http://schemas.microsoft.com/office/drawing/2014/main" id="{B59A708D-5006-D9F4-BFFE-2E5479499BCA}"/>
+              <a16:creationId xmlns:a16="http://schemas.microsoft.com/office/drawing/2014/main" id="{AC553001-9D25-A237-B326-458E685B8345}"/>
             </a:ext>
           </a:extLst>
         </p:cNvPr>
@@ -39580,10 +40455,107 @@
       </p:grpSpPr>
       <p:sp>
         <p:nvSpPr>
-          <p:cNvPr id="2" name="Title 1">
-            <a:extLst>
-              <a:ext uri="{FF2B5EF4-FFF2-40B4-BE49-F238E27FC236}">
-                <a16:creationId xmlns:a16="http://schemas.microsoft.com/office/drawing/2014/main" id="{11E3A458-E2D3-2AA4-9072-A11113898316}"/>
+          <p:cNvPr id="4" name="Slide Number Placeholder 3">
+            <a:extLst>
+              <a:ext uri="{FF2B5EF4-FFF2-40B4-BE49-F238E27FC236}">
+                <a16:creationId xmlns:a16="http://schemas.microsoft.com/office/drawing/2014/main" id="{C7C5BBBB-02C4-9674-BCBD-4DDBFD32FC9D}"/>
+              </a:ext>
+            </a:extLst>
+          </p:cNvPr>
+          <p:cNvSpPr>
+            <a:spLocks noGrp="1"/>
+          </p:cNvSpPr>
+          <p:nvPr>
+            <p:ph type="sldNum" sz="quarter" idx="12"/>
+          </p:nvPr>
+        </p:nvSpPr>
+        <p:spPr/>
+        <p:txBody>
+          <a:bodyPr/>
+          <a:lstStyle/>
+          <a:p>
+            <a:fld id="{CBA0A0CD-12E5-4065-8C87-26D031211F61}" type="slidenum">
+              <a:rPr lang="en-AU" smtClean="0"/>
+              <a:t>79</a:t>
+            </a:fld>
+            <a:endParaRPr lang="en-AU"/>
+          </a:p>
+        </p:txBody>
+      </p:sp>
+      <p:sp>
+        <p:nvSpPr>
+          <p:cNvPr id="8" name="TextBox 7">
+            <a:extLst>
+              <a:ext uri="{FF2B5EF4-FFF2-40B4-BE49-F238E27FC236}">
+                <a16:creationId xmlns:a16="http://schemas.microsoft.com/office/drawing/2014/main" id="{6E816C85-676E-F8F7-A850-28F72E554F7B}"/>
+              </a:ext>
+            </a:extLst>
+          </p:cNvPr>
+          <p:cNvSpPr txBox="1"/>
+          <p:nvPr/>
+        </p:nvSpPr>
+        <p:spPr>
+          <a:xfrm>
+            <a:off x="2834874" y="2216719"/>
+            <a:ext cx="7147326" cy="1938992"/>
+          </a:xfrm>
+          <a:prstGeom prst="rect">
+            <a:avLst/>
+          </a:prstGeom>
+          <a:noFill/>
+        </p:spPr>
+        <p:txBody>
+          <a:bodyPr wrap="square" rtlCol="0">
+            <a:spAutoFit/>
+          </a:bodyPr>
+          <a:lstStyle/>
+          <a:p>
+            <a:r>
+              <a:rPr lang="en-US" sz="4000" dirty="0">
+                <a:latin typeface="Consolas" panose="020B0609020204030204" pitchFamily="49" charset="0"/>
+              </a:rPr>
+              <a:t>def mystery(n):</a:t>
+            </a:r>
+          </a:p>
+          <a:p>
+            <a:r>
+              <a:rPr lang="en-US" sz="4000" dirty="0">
+                <a:latin typeface="Consolas" panose="020B0609020204030204" pitchFamily="49" charset="0"/>
+              </a:rPr>
+              <a:t>   print('calling ...')</a:t>
+            </a:r>
+          </a:p>
+          <a:p>
+            <a:r>
+              <a:rPr lang="en-US" sz="4000" dirty="0">
+                <a:latin typeface="Consolas" panose="020B0609020204030204" pitchFamily="49" charset="0"/>
+              </a:rPr>
+              <a:t>   mystery(</a:t>
+            </a:r>
+            <a:r>
+              <a:rPr lang="en-US" sz="4000" dirty="0">
+                <a:highlight>
+                  <a:srgbClr val="FFFF00"/>
+                </a:highlight>
+                <a:latin typeface="Consolas" panose="020B0609020204030204" pitchFamily="49" charset="0"/>
+              </a:rPr>
+              <a:t>n + 1</a:t>
+            </a:r>
+            <a:r>
+              <a:rPr lang="en-US" sz="4000" dirty="0">
+                <a:latin typeface="Consolas" panose="020B0609020204030204" pitchFamily="49" charset="0"/>
+              </a:rPr>
+              <a:t>)</a:t>
+            </a:r>
+          </a:p>
+        </p:txBody>
+      </p:sp>
+      <p:sp>
+        <p:nvSpPr>
+          <p:cNvPr id="5" name="Title 4">
+            <a:extLst>
+              <a:ext uri="{FF2B5EF4-FFF2-40B4-BE49-F238E27FC236}">
+                <a16:creationId xmlns:a16="http://schemas.microsoft.com/office/drawing/2014/main" id="{A262C670-B87D-DE60-C6FE-A8527556BC14}"/>
               </a:ext>
             </a:extLst>
           </p:cNvPr>
@@ -39596,66 +40568,38 @@
         </p:nvSpPr>
         <p:spPr>
           <a:xfrm>
-            <a:off x="465665" y="203993"/>
-            <a:ext cx="3454402" cy="1325563"/>
-          </a:xfrm>
-        </p:spPr>
-        <p:txBody>
-          <a:bodyPr>
-            <a:normAutofit/>
-          </a:bodyPr>
-          <a:lstStyle/>
-          <a:p>
-            <a:r>
-              <a:rPr lang="en-CA"/>
-              <a:t>Recursive</a:t>
-            </a:r>
-            <a:br>
-              <a:rPr lang="en-CA"/>
-            </a:br>
-            <a:r>
-              <a:rPr lang="en-CA"/>
-              <a:t>Functions </a:t>
-            </a:r>
-            <a:endParaRPr lang="en-AU"/>
-          </a:p>
-        </p:txBody>
-      </p:sp>
-      <p:sp>
-        <p:nvSpPr>
-          <p:cNvPr id="4" name="Slide Number Placeholder 3">
-            <a:extLst>
-              <a:ext uri="{FF2B5EF4-FFF2-40B4-BE49-F238E27FC236}">
-                <a16:creationId xmlns:a16="http://schemas.microsoft.com/office/drawing/2014/main" id="{88A34539-BA3D-C994-7507-EF54D87B8A2A}"/>
-              </a:ext>
-            </a:extLst>
-          </p:cNvPr>
-          <p:cNvSpPr>
-            <a:spLocks noGrp="1"/>
-          </p:cNvSpPr>
-          <p:nvPr>
-            <p:ph type="sldNum" sz="quarter" idx="12"/>
-          </p:nvPr>
-        </p:nvSpPr>
-        <p:spPr/>
+            <a:off x="409903" y="365125"/>
+            <a:ext cx="10943897" cy="1325563"/>
+          </a:xfrm>
+        </p:spPr>
         <p:txBody>
           <a:bodyPr/>
           <a:lstStyle/>
           <a:p>
-            <a:fld id="{CBA0A0CD-12E5-4065-8C87-26D031211F61}" type="slidenum">
-              <a:rPr lang="en-AU" smtClean="0"/>
-              <a:t>79</a:t>
-            </a:fld>
-            <a:endParaRPr lang="en-AU"/>
-          </a:p>
-        </p:txBody>
-      </p:sp>
-      <p:sp>
-        <p:nvSpPr>
-          <p:cNvPr id="8" name="TextBox 7">
-            <a:extLst>
-              <a:ext uri="{FF2B5EF4-FFF2-40B4-BE49-F238E27FC236}">
-                <a16:creationId xmlns:a16="http://schemas.microsoft.com/office/drawing/2014/main" id="{4134FE0D-F420-2533-DB46-DADA52715ED8}"/>
+            <a:r>
+              <a:rPr lang="en-US" dirty="0"/>
+              <a:t>What happens when you call </a:t>
+            </a:r>
+            <a:r>
+              <a:rPr lang="en-US" dirty="0">
+                <a:latin typeface="Consolas" panose="020B0609020204030204" pitchFamily="49" charset="0"/>
+                <a:cs typeface="Consolas" panose="020B0609020204030204" pitchFamily="49" charset="0"/>
+              </a:rPr>
+              <a:t>mystery(1)</a:t>
+            </a:r>
+            <a:r>
+              <a:rPr lang="en-US" dirty="0"/>
+              <a:t> ?</a:t>
+            </a:r>
+          </a:p>
+        </p:txBody>
+      </p:sp>
+      <p:sp>
+        <p:nvSpPr>
+          <p:cNvPr id="2" name="TextBox 1">
+            <a:extLst>
+              <a:ext uri="{FF2B5EF4-FFF2-40B4-BE49-F238E27FC236}">
+                <a16:creationId xmlns:a16="http://schemas.microsoft.com/office/drawing/2014/main" id="{9162E3F8-38CF-C34B-F866-31A58B3D18FA}"/>
               </a:ext>
             </a:extLst>
           </p:cNvPr>
@@ -39664,85 +40608,8 @@
         </p:nvSpPr>
         <p:spPr>
           <a:xfrm>
-            <a:off x="4284133" y="1690118"/>
-            <a:ext cx="5020733" cy="2308324"/>
-          </a:xfrm>
-          <a:prstGeom prst="rect">
-            <a:avLst/>
-          </a:prstGeom>
-          <a:noFill/>
-        </p:spPr>
-        <p:txBody>
-          <a:bodyPr wrap="square" rtlCol="0">
-            <a:spAutoFit/>
-          </a:bodyPr>
-          <a:lstStyle/>
-          <a:p>
-            <a:r>
-              <a:rPr lang="en-US" sz="2400">
-                <a:latin typeface="Consolas" panose="020B0609020204030204" pitchFamily="49" charset="0"/>
-              </a:rPr>
-              <a:t>def countdown(n):</a:t>
-            </a:r>
-          </a:p>
-          <a:p>
-            <a:r>
-              <a:rPr lang="en-US" sz="2400">
-                <a:latin typeface="Consolas" panose="020B0609020204030204" pitchFamily="49" charset="0"/>
-              </a:rPr>
-              <a:t>    if n &lt;= 0:</a:t>
-            </a:r>
-          </a:p>
-          <a:p>
-            <a:r>
-              <a:rPr lang="en-US" sz="2400">
-                <a:latin typeface="Consolas" panose="020B0609020204030204" pitchFamily="49" charset="0"/>
-              </a:rPr>
-              <a:t>        print('Blastoff!')</a:t>
-            </a:r>
-          </a:p>
-          <a:p>
-            <a:r>
-              <a:rPr lang="en-US" sz="2400">
-                <a:latin typeface="Consolas" panose="020B0609020204030204" pitchFamily="49" charset="0"/>
-              </a:rPr>
-              <a:t>    else:</a:t>
-            </a:r>
-          </a:p>
-          <a:p>
-            <a:r>
-              <a:rPr lang="en-US" sz="2400">
-                <a:latin typeface="Consolas" panose="020B0609020204030204" pitchFamily="49" charset="0"/>
-              </a:rPr>
-              <a:t>        print(n)</a:t>
-            </a:r>
-          </a:p>
-          <a:p>
-            <a:r>
-              <a:rPr lang="en-US" sz="2400">
-                <a:latin typeface="Consolas" panose="020B0609020204030204" pitchFamily="49" charset="0"/>
-              </a:rPr>
-              <a:t>        countdown(n-1)</a:t>
-            </a:r>
-          </a:p>
-        </p:txBody>
-      </p:sp>
-      <p:sp>
-        <p:nvSpPr>
-          <p:cNvPr id="9" name="TextBox 8">
-            <a:extLst>
-              <a:ext uri="{FF2B5EF4-FFF2-40B4-BE49-F238E27FC236}">
-                <a16:creationId xmlns:a16="http://schemas.microsoft.com/office/drawing/2014/main" id="{2C984E0F-A4C5-982C-7530-011251DCE322}"/>
-              </a:ext>
-            </a:extLst>
-          </p:cNvPr>
-          <p:cNvSpPr txBox="1"/>
-          <p:nvPr/>
-        </p:nvSpPr>
-        <p:spPr>
-          <a:xfrm>
-            <a:off x="465665" y="1891886"/>
-            <a:ext cx="2260602" cy="2585323"/>
+            <a:off x="9581322" y="1506022"/>
+            <a:ext cx="1932989" cy="369332"/>
           </a:xfrm>
           <a:prstGeom prst="rect">
             <a:avLst/>
@@ -39760,267 +40627,19 @@
           </a:bodyPr>
           <a:lstStyle/>
           <a:p>
-            <a:r>
-              <a:rPr lang="en-CA"/>
-              <a:t>This recursive function prints this:</a:t>
-            </a:r>
-          </a:p>
-          <a:p>
-            <a:endParaRPr lang="en-CA"/>
-          </a:p>
-          <a:p>
-            <a:r>
-              <a:rPr lang="en-CA">
-                <a:latin typeface="Consolas" panose="020B0609020204030204" pitchFamily="49" charset="0"/>
-              </a:rPr>
-              <a:t>&gt;&gt;&gt; countdown(3)</a:t>
-            </a:r>
-          </a:p>
-          <a:p>
-            <a:endParaRPr lang="en-CA">
-              <a:latin typeface="Consolas" panose="020B0609020204030204" pitchFamily="49" charset="0"/>
-            </a:endParaRPr>
-          </a:p>
-          <a:p>
-            <a:r>
-              <a:rPr lang="en-CA">
-                <a:latin typeface="Consolas" panose="020B0609020204030204" pitchFamily="49" charset="0"/>
-              </a:rPr>
-              <a:t>3</a:t>
-            </a:r>
-          </a:p>
-          <a:p>
-            <a:r>
-              <a:rPr lang="en-CA">
-                <a:latin typeface="Consolas" panose="020B0609020204030204" pitchFamily="49" charset="0"/>
-              </a:rPr>
-              <a:t>2</a:t>
-            </a:r>
-          </a:p>
-          <a:p>
-            <a:r>
-              <a:rPr lang="en-CA">
-                <a:latin typeface="Consolas" panose="020B0609020204030204" pitchFamily="49" charset="0"/>
-              </a:rPr>
-              <a:t>1</a:t>
-            </a:r>
-          </a:p>
-          <a:p>
-            <a:r>
-              <a:rPr lang="en-CA" err="1">
-                <a:latin typeface="Consolas" panose="020B0609020204030204" pitchFamily="49" charset="0"/>
-              </a:rPr>
-              <a:t>Blastoff</a:t>
-            </a:r>
-            <a:r>
-              <a:rPr lang="en-CA">
-                <a:latin typeface="Consolas" panose="020B0609020204030204" pitchFamily="49" charset="0"/>
-              </a:rPr>
-              <a:t>! </a:t>
-            </a:r>
-            <a:endParaRPr lang="en-AU">
-              <a:latin typeface="Consolas" panose="020B0609020204030204" pitchFamily="49" charset="0"/>
-            </a:endParaRPr>
-          </a:p>
-        </p:txBody>
-      </p:sp>
-      <p:sp>
-        <p:nvSpPr>
-          <p:cNvPr id="3" name="TextBox 2">
-            <a:extLst>
-              <a:ext uri="{FF2B5EF4-FFF2-40B4-BE49-F238E27FC236}">
-                <a16:creationId xmlns:a16="http://schemas.microsoft.com/office/drawing/2014/main" id="{575BE670-5C13-3A61-A929-B75D7321EDDD}"/>
-              </a:ext>
-            </a:extLst>
-          </p:cNvPr>
-          <p:cNvSpPr txBox="1"/>
-          <p:nvPr/>
-        </p:nvSpPr>
-        <p:spPr>
-          <a:xfrm>
-            <a:off x="6265331" y="4272677"/>
-            <a:ext cx="2260602" cy="923330"/>
-          </a:xfrm>
-          <a:prstGeom prst="rect">
-            <a:avLst/>
-          </a:prstGeom>
-          <a:solidFill>
-            <a:schemeClr val="accent2">
-              <a:lumMod val="40000"/>
-              <a:lumOff val="60000"/>
-            </a:schemeClr>
-          </a:solidFill>
-        </p:spPr>
-        <p:txBody>
-          <a:bodyPr wrap="square" rtlCol="0">
-            <a:spAutoFit/>
-          </a:bodyPr>
-          <a:lstStyle/>
-          <a:p>
             <a:pPr algn="ctr"/>
             <a:r>
-              <a:rPr lang="en-CA"/>
-              <a:t>You can tell that this is recursive because it calls itself.</a:t>
-            </a:r>
-            <a:endParaRPr lang="en-AU">
-              <a:latin typeface="Consolas" panose="020B0609020204030204" pitchFamily="49" charset="0"/>
-            </a:endParaRPr>
-          </a:p>
-        </p:txBody>
-      </p:sp>
-      <p:sp>
-        <p:nvSpPr>
-          <p:cNvPr id="5" name="Rectangle 4">
-            <a:extLst>
-              <a:ext uri="{FF2B5EF4-FFF2-40B4-BE49-F238E27FC236}">
-                <a16:creationId xmlns:a16="http://schemas.microsoft.com/office/drawing/2014/main" id="{D8240BB5-0539-C4C7-F1C6-6BB9C5E47193}"/>
-              </a:ext>
-            </a:extLst>
-          </p:cNvPr>
-          <p:cNvSpPr/>
-          <p:nvPr/>
-        </p:nvSpPr>
-        <p:spPr>
-          <a:xfrm>
-            <a:off x="5681133" y="3598333"/>
-            <a:ext cx="2489200" cy="338667"/>
-          </a:xfrm>
-          <a:prstGeom prst="rect">
-            <a:avLst/>
-          </a:prstGeom>
-          <a:noFill/>
-          <a:ln>
-            <a:solidFill>
-              <a:srgbClr val="FF0000"/>
-            </a:solidFill>
-          </a:ln>
-        </p:spPr>
-        <p:style>
-          <a:lnRef idx="2">
-            <a:schemeClr val="accent1">
-              <a:shade val="15000"/>
-            </a:schemeClr>
-          </a:lnRef>
-          <a:fillRef idx="1">
-            <a:schemeClr val="accent1"/>
-          </a:fillRef>
-          <a:effectRef idx="0">
-            <a:schemeClr val="accent1"/>
-          </a:effectRef>
-          <a:fontRef idx="minor">
-            <a:schemeClr val="lt1"/>
-          </a:fontRef>
-        </p:style>
-        <p:txBody>
-          <a:bodyPr rtlCol="0" anchor="ctr"/>
-          <a:lstStyle/>
-          <a:p>
-            <a:pPr algn="ctr"/>
-            <a:endParaRPr lang="en-AU"/>
-          </a:p>
-        </p:txBody>
-      </p:sp>
-      <p:sp>
-        <p:nvSpPr>
-          <p:cNvPr id="6" name="Rectangle 5">
-            <a:extLst>
-              <a:ext uri="{FF2B5EF4-FFF2-40B4-BE49-F238E27FC236}">
-                <a16:creationId xmlns:a16="http://schemas.microsoft.com/office/drawing/2014/main" id="{F33CF9B3-6163-F492-117D-DFB7299A5B18}"/>
-              </a:ext>
-            </a:extLst>
-          </p:cNvPr>
-          <p:cNvSpPr/>
-          <p:nvPr/>
-        </p:nvSpPr>
-        <p:spPr>
-          <a:xfrm>
-            <a:off x="5020731" y="1722552"/>
-            <a:ext cx="2057402" cy="402581"/>
-          </a:xfrm>
-          <a:prstGeom prst="rect">
-            <a:avLst/>
-          </a:prstGeom>
-          <a:noFill/>
-          <a:ln>
-            <a:solidFill>
-              <a:srgbClr val="FF0000"/>
-            </a:solidFill>
-          </a:ln>
-        </p:spPr>
-        <p:style>
-          <a:lnRef idx="2">
-            <a:schemeClr val="accent1">
-              <a:shade val="15000"/>
-            </a:schemeClr>
-          </a:lnRef>
-          <a:fillRef idx="1">
-            <a:schemeClr val="accent1"/>
-          </a:fillRef>
-          <a:effectRef idx="0">
-            <a:schemeClr val="accent1"/>
-          </a:effectRef>
-          <a:fontRef idx="minor">
-            <a:schemeClr val="lt1"/>
-          </a:fontRef>
-        </p:style>
-        <p:txBody>
-          <a:bodyPr rtlCol="0" anchor="ctr"/>
-          <a:lstStyle/>
-          <a:p>
-            <a:pPr algn="ctr"/>
-            <a:endParaRPr lang="en-AU"/>
-          </a:p>
-        </p:txBody>
-      </p:sp>
-      <p:cxnSp>
-        <p:nvCxnSpPr>
-          <p:cNvPr id="11" name="Connector: Curved 10">
-            <a:extLst>
-              <a:ext uri="{FF2B5EF4-FFF2-40B4-BE49-F238E27FC236}">
-                <a16:creationId xmlns:a16="http://schemas.microsoft.com/office/drawing/2014/main" id="{DBD342CB-58D2-69B0-FD81-6E58CC3A3DC1}"/>
-              </a:ext>
-            </a:extLst>
-          </p:cNvPr>
-          <p:cNvCxnSpPr>
-            <a:cxnSpLocks/>
-            <a:stCxn id="5" idx="3"/>
-          </p:cNvCxnSpPr>
-          <p:nvPr/>
-        </p:nvCxnSpPr>
-        <p:spPr>
-          <a:xfrm flipH="1" flipV="1">
-            <a:off x="7078133" y="1789043"/>
-            <a:ext cx="1092200" cy="1978624"/>
-          </a:xfrm>
-          <a:prstGeom prst="curvedConnector4">
-            <a:avLst>
-              <a:gd name="adj1" fmla="val -63154"/>
-              <a:gd name="adj2" fmla="val 104512"/>
-            </a:avLst>
-          </a:prstGeom>
-          <a:ln>
-            <a:tailEnd type="triangle"/>
-          </a:ln>
-        </p:spPr>
-        <p:style>
-          <a:lnRef idx="2">
-            <a:schemeClr val="accent1"/>
-          </a:lnRef>
-          <a:fillRef idx="0">
-            <a:schemeClr val="accent1"/>
-          </a:fillRef>
-          <a:effectRef idx="1">
-            <a:schemeClr val="accent1"/>
-          </a:effectRef>
-          <a:fontRef idx="minor">
-            <a:schemeClr val="tx1"/>
-          </a:fontRef>
-        </p:style>
-      </p:cxnSp>
+              <a:rPr lang="en-CA" dirty="0"/>
+              <a:t>See mystery6.py</a:t>
+            </a:r>
+            <a:endParaRPr lang="en-AU" dirty="0"/>
+          </a:p>
+        </p:txBody>
+      </p:sp>
     </p:spTree>
     <p:extLst>
       <p:ext uri="{BB962C8B-B14F-4D97-AF65-F5344CB8AC3E}">
-        <p14:creationId xmlns:p14="http://schemas.microsoft.com/office/powerpoint/2010/main" val="1281652328"/>
+        <p14:creationId xmlns:p14="http://schemas.microsoft.com/office/powerpoint/2010/main" val="1764671766"/>
       </p:ext>
     </p:extLst>
   </p:cSld>
@@ -40428,7 +41047,7 @@
         <p:cNvPr id="1" name="">
           <a:extLst>
             <a:ext uri="{FF2B5EF4-FFF2-40B4-BE49-F238E27FC236}">
-              <a16:creationId xmlns:a16="http://schemas.microsoft.com/office/drawing/2014/main" id="{BF5F2FAB-DEE8-4A8B-BE81-00F1510465C6}"/>
+              <a16:creationId xmlns:a16="http://schemas.microsoft.com/office/drawing/2014/main" id="{E89431E4-50FA-A3CE-C65C-7F1ACBC24FED}"/>
             </a:ext>
           </a:extLst>
         </p:cNvPr>
@@ -40445,10 +41064,125 @@
       </p:grpSpPr>
       <p:sp>
         <p:nvSpPr>
-          <p:cNvPr id="2" name="Title 1">
-            <a:extLst>
-              <a:ext uri="{FF2B5EF4-FFF2-40B4-BE49-F238E27FC236}">
-                <a16:creationId xmlns:a16="http://schemas.microsoft.com/office/drawing/2014/main" id="{C0D082F8-1C6A-CAA4-E0E2-0CA0026BE995}"/>
+          <p:cNvPr id="4" name="Slide Number Placeholder 3">
+            <a:extLst>
+              <a:ext uri="{FF2B5EF4-FFF2-40B4-BE49-F238E27FC236}">
+                <a16:creationId xmlns:a16="http://schemas.microsoft.com/office/drawing/2014/main" id="{877065C3-5060-7860-E99F-1E6A703606E3}"/>
+              </a:ext>
+            </a:extLst>
+          </p:cNvPr>
+          <p:cNvSpPr>
+            <a:spLocks noGrp="1"/>
+          </p:cNvSpPr>
+          <p:nvPr>
+            <p:ph type="sldNum" sz="quarter" idx="12"/>
+          </p:nvPr>
+        </p:nvSpPr>
+        <p:spPr/>
+        <p:txBody>
+          <a:bodyPr/>
+          <a:lstStyle/>
+          <a:p>
+            <a:fld id="{CBA0A0CD-12E5-4065-8C87-26D031211F61}" type="slidenum">
+              <a:rPr lang="en-AU" smtClean="0"/>
+              <a:t>80</a:t>
+            </a:fld>
+            <a:endParaRPr lang="en-AU"/>
+          </a:p>
+        </p:txBody>
+      </p:sp>
+      <p:sp>
+        <p:nvSpPr>
+          <p:cNvPr id="8" name="TextBox 7">
+            <a:extLst>
+              <a:ext uri="{FF2B5EF4-FFF2-40B4-BE49-F238E27FC236}">
+                <a16:creationId xmlns:a16="http://schemas.microsoft.com/office/drawing/2014/main" id="{E9065CC0-15D2-9187-F9DA-8DDC808AE320}"/>
+              </a:ext>
+            </a:extLst>
+          </p:cNvPr>
+          <p:cNvSpPr txBox="1"/>
+          <p:nvPr/>
+        </p:nvSpPr>
+        <p:spPr>
+          <a:xfrm>
+            <a:off x="2322786" y="2216719"/>
+            <a:ext cx="7659414" cy="3785652"/>
+          </a:xfrm>
+          <a:prstGeom prst="rect">
+            <a:avLst/>
+          </a:prstGeom>
+          <a:noFill/>
+        </p:spPr>
+        <p:txBody>
+          <a:bodyPr wrap="square" rtlCol="0">
+            <a:spAutoFit/>
+          </a:bodyPr>
+          <a:lstStyle/>
+          <a:p>
+            <a:r>
+              <a:rPr lang="en-US" sz="4000" dirty="0">
+                <a:latin typeface="Consolas" panose="020B0609020204030204" pitchFamily="49" charset="0"/>
+              </a:rPr>
+              <a:t>def mystery(n):</a:t>
+            </a:r>
+          </a:p>
+          <a:p>
+            <a:r>
+              <a:rPr lang="en-US" sz="4000" dirty="0">
+                <a:highlight>
+                  <a:srgbClr val="FFFF00"/>
+                </a:highlight>
+                <a:latin typeface="Consolas" panose="020B0609020204030204" pitchFamily="49" charset="0"/>
+              </a:rPr>
+              <a:t>   if n &gt; 5:</a:t>
+            </a:r>
+          </a:p>
+          <a:p>
+            <a:r>
+              <a:rPr lang="en-US" sz="4000" dirty="0">
+                <a:highlight>
+                  <a:srgbClr val="FFFF00"/>
+                </a:highlight>
+                <a:latin typeface="Consolas" panose="020B0609020204030204" pitchFamily="49" charset="0"/>
+              </a:rPr>
+              <a:t>      return</a:t>
+            </a:r>
+          </a:p>
+          <a:p>
+            <a:r>
+              <a:rPr lang="en-US" sz="4000" dirty="0">
+                <a:highlight>
+                  <a:srgbClr val="FFFF00"/>
+                </a:highlight>
+                <a:latin typeface="Consolas" panose="020B0609020204030204" pitchFamily="49" charset="0"/>
+              </a:rPr>
+              <a:t>   else:</a:t>
+            </a:r>
+          </a:p>
+          <a:p>
+            <a:r>
+              <a:rPr lang="en-US" sz="4000" dirty="0">
+                <a:latin typeface="Consolas" panose="020B0609020204030204" pitchFamily="49" charset="0"/>
+              </a:rPr>
+              <a:t>      print('calling ...')</a:t>
+            </a:r>
+          </a:p>
+          <a:p>
+            <a:r>
+              <a:rPr lang="en-US" sz="4000" dirty="0">
+                <a:latin typeface="Consolas" panose="020B0609020204030204" pitchFamily="49" charset="0"/>
+              </a:rPr>
+              <a:t>      mystery(n + 1)</a:t>
+            </a:r>
+          </a:p>
+        </p:txBody>
+      </p:sp>
+      <p:sp>
+        <p:nvSpPr>
+          <p:cNvPr id="5" name="Title 4">
+            <a:extLst>
+              <a:ext uri="{FF2B5EF4-FFF2-40B4-BE49-F238E27FC236}">
+                <a16:creationId xmlns:a16="http://schemas.microsoft.com/office/drawing/2014/main" id="{AF54F024-004D-5865-85CD-836404391888}"/>
               </a:ext>
             </a:extLst>
           </p:cNvPr>
@@ -40461,66 +41195,38 @@
         </p:nvSpPr>
         <p:spPr>
           <a:xfrm>
-            <a:off x="465665" y="203993"/>
-            <a:ext cx="3454402" cy="1325563"/>
-          </a:xfrm>
-        </p:spPr>
-        <p:txBody>
-          <a:bodyPr>
-            <a:normAutofit/>
-          </a:bodyPr>
-          <a:lstStyle/>
-          <a:p>
-            <a:r>
-              <a:rPr lang="en-CA"/>
-              <a:t>Recursive</a:t>
-            </a:r>
-            <a:br>
-              <a:rPr lang="en-CA"/>
-            </a:br>
-            <a:r>
-              <a:rPr lang="en-CA"/>
-              <a:t>Functions </a:t>
-            </a:r>
-            <a:endParaRPr lang="en-AU"/>
-          </a:p>
-        </p:txBody>
-      </p:sp>
-      <p:sp>
-        <p:nvSpPr>
-          <p:cNvPr id="4" name="Slide Number Placeholder 3">
-            <a:extLst>
-              <a:ext uri="{FF2B5EF4-FFF2-40B4-BE49-F238E27FC236}">
-                <a16:creationId xmlns:a16="http://schemas.microsoft.com/office/drawing/2014/main" id="{0F2A0944-52BA-C1A0-1E0A-07693126724E}"/>
-              </a:ext>
-            </a:extLst>
-          </p:cNvPr>
-          <p:cNvSpPr>
-            <a:spLocks noGrp="1"/>
-          </p:cNvSpPr>
-          <p:nvPr>
-            <p:ph type="sldNum" sz="quarter" idx="12"/>
-          </p:nvPr>
-        </p:nvSpPr>
-        <p:spPr/>
+            <a:off x="409903" y="365125"/>
+            <a:ext cx="10943897" cy="1325563"/>
+          </a:xfrm>
+        </p:spPr>
         <p:txBody>
           <a:bodyPr/>
           <a:lstStyle/>
           <a:p>
-            <a:fld id="{CBA0A0CD-12E5-4065-8C87-26D031211F61}" type="slidenum">
-              <a:rPr lang="en-AU" smtClean="0"/>
-              <a:t>80</a:t>
-            </a:fld>
-            <a:endParaRPr lang="en-AU"/>
-          </a:p>
-        </p:txBody>
-      </p:sp>
-      <p:sp>
-        <p:nvSpPr>
-          <p:cNvPr id="8" name="TextBox 7">
-            <a:extLst>
-              <a:ext uri="{FF2B5EF4-FFF2-40B4-BE49-F238E27FC236}">
-                <a16:creationId xmlns:a16="http://schemas.microsoft.com/office/drawing/2014/main" id="{962D1389-38F9-305D-6327-06F7040309A7}"/>
+            <a:r>
+              <a:rPr lang="en-US" dirty="0"/>
+              <a:t>What happens when you call </a:t>
+            </a:r>
+            <a:r>
+              <a:rPr lang="en-US" dirty="0">
+                <a:latin typeface="Consolas" panose="020B0609020204030204" pitchFamily="49" charset="0"/>
+                <a:cs typeface="Consolas" panose="020B0609020204030204" pitchFamily="49" charset="0"/>
+              </a:rPr>
+              <a:t>mystery(1)</a:t>
+            </a:r>
+            <a:r>
+              <a:rPr lang="en-US" dirty="0"/>
+              <a:t> ?</a:t>
+            </a:r>
+          </a:p>
+        </p:txBody>
+      </p:sp>
+      <p:sp>
+        <p:nvSpPr>
+          <p:cNvPr id="2" name="TextBox 1">
+            <a:extLst>
+              <a:ext uri="{FF2B5EF4-FFF2-40B4-BE49-F238E27FC236}">
+                <a16:creationId xmlns:a16="http://schemas.microsoft.com/office/drawing/2014/main" id="{6814128E-C1D7-1711-79EA-12E08B54A658}"/>
               </a:ext>
             </a:extLst>
           </p:cNvPr>
@@ -40529,85 +41235,8 @@
         </p:nvSpPr>
         <p:spPr>
           <a:xfrm>
-            <a:off x="4284133" y="1690118"/>
-            <a:ext cx="5020733" cy="2308324"/>
-          </a:xfrm>
-          <a:prstGeom prst="rect">
-            <a:avLst/>
-          </a:prstGeom>
-          <a:noFill/>
-        </p:spPr>
-        <p:txBody>
-          <a:bodyPr wrap="square" rtlCol="0">
-            <a:spAutoFit/>
-          </a:bodyPr>
-          <a:lstStyle/>
-          <a:p>
-            <a:r>
-              <a:rPr lang="en-US" sz="2400">
-                <a:latin typeface="Consolas" panose="020B0609020204030204" pitchFamily="49" charset="0"/>
-              </a:rPr>
-              <a:t>def countdown(n):</a:t>
-            </a:r>
-          </a:p>
-          <a:p>
-            <a:r>
-              <a:rPr lang="en-US" sz="2400">
-                <a:latin typeface="Consolas" panose="020B0609020204030204" pitchFamily="49" charset="0"/>
-              </a:rPr>
-              <a:t>    if n &lt;= 0:</a:t>
-            </a:r>
-          </a:p>
-          <a:p>
-            <a:r>
-              <a:rPr lang="en-US" sz="2400">
-                <a:latin typeface="Consolas" panose="020B0609020204030204" pitchFamily="49" charset="0"/>
-              </a:rPr>
-              <a:t>        print('Blastoff!')</a:t>
-            </a:r>
-          </a:p>
-          <a:p>
-            <a:r>
-              <a:rPr lang="en-US" sz="2400">
-                <a:latin typeface="Consolas" panose="020B0609020204030204" pitchFamily="49" charset="0"/>
-              </a:rPr>
-              <a:t>    else:</a:t>
-            </a:r>
-          </a:p>
-          <a:p>
-            <a:r>
-              <a:rPr lang="en-US" sz="2400">
-                <a:latin typeface="Consolas" panose="020B0609020204030204" pitchFamily="49" charset="0"/>
-              </a:rPr>
-              <a:t>        print(n)</a:t>
-            </a:r>
-          </a:p>
-          <a:p>
-            <a:r>
-              <a:rPr lang="en-US" sz="2400">
-                <a:latin typeface="Consolas" panose="020B0609020204030204" pitchFamily="49" charset="0"/>
-              </a:rPr>
-              <a:t>        countdown(n-1)</a:t>
-            </a:r>
-          </a:p>
-        </p:txBody>
-      </p:sp>
-      <p:sp>
-        <p:nvSpPr>
-          <p:cNvPr id="9" name="TextBox 8">
-            <a:extLst>
-              <a:ext uri="{FF2B5EF4-FFF2-40B4-BE49-F238E27FC236}">
-                <a16:creationId xmlns:a16="http://schemas.microsoft.com/office/drawing/2014/main" id="{79E13749-22E9-1D9D-40EF-55ADFEAE6F9E}"/>
-              </a:ext>
-            </a:extLst>
-          </p:cNvPr>
-          <p:cNvSpPr txBox="1"/>
-          <p:nvPr/>
-        </p:nvSpPr>
-        <p:spPr>
-          <a:xfrm>
-            <a:off x="465665" y="1891886"/>
-            <a:ext cx="2260602" cy="2585323"/>
+            <a:off x="9581322" y="1506022"/>
+            <a:ext cx="1932989" cy="369332"/>
           </a:xfrm>
           <a:prstGeom prst="rect">
             <a:avLst/>
@@ -40625,310 +41254,19 @@
           </a:bodyPr>
           <a:lstStyle/>
           <a:p>
-            <a:r>
-              <a:rPr lang="en-CA"/>
-              <a:t>This recursive function prints this:</a:t>
-            </a:r>
-          </a:p>
-          <a:p>
-            <a:endParaRPr lang="en-CA"/>
-          </a:p>
-          <a:p>
-            <a:r>
-              <a:rPr lang="en-CA">
-                <a:latin typeface="Consolas" panose="020B0609020204030204" pitchFamily="49" charset="0"/>
-              </a:rPr>
-              <a:t>&gt;&gt;&gt; countdown(3)</a:t>
-            </a:r>
-          </a:p>
-          <a:p>
-            <a:endParaRPr lang="en-CA">
-              <a:latin typeface="Consolas" panose="020B0609020204030204" pitchFamily="49" charset="0"/>
-            </a:endParaRPr>
-          </a:p>
-          <a:p>
-            <a:r>
-              <a:rPr lang="en-CA">
-                <a:latin typeface="Consolas" panose="020B0609020204030204" pitchFamily="49" charset="0"/>
-              </a:rPr>
-              <a:t>3</a:t>
-            </a:r>
-          </a:p>
-          <a:p>
-            <a:r>
-              <a:rPr lang="en-CA">
-                <a:latin typeface="Consolas" panose="020B0609020204030204" pitchFamily="49" charset="0"/>
-              </a:rPr>
-              <a:t>2</a:t>
-            </a:r>
-          </a:p>
-          <a:p>
-            <a:r>
-              <a:rPr lang="en-CA">
-                <a:latin typeface="Consolas" panose="020B0609020204030204" pitchFamily="49" charset="0"/>
-              </a:rPr>
-              <a:t>1</a:t>
-            </a:r>
-          </a:p>
-          <a:p>
-            <a:r>
-              <a:rPr lang="en-CA" err="1">
-                <a:latin typeface="Consolas" panose="020B0609020204030204" pitchFamily="49" charset="0"/>
-              </a:rPr>
-              <a:t>Blastoff</a:t>
-            </a:r>
-            <a:r>
-              <a:rPr lang="en-CA">
-                <a:latin typeface="Consolas" panose="020B0609020204030204" pitchFamily="49" charset="0"/>
-              </a:rPr>
-              <a:t>! </a:t>
-            </a:r>
-            <a:endParaRPr lang="en-AU">
-              <a:latin typeface="Consolas" panose="020B0609020204030204" pitchFamily="49" charset="0"/>
-            </a:endParaRPr>
-          </a:p>
-        </p:txBody>
-      </p:sp>
-      <p:sp>
-        <p:nvSpPr>
-          <p:cNvPr id="3" name="TextBox 2">
-            <a:extLst>
-              <a:ext uri="{FF2B5EF4-FFF2-40B4-BE49-F238E27FC236}">
-                <a16:creationId xmlns:a16="http://schemas.microsoft.com/office/drawing/2014/main" id="{B7113839-48DF-C446-4C4F-0B4435BB38E9}"/>
-              </a:ext>
-            </a:extLst>
-          </p:cNvPr>
-          <p:cNvSpPr txBox="1"/>
-          <p:nvPr/>
-        </p:nvSpPr>
-        <p:spPr>
-          <a:xfrm>
-            <a:off x="6265331" y="4272677"/>
-            <a:ext cx="2260602" cy="923330"/>
-          </a:xfrm>
-          <a:prstGeom prst="rect">
-            <a:avLst/>
-          </a:prstGeom>
-          <a:solidFill>
-            <a:schemeClr val="accent2">
-              <a:lumMod val="40000"/>
-              <a:lumOff val="60000"/>
-            </a:schemeClr>
-          </a:solidFill>
-        </p:spPr>
-        <p:txBody>
-          <a:bodyPr wrap="square" rtlCol="0">
-            <a:spAutoFit/>
-          </a:bodyPr>
-          <a:lstStyle/>
-          <a:p>
             <a:pPr algn="ctr"/>
             <a:r>
-              <a:rPr lang="en-CA"/>
-              <a:t>You can tell that this is recursive because it calls itself.</a:t>
-            </a:r>
-            <a:endParaRPr lang="en-AU">
-              <a:latin typeface="Consolas" panose="020B0609020204030204" pitchFamily="49" charset="0"/>
-            </a:endParaRPr>
-          </a:p>
-        </p:txBody>
-      </p:sp>
-      <p:sp>
-        <p:nvSpPr>
-          <p:cNvPr id="5" name="Rectangle 4">
-            <a:extLst>
-              <a:ext uri="{FF2B5EF4-FFF2-40B4-BE49-F238E27FC236}">
-                <a16:creationId xmlns:a16="http://schemas.microsoft.com/office/drawing/2014/main" id="{DEB88C62-A474-2DD3-9A12-A469AB3206C6}"/>
-              </a:ext>
-            </a:extLst>
-          </p:cNvPr>
-          <p:cNvSpPr/>
-          <p:nvPr/>
-        </p:nvSpPr>
-        <p:spPr>
-          <a:xfrm>
-            <a:off x="5681133" y="3598333"/>
-            <a:ext cx="2489200" cy="338667"/>
-          </a:xfrm>
-          <a:prstGeom prst="rect">
-            <a:avLst/>
-          </a:prstGeom>
-          <a:noFill/>
-          <a:ln>
-            <a:solidFill>
-              <a:srgbClr val="FF0000"/>
-            </a:solidFill>
-          </a:ln>
-        </p:spPr>
-        <p:style>
-          <a:lnRef idx="2">
-            <a:schemeClr val="accent1">
-              <a:shade val="15000"/>
-            </a:schemeClr>
-          </a:lnRef>
-          <a:fillRef idx="1">
-            <a:schemeClr val="accent1"/>
-          </a:fillRef>
-          <a:effectRef idx="0">
-            <a:schemeClr val="accent1"/>
-          </a:effectRef>
-          <a:fontRef idx="minor">
-            <a:schemeClr val="lt1"/>
-          </a:fontRef>
-        </p:style>
-        <p:txBody>
-          <a:bodyPr rtlCol="0" anchor="ctr"/>
-          <a:lstStyle/>
-          <a:p>
-            <a:pPr algn="ctr"/>
-            <a:endParaRPr lang="en-AU"/>
-          </a:p>
-        </p:txBody>
-      </p:sp>
-      <p:sp>
-        <p:nvSpPr>
-          <p:cNvPr id="6" name="Rectangle 5">
-            <a:extLst>
-              <a:ext uri="{FF2B5EF4-FFF2-40B4-BE49-F238E27FC236}">
-                <a16:creationId xmlns:a16="http://schemas.microsoft.com/office/drawing/2014/main" id="{A038F4BB-9565-6E4F-5773-CEDB2288B25E}"/>
-              </a:ext>
-            </a:extLst>
-          </p:cNvPr>
-          <p:cNvSpPr/>
-          <p:nvPr/>
-        </p:nvSpPr>
-        <p:spPr>
-          <a:xfrm>
-            <a:off x="5020731" y="1722552"/>
-            <a:ext cx="2057402" cy="402581"/>
-          </a:xfrm>
-          <a:prstGeom prst="rect">
-            <a:avLst/>
-          </a:prstGeom>
-          <a:noFill/>
-          <a:ln>
-            <a:solidFill>
-              <a:srgbClr val="FF0000"/>
-            </a:solidFill>
-          </a:ln>
-        </p:spPr>
-        <p:style>
-          <a:lnRef idx="2">
-            <a:schemeClr val="accent1">
-              <a:shade val="15000"/>
-            </a:schemeClr>
-          </a:lnRef>
-          <a:fillRef idx="1">
-            <a:schemeClr val="accent1"/>
-          </a:fillRef>
-          <a:effectRef idx="0">
-            <a:schemeClr val="accent1"/>
-          </a:effectRef>
-          <a:fontRef idx="minor">
-            <a:schemeClr val="lt1"/>
-          </a:fontRef>
-        </p:style>
-        <p:txBody>
-          <a:bodyPr rtlCol="0" anchor="ctr"/>
-          <a:lstStyle/>
-          <a:p>
-            <a:pPr algn="ctr"/>
-            <a:endParaRPr lang="en-AU"/>
-          </a:p>
-        </p:txBody>
-      </p:sp>
-      <p:sp>
-        <p:nvSpPr>
-          <p:cNvPr id="7" name="TextBox 6">
-            <a:extLst>
-              <a:ext uri="{FF2B5EF4-FFF2-40B4-BE49-F238E27FC236}">
-                <a16:creationId xmlns:a16="http://schemas.microsoft.com/office/drawing/2014/main" id="{76124B1B-AE29-61A2-E7E8-266E39D0437C}"/>
-              </a:ext>
-            </a:extLst>
-          </p:cNvPr>
-          <p:cNvSpPr txBox="1"/>
-          <p:nvPr/>
-        </p:nvSpPr>
-        <p:spPr>
-          <a:xfrm>
-            <a:off x="9033931" y="4244552"/>
-            <a:ext cx="2260602" cy="1200329"/>
-          </a:xfrm>
-          <a:prstGeom prst="rect">
-            <a:avLst/>
-          </a:prstGeom>
-          <a:solidFill>
-            <a:schemeClr val="accent2">
-              <a:lumMod val="40000"/>
-              <a:lumOff val="60000"/>
-            </a:schemeClr>
-          </a:solidFill>
-        </p:spPr>
-        <p:txBody>
-          <a:bodyPr wrap="square" rtlCol="0">
-            <a:spAutoFit/>
-          </a:bodyPr>
-          <a:lstStyle/>
-          <a:p>
-            <a:pPr algn="ctr"/>
-            <a:r>
-              <a:rPr lang="en-CA"/>
-              <a:t>Importantly, it is called with n-1. This ensures it will eventually stop.</a:t>
-            </a:r>
-            <a:endParaRPr lang="en-AU">
-              <a:latin typeface="Consolas" panose="020B0609020204030204" pitchFamily="49" charset="0"/>
-            </a:endParaRPr>
-          </a:p>
-        </p:txBody>
-      </p:sp>
-      <p:cxnSp>
-        <p:nvCxnSpPr>
-          <p:cNvPr id="11" name="Connector: Curved 10">
-            <a:extLst>
-              <a:ext uri="{FF2B5EF4-FFF2-40B4-BE49-F238E27FC236}">
-                <a16:creationId xmlns:a16="http://schemas.microsoft.com/office/drawing/2014/main" id="{061EE6AD-760F-56D9-1346-733D7043CB84}"/>
-              </a:ext>
-            </a:extLst>
-          </p:cNvPr>
-          <p:cNvCxnSpPr>
-            <a:cxnSpLocks/>
-          </p:cNvCxnSpPr>
-          <p:nvPr/>
-        </p:nvCxnSpPr>
-        <p:spPr>
-          <a:xfrm flipH="1" flipV="1">
-            <a:off x="7078133" y="1789043"/>
-            <a:ext cx="1092200" cy="1978624"/>
-          </a:xfrm>
-          <a:prstGeom prst="curvedConnector4">
-            <a:avLst>
-              <a:gd name="adj1" fmla="val -63154"/>
-              <a:gd name="adj2" fmla="val 104512"/>
-            </a:avLst>
-          </a:prstGeom>
-          <a:ln>
-            <a:tailEnd type="triangle"/>
-          </a:ln>
-        </p:spPr>
-        <p:style>
-          <a:lnRef idx="2">
-            <a:schemeClr val="accent1"/>
-          </a:lnRef>
-          <a:fillRef idx="0">
-            <a:schemeClr val="accent1"/>
-          </a:fillRef>
-          <a:effectRef idx="1">
-            <a:schemeClr val="accent1"/>
-          </a:effectRef>
-          <a:fontRef idx="minor">
-            <a:schemeClr val="tx1"/>
-          </a:fontRef>
-        </p:style>
-      </p:cxnSp>
+              <a:rPr lang="en-CA" dirty="0"/>
+              <a:t>See mystery7.py</a:t>
+            </a:r>
+            <a:endParaRPr lang="en-AU" dirty="0"/>
+          </a:p>
+        </p:txBody>
+      </p:sp>
     </p:spTree>
     <p:extLst>
       <p:ext uri="{BB962C8B-B14F-4D97-AF65-F5344CB8AC3E}">
-        <p14:creationId xmlns:p14="http://schemas.microsoft.com/office/powerpoint/2010/main" val="4088079527"/>
+        <p14:creationId xmlns:p14="http://schemas.microsoft.com/office/powerpoint/2010/main" val="3682634751"/>
       </p:ext>
     </p:extLst>
   </p:cSld>
@@ -40946,7 +41284,7 @@
         <p:cNvPr id="1" name="">
           <a:extLst>
             <a:ext uri="{FF2B5EF4-FFF2-40B4-BE49-F238E27FC236}">
-              <a16:creationId xmlns:a16="http://schemas.microsoft.com/office/drawing/2014/main" id="{07BE68E4-8FEA-3425-0629-826664B62912}"/>
+              <a16:creationId xmlns:a16="http://schemas.microsoft.com/office/drawing/2014/main" id="{D97B8595-A40B-3F30-FF56-6AE880EE2F25}"/>
             </a:ext>
           </a:extLst>
         </p:cNvPr>
@@ -40963,10 +41301,146 @@
       </p:grpSpPr>
       <p:sp>
         <p:nvSpPr>
-          <p:cNvPr id="2" name="Title 1">
-            <a:extLst>
-              <a:ext uri="{FF2B5EF4-FFF2-40B4-BE49-F238E27FC236}">
-                <a16:creationId xmlns:a16="http://schemas.microsoft.com/office/drawing/2014/main" id="{D4DE1E7B-F896-6BC5-7E4F-8EDA435A37C5}"/>
+          <p:cNvPr id="4" name="Slide Number Placeholder 3">
+            <a:extLst>
+              <a:ext uri="{FF2B5EF4-FFF2-40B4-BE49-F238E27FC236}">
+                <a16:creationId xmlns:a16="http://schemas.microsoft.com/office/drawing/2014/main" id="{9248C990-EEF3-79C7-33A6-88872770E4AC}"/>
+              </a:ext>
+            </a:extLst>
+          </p:cNvPr>
+          <p:cNvSpPr>
+            <a:spLocks noGrp="1"/>
+          </p:cNvSpPr>
+          <p:nvPr>
+            <p:ph type="sldNum" sz="quarter" idx="12"/>
+          </p:nvPr>
+        </p:nvSpPr>
+        <p:spPr/>
+        <p:txBody>
+          <a:bodyPr/>
+          <a:lstStyle/>
+          <a:p>
+            <a:fld id="{CBA0A0CD-12E5-4065-8C87-26D031211F61}" type="slidenum">
+              <a:rPr lang="en-AU" smtClean="0"/>
+              <a:t>81</a:t>
+            </a:fld>
+            <a:endParaRPr lang="en-AU"/>
+          </a:p>
+        </p:txBody>
+      </p:sp>
+      <p:sp>
+        <p:nvSpPr>
+          <p:cNvPr id="8" name="TextBox 7">
+            <a:extLst>
+              <a:ext uri="{FF2B5EF4-FFF2-40B4-BE49-F238E27FC236}">
+                <a16:creationId xmlns:a16="http://schemas.microsoft.com/office/drawing/2014/main" id="{60E9EBE6-68B9-8B53-3E33-D25691CB26C7}"/>
+              </a:ext>
+            </a:extLst>
+          </p:cNvPr>
+          <p:cNvSpPr txBox="1"/>
+          <p:nvPr/>
+        </p:nvSpPr>
+        <p:spPr>
+          <a:xfrm>
+            <a:off x="2322786" y="2216719"/>
+            <a:ext cx="7659414" cy="3785652"/>
+          </a:xfrm>
+          <a:prstGeom prst="rect">
+            <a:avLst/>
+          </a:prstGeom>
+          <a:noFill/>
+        </p:spPr>
+        <p:txBody>
+          <a:bodyPr wrap="square" rtlCol="0">
+            <a:spAutoFit/>
+          </a:bodyPr>
+          <a:lstStyle/>
+          <a:p>
+            <a:r>
+              <a:rPr lang="en-US" sz="4000" dirty="0">
+                <a:latin typeface="Consolas" panose="020B0609020204030204" pitchFamily="49" charset="0"/>
+              </a:rPr>
+              <a:t>def mystery(n):</a:t>
+            </a:r>
+          </a:p>
+          <a:p>
+            <a:r>
+              <a:rPr lang="en-US" sz="4000" dirty="0">
+                <a:latin typeface="Consolas" panose="020B0609020204030204" pitchFamily="49" charset="0"/>
+              </a:rPr>
+              <a:t>   if </a:t>
+            </a:r>
+            <a:r>
+              <a:rPr lang="en-US" sz="4000" dirty="0">
+                <a:highlight>
+                  <a:srgbClr val="FFFF00"/>
+                </a:highlight>
+                <a:latin typeface="Consolas" panose="020B0609020204030204" pitchFamily="49" charset="0"/>
+              </a:rPr>
+              <a:t>n &lt; 1</a:t>
+            </a:r>
+            <a:r>
+              <a:rPr lang="en-US" sz="4000" dirty="0">
+                <a:latin typeface="Consolas" panose="020B0609020204030204" pitchFamily="49" charset="0"/>
+              </a:rPr>
+              <a:t>:</a:t>
+            </a:r>
+          </a:p>
+          <a:p>
+            <a:r>
+              <a:rPr lang="en-US" sz="4000" dirty="0">
+                <a:latin typeface="Consolas" panose="020B0609020204030204" pitchFamily="49" charset="0"/>
+              </a:rPr>
+              <a:t>      return</a:t>
+            </a:r>
+          </a:p>
+          <a:p>
+            <a:r>
+              <a:rPr lang="en-US" sz="4000" dirty="0">
+                <a:latin typeface="Consolas" panose="020B0609020204030204" pitchFamily="49" charset="0"/>
+              </a:rPr>
+              <a:t>   else:</a:t>
+            </a:r>
+          </a:p>
+          <a:p>
+            <a:r>
+              <a:rPr lang="en-US" sz="4000" dirty="0">
+                <a:latin typeface="Consolas" panose="020B0609020204030204" pitchFamily="49" charset="0"/>
+              </a:rPr>
+              <a:t>      print('calling ...')</a:t>
+            </a:r>
+          </a:p>
+          <a:p>
+            <a:r>
+              <a:rPr lang="en-US" sz="4000" dirty="0">
+                <a:latin typeface="Consolas" panose="020B0609020204030204" pitchFamily="49" charset="0"/>
+              </a:rPr>
+              <a:t>      mystery(</a:t>
+            </a:r>
+            <a:r>
+              <a:rPr lang="en-US" sz="4000" dirty="0">
+                <a:highlight>
+                  <a:srgbClr val="FFFF00"/>
+                </a:highlight>
+                <a:latin typeface="Consolas" panose="020B0609020204030204" pitchFamily="49" charset="0"/>
+              </a:rPr>
+              <a:t>n - 1</a:t>
+            </a:r>
+            <a:r>
+              <a:rPr lang="en-US" sz="4000" dirty="0">
+                <a:latin typeface="Consolas" panose="020B0609020204030204" pitchFamily="49" charset="0"/>
+              </a:rPr>
+              <a:t>)</a:t>
+            </a:r>
+          </a:p>
+        </p:txBody>
+      </p:sp>
+      <p:sp>
+        <p:nvSpPr>
+          <p:cNvPr id="5" name="Title 4">
+            <a:extLst>
+              <a:ext uri="{FF2B5EF4-FFF2-40B4-BE49-F238E27FC236}">
+                <a16:creationId xmlns:a16="http://schemas.microsoft.com/office/drawing/2014/main" id="{E733F7CC-23AD-F956-CD58-6D47A4F0B7E7}"/>
               </a:ext>
             </a:extLst>
           </p:cNvPr>
@@ -40979,66 +41453,55 @@
         </p:nvSpPr>
         <p:spPr>
           <a:xfrm>
-            <a:off x="465665" y="203993"/>
-            <a:ext cx="3454402" cy="1325563"/>
-          </a:xfrm>
-        </p:spPr>
-        <p:txBody>
-          <a:bodyPr>
-            <a:normAutofit/>
-          </a:bodyPr>
-          <a:lstStyle/>
-          <a:p>
-            <a:r>
-              <a:rPr lang="en-CA"/>
-              <a:t>Recursive</a:t>
-            </a:r>
-            <a:br>
-              <a:rPr lang="en-CA"/>
-            </a:br>
-            <a:r>
-              <a:rPr lang="en-CA"/>
-              <a:t>Functions </a:t>
-            </a:r>
-            <a:endParaRPr lang="en-AU"/>
-          </a:p>
-        </p:txBody>
-      </p:sp>
-      <p:sp>
-        <p:nvSpPr>
-          <p:cNvPr id="4" name="Slide Number Placeholder 3">
-            <a:extLst>
-              <a:ext uri="{FF2B5EF4-FFF2-40B4-BE49-F238E27FC236}">
-                <a16:creationId xmlns:a16="http://schemas.microsoft.com/office/drawing/2014/main" id="{85A9728B-84AC-9608-A3AC-EE2677EDF30A}"/>
-              </a:ext>
-            </a:extLst>
-          </p:cNvPr>
-          <p:cNvSpPr>
-            <a:spLocks noGrp="1"/>
-          </p:cNvSpPr>
-          <p:nvPr>
-            <p:ph type="sldNum" sz="quarter" idx="12"/>
-          </p:nvPr>
-        </p:nvSpPr>
-        <p:spPr/>
+            <a:off x="409903" y="365125"/>
+            <a:ext cx="10943897" cy="1325563"/>
+          </a:xfrm>
+        </p:spPr>
         <p:txBody>
           <a:bodyPr/>
           <a:lstStyle/>
           <a:p>
-            <a:fld id="{CBA0A0CD-12E5-4065-8C87-26D031211F61}" type="slidenum">
-              <a:rPr lang="en-AU" smtClean="0"/>
-              <a:t>81</a:t>
-            </a:fld>
-            <a:endParaRPr lang="en-AU"/>
-          </a:p>
-        </p:txBody>
-      </p:sp>
-      <p:sp>
-        <p:nvSpPr>
-          <p:cNvPr id="8" name="TextBox 7">
-            <a:extLst>
-              <a:ext uri="{FF2B5EF4-FFF2-40B4-BE49-F238E27FC236}">
-                <a16:creationId xmlns:a16="http://schemas.microsoft.com/office/drawing/2014/main" id="{60374B7A-A59D-5407-0587-60249F20EA5C}"/>
+            <a:r>
+              <a:rPr lang="en-US" dirty="0"/>
+              <a:t>What happens when you call </a:t>
+            </a:r>
+            <a:r>
+              <a:rPr lang="en-US" dirty="0">
+                <a:latin typeface="Consolas" panose="020B0609020204030204" pitchFamily="49" charset="0"/>
+                <a:cs typeface="Consolas" panose="020B0609020204030204" pitchFamily="49" charset="0"/>
+              </a:rPr>
+              <a:t>mystery(</a:t>
+            </a:r>
+            <a:r>
+              <a:rPr lang="en-US" dirty="0">
+                <a:highlight>
+                  <a:srgbClr val="FFFF00"/>
+                </a:highlight>
+                <a:latin typeface="Consolas" panose="020B0609020204030204" pitchFamily="49" charset="0"/>
+                <a:cs typeface="Consolas" panose="020B0609020204030204" pitchFamily="49" charset="0"/>
+              </a:rPr>
+              <a:t>5</a:t>
+            </a:r>
+            <a:r>
+              <a:rPr lang="en-US" dirty="0">
+                <a:latin typeface="Consolas" panose="020B0609020204030204" pitchFamily="49" charset="0"/>
+                <a:cs typeface="Consolas" panose="020B0609020204030204" pitchFamily="49" charset="0"/>
+              </a:rPr>
+              <a:t>)</a:t>
+            </a:r>
+            <a:r>
+              <a:rPr lang="en-US" dirty="0"/>
+              <a:t> ?</a:t>
+            </a:r>
+          </a:p>
+        </p:txBody>
+      </p:sp>
+      <p:sp>
+        <p:nvSpPr>
+          <p:cNvPr id="2" name="TextBox 1">
+            <a:extLst>
+              <a:ext uri="{FF2B5EF4-FFF2-40B4-BE49-F238E27FC236}">
+                <a16:creationId xmlns:a16="http://schemas.microsoft.com/office/drawing/2014/main" id="{15F52271-3EEF-EBF8-3A72-16E6FEEE1973}"/>
               </a:ext>
             </a:extLst>
           </p:cNvPr>
@@ -41047,85 +41510,8 @@
         </p:nvSpPr>
         <p:spPr>
           <a:xfrm>
-            <a:off x="4284133" y="1690118"/>
-            <a:ext cx="5020733" cy="2308324"/>
-          </a:xfrm>
-          <a:prstGeom prst="rect">
-            <a:avLst/>
-          </a:prstGeom>
-          <a:noFill/>
-        </p:spPr>
-        <p:txBody>
-          <a:bodyPr wrap="square" rtlCol="0">
-            <a:spAutoFit/>
-          </a:bodyPr>
-          <a:lstStyle/>
-          <a:p>
-            <a:r>
-              <a:rPr lang="en-US" sz="2400">
-                <a:latin typeface="Consolas" panose="020B0609020204030204" pitchFamily="49" charset="0"/>
-              </a:rPr>
-              <a:t>def countdown(n):</a:t>
-            </a:r>
-          </a:p>
-          <a:p>
-            <a:r>
-              <a:rPr lang="en-US" sz="2400">
-                <a:latin typeface="Consolas" panose="020B0609020204030204" pitchFamily="49" charset="0"/>
-              </a:rPr>
-              <a:t>    if n &lt;= 0:</a:t>
-            </a:r>
-          </a:p>
-          <a:p>
-            <a:r>
-              <a:rPr lang="en-US" sz="2400">
-                <a:latin typeface="Consolas" panose="020B0609020204030204" pitchFamily="49" charset="0"/>
-              </a:rPr>
-              <a:t>        print('Blastoff!')</a:t>
-            </a:r>
-          </a:p>
-          <a:p>
-            <a:r>
-              <a:rPr lang="en-US" sz="2400">
-                <a:latin typeface="Consolas" panose="020B0609020204030204" pitchFamily="49" charset="0"/>
-              </a:rPr>
-              <a:t>    else:</a:t>
-            </a:r>
-          </a:p>
-          <a:p>
-            <a:r>
-              <a:rPr lang="en-US" sz="2400">
-                <a:latin typeface="Consolas" panose="020B0609020204030204" pitchFamily="49" charset="0"/>
-              </a:rPr>
-              <a:t>        print(n)</a:t>
-            </a:r>
-          </a:p>
-          <a:p>
-            <a:r>
-              <a:rPr lang="en-US" sz="2400">
-                <a:latin typeface="Consolas" panose="020B0609020204030204" pitchFamily="49" charset="0"/>
-              </a:rPr>
-              <a:t>        countdown(n-1)</a:t>
-            </a:r>
-          </a:p>
-        </p:txBody>
-      </p:sp>
-      <p:sp>
-        <p:nvSpPr>
-          <p:cNvPr id="9" name="TextBox 8">
-            <a:extLst>
-              <a:ext uri="{FF2B5EF4-FFF2-40B4-BE49-F238E27FC236}">
-                <a16:creationId xmlns:a16="http://schemas.microsoft.com/office/drawing/2014/main" id="{0B763AAF-541F-3D50-3884-3DE9B3076E5D}"/>
-              </a:ext>
-            </a:extLst>
-          </p:cNvPr>
-          <p:cNvSpPr txBox="1"/>
-          <p:nvPr/>
-        </p:nvSpPr>
-        <p:spPr>
-          <a:xfrm>
-            <a:off x="465665" y="1891886"/>
-            <a:ext cx="2260602" cy="2585323"/>
+            <a:off x="9581322" y="1506022"/>
+            <a:ext cx="1932989" cy="369332"/>
           </a:xfrm>
           <a:prstGeom prst="rect">
             <a:avLst/>
@@ -41143,170 +41529,19 @@
           </a:bodyPr>
           <a:lstStyle/>
           <a:p>
-            <a:r>
-              <a:rPr lang="en-CA"/>
-              <a:t>This recursive function prints this:</a:t>
-            </a:r>
-          </a:p>
-          <a:p>
-            <a:endParaRPr lang="en-CA"/>
-          </a:p>
-          <a:p>
-            <a:r>
-              <a:rPr lang="en-CA">
-                <a:latin typeface="Consolas" panose="020B0609020204030204" pitchFamily="49" charset="0"/>
-              </a:rPr>
-              <a:t>&gt;&gt;&gt; countdown(3)</a:t>
-            </a:r>
-          </a:p>
-          <a:p>
-            <a:endParaRPr lang="en-CA">
-              <a:latin typeface="Consolas" panose="020B0609020204030204" pitchFamily="49" charset="0"/>
-            </a:endParaRPr>
-          </a:p>
-          <a:p>
-            <a:r>
-              <a:rPr lang="en-CA">
-                <a:latin typeface="Consolas" panose="020B0609020204030204" pitchFamily="49" charset="0"/>
-              </a:rPr>
-              <a:t>3</a:t>
-            </a:r>
-          </a:p>
-          <a:p>
-            <a:r>
-              <a:rPr lang="en-CA">
-                <a:latin typeface="Consolas" panose="020B0609020204030204" pitchFamily="49" charset="0"/>
-              </a:rPr>
-              <a:t>2</a:t>
-            </a:r>
-          </a:p>
-          <a:p>
-            <a:r>
-              <a:rPr lang="en-CA">
-                <a:latin typeface="Consolas" panose="020B0609020204030204" pitchFamily="49" charset="0"/>
-              </a:rPr>
-              <a:t>1</a:t>
-            </a:r>
-          </a:p>
-          <a:p>
-            <a:r>
-              <a:rPr lang="en-CA" err="1">
-                <a:latin typeface="Consolas" panose="020B0609020204030204" pitchFamily="49" charset="0"/>
-              </a:rPr>
-              <a:t>Blastoff</a:t>
-            </a:r>
-            <a:r>
-              <a:rPr lang="en-CA">
-                <a:latin typeface="Consolas" panose="020B0609020204030204" pitchFamily="49" charset="0"/>
-              </a:rPr>
-              <a:t>! </a:t>
-            </a:r>
-            <a:endParaRPr lang="en-AU">
-              <a:latin typeface="Consolas" panose="020B0609020204030204" pitchFamily="49" charset="0"/>
-            </a:endParaRPr>
-          </a:p>
-        </p:txBody>
-      </p:sp>
-      <p:sp>
-        <p:nvSpPr>
-          <p:cNvPr id="6" name="Rectangle 5">
-            <a:extLst>
-              <a:ext uri="{FF2B5EF4-FFF2-40B4-BE49-F238E27FC236}">
-                <a16:creationId xmlns:a16="http://schemas.microsoft.com/office/drawing/2014/main" id="{25DBCDAC-2D3A-2ADB-11D0-52DE9134EAD4}"/>
-              </a:ext>
-            </a:extLst>
-          </p:cNvPr>
-          <p:cNvSpPr/>
-          <p:nvPr/>
-        </p:nvSpPr>
-        <p:spPr>
-          <a:xfrm>
-            <a:off x="4944531" y="2103552"/>
-            <a:ext cx="4089400" cy="2011248"/>
-          </a:xfrm>
-          <a:prstGeom prst="rect">
-            <a:avLst/>
-          </a:prstGeom>
-          <a:noFill/>
-          <a:ln>
-            <a:solidFill>
-              <a:srgbClr val="FF0000"/>
-            </a:solidFill>
-          </a:ln>
-        </p:spPr>
-        <p:style>
-          <a:lnRef idx="2">
-            <a:schemeClr val="accent1">
-              <a:shade val="15000"/>
-            </a:schemeClr>
-          </a:lnRef>
-          <a:fillRef idx="1">
-            <a:schemeClr val="accent1"/>
-          </a:fillRef>
-          <a:effectRef idx="0">
-            <a:schemeClr val="accent1"/>
-          </a:effectRef>
-          <a:fontRef idx="minor">
-            <a:schemeClr val="lt1"/>
-          </a:fontRef>
-        </p:style>
-        <p:txBody>
-          <a:bodyPr rtlCol="0" anchor="ctr"/>
-          <a:lstStyle/>
-          <a:p>
             <a:pPr algn="ctr"/>
-            <a:endParaRPr lang="en-AU"/>
-          </a:p>
-        </p:txBody>
-      </p:sp>
-      <p:sp>
-        <p:nvSpPr>
-          <p:cNvPr id="7" name="TextBox 6">
-            <a:extLst>
-              <a:ext uri="{FF2B5EF4-FFF2-40B4-BE49-F238E27FC236}">
-                <a16:creationId xmlns:a16="http://schemas.microsoft.com/office/drawing/2014/main" id="{538DCC9D-D758-10EB-79F5-25518EE4BF6C}"/>
-              </a:ext>
-            </a:extLst>
-          </p:cNvPr>
-          <p:cNvSpPr txBox="1"/>
-          <p:nvPr/>
-        </p:nvSpPr>
-        <p:spPr>
-          <a:xfrm>
-            <a:off x="9465733" y="1643951"/>
-            <a:ext cx="2260602" cy="1200329"/>
-          </a:xfrm>
-          <a:prstGeom prst="rect">
-            <a:avLst/>
-          </a:prstGeom>
-          <a:solidFill>
-            <a:schemeClr val="accent2">
-              <a:lumMod val="40000"/>
-              <a:lumOff val="60000"/>
-            </a:schemeClr>
-          </a:solidFill>
-        </p:spPr>
-        <p:txBody>
-          <a:bodyPr wrap="square" rtlCol="0">
-            <a:spAutoFit/>
-          </a:bodyPr>
-          <a:lstStyle/>
-          <a:p>
-            <a:pPr algn="ctr"/>
-            <a:r>
-              <a:rPr lang="en-CA"/>
-              <a:t>Useful recursive functions are usually structured as if-statements.</a:t>
-            </a:r>
-            <a:endParaRPr lang="en-AU">
-              <a:latin typeface="Consolas" panose="020B0609020204030204" pitchFamily="49" charset="0"/>
-            </a:endParaRPr>
+            <a:r>
+              <a:rPr lang="en-CA" dirty="0"/>
+              <a:t>See mystery8.py</a:t>
+            </a:r>
+            <a:endParaRPr lang="en-AU" dirty="0"/>
           </a:p>
         </p:txBody>
       </p:sp>
     </p:spTree>
     <p:extLst>
       <p:ext uri="{BB962C8B-B14F-4D97-AF65-F5344CB8AC3E}">
-        <p14:creationId xmlns:p14="http://schemas.microsoft.com/office/powerpoint/2010/main" val="258802373"/>
+        <p14:creationId xmlns:p14="http://schemas.microsoft.com/office/powerpoint/2010/main" val="2331652611"/>
       </p:ext>
     </p:extLst>
   </p:cSld>
@@ -41324,7 +41559,7 @@
         <p:cNvPr id="1" name="">
           <a:extLst>
             <a:ext uri="{FF2B5EF4-FFF2-40B4-BE49-F238E27FC236}">
-              <a16:creationId xmlns:a16="http://schemas.microsoft.com/office/drawing/2014/main" id="{368CB0A2-B3ED-E5B5-9056-95DF0720597D}"/>
+              <a16:creationId xmlns:a16="http://schemas.microsoft.com/office/drawing/2014/main" id="{F96B0E2A-BC7A-292F-7265-5BD8CD582696}"/>
             </a:ext>
           </a:extLst>
         </p:cNvPr>
@@ -41341,10 +41576,155 @@
       </p:grpSpPr>
       <p:sp>
         <p:nvSpPr>
-          <p:cNvPr id="2" name="Title 1">
-            <a:extLst>
-              <a:ext uri="{FF2B5EF4-FFF2-40B4-BE49-F238E27FC236}">
-                <a16:creationId xmlns:a16="http://schemas.microsoft.com/office/drawing/2014/main" id="{74E12CBC-7E2B-5ED5-517D-8FB1B02BAD64}"/>
+          <p:cNvPr id="4" name="Slide Number Placeholder 3">
+            <a:extLst>
+              <a:ext uri="{FF2B5EF4-FFF2-40B4-BE49-F238E27FC236}">
+                <a16:creationId xmlns:a16="http://schemas.microsoft.com/office/drawing/2014/main" id="{C6CA1D7A-8D54-793F-948B-3BA5506597A7}"/>
+              </a:ext>
+            </a:extLst>
+          </p:cNvPr>
+          <p:cNvSpPr>
+            <a:spLocks noGrp="1"/>
+          </p:cNvSpPr>
+          <p:nvPr>
+            <p:ph type="sldNum" sz="quarter" idx="12"/>
+          </p:nvPr>
+        </p:nvSpPr>
+        <p:spPr/>
+        <p:txBody>
+          <a:bodyPr/>
+          <a:lstStyle/>
+          <a:p>
+            <a:fld id="{CBA0A0CD-12E5-4065-8C87-26D031211F61}" type="slidenum">
+              <a:rPr lang="en-AU" smtClean="0"/>
+              <a:t>82</a:t>
+            </a:fld>
+            <a:endParaRPr lang="en-AU"/>
+          </a:p>
+        </p:txBody>
+      </p:sp>
+      <p:sp>
+        <p:nvSpPr>
+          <p:cNvPr id="8" name="TextBox 7">
+            <a:extLst>
+              <a:ext uri="{FF2B5EF4-FFF2-40B4-BE49-F238E27FC236}">
+                <a16:creationId xmlns:a16="http://schemas.microsoft.com/office/drawing/2014/main" id="{C4C4F505-B25D-4D13-EFDD-5302E56CC8C2}"/>
+              </a:ext>
+            </a:extLst>
+          </p:cNvPr>
+          <p:cNvSpPr txBox="1"/>
+          <p:nvPr/>
+        </p:nvSpPr>
+        <p:spPr>
+          <a:xfrm>
+            <a:off x="2322786" y="2216719"/>
+            <a:ext cx="7659414" cy="3785652"/>
+          </a:xfrm>
+          <a:prstGeom prst="rect">
+            <a:avLst/>
+          </a:prstGeom>
+          <a:noFill/>
+        </p:spPr>
+        <p:txBody>
+          <a:bodyPr wrap="square" rtlCol="0">
+            <a:spAutoFit/>
+          </a:bodyPr>
+          <a:lstStyle/>
+          <a:p>
+            <a:r>
+              <a:rPr lang="en-US" sz="4000" dirty="0">
+                <a:latin typeface="Consolas" panose="020B0609020204030204" pitchFamily="49" charset="0"/>
+              </a:rPr>
+              <a:t>def </a:t>
+            </a:r>
+            <a:r>
+              <a:rPr lang="en-US" sz="4000" dirty="0" err="1">
+                <a:highlight>
+                  <a:srgbClr val="FFFF00"/>
+                </a:highlight>
+                <a:latin typeface="Consolas" panose="020B0609020204030204" pitchFamily="49" charset="0"/>
+              </a:rPr>
+              <a:t>count_down</a:t>
+            </a:r>
+            <a:r>
+              <a:rPr lang="en-US" sz="4000" dirty="0">
+                <a:latin typeface="Consolas" panose="020B0609020204030204" pitchFamily="49" charset="0"/>
+              </a:rPr>
+              <a:t>(n):</a:t>
+            </a:r>
+          </a:p>
+          <a:p>
+            <a:r>
+              <a:rPr lang="en-US" sz="4000" dirty="0">
+                <a:latin typeface="Consolas" panose="020B0609020204030204" pitchFamily="49" charset="0"/>
+              </a:rPr>
+              <a:t>   if n &lt; 1:</a:t>
+            </a:r>
+          </a:p>
+          <a:p>
+            <a:r>
+              <a:rPr lang="en-US" sz="4000" dirty="0">
+                <a:latin typeface="Consolas" panose="020B0609020204030204" pitchFamily="49" charset="0"/>
+              </a:rPr>
+              <a:t>      return</a:t>
+            </a:r>
+          </a:p>
+          <a:p>
+            <a:r>
+              <a:rPr lang="en-US" sz="4000" dirty="0">
+                <a:latin typeface="Consolas" panose="020B0609020204030204" pitchFamily="49" charset="0"/>
+              </a:rPr>
+              <a:t>   else:</a:t>
+            </a:r>
+          </a:p>
+          <a:p>
+            <a:r>
+              <a:rPr lang="en-US" sz="4000" dirty="0">
+                <a:latin typeface="Consolas" panose="020B0609020204030204" pitchFamily="49" charset="0"/>
+              </a:rPr>
+              <a:t>      </a:t>
+            </a:r>
+            <a:r>
+              <a:rPr lang="en-US" sz="4000" dirty="0">
+                <a:highlight>
+                  <a:srgbClr val="FFFF00"/>
+                </a:highlight>
+                <a:latin typeface="Consolas" panose="020B0609020204030204" pitchFamily="49" charset="0"/>
+              </a:rPr>
+              <a:t>print(n)</a:t>
+            </a:r>
+          </a:p>
+          <a:p>
+            <a:r>
+              <a:rPr lang="en-US" sz="4000" dirty="0">
+                <a:latin typeface="Consolas" panose="020B0609020204030204" pitchFamily="49" charset="0"/>
+              </a:rPr>
+              <a:t>      </a:t>
+            </a:r>
+            <a:r>
+              <a:rPr lang="en-US" sz="4000" dirty="0" err="1">
+                <a:highlight>
+                  <a:srgbClr val="FFFF00"/>
+                </a:highlight>
+                <a:latin typeface="Consolas" panose="020B0609020204030204" pitchFamily="49" charset="0"/>
+              </a:rPr>
+              <a:t>count_down</a:t>
+            </a:r>
+            <a:r>
+              <a:rPr lang="en-US" sz="4000" dirty="0">
+                <a:latin typeface="Consolas" panose="020B0609020204030204" pitchFamily="49" charset="0"/>
+              </a:rPr>
+              <a:t>(n - 1)</a:t>
+            </a:r>
+          </a:p>
+        </p:txBody>
+      </p:sp>
+      <p:sp>
+        <p:nvSpPr>
+          <p:cNvPr id="5" name="Title 4">
+            <a:extLst>
+              <a:ext uri="{FF2B5EF4-FFF2-40B4-BE49-F238E27FC236}">
+                <a16:creationId xmlns:a16="http://schemas.microsoft.com/office/drawing/2014/main" id="{E767F971-B002-3B8B-A763-2EECC6CF76A6}"/>
               </a:ext>
             </a:extLst>
           </p:cNvPr>
@@ -41357,66 +41737,48 @@
         </p:nvSpPr>
         <p:spPr>
           <a:xfrm>
-            <a:off x="465665" y="203993"/>
-            <a:ext cx="3454402" cy="1325563"/>
-          </a:xfrm>
-        </p:spPr>
-        <p:txBody>
-          <a:bodyPr>
-            <a:normAutofit/>
-          </a:bodyPr>
-          <a:lstStyle/>
-          <a:p>
-            <a:r>
-              <a:rPr lang="en-CA"/>
-              <a:t>Recursive</a:t>
-            </a:r>
-            <a:br>
-              <a:rPr lang="en-CA"/>
-            </a:br>
-            <a:r>
-              <a:rPr lang="en-CA"/>
-              <a:t>Functions </a:t>
-            </a:r>
-            <a:endParaRPr lang="en-AU"/>
-          </a:p>
-        </p:txBody>
-      </p:sp>
-      <p:sp>
-        <p:nvSpPr>
-          <p:cNvPr id="4" name="Slide Number Placeholder 3">
-            <a:extLst>
-              <a:ext uri="{FF2B5EF4-FFF2-40B4-BE49-F238E27FC236}">
-                <a16:creationId xmlns:a16="http://schemas.microsoft.com/office/drawing/2014/main" id="{9D82EB5F-9C0D-ED5E-E0AC-1E0F82DDA121}"/>
-              </a:ext>
-            </a:extLst>
-          </p:cNvPr>
-          <p:cNvSpPr>
-            <a:spLocks noGrp="1"/>
-          </p:cNvSpPr>
-          <p:nvPr>
-            <p:ph type="sldNum" sz="quarter" idx="12"/>
-          </p:nvPr>
-        </p:nvSpPr>
-        <p:spPr/>
+            <a:off x="409903" y="365125"/>
+            <a:ext cx="11225049" cy="1325563"/>
+          </a:xfrm>
+        </p:spPr>
         <p:txBody>
           <a:bodyPr/>
           <a:lstStyle/>
           <a:p>
-            <a:fld id="{CBA0A0CD-12E5-4065-8C87-26D031211F61}" type="slidenum">
-              <a:rPr lang="en-AU" smtClean="0"/>
-              <a:t>82</a:t>
-            </a:fld>
-            <a:endParaRPr lang="en-AU"/>
-          </a:p>
-        </p:txBody>
-      </p:sp>
-      <p:sp>
-        <p:nvSpPr>
-          <p:cNvPr id="8" name="TextBox 7">
-            <a:extLst>
-              <a:ext uri="{FF2B5EF4-FFF2-40B4-BE49-F238E27FC236}">
-                <a16:creationId xmlns:a16="http://schemas.microsoft.com/office/drawing/2014/main" id="{2B177037-D2A4-CB38-801A-2CB5241FE905}"/>
+            <a:r>
+              <a:rPr lang="en-US" dirty="0"/>
+              <a:t>What happens when you call </a:t>
+            </a:r>
+            <a:r>
+              <a:rPr lang="en-US" dirty="0" err="1">
+                <a:highlight>
+                  <a:srgbClr val="FFFF00"/>
+                </a:highlight>
+                <a:latin typeface="Consolas" panose="020B0609020204030204" pitchFamily="49" charset="0"/>
+                <a:cs typeface="Consolas" panose="020B0609020204030204" pitchFamily="49" charset="0"/>
+              </a:rPr>
+              <a:t>count_down</a:t>
+            </a:r>
+            <a:r>
+              <a:rPr lang="en-US" dirty="0">
+                <a:latin typeface="Consolas" panose="020B0609020204030204" pitchFamily="49" charset="0"/>
+                <a:cs typeface="Consolas" panose="020B0609020204030204" pitchFamily="49" charset="0"/>
+              </a:rPr>
+              <a:t>(5)</a:t>
+            </a:r>
+            <a:r>
+              <a:rPr lang="en-US" dirty="0"/>
+              <a:t> ?</a:t>
+            </a:r>
+          </a:p>
+        </p:txBody>
+      </p:sp>
+      <p:sp>
+        <p:nvSpPr>
+          <p:cNvPr id="2" name="TextBox 1">
+            <a:extLst>
+              <a:ext uri="{FF2B5EF4-FFF2-40B4-BE49-F238E27FC236}">
+                <a16:creationId xmlns:a16="http://schemas.microsoft.com/office/drawing/2014/main" id="{809EFAF4-04AD-0CD3-0582-F9BC18B2330E}"/>
               </a:ext>
             </a:extLst>
           </p:cNvPr>
@@ -41425,85 +41787,8 @@
         </p:nvSpPr>
         <p:spPr>
           <a:xfrm>
-            <a:off x="4284133" y="1690118"/>
-            <a:ext cx="5020733" cy="2308324"/>
-          </a:xfrm>
-          <a:prstGeom prst="rect">
-            <a:avLst/>
-          </a:prstGeom>
-          <a:noFill/>
-        </p:spPr>
-        <p:txBody>
-          <a:bodyPr wrap="square" rtlCol="0">
-            <a:spAutoFit/>
-          </a:bodyPr>
-          <a:lstStyle/>
-          <a:p>
-            <a:r>
-              <a:rPr lang="en-US" sz="2400">
-                <a:latin typeface="Consolas" panose="020B0609020204030204" pitchFamily="49" charset="0"/>
-              </a:rPr>
-              <a:t>def countdown(n):</a:t>
-            </a:r>
-          </a:p>
-          <a:p>
-            <a:r>
-              <a:rPr lang="en-US" sz="2400">
-                <a:latin typeface="Consolas" panose="020B0609020204030204" pitchFamily="49" charset="0"/>
-              </a:rPr>
-              <a:t>    if n &lt;= 0:</a:t>
-            </a:r>
-          </a:p>
-          <a:p>
-            <a:r>
-              <a:rPr lang="en-US" sz="2400">
-                <a:latin typeface="Consolas" panose="020B0609020204030204" pitchFamily="49" charset="0"/>
-              </a:rPr>
-              <a:t>        print('Blastoff!')</a:t>
-            </a:r>
-          </a:p>
-          <a:p>
-            <a:r>
-              <a:rPr lang="en-US" sz="2400">
-                <a:latin typeface="Consolas" panose="020B0609020204030204" pitchFamily="49" charset="0"/>
-              </a:rPr>
-              <a:t>    else:</a:t>
-            </a:r>
-          </a:p>
-          <a:p>
-            <a:r>
-              <a:rPr lang="en-US" sz="2400">
-                <a:latin typeface="Consolas" panose="020B0609020204030204" pitchFamily="49" charset="0"/>
-              </a:rPr>
-              <a:t>        print(n)</a:t>
-            </a:r>
-          </a:p>
-          <a:p>
-            <a:r>
-              <a:rPr lang="en-US" sz="2400">
-                <a:latin typeface="Consolas" panose="020B0609020204030204" pitchFamily="49" charset="0"/>
-              </a:rPr>
-              <a:t>        countdown(n-1)</a:t>
-            </a:r>
-          </a:p>
-        </p:txBody>
-      </p:sp>
-      <p:sp>
-        <p:nvSpPr>
-          <p:cNvPr id="9" name="TextBox 8">
-            <a:extLst>
-              <a:ext uri="{FF2B5EF4-FFF2-40B4-BE49-F238E27FC236}">
-                <a16:creationId xmlns:a16="http://schemas.microsoft.com/office/drawing/2014/main" id="{2CADEB44-514C-CBDE-7E94-F14E9ACA0638}"/>
-              </a:ext>
-            </a:extLst>
-          </p:cNvPr>
-          <p:cNvSpPr txBox="1"/>
-          <p:nvPr/>
-        </p:nvSpPr>
-        <p:spPr>
-          <a:xfrm>
-            <a:off x="465665" y="1891886"/>
-            <a:ext cx="2260602" cy="2585323"/>
+            <a:off x="9581322" y="1506022"/>
+            <a:ext cx="1932989" cy="369332"/>
           </a:xfrm>
           <a:prstGeom prst="rect">
             <a:avLst/>
@@ -41521,178 +41806,19 @@
           </a:bodyPr>
           <a:lstStyle/>
           <a:p>
-            <a:r>
-              <a:rPr lang="en-CA"/>
-              <a:t>This recursive function prints this:</a:t>
-            </a:r>
-          </a:p>
-          <a:p>
-            <a:endParaRPr lang="en-CA"/>
-          </a:p>
-          <a:p>
-            <a:r>
-              <a:rPr lang="en-CA">
-                <a:latin typeface="Consolas" panose="020B0609020204030204" pitchFamily="49" charset="0"/>
-              </a:rPr>
-              <a:t>&gt;&gt;&gt; countdown(3)</a:t>
-            </a:r>
-          </a:p>
-          <a:p>
-            <a:endParaRPr lang="en-CA">
-              <a:latin typeface="Consolas" panose="020B0609020204030204" pitchFamily="49" charset="0"/>
-            </a:endParaRPr>
-          </a:p>
-          <a:p>
-            <a:r>
-              <a:rPr lang="en-CA">
-                <a:latin typeface="Consolas" panose="020B0609020204030204" pitchFamily="49" charset="0"/>
-              </a:rPr>
-              <a:t>3</a:t>
-            </a:r>
-          </a:p>
-          <a:p>
-            <a:r>
-              <a:rPr lang="en-CA">
-                <a:latin typeface="Consolas" panose="020B0609020204030204" pitchFamily="49" charset="0"/>
-              </a:rPr>
-              <a:t>2</a:t>
-            </a:r>
-          </a:p>
-          <a:p>
-            <a:r>
-              <a:rPr lang="en-CA">
-                <a:latin typeface="Consolas" panose="020B0609020204030204" pitchFamily="49" charset="0"/>
-              </a:rPr>
-              <a:t>1</a:t>
-            </a:r>
-          </a:p>
-          <a:p>
-            <a:r>
-              <a:rPr lang="en-CA" err="1">
-                <a:latin typeface="Consolas" panose="020B0609020204030204" pitchFamily="49" charset="0"/>
-              </a:rPr>
-              <a:t>Blastoff</a:t>
-            </a:r>
-            <a:r>
-              <a:rPr lang="en-CA">
-                <a:latin typeface="Consolas" panose="020B0609020204030204" pitchFamily="49" charset="0"/>
-              </a:rPr>
-              <a:t>! </a:t>
-            </a:r>
-            <a:endParaRPr lang="en-AU">
-              <a:latin typeface="Consolas" panose="020B0609020204030204" pitchFamily="49" charset="0"/>
-            </a:endParaRPr>
-          </a:p>
-        </p:txBody>
-      </p:sp>
-      <p:sp>
-        <p:nvSpPr>
-          <p:cNvPr id="6" name="Rectangle 5">
-            <a:extLst>
-              <a:ext uri="{FF2B5EF4-FFF2-40B4-BE49-F238E27FC236}">
-                <a16:creationId xmlns:a16="http://schemas.microsoft.com/office/drawing/2014/main" id="{A8B01437-273E-8736-0D9A-3D76B829D5CD}"/>
-              </a:ext>
-            </a:extLst>
-          </p:cNvPr>
-          <p:cNvSpPr/>
-          <p:nvPr/>
-        </p:nvSpPr>
-        <p:spPr>
-          <a:xfrm>
-            <a:off x="4944531" y="2103552"/>
-            <a:ext cx="4089400" cy="740728"/>
-          </a:xfrm>
-          <a:prstGeom prst="rect">
-            <a:avLst/>
-          </a:prstGeom>
-          <a:noFill/>
-          <a:ln>
-            <a:solidFill>
-              <a:srgbClr val="FF0000"/>
-            </a:solidFill>
-          </a:ln>
-        </p:spPr>
-        <p:style>
-          <a:lnRef idx="2">
-            <a:schemeClr val="accent1">
-              <a:shade val="15000"/>
-            </a:schemeClr>
-          </a:lnRef>
-          <a:fillRef idx="1">
-            <a:schemeClr val="accent1"/>
-          </a:fillRef>
-          <a:effectRef idx="0">
-            <a:schemeClr val="accent1"/>
-          </a:effectRef>
-          <a:fontRef idx="minor">
-            <a:schemeClr val="lt1"/>
-          </a:fontRef>
-        </p:style>
-        <p:txBody>
-          <a:bodyPr rtlCol="0" anchor="ctr"/>
-          <a:lstStyle/>
-          <a:p>
             <a:pPr algn="ctr"/>
-            <a:endParaRPr lang="en-AU"/>
-          </a:p>
-        </p:txBody>
-      </p:sp>
-      <p:sp>
-        <p:nvSpPr>
-          <p:cNvPr id="7" name="TextBox 6">
-            <a:extLst>
-              <a:ext uri="{FF2B5EF4-FFF2-40B4-BE49-F238E27FC236}">
-                <a16:creationId xmlns:a16="http://schemas.microsoft.com/office/drawing/2014/main" id="{85D4D328-3701-DA00-E164-3C990DD9EBC1}"/>
-              </a:ext>
-            </a:extLst>
-          </p:cNvPr>
-          <p:cNvSpPr txBox="1"/>
-          <p:nvPr/>
-        </p:nvSpPr>
-        <p:spPr>
-          <a:xfrm>
-            <a:off x="9465733" y="1643951"/>
-            <a:ext cx="2260602" cy="923330"/>
-          </a:xfrm>
-          <a:prstGeom prst="rect">
-            <a:avLst/>
-          </a:prstGeom>
-          <a:solidFill>
-            <a:schemeClr val="accent2">
-              <a:lumMod val="40000"/>
-              <a:lumOff val="60000"/>
-            </a:schemeClr>
-          </a:solidFill>
-        </p:spPr>
-        <p:txBody>
-          <a:bodyPr wrap="square" rtlCol="0">
-            <a:spAutoFit/>
-          </a:bodyPr>
-          <a:lstStyle/>
-          <a:p>
-            <a:pPr algn="ctr"/>
-            <a:r>
-              <a:rPr lang="en-CA"/>
-              <a:t>This part is non-recursive. It is called a </a:t>
-            </a:r>
-            <a:r>
-              <a:rPr lang="en-CA" b="1"/>
-              <a:t>base case</a:t>
-            </a:r>
-            <a:r>
-              <a:rPr lang="en-CA"/>
-              <a:t>.</a:t>
-            </a:r>
-            <a:endParaRPr lang="en-AU">
-              <a:latin typeface="Consolas" panose="020B0609020204030204" pitchFamily="49" charset="0"/>
-            </a:endParaRPr>
+            <a:r>
+              <a:rPr lang="en-CA" dirty="0"/>
+              <a:t>See mystery9.py</a:t>
+            </a:r>
+            <a:endParaRPr lang="en-AU" dirty="0"/>
           </a:p>
         </p:txBody>
       </p:sp>
     </p:spTree>
     <p:extLst>
       <p:ext uri="{BB962C8B-B14F-4D97-AF65-F5344CB8AC3E}">
-        <p14:creationId xmlns:p14="http://schemas.microsoft.com/office/powerpoint/2010/main" val="1877160746"/>
+        <p14:creationId xmlns:p14="http://schemas.microsoft.com/office/powerpoint/2010/main" val="2192803340"/>
       </p:ext>
     </p:extLst>
   </p:cSld>
@@ -41710,7 +41836,7 @@
         <p:cNvPr id="1" name="">
           <a:extLst>
             <a:ext uri="{FF2B5EF4-FFF2-40B4-BE49-F238E27FC236}">
-              <a16:creationId xmlns:a16="http://schemas.microsoft.com/office/drawing/2014/main" id="{F70C2D44-D06C-60C4-AFA3-C777C094D6A2}"/>
+              <a16:creationId xmlns:a16="http://schemas.microsoft.com/office/drawing/2014/main" id="{85BEA508-3265-2FB0-96C5-35A357377897}"/>
             </a:ext>
           </a:extLst>
         </p:cNvPr>
@@ -41727,10 +41853,145 @@
       </p:grpSpPr>
       <p:sp>
         <p:nvSpPr>
-          <p:cNvPr id="2" name="Title 1">
-            <a:extLst>
-              <a:ext uri="{FF2B5EF4-FFF2-40B4-BE49-F238E27FC236}">
-                <a16:creationId xmlns:a16="http://schemas.microsoft.com/office/drawing/2014/main" id="{0955A619-B04A-2A3D-3AD7-AF1975CCD8E4}"/>
+          <p:cNvPr id="4" name="Slide Number Placeholder 3">
+            <a:extLst>
+              <a:ext uri="{FF2B5EF4-FFF2-40B4-BE49-F238E27FC236}">
+                <a16:creationId xmlns:a16="http://schemas.microsoft.com/office/drawing/2014/main" id="{5852B0E1-224C-3E5D-8E69-61BF3B9B302E}"/>
+              </a:ext>
+            </a:extLst>
+          </p:cNvPr>
+          <p:cNvSpPr>
+            <a:spLocks noGrp="1"/>
+          </p:cNvSpPr>
+          <p:nvPr>
+            <p:ph type="sldNum" sz="quarter" idx="12"/>
+          </p:nvPr>
+        </p:nvSpPr>
+        <p:spPr/>
+        <p:txBody>
+          <a:bodyPr/>
+          <a:lstStyle/>
+          <a:p>
+            <a:fld id="{CBA0A0CD-12E5-4065-8C87-26D031211F61}" type="slidenum">
+              <a:rPr lang="en-AU" smtClean="0"/>
+              <a:t>83</a:t>
+            </a:fld>
+            <a:endParaRPr lang="en-AU"/>
+          </a:p>
+        </p:txBody>
+      </p:sp>
+      <p:sp>
+        <p:nvSpPr>
+          <p:cNvPr id="8" name="TextBox 7">
+            <a:extLst>
+              <a:ext uri="{FF2B5EF4-FFF2-40B4-BE49-F238E27FC236}">
+                <a16:creationId xmlns:a16="http://schemas.microsoft.com/office/drawing/2014/main" id="{0E028120-D2B9-7422-3488-C6E91A49CA58}"/>
+              </a:ext>
+            </a:extLst>
+          </p:cNvPr>
+          <p:cNvSpPr txBox="1"/>
+          <p:nvPr/>
+        </p:nvSpPr>
+        <p:spPr>
+          <a:xfrm>
+            <a:off x="325022" y="1858911"/>
+            <a:ext cx="3431969" cy="1938992"/>
+          </a:xfrm>
+          <a:prstGeom prst="rect">
+            <a:avLst/>
+          </a:prstGeom>
+          <a:noFill/>
+          <a:ln>
+            <a:solidFill>
+              <a:schemeClr val="accent1"/>
+            </a:solidFill>
+          </a:ln>
+        </p:spPr>
+        <p:txBody>
+          <a:bodyPr wrap="square" rtlCol="0">
+            <a:spAutoFit/>
+          </a:bodyPr>
+          <a:lstStyle/>
+          <a:p>
+            <a:r>
+              <a:rPr lang="en-US" sz="2000" dirty="0">
+                <a:latin typeface="Consolas" panose="020B0609020204030204" pitchFamily="49" charset="0"/>
+              </a:rPr>
+              <a:t>def </a:t>
+            </a:r>
+            <a:r>
+              <a:rPr lang="en-US" sz="2000" dirty="0" err="1">
+                <a:latin typeface="Consolas" panose="020B0609020204030204" pitchFamily="49" charset="0"/>
+              </a:rPr>
+              <a:t>count_down</a:t>
+            </a:r>
+            <a:r>
+              <a:rPr lang="en-US" sz="2000" dirty="0">
+                <a:latin typeface="Consolas" panose="020B0609020204030204" pitchFamily="49" charset="0"/>
+              </a:rPr>
+              <a:t>(n):</a:t>
+            </a:r>
+          </a:p>
+          <a:p>
+            <a:r>
+              <a:rPr lang="en-US" sz="2000" dirty="0">
+                <a:latin typeface="Consolas" panose="020B0609020204030204" pitchFamily="49" charset="0"/>
+              </a:rPr>
+              <a:t>   if n &lt; 1:</a:t>
+            </a:r>
+          </a:p>
+          <a:p>
+            <a:r>
+              <a:rPr lang="en-US" sz="2000" dirty="0">
+                <a:latin typeface="Consolas" panose="020B0609020204030204" pitchFamily="49" charset="0"/>
+              </a:rPr>
+              <a:t>      return</a:t>
+            </a:r>
+          </a:p>
+          <a:p>
+            <a:r>
+              <a:rPr lang="en-US" sz="2000" dirty="0">
+                <a:latin typeface="Consolas" panose="020B0609020204030204" pitchFamily="49" charset="0"/>
+              </a:rPr>
+              <a:t>   else:</a:t>
+            </a:r>
+          </a:p>
+          <a:p>
+            <a:r>
+              <a:rPr lang="en-US" sz="2000" dirty="0">
+                <a:latin typeface="Consolas" panose="020B0609020204030204" pitchFamily="49" charset="0"/>
+              </a:rPr>
+              <a:t>      print(n)</a:t>
+            </a:r>
+          </a:p>
+          <a:p>
+            <a:r>
+              <a:rPr lang="en-US" sz="2000" dirty="0">
+                <a:latin typeface="Consolas" panose="020B0609020204030204" pitchFamily="49" charset="0"/>
+              </a:rPr>
+              <a:t>      </a:t>
+            </a:r>
+            <a:r>
+              <a:rPr lang="en-US" sz="2000" dirty="0" err="1">
+                <a:latin typeface="Consolas" panose="020B0609020204030204" pitchFamily="49" charset="0"/>
+              </a:rPr>
+              <a:t>count_down</a:t>
+            </a:r>
+            <a:r>
+              <a:rPr lang="en-US" sz="2000" dirty="0">
+                <a:latin typeface="Consolas" panose="020B0609020204030204" pitchFamily="49" charset="0"/>
+              </a:rPr>
+              <a:t>(n - 1)</a:t>
+            </a:r>
+          </a:p>
+        </p:txBody>
+      </p:sp>
+      <p:sp>
+        <p:nvSpPr>
+          <p:cNvPr id="5" name="Title 4">
+            <a:extLst>
+              <a:ext uri="{FF2B5EF4-FFF2-40B4-BE49-F238E27FC236}">
+                <a16:creationId xmlns:a16="http://schemas.microsoft.com/office/drawing/2014/main" id="{63C8D30D-D87C-EC05-54FF-8FDB96AC3C52}"/>
               </a:ext>
             </a:extLst>
           </p:cNvPr>
@@ -41743,66 +42004,47 @@
         </p:nvSpPr>
         <p:spPr>
           <a:xfrm>
-            <a:off x="465665" y="203993"/>
-            <a:ext cx="3454402" cy="1325563"/>
-          </a:xfrm>
-        </p:spPr>
-        <p:txBody>
-          <a:bodyPr>
-            <a:normAutofit/>
-          </a:bodyPr>
-          <a:lstStyle/>
-          <a:p>
-            <a:r>
-              <a:rPr lang="en-CA"/>
-              <a:t>Recursive</a:t>
-            </a:r>
-            <a:br>
-              <a:rPr lang="en-CA"/>
-            </a:br>
-            <a:r>
-              <a:rPr lang="en-CA"/>
-              <a:t>Functions </a:t>
-            </a:r>
-            <a:endParaRPr lang="en-AU"/>
-          </a:p>
-        </p:txBody>
-      </p:sp>
-      <p:sp>
-        <p:nvSpPr>
-          <p:cNvPr id="4" name="Slide Number Placeholder 3">
-            <a:extLst>
-              <a:ext uri="{FF2B5EF4-FFF2-40B4-BE49-F238E27FC236}">
-                <a16:creationId xmlns:a16="http://schemas.microsoft.com/office/drawing/2014/main" id="{DF8C89D4-A6C9-5B34-326B-FC10DE4007CE}"/>
-              </a:ext>
-            </a:extLst>
-          </p:cNvPr>
-          <p:cNvSpPr>
-            <a:spLocks noGrp="1"/>
-          </p:cNvSpPr>
-          <p:nvPr>
-            <p:ph type="sldNum" sz="quarter" idx="12"/>
-          </p:nvPr>
-        </p:nvSpPr>
-        <p:spPr/>
+            <a:off x="409903" y="365125"/>
+            <a:ext cx="11514367" cy="1325563"/>
+          </a:xfrm>
+        </p:spPr>
         <p:txBody>
           <a:bodyPr/>
           <a:lstStyle/>
           <a:p>
-            <a:fld id="{CBA0A0CD-12E5-4065-8C87-26D031211F61}" type="slidenum">
-              <a:rPr lang="en-AU" smtClean="0"/>
-              <a:t>83</a:t>
-            </a:fld>
-            <a:endParaRPr lang="en-AU"/>
-          </a:p>
-        </p:txBody>
-      </p:sp>
-      <p:sp>
-        <p:nvSpPr>
-          <p:cNvPr id="8" name="TextBox 7">
-            <a:extLst>
-              <a:ext uri="{FF2B5EF4-FFF2-40B4-BE49-F238E27FC236}">
-                <a16:creationId xmlns:a16="http://schemas.microsoft.com/office/drawing/2014/main" id="{D8FAC789-B47F-0874-97F0-A56C15B4EA61}"/>
+            <a:r>
+              <a:rPr lang="en-US" dirty="0"/>
+              <a:t>How can you make </a:t>
+            </a:r>
+            <a:r>
+              <a:rPr lang="en-US" dirty="0" err="1">
+                <a:highlight>
+                  <a:srgbClr val="FFFF00"/>
+                </a:highlight>
+              </a:rPr>
+              <a:t>count_up</a:t>
+            </a:r>
+            <a:r>
+              <a:rPr lang="en-US" dirty="0">
+                <a:highlight>
+                  <a:srgbClr val="FFFF00"/>
+                </a:highlight>
+              </a:rPr>
+              <a:t>(n)</a:t>
+            </a:r>
+            <a:r>
+              <a:rPr lang="en-US" dirty="0"/>
+              <a:t> print 1, 2, 3, …, n ?</a:t>
+            </a:r>
+          </a:p>
+        </p:txBody>
+      </p:sp>
+      <p:sp>
+        <p:nvSpPr>
+          <p:cNvPr id="2" name="TextBox 1">
+            <a:extLst>
+              <a:ext uri="{FF2B5EF4-FFF2-40B4-BE49-F238E27FC236}">
+                <a16:creationId xmlns:a16="http://schemas.microsoft.com/office/drawing/2014/main" id="{79EDE6F9-734C-AE48-662E-01E703AA84D4}"/>
               </a:ext>
             </a:extLst>
           </p:cNvPr>
@@ -41811,8 +42053,8 @@
         </p:nvSpPr>
         <p:spPr>
           <a:xfrm>
-            <a:off x="4284133" y="1690118"/>
-            <a:ext cx="5020733" cy="2308324"/>
+            <a:off x="5088834" y="1690688"/>
+            <a:ext cx="4698722" cy="707886"/>
           </a:xfrm>
           <a:prstGeom prst="rect">
             <a:avLst/>
@@ -41820,66 +42062,50 @@
           <a:noFill/>
         </p:spPr>
         <p:txBody>
-          <a:bodyPr wrap="square" rtlCol="0">
+          <a:bodyPr wrap="none" rtlCol="0">
             <a:spAutoFit/>
           </a:bodyPr>
           <a:lstStyle/>
           <a:p>
             <a:r>
-              <a:rPr lang="en-US" sz="2400">
-                <a:latin typeface="Consolas" panose="020B0609020204030204" pitchFamily="49" charset="0"/>
-              </a:rPr>
-              <a:t>def countdown(n):</a:t>
-            </a:r>
-          </a:p>
-          <a:p>
-            <a:r>
-              <a:rPr lang="en-US" sz="2400">
-                <a:latin typeface="Consolas" panose="020B0609020204030204" pitchFamily="49" charset="0"/>
-              </a:rPr>
-              <a:t>    if n &lt;= 0:</a:t>
-            </a:r>
-          </a:p>
-          <a:p>
-            <a:r>
-              <a:rPr lang="en-US" sz="2400">
-                <a:latin typeface="Consolas" panose="020B0609020204030204" pitchFamily="49" charset="0"/>
-              </a:rPr>
-              <a:t>        print('Blastoff!')</a:t>
-            </a:r>
-          </a:p>
-          <a:p>
-            <a:r>
-              <a:rPr lang="en-US" sz="2400">
-                <a:latin typeface="Consolas" panose="020B0609020204030204" pitchFamily="49" charset="0"/>
-              </a:rPr>
-              <a:t>    else:</a:t>
-            </a:r>
-          </a:p>
-          <a:p>
-            <a:r>
-              <a:rPr lang="en-US" sz="2400">
-                <a:latin typeface="Consolas" panose="020B0609020204030204" pitchFamily="49" charset="0"/>
-              </a:rPr>
-              <a:t>        print(n)</a:t>
-            </a:r>
-          </a:p>
-          <a:p>
-            <a:r>
-              <a:rPr lang="en-US" sz="2400">
-                <a:latin typeface="Consolas" panose="020B0609020204030204" pitchFamily="49" charset="0"/>
-              </a:rPr>
-              <a:t>        countdown(n-1)</a:t>
-            </a:r>
-          </a:p>
-        </p:txBody>
-      </p:sp>
-      <p:sp>
-        <p:nvSpPr>
-          <p:cNvPr id="9" name="TextBox 8">
-            <a:extLst>
-              <a:ext uri="{FF2B5EF4-FFF2-40B4-BE49-F238E27FC236}">
-                <a16:creationId xmlns:a16="http://schemas.microsoft.com/office/drawing/2014/main" id="{B7021E92-B8E6-202F-2562-38750FA79F9D}"/>
+              <a:rPr lang="en-US" sz="4000" dirty="0">
+                <a:highlight>
+                  <a:srgbClr val="FFFF00"/>
+                </a:highlight>
+                <a:latin typeface="Consolas" panose="020B0609020204030204" pitchFamily="49" charset="0"/>
+                <a:cs typeface="Consolas" panose="020B0609020204030204" pitchFamily="49" charset="0"/>
+              </a:rPr>
+              <a:t>def </a:t>
+            </a:r>
+            <a:r>
+              <a:rPr lang="en-US" sz="4000" dirty="0" err="1">
+                <a:highlight>
+                  <a:srgbClr val="FFFF00"/>
+                </a:highlight>
+                <a:latin typeface="Consolas" panose="020B0609020204030204" pitchFamily="49" charset="0"/>
+                <a:cs typeface="Consolas" panose="020B0609020204030204" pitchFamily="49" charset="0"/>
+              </a:rPr>
+              <a:t>count_up</a:t>
+            </a:r>
+            <a:r>
+              <a:rPr lang="en-US" sz="4000" dirty="0">
+                <a:highlight>
+                  <a:srgbClr val="FFFF00"/>
+                </a:highlight>
+                <a:latin typeface="Consolas" panose="020B0609020204030204" pitchFamily="49" charset="0"/>
+                <a:cs typeface="Consolas" panose="020B0609020204030204" pitchFamily="49" charset="0"/>
+              </a:rPr>
+              <a:t>(n):</a:t>
+            </a:r>
+          </a:p>
+        </p:txBody>
+      </p:sp>
+      <p:sp>
+        <p:nvSpPr>
+          <p:cNvPr id="3" name="TextBox 2">
+            <a:extLst>
+              <a:ext uri="{FF2B5EF4-FFF2-40B4-BE49-F238E27FC236}">
+                <a16:creationId xmlns:a16="http://schemas.microsoft.com/office/drawing/2014/main" id="{FB421CE8-00F2-A98A-7A18-663B87C45CC6}"/>
               </a:ext>
             </a:extLst>
           </p:cNvPr>
@@ -41888,8 +42114,8 @@
         </p:nvSpPr>
         <p:spPr>
           <a:xfrm>
-            <a:off x="465665" y="1891886"/>
-            <a:ext cx="2260602" cy="2585323"/>
+            <a:off x="9991281" y="1405468"/>
+            <a:ext cx="1932989" cy="369332"/>
           </a:xfrm>
           <a:prstGeom prst="rect">
             <a:avLst/>
@@ -41907,326 +42133,19 @@
           </a:bodyPr>
           <a:lstStyle/>
           <a:p>
-            <a:r>
-              <a:rPr lang="en-CA"/>
-              <a:t>This recursive function prints this:</a:t>
-            </a:r>
-          </a:p>
-          <a:p>
-            <a:endParaRPr lang="en-CA"/>
-          </a:p>
-          <a:p>
-            <a:r>
-              <a:rPr lang="en-CA">
-                <a:latin typeface="Consolas" panose="020B0609020204030204" pitchFamily="49" charset="0"/>
-              </a:rPr>
-              <a:t>&gt;&gt;&gt; countdown(3)</a:t>
-            </a:r>
-          </a:p>
-          <a:p>
-            <a:endParaRPr lang="en-CA">
-              <a:latin typeface="Consolas" panose="020B0609020204030204" pitchFamily="49" charset="0"/>
-            </a:endParaRPr>
-          </a:p>
-          <a:p>
-            <a:r>
-              <a:rPr lang="en-CA">
-                <a:latin typeface="Consolas" panose="020B0609020204030204" pitchFamily="49" charset="0"/>
-              </a:rPr>
-              <a:t>3</a:t>
-            </a:r>
-          </a:p>
-          <a:p>
-            <a:r>
-              <a:rPr lang="en-CA">
-                <a:latin typeface="Consolas" panose="020B0609020204030204" pitchFamily="49" charset="0"/>
-              </a:rPr>
-              <a:t>2</a:t>
-            </a:r>
-          </a:p>
-          <a:p>
-            <a:r>
-              <a:rPr lang="en-CA">
-                <a:latin typeface="Consolas" panose="020B0609020204030204" pitchFamily="49" charset="0"/>
-              </a:rPr>
-              <a:t>1</a:t>
-            </a:r>
-          </a:p>
-          <a:p>
-            <a:r>
-              <a:rPr lang="en-CA" err="1">
-                <a:latin typeface="Consolas" panose="020B0609020204030204" pitchFamily="49" charset="0"/>
-              </a:rPr>
-              <a:t>Blastoff</a:t>
-            </a:r>
-            <a:r>
-              <a:rPr lang="en-CA">
-                <a:latin typeface="Consolas" panose="020B0609020204030204" pitchFamily="49" charset="0"/>
-              </a:rPr>
-              <a:t>! </a:t>
-            </a:r>
-            <a:endParaRPr lang="en-AU">
-              <a:latin typeface="Consolas" panose="020B0609020204030204" pitchFamily="49" charset="0"/>
-            </a:endParaRPr>
-          </a:p>
-        </p:txBody>
-      </p:sp>
-      <p:sp>
-        <p:nvSpPr>
-          <p:cNvPr id="6" name="Rectangle 5">
-            <a:extLst>
-              <a:ext uri="{FF2B5EF4-FFF2-40B4-BE49-F238E27FC236}">
-                <a16:creationId xmlns:a16="http://schemas.microsoft.com/office/drawing/2014/main" id="{98C3C0DB-66F2-AF35-A473-82CA204BB8C1}"/>
-              </a:ext>
-            </a:extLst>
-          </p:cNvPr>
-          <p:cNvSpPr/>
-          <p:nvPr/>
-        </p:nvSpPr>
-        <p:spPr>
-          <a:xfrm>
-            <a:off x="4944531" y="2103552"/>
-            <a:ext cx="4089400" cy="740728"/>
-          </a:xfrm>
-          <a:prstGeom prst="rect">
-            <a:avLst/>
-          </a:prstGeom>
-          <a:noFill/>
-          <a:ln>
-            <a:solidFill>
-              <a:srgbClr val="FF0000"/>
-            </a:solidFill>
-          </a:ln>
-        </p:spPr>
-        <p:style>
-          <a:lnRef idx="2">
-            <a:schemeClr val="accent1">
-              <a:shade val="15000"/>
-            </a:schemeClr>
-          </a:lnRef>
-          <a:fillRef idx="1">
-            <a:schemeClr val="accent1"/>
-          </a:fillRef>
-          <a:effectRef idx="0">
-            <a:schemeClr val="accent1"/>
-          </a:effectRef>
-          <a:fontRef idx="minor">
-            <a:schemeClr val="lt1"/>
-          </a:fontRef>
-        </p:style>
-        <p:txBody>
-          <a:bodyPr rtlCol="0" anchor="ctr"/>
-          <a:lstStyle/>
-          <a:p>
             <a:pPr algn="ctr"/>
-            <a:endParaRPr lang="en-AU"/>
-          </a:p>
-        </p:txBody>
-      </p:sp>
-      <p:sp>
-        <p:nvSpPr>
-          <p:cNvPr id="7" name="TextBox 6">
-            <a:extLst>
-              <a:ext uri="{FF2B5EF4-FFF2-40B4-BE49-F238E27FC236}">
-                <a16:creationId xmlns:a16="http://schemas.microsoft.com/office/drawing/2014/main" id="{DB246D4B-E84F-C997-EE7B-3353FA1BC475}"/>
-              </a:ext>
-            </a:extLst>
-          </p:cNvPr>
-          <p:cNvSpPr txBox="1"/>
-          <p:nvPr/>
-        </p:nvSpPr>
-        <p:spPr>
-          <a:xfrm>
-            <a:off x="9465733" y="1643951"/>
-            <a:ext cx="2260602" cy="923330"/>
-          </a:xfrm>
-          <a:prstGeom prst="rect">
-            <a:avLst/>
-          </a:prstGeom>
-          <a:solidFill>
-            <a:schemeClr val="accent2">
-              <a:lumMod val="40000"/>
-              <a:lumOff val="60000"/>
-            </a:schemeClr>
-          </a:solidFill>
-        </p:spPr>
-        <p:txBody>
-          <a:bodyPr wrap="square" rtlCol="0">
-            <a:spAutoFit/>
-          </a:bodyPr>
-          <a:lstStyle/>
-          <a:p>
-            <a:pPr algn="ctr"/>
-            <a:r>
-              <a:rPr lang="en-CA"/>
-              <a:t>This part is non-recursive. It is called a </a:t>
-            </a:r>
-            <a:r>
-              <a:rPr lang="en-CA" b="1"/>
-              <a:t>base case</a:t>
-            </a:r>
-            <a:r>
-              <a:rPr lang="en-CA"/>
-              <a:t>.</a:t>
-            </a:r>
-            <a:endParaRPr lang="en-AU">
-              <a:latin typeface="Consolas" panose="020B0609020204030204" pitchFamily="49" charset="0"/>
-            </a:endParaRPr>
-          </a:p>
-        </p:txBody>
-      </p:sp>
-      <p:sp>
-        <p:nvSpPr>
-          <p:cNvPr id="3" name="Rectangle 2">
-            <a:extLst>
-              <a:ext uri="{FF2B5EF4-FFF2-40B4-BE49-F238E27FC236}">
-                <a16:creationId xmlns:a16="http://schemas.microsoft.com/office/drawing/2014/main" id="{D17B146A-7011-DE57-0EA3-8277AED0B2A0}"/>
-              </a:ext>
-            </a:extLst>
-          </p:cNvPr>
-          <p:cNvSpPr/>
-          <p:nvPr/>
-        </p:nvSpPr>
-        <p:spPr>
-          <a:xfrm>
-            <a:off x="4944531" y="2912142"/>
-            <a:ext cx="4089400" cy="1086300"/>
-          </a:xfrm>
-          <a:prstGeom prst="rect">
-            <a:avLst/>
-          </a:prstGeom>
-          <a:noFill/>
-          <a:ln>
-            <a:solidFill>
-              <a:srgbClr val="FF0000"/>
-            </a:solidFill>
-          </a:ln>
-        </p:spPr>
-        <p:style>
-          <a:lnRef idx="2">
-            <a:schemeClr val="accent1">
-              <a:shade val="15000"/>
-            </a:schemeClr>
-          </a:lnRef>
-          <a:fillRef idx="1">
-            <a:schemeClr val="accent1"/>
-          </a:fillRef>
-          <a:effectRef idx="0">
-            <a:schemeClr val="accent1"/>
-          </a:effectRef>
-          <a:fontRef idx="minor">
-            <a:schemeClr val="lt1"/>
-          </a:fontRef>
-        </p:style>
-        <p:txBody>
-          <a:bodyPr rtlCol="0" anchor="ctr"/>
-          <a:lstStyle/>
-          <a:p>
-            <a:pPr algn="ctr"/>
-            <a:endParaRPr lang="en-AU"/>
-          </a:p>
-        </p:txBody>
-      </p:sp>
-      <p:sp>
-        <p:nvSpPr>
-          <p:cNvPr id="5" name="TextBox 4">
-            <a:extLst>
-              <a:ext uri="{FF2B5EF4-FFF2-40B4-BE49-F238E27FC236}">
-                <a16:creationId xmlns:a16="http://schemas.microsoft.com/office/drawing/2014/main" id="{EBA98ABD-237E-C637-1A44-63DD8357AC03}"/>
-              </a:ext>
-            </a:extLst>
-          </p:cNvPr>
-          <p:cNvSpPr txBox="1"/>
-          <p:nvPr/>
-        </p:nvSpPr>
-        <p:spPr>
-          <a:xfrm>
-            <a:off x="9177867" y="3311851"/>
-            <a:ext cx="2260602" cy="923330"/>
-          </a:xfrm>
-          <a:prstGeom prst="rect">
-            <a:avLst/>
-          </a:prstGeom>
-          <a:solidFill>
-            <a:schemeClr val="accent2">
-              <a:lumMod val="40000"/>
-              <a:lumOff val="60000"/>
-            </a:schemeClr>
-          </a:solidFill>
-        </p:spPr>
-        <p:txBody>
-          <a:bodyPr wrap="square" rtlCol="0">
-            <a:spAutoFit/>
-          </a:bodyPr>
-          <a:lstStyle/>
-          <a:p>
-            <a:pPr algn="ctr"/>
-            <a:r>
-              <a:rPr lang="en-CA"/>
-              <a:t>This part is recursive. It is called a </a:t>
-            </a:r>
-            <a:r>
-              <a:rPr lang="en-CA" b="1"/>
-              <a:t>recursive case</a:t>
-            </a:r>
-            <a:r>
-              <a:rPr lang="en-CA"/>
-              <a:t>.</a:t>
-            </a:r>
-            <a:endParaRPr lang="en-AU">
-              <a:latin typeface="Consolas" panose="020B0609020204030204" pitchFamily="49" charset="0"/>
-            </a:endParaRPr>
-          </a:p>
-        </p:txBody>
-      </p:sp>
-      <p:sp>
-        <p:nvSpPr>
-          <p:cNvPr id="10" name="TextBox 9">
-            <a:extLst>
-              <a:ext uri="{FF2B5EF4-FFF2-40B4-BE49-F238E27FC236}">
-                <a16:creationId xmlns:a16="http://schemas.microsoft.com/office/drawing/2014/main" id="{C7436105-BF94-045F-EA83-2A3DC5F7DCA0}"/>
-              </a:ext>
-            </a:extLst>
-          </p:cNvPr>
-          <p:cNvSpPr txBox="1"/>
-          <p:nvPr/>
-        </p:nvSpPr>
-        <p:spPr>
-          <a:xfrm>
-            <a:off x="7831667" y="4925189"/>
-            <a:ext cx="2743200" cy="1200329"/>
-          </a:xfrm>
-          <a:prstGeom prst="rect">
-            <a:avLst/>
-          </a:prstGeom>
-          <a:solidFill>
-            <a:schemeClr val="accent2">
-              <a:lumMod val="40000"/>
-              <a:lumOff val="60000"/>
-            </a:schemeClr>
-          </a:solidFill>
-        </p:spPr>
-        <p:txBody>
-          <a:bodyPr wrap="square" rtlCol="0">
-            <a:spAutoFit/>
-          </a:bodyPr>
-          <a:lstStyle/>
-          <a:p>
-            <a:pPr algn="ctr"/>
-            <a:r>
-              <a:rPr lang="en-CA"/>
-              <a:t>Every useful recursive function has at 1 or more base cases, and 1 or more recursive cases.</a:t>
-            </a:r>
-            <a:endParaRPr lang="en-AU">
-              <a:latin typeface="Consolas" panose="020B0609020204030204" pitchFamily="49" charset="0"/>
-            </a:endParaRPr>
+            <a:r>
+              <a:rPr lang="en-CA" dirty="0"/>
+              <a:t>See mystery10.py</a:t>
+            </a:r>
+            <a:endParaRPr lang="en-AU" dirty="0"/>
           </a:p>
         </p:txBody>
       </p:sp>
     </p:spTree>
     <p:extLst>
       <p:ext uri="{BB962C8B-B14F-4D97-AF65-F5344CB8AC3E}">
-        <p14:creationId xmlns:p14="http://schemas.microsoft.com/office/powerpoint/2010/main" val="3159336100"/>
+        <p14:creationId xmlns:p14="http://schemas.microsoft.com/office/powerpoint/2010/main" val="1954144585"/>
       </p:ext>
     </p:extLst>
   </p:cSld>

--- a/lecture_notes/chapter5/chapter5.pptx
+++ b/lecture_notes/chapter5/chapter5.pptx
@@ -366,6 +366,7 @@
 <p1510:revInfo xmlns:a="http://schemas.openxmlformats.org/drawingml/2006/main" xmlns:r="http://schemas.openxmlformats.org/officeDocument/2006/relationships" xmlns:p1510="http://schemas.microsoft.com/office/powerpoint/2015/10/main">
   <p1510:revLst>
     <p1510:client id="{6C9AD567-726A-7B49-A25E-19B99E4B39ED}" v="25" dt="2026-02-09T06:34:06.029"/>
+    <p1510:client id="{90AC8FFC-31AD-CE4D-9E94-3A998B109FBE}" v="1" dt="2026-02-09T17:36:09.786"/>
   </p1510:revLst>
 </p1510:revInfo>
 </file>
@@ -375,7 +376,7 @@
   <pc:docChgLst>
     <pc:chgData name="Toby Donaldson" userId="2e6e5431-bb17-4c41-9985-d39c50d83c73" providerId="ADAL" clId="{F31BC264-820E-54C4-A6D1-F92AF9CC222E}"/>
     <pc:docChg chg="undo custSel addSld modSld modSection">
-      <pc:chgData name="Toby Donaldson" userId="2e6e5431-bb17-4c41-9985-d39c50d83c73" providerId="ADAL" clId="{F31BC264-820E-54C4-A6D1-F92AF9CC222E}" dt="2026-02-06T18:48:02.681" v="498" actId="20577"/>
+      <pc:chgData name="Toby Donaldson" userId="2e6e5431-bb17-4c41-9985-d39c50d83c73" providerId="ADAL" clId="{F31BC264-820E-54C4-A6D1-F92AF9CC222E}" dt="2026-02-09T17:50:35.354" v="505" actId="20577"/>
       <pc:docMkLst>
         <pc:docMk/>
       </pc:docMkLst>
@@ -764,6 +765,21 @@
         </pc:inkChg>
       </pc:sldChg>
       <pc:sldChg chg="addSp">
+        <pc:chgData name="Toby Donaldson" userId="2e6e5431-bb17-4c41-9985-d39c50d83c73" providerId="ADAL" clId="{F31BC264-820E-54C4-A6D1-F92AF9CC222E}" dt="2026-02-09T17:36:09.783" v="499"/>
+        <pc:sldMkLst>
+          <pc:docMk/>
+          <pc:sldMk cId="479954462" sldId="359"/>
+        </pc:sldMkLst>
+        <pc:inkChg chg="add">
+          <ac:chgData name="Toby Donaldson" userId="2e6e5431-bb17-4c41-9985-d39c50d83c73" providerId="ADAL" clId="{F31BC264-820E-54C4-A6D1-F92AF9CC222E}" dt="2026-02-09T17:36:09.783" v="499"/>
+          <ac:inkMkLst>
+            <pc:docMk/>
+            <pc:sldMk cId="479954462" sldId="359"/>
+            <ac:inkMk id="3" creationId="{D7F0285B-0437-4151-0D23-24A255E2A906}"/>
+          </ac:inkMkLst>
+        </pc:inkChg>
+      </pc:sldChg>
+      <pc:sldChg chg="addSp">
         <pc:chgData name="Toby Donaldson" userId="2e6e5431-bb17-4c41-9985-d39c50d83c73" providerId="ADAL" clId="{F31BC264-820E-54C4-A6D1-F92AF9CC222E}" dt="2026-02-06T18:24:25.989" v="495"/>
         <pc:sldMkLst>
           <pc:docMk/>
@@ -936,6 +952,21 @@
             <ac:graphicFrameMk id="9" creationId="{FA0F5D97-F4AA-3BD0-BE8A-F44CB1B5D26A}"/>
           </ac:graphicFrameMkLst>
         </pc:graphicFrameChg>
+      </pc:sldChg>
+      <pc:sldChg chg="modSp mod">
+        <pc:chgData name="Toby Donaldson" userId="2e6e5431-bb17-4c41-9985-d39c50d83c73" providerId="ADAL" clId="{F31BC264-820E-54C4-A6D1-F92AF9CC222E}" dt="2026-02-09T17:50:35.354" v="505" actId="20577"/>
+        <pc:sldMkLst>
+          <pc:docMk/>
+          <pc:sldMk cId="3729450128" sldId="407"/>
+        </pc:sldMkLst>
+        <pc:spChg chg="mod">
+          <ac:chgData name="Toby Donaldson" userId="2e6e5431-bb17-4c41-9985-d39c50d83c73" providerId="ADAL" clId="{F31BC264-820E-54C4-A6D1-F92AF9CC222E}" dt="2026-02-09T17:50:35.354" v="505" actId="20577"/>
+          <ac:spMkLst>
+            <pc:docMk/>
+            <pc:sldMk cId="3729450128" sldId="407"/>
+            <ac:spMk id="8" creationId="{BC0F9A1D-1174-E5C3-A74F-5F44E89FD756}"/>
+          </ac:spMkLst>
+        </pc:spChg>
       </pc:sldChg>
     </pc:docChg>
   </pc:docChgLst>
@@ -2002,6 +2033,48 @@
 </inkml:ink>
 </file>
 
+<file path=ppt/ink/ink20.xml><?xml version="1.0" encoding="utf-8"?>
+<inkml:ink xmlns:inkml="http://www.w3.org/2003/InkML">
+  <inkml:definitions>
+    <inkml:context xml:id="ctx0">
+      <inkml:inkSource xml:id="inkSrc0">
+        <inkml:traceFormat>
+          <inkml:channel name="X" type="integer" min="-2.14748E9" max="2.14748E9" units="cm"/>
+          <inkml:channel name="Y" type="integer" min="-2.14748E9" max="2.14748E9" units="cm"/>
+          <inkml:channel name="F" type="integer" max="32767" units="dev"/>
+        </inkml:traceFormat>
+        <inkml:channelProperties>
+          <inkml:channelProperty channel="X" name="resolution" value="1000" units="1/cm"/>
+          <inkml:channelProperty channel="Y" name="resolution" value="1000" units="1/cm"/>
+          <inkml:channelProperty channel="F" name="resolution" value="0" units="1/dev"/>
+        </inkml:channelProperties>
+      </inkml:inkSource>
+      <inkml:timestamp xml:id="ts0" timeString="2026-02-09T17:30:40.259"/>
+    </inkml:context>
+    <inkml:brush xml:id="br0">
+      <inkml:brushProperty name="width" value="0.05292" units="cm"/>
+      <inkml:brushProperty name="height" value="0.05292" units="cm"/>
+      <inkml:brushProperty name="color" value="#FF0000"/>
+    </inkml:brush>
+  </inkml:definitions>
+  <inkml:trace contextRef="#ctx0" brushRef="#br0">26044 12515 20777,'-42'-26'0,"0"-1"0,10-5 0,7-2 1801,7-5-1801,62 45 0,-12 23 0,0 8 0,-3-5 0,-1-4 0,25-2 0,-53-26 0</inkml:trace>
+  <inkml:trace contextRef="#ctx0" brushRef="#br0" timeOffset="6281">26559 14594 24575,'-33'27'0,"-6"-25"0,-2 2 0,13 23 0,-1-1 0,-14-19 0,-4-7 0,-6 1 0,3-2 0,17-1 0,-1-3 0,-2-3 0,-4-3 0,4 4 0,7 6 0,1 2 0,-3 1 0,5-4 0,8-25 0,46 24 0,15 0 0,3-22 0,4-3-552,-8 16 0,3 3 1,3-3 551,-2-5 0,3-3 0,1-1 0,1 2-721,-9 5 1,0 2 0,2 0 0,0 0 0,4-2 720,-4 1 0,2-2 0,2 0 0,1-1 0,0 0 0,1 2 0,0 0 0,3 1 0,0 0 0,1 2 0,0-1 0,0 1 0,0-1 0,-2 0 0,-1-1 0,0 0 0,-1 0 0,0-1 0,-1 1 0,-2 0 0,-1 2 0,4-1 0,-2 1 0,-1 1 0,-3 1 0,-4 0 0,3-1 0,-4 0 0,-9 4 0,-4 6 0,-52 0 0,-2 0 0,-4 0 0,-11 0 0,-6 0 0,6-1 0,-2 0 0,-4 3-174,4 3 0,-3 2 1,-2 0-1,0 0 174,5-2 0,-1-1 0,-1 0 0,0 1 0,-1 2 0,2 0 0,-1 2 0,-1 1 0,0 0 0,1 1 0,3-1 0,-11 2 0,3 0 0,1 0 0,2 2 859,5 0 0,1 2 0,3-1 0,7 0-859,1 1 0,13 1 0,19 9 0,24-26 0,3-12 0,3-2 0,21 7 0,-16 0 0,6-2 0,-5-1 0,-4-4 0,0 1 0,10 10 0,7 4 0,-3-5 0,-9-12 0,-1-4 0,1 3 0,1 7 0,1 3 0,0 0 0,1-3 0,0-1 0,-3 1 1257,4-1 1,-5 4-1258,-3 7 0,-7 0 0,-79 18 0,26-3 0,-3 1 0,-6-8 0,-6-2 0,4 4 0,-5 16 0,2 1 0,-5-11 0,6 1 0,7 16 0,33-7 0,35-21 0,16-10 0,-7-2 0,4-4 0,3 3-400,-3 5 0,3 4 0,1-1 0,-3-5 400,-4-5 0,-2-5 0,0 0 0,0 2 0,14 2 0,0 1 0,-8-2 0,-13-4 0,-6-1 0,3 0 0,-13 8 0,-47 35 0,0-10 0,-5 1 0,-8 13 0,-4 0 0,6-18 0,-2-3 0,2 3 0,-4 16 0,0-3 0,4-21 0,-2-5 0,6 4 0,-6 24 1600,-13-27-1600,106 0 0,-13 0 0,-11-13 0,1-1 0,23 8 0,-46-21 0,19 27 0,-26 0 0,0 0 0,0 0 0</inkml:trace>
+  <inkml:trace contextRef="#ctx0" brushRef="#br0" timeOffset="93515">16656 5980 24575,'-16'-29'0,"-1"-1"0,-11 14 0,3-1 0,20-22 0,4-1 0,-26 0 0,24-10 0,6-3 0,-1 19 0,-4 4 0,-8 2 0,-6 5 0,-6 6 0,-7 8 0,-13 10 0,-9 9 0,1 5-780,4 7 0,0 4 0,-3 3 780,6-7 0,-5 1 0,-1 2 0,2 1 0,5 1-628,5 7 1,5 3 0,-1 0 0,-5-2 627,-1-6 0,-3-2 0,-4 0 0,0 0 0,-2-1 0,2 1-610,0 1 0,-1-1 1,0 1-1,0-1 0,-1 2 1,0 0 609,2-2 0,0 1 0,0 0 0,-1 0 0,0 2 0,1-1 0,0 1 0,0 0 0,-1 0 0,0 0 0,1 1 0,1 1 0,3 1 0,3 1-259,0 3 0,4 2 0,1 1 1,3 0-1,1 0 0,3-1 259,-4 10 0,4-2 0,2 2 0,-2 0 0,0-4 0,-2 1 0,1 0 0,0 0 0,3 0 0,2 3 0,3-1 0,-1 0 0,-5 0 0,0-10 0,-4 0 0,-2 0 0,-2 0 0,0-1 0,1 1-176,0 0 1,1 0-1,0 0 1,-2 0 0,0 0-1,-1-1 176,-5 0 0,-1 1 0,-1-2 0,-1 1 0,0-1 0,1 0 0,-2-1 0,-1-1 0,0 0 0,1 0 0,1 1 0,4 2 10,0 4 0,3 2 0,2 0 0,0 0 0,1 0-10,-1-3 0,0-1 0,1 0 0,3 1 0,5 2 0,7 1 0,6 2 0,2 1 0,-1 1 0,-2-1 0,-6 3 0,-3-1 0,0 2 0,0-1 0,3 1 0,4 1 0,1 1 0,2 0 0,0 1 0,-1-1 0,1 0 0,-1 0 0,0 0 0,2 0 0,1 0 0,3-3 0,2 1 0,1-1 0,0 1 0,-2-2 0,-2-2 0,0-1 0,-1 0 0,0 0 0,-1 1 0,-2 3 0,0 2 0,0 0 0,-2 0 0,0 0 0,-2-1 0,-1 1 0,-1-1 0,1 1 0,1 0 0,2 0 0,1 1 0,1 0 0,1 0 0,2 0 0,1-1 0,0 0 0,2 0 0,2 0 0,3-2 0,4 7 0,4-1 0,2 0 0,-1-1 337,-3-8 1,-1 1-1,1-1 1,2-1 0,5-2-338,8 3 0,5-3 0,4-1 0,0 1 0,-2-2 0,2 2 0,1-1 0,2 0 0,0-3-78,-1-6 0,1-1 0,1-2 0,1 0 0,3 1 78,2 1 0,3 2 0,1 0 0,1-1 0,0-1 0,-1-1 0,3 0 0,-2-2 0,0-1 0,2-1 0,1 1 0,-2-3 0,2 0 0,1-1 0,0 0 0,1-1 0,0-1 20,1-2 0,0-1 0,1-1 0,0-1 0,0 1 0,0 0-20,0 0 0,0 1 0,0-1 0,1 0 0,0 1 0,1-1-155,-2-2 1,0 0-1,2 0 1,0 1 0,0-1-1,-1 1 1,-2 1 154,-3 1 0,-2 0 0,-1 2 0,0-1 0,1 0 0,0 0 0,2-2 0,-1-2 0,1 0 0,1-1 0,1-1 0,0 1 0,-1-1 0,1-1 0,-2 0 0,2 2 0,-1 0 0,0-1 0,0 0 0,0-2 0,2 0 0,2-3-268,-3-3 0,0-1 0,2-1 0,2-2 0,-1 0 1,1-1-1,1-2 0,-1 1 0,0-2 268,1 0 0,0-2 0,0-1 0,1-1 0,0 0 0,0-1 0,0 0 0,0 0 0,1 1 0,-4 0 0,0-1 0,1 1 0,0-1 0,0 1 0,1-1 0,-1 0 0,0 1 0,1 0 0,-1 0 0,1 0 0,0 0 0,0 1 0,0-1 0,1 1 0,-1 0 0,0 0 0,0 1 0,-1-1 0,0 1 0,3 0 0,0 1 0,-1 1 0,-1-1 0,1 1 0,0 0 0,0-1 0,0 0 0,1-1 0,-3 0 0,1-1 0,-1 0 0,1 0 0,-1 0 0,1-1 0,1 0 0,-1 1 0,1-1 0,0 0-136,-3 1 0,0 0 0,1 1 0,1 0 0,-1-1 0,0 1 0,1-2 0,-1 0 0,0-2 0,0 0 0,0-3 136,0-2 0,-1-1 0,1-2 0,-1-1 0,0-1 0,0-1 0,0 0 0,0 0 0,0 0 0,1 1 0,0 1-83,-2 2 1,1 0-1,0 1 1,0 1-1,1-1 1,-1 0-1,0 1 1,0-2-1,0 0 1,-2-1-1,0-2 1,-2-1 82,1-2 0,-1-1 0,-1-1 0,-1-1 0,0-1 0,-1-1 0,-1 0 0,1 0 0,0 0 0,-1 0 0,1 1-61,4-2 1,1 0 0,-1 0 0,0 0-1,0 0 1,-1 0 0,0-1 0,-1 0-1,-1-1 1,-1-2 60,1-1 0,-1-2 0,-2-1 0,0 0 0,-1-1 0,0 0 0,0-1 0,0 0 0,0 0 0,-2 3 0,0-1 0,0 0 0,0 0 0,-1-1 0,1 0 0,-1 0 0,-1 0 0,-1 0 0,0-1 0,0-2 0,-1-1 0,0 1 0,-2-1 0,1-1 0,-1 1 0,0 0 0,1 0 0,1 0 19,1 0 1,1 1 0,0-1 0,1 1 0,-1-1 0,0 1 0,0-1 0,-1 1 0,-1-1-20,1-3 0,0 0 0,-1 0 0,-1 0 0,0 0 0,-1 0 0,-1-1 0,-1 0 98,-2 3 1,-1-1 0,-1 0 0,-1-1 0,0 1 0,-1 0-1,-1 0 1,-1 0-99,1-3 0,1 1 0,0 0 0,-3 0 0,-1 0 0,-4 0 0,-4-1 196,-4-5 0,-4-1 0,-4 0 0,-2 1 0,-2-1 0,-1 0-196,0 0 0,-1 0 0,-2 0 0,-2 1 0,-3-1 0,-3 1 0,-2 5 0,-4 1 0,-1-1 0,-3 1 0,0 0 0,-1 0 0,1 0 101,0-2 0,-1 0 1,1 0-1,-1 0 0,-2 0 1,-1 1-1,-2 1-101,0 4 0,-3 1 0,-1 1 0,-2 0 0,1 0 0,-1 0 0,1 1 0,1-1 0,-1-3 0,1 0 0,0 0 0,0 0 0,0 0 0,0 0 0,-1 1 0,0 0 0,-1 1 0,-1-1 0,1 1 0,-1 0 0,1-1 0,0 0 0,2-1 0,0-1 0,0 0 0,1 0 0,-1 1 0,-1 1 0,-1 2 0,1 3 0,-1 1 0,-1 1 0,0 1 0,-1 1 0,0 0 0,0 0 0,-1 0 0,1 1 0,-1-1 0,0 2 0,-2 0 0,-2 2 0,-2 2 0,1 4 0,-2 1 0,-2 1 0,-1 2 0,-1 0 0,-1 1 0,1 1 0,0 0 0,2 1 0,-7-2 0,1 2 0,0 0 0,1 2 0,-1-1 0,-1 0 0,-1-2 0,8 2 0,-2-2 0,0 1 0,-1-1 0,0 0 0,0 0 0,0 0 0,0 1 0,1 0-2,-4 0 0,-1-1 1,1 1-1,0 0 1,0 1-1,0-1 1,0 1-1,0 0 2,0 0 0,1 1 0,0 0 0,0 0 0,0 0 0,-1 0 0,0 0 0,-1 0-108,6 1 1,0 0 0,0-1-1,-1-1 1,0 1 0,-1 1-1,0 0 1,-1 2 0,-1 2-1,0 1 108,0 2 0,-2 2 0,0 2 0,-1 0 0,0 2 0,-1 1 0,0 0 0,0 1 0,0 0 0,1 1 0,-1 0-93,5-1 1,0 2 0,1-1 0,-1 2 0,0-1 0,1 1 0,-1 1 0,0 0-1,-1-1 1,0 2 0,0-1 0,-1 0 92,4 0 0,-1 0 0,-1 1 0,1 0 0,-2-1 0,1 2 0,0-1 0,-1 0 0,0 1 0,1 0 0,0 0 0,0 0 0,0 0 0,1 0-45,-3 1 0,1 1 0,-1 0 0,0 0 0,0 1 1,1-1-1,0 1 0,0-1 0,1 1 0,0-1 0,2-1 1,0 0-1,2-1 45,-9 2 0,3-2 0,1 0 0,1-1 0,1 1 0,0-1 0,-2 1 0,0 0 0,-3 0 0,7 0 0,-2 0 0,0 0 0,-2 1 0,0 0 0,0-1 0,-1 1 0,1 1 0,1-1 0,1 0 0,1 1 0,2-1 0,-2 3 0,-1 0 0,1 0 0,-1 0 0,1 0 0,0 0 0,-1 0 0,1 0 0,0 0 0</inkml:trace>
+  <inkml:trace contextRef="#ctx0" brushRef="#br0" timeOffset="157565">24360 6040 24575,'-39'7'0,"0"0"0,1 1 0,-19-4 0,-3-2 0,14-8 0,8-25 0,-4 22 0,5-6 0,31-34 0,12-8 0,-6 21 0,0-1 0,0-11 0,0 0 0,0-1 0</inkml:trace>
+  <inkml:trace contextRef="#ctx0" brushRef="#br0" timeOffset="158315">23964 5584 24575,'-38'0'0,"-1"0"0,2 0 0,10-26 0,58-7 0,-7 17 0,3-1 0,1-11 0,3 3 0,13 18 0,-2 7 0,-2 0 0,-3 22 0,-4 16 0,-17 7 0,-8 11 0,-1 6-959,-2-15 1,0 5-1,-2 3 1,1 3-1,-1 1 1,1 0 958,0-7 0,-1 1 0,1 1 0,0 1 0,-1 1 0,1 1 0,-2-1 0,0 1 0,0-4 0,-2 2 0,1 1 0,-2 0 0,1-1 0,-1 0 0,1-1 0,0-2 0,-1-2 0,1 9 0,-1 0 0,0-3 0,0-2 0,2-3 0,1-4 0,5 20 0,2-5 0,2-35 0,5-63 0,1-32 0,-9 28 0,-1-5 0,-1-3 0,0-2 0,0 0-537,0-2 1,1-2-1,-1 0 1,-1-1-1,-3-3 537,-2 10 0,-3-3 0,0-1 0,-2 0 0,0 0 0,0 2 0,0 3 0,-1-4 0,-1 3 0,0 2 0,1-1 0,-1 0-236,0-4 1,-1-1 0,0 0 0,2 2-1,2 1 236,1 0 0,2 2 0,2 1 0,2 1 1151,5-6 1,3 2-1,3 0-1151,4-3 0,2 0 0,1 2 0,-1 7 0,1 1 0,-2 4 0,-2-5 0,-1 2 0,-4-4 0,2 11 3190,4 27-3190,6-29 0,9-7 0,6 26 0,8 7 0,3-3-288,-8 0 0,2-2 1,3-2-1,1 1 1,0 0 287,-2 2 0,2 0 0,0 0 0,2 0 0,0 0 0,1 1-411,-2 0 0,1 2 1,0-1-1,2 0 1,-1 0-1,0 0 1,0 0 410,0-1 0,1 0 0,-1-1 0,1 0 0,-2 1 0,-2 0 0,-2 1 0,5-5 0,1-2 0,-4 2 0,-6 7 0,-11 13 0,1 31 0,-24 12 0,-42-13 0,0 0 0,0 0 0,0 0 0</inkml:trace>
+  <inkml:trace contextRef="#ctx0" brushRef="#br0" timeOffset="158615">24875 5683 24575,'-47'31'0,"0"-1"0,0 0 0,0 1 0,0-1 0,0 2 0,1-1 0,3-1 0,3-4 0,-1-5 0,3-3 0,13 2 0,19 24 0,12-39 0,28 4 0,9-1 0,-11-6 0,0-4 0,18-6 0,3-1 0,-14 7 0,0 2 0,2-3-892,-1-4 1,0-3 0,3-3 0,4-1 891,-7 1 0,4-2 0,2-2 0,1 0 0,2-1 0,0 2 0,-1 0-801,5 1 1,1 2-1,1 0 1,0 1 0,1-1-1,-2-2 1,0-1 800,-2-2 0,1-3 0,-1-1 0,-1 0 0,0 0 0,-2 2 0,-1 2 0,10 1 0,0 1 0,-3 2 0,-3 0 0,-8-2 0,-11-4 0,1 1 0,0-1 0</inkml:trace>
+  <inkml:trace contextRef="#ctx0" brushRef="#br0" timeOffset="160215">26658 6317 24575,'-28'-13'0,"1"0"0,1-15 0,8-4 0,14 0 0,8-2 0,8-6 0,2 3 0,-7 6 0,19 31 0,-26 31 0,0 5 0,0 5 0,0 11 0,0 6 0,0-13 0,1 3 0,-1 5 0,-1 4-848,-1-13 0,-1 4 0,-1 2 0,0 3 0,0 0 0,1 0 0,-1-1 0,2-3 848,-1 8 0,2-3 0,0 0 0,0 0 0,1 1 0,-1 1 0,1-5 0,-1 2 0,1 3 0,0-1 0,0 0 0,0-4 0,0-4 0,1-6 0,1 23 0,1-8 0,-1-32 0,-2-51 0,-5-5 0,-4-11 0,-2-7 0,3-1-708,1 4 1,1-5 0,1-2 0,0-1 0,0-1 0,0 1 707,0 7 0,0 0 0,0 0 0,1-1 0,0 0 0,1-1 0,2-1 0,1-1 0,2-3 0,0 0 0,1-1 0,1 0 0,1 1 0,0 1 0,1 3-202,0-4 1,2 2 0,0 2-1,1 0 1,0 1 0,1 0 201,0-8 0,-1-1 0,1 1 0,5 5 0,5 8 940,8 9 0,5 5 0,2 6 0,-1 5-940,9 2 0,4 10 0,-8 6 0,5 3 0,1 1 0,-3-3 0,-3-7 0,-1-1 0,1-1 0,16 3 0,3 0 0,-8-3 0,-13-8 0,-4 5 0,7 20 0,-9 13 0,-31 35 0</inkml:trace>
+  <inkml:trace contextRef="#ctx0" brushRef="#br0" timeOffset="160815">27450 5980 24575,'18'46'0,"1"1"0,-1-1 0,1 0 0,-1 0 0,4 6 0,-1-1 0,1-4 0,-1-10 0,4-4 0,1-15 0,3-20 0,-1-14 0,-8-14 0,-4-13 0,-1 0 0,-3 6 0,-1-1 0,-1-2 0,-2 0 0,-1-4 0,0 0 0,-3 3 0,-1-17 0,-6 6 0,-6 15 0,-8 8 0,-19 9 0,-5 13 0,7 19 0,-3 9-354,1-4 1,-7 1 0,1 5 0,7 5 353,7 12 0,6 7 0,3 3 0,-2 3-645,1-12 0,-2 1 0,0 1 1,2 2-1,1 2 0,5 1 645,4 0 0,3 3 0,3 2 0,1 1 0,2-1 0,1-1 0,1-2 0,-1 7 0,2-2 0,1-1 0,4-1 0,5-2 0,4 2 0,3 3 0,3-4 0,6-8 0,4-16-431,9-17 0,7-16 0,2-6 0,-2 3 431,7 9 0,0 0 0,-2-14 0,-14-12 0,0-12 0,-1-6 0,-4-3 0,-4 1 0,-6 4 0,-4-2 0,-3-2 0,-2 0 0,-1-1 0,0 0 0,-2-1 0,-2-1 0,-2-1 0,-1 0 0,-3-8 0,-2-2 0,-2 0 0,-3 3 0,0 7 0,-3 3 0,-3 6 0,0 3 0,-6-14 0,-1 23 0,-8 58 0,4 26 0,14-20 0,5 3 0,1 2-39,-1 0 1,0 2 0,2 2 0,0 2 38,1-1 0,1 2 0,1 2 0,2-1 0,3-2 166,5-3 1,4-2-1,1 0 1,0 0 0,-5 1-167,-7 4 0,-5 3 0,0-1 0,3-5 0,10-7 0,24 3 0,12-11 0,-9-14 116,-5-22 1,-10-14-1,7-14 1,2-8-1,-1-3 1,-4 2 0,-8-4-1,1 0 1,-1 0-1,0 0 1,1 0 0</inkml:trace>
+  <inkml:trace contextRef="#ctx0" brushRef="#br0" timeOffset="160899">28698 6654 24575,'35'-35'0,"0"1"0,0 0 0,0 0 0,4-7 0,-3 1 0,-1-2 0,-7 8 0,-2-1 0,0 0 0,-2 3 0,-2-1 0,-2 3 0,2 0 0,3 2 0,1-1 0,0 0 0</inkml:trace>
+  <inkml:trace contextRef="#ctx0" brushRef="#br0" timeOffset="161182">29430 5861 24575,'-49'-8'0,"0"0"0,0 0 0,0-1 0,3 6 0,1 1 0,-1 3 0,1 3 0,-4 5 0,-1 4 0,3 3 0,6 6-790,3 9 0,7 6 1,3 5 789,4-2 0,2 3 0,5 3 0,10 1-535,10-5 1,9 2 0,6 0-1,1 1 1,-1 0 534,-2 2 0,0 1 0,2 0 0,3-2 0,5-2 0,2-6 0,5-2 0,2-1 0,3-2 0,1-2 0,1-4-493,0-3 1,2-2 0,2-4 0,0-1 0,1-2 0,0-1 492,0 0 0,1-1 0,0-1 0,1-3 0,2-4 0,2-5 0,-5-4 0,4-3 0,2-4 0,2-2 0,-1-3 0,0-1 0,-1-1 0,-4 0 0,-3-1 0,5-4 0,-4-2 0,-3-1 0,0-2 0,0-1 0,3-3 0,-5 0 0,0 0 0,1 0 0,-1 0 0,0 0 0,1 0 0,-1 0 0,0 0 0,1 0 0</inkml:trace>
+  <inkml:trace contextRef="#ctx0" brushRef="#br0" timeOffset="161500">30539 4792 24575,'0'56'0,"1"-1"0,-1 1 0,0-1 0,0 0 0,0 1 0,0-1 0,0 1 0,0-1 0,0 1 0,0-1 0,0 1 0,0-1 0,0 1 0,1-1 0,-1 1 0,0-1 0,0 0 0,0 1 0,0-1 0,0 1 0,0-1 0,0 1 0,0-1 0,0 1 0,0-1 0,0 1 0,1-1 0,-1 1 0,-2-1 0,0 0 0,0 0 0,1 0 0,-1 0 0,0 0 0,0 0 0,1 0 0,-1 0 0,0 1 0,0-1 0,1 0 0,-1 0 0,0 0 0,0 0 0,1 0 0,-1 0 0,0 0 0,1 0 0,-1 1 0,0-1 0,0 0 0,1 0 0,-1 0 0</inkml:trace>
+  <inkml:trace contextRef="#ctx0" brushRef="#br0" timeOffset="161582">30440 7723 24575,'-54'0'0,"0"0"0,0 0 0,9 3 0,3 1 0,-1-11 0,5-11 0,-1-10 0,0-5 0,1-3 0,2 1 0,6-2 0,0-1 0,-1 1 0,1 0 0,0-1 0</inkml:trace>
+  <inkml:trace contextRef="#ctx0" brushRef="#br0" timeOffset="161798">30104 6654 24575,'25'-17'0,"0"1"0,13 1 0,8 3 0,-7 5 0,5 2 0,4-1 0,1-2-1532,-4-2 0,1-1 0,3-1 0,1-1 0,1-2 0,1-1 1532,-5 0 0,2-2 0,1 0 0,0-2 0,1 0 0,1 0 0,0 1 0,0 0 0,-4 3 0,2 0 0,0 1 0,1-1 0,-1 1 0,1 0 0,-1-1 0,-1 1 0,-2-2 0,2-1 0,0-1 0,-1 0 0,-1-1 0,-1 1 0,0 1 0,-1 2 0,0 2 0,4 2 0,0 2 0,-1 2 0,-1 1 0,-3 1 0,-4-1 0,11-4 0,-5 1 0,-7 4 0,14 6 0</inkml:trace>
+  <inkml:trace contextRef="#ctx0" brushRef="#br0" timeOffset="162698">32243 6198 24575,'-30'-13'0,"0"0"0,-11 6 0,-4 7 0,10 5 0,-1 4 0,-3 4-1036,-4 1 0,-4 4 0,1 4 1,6 7 1035,13 4 0,4 7 0,2 3 0,1 2 0,-3-3 0,-5-3 0,-3 0 0,1 0 0,3 1 0,6 3 0,9 2 0,6 3 0,3 1 0,2-1 0,-1-3 0,-2 11 0,2-3 0,8-1 0,6-7 0,5 1 0,5-3 0,4-8 55,11-7 0,5-9 1,3-2-56,-7 1 0,2 0 0,1-4 0,0-11 0,5-16 0,0-12 0,-1-7 0,-6-2-244,-7 0 0,-5-4 1,-3-3-1,1-2 244,-1 2 0,1-2 0,-1-2 0,-3-1 0,-5 1 0,-5-8 0,-6-1 0,-2 2 0,2 2 0,7-2 0,0 3 0,-9 7 0,-16 3 0,-1 19 1858,8 53-1858,-3 4 0,-1 11 0,2 3 0,6-1 0,2 3 0,1 1 0,0-2 117,-2-7 0,-1-2 1,2 0-1,3 0-117,8 2 0,4 1 0,0-3 0,-3-8 271,1 16 1,16-65-1,12-25 1,-5-5 0,-14-7-1,0 0 1,0-1-1</inkml:trace>
+  <inkml:trace contextRef="#ctx0" brushRef="#br0" timeOffset="163048">32916 4574 24575,'-46'0'0,"0"0"0,12 17 0,8 10 0,12 6 0,5 7 0,6 4-1525,5 0 0,5 3 0,2 3 1,-1 3 1524,-3-6 0,-1 2 0,1 3 0,0 1 0,1 2 0,2 1-508,1-10 0,1 1 0,2 1 1,0 1-1,1 0 0,0 1 1,0 1-1,-2-1 0,0 0 508,-2 2 0,-1 0 0,0 0 0,-1 1 0,0 0 0,0 0 0,0 0 0,1-1 0,1 1 0,1 1 0,2 1 0,1 0 0,0 0 0,-1-1 0,1 0 0,-1-1 0,-2-2 0,-2-2 0,2 7 0,1-1 0,-2-1 0,-3-3 0,-4-3 0,-7-2 0,-9 8 0,-8-4 0,-6-5 0,-4-7 0,-7-19 0,1 1 0,-1-1 0,1 0 0</inkml:trace>
+</inkml:ink>
+</file>
+
 <file path=ppt/ink/ink3.xml><?xml version="1.0" encoding="utf-8"?>
 <inkml:ink xmlns:inkml="http://www.w3.org/2003/InkML">
   <inkml:definitions>
@@ -2300,7 +2373,7 @@
           <a:p>
             <a:fld id="{F8162804-B246-4973-81E8-228E8D571902}" type="datetimeFigureOut">
               <a:rPr lang="en-AU" smtClean="0"/>
-              <a:t>8/2/2026</a:t>
+              <a:t>9/2/2026</a:t>
             </a:fld>
             <a:endParaRPr lang="en-AU"/>
           </a:p>
@@ -3773,7 +3846,7 @@
           <a:p>
             <a:fld id="{05FEF993-8C17-4AA1-A568-B2EE0046F6BB}" type="datetime1">
               <a:rPr lang="en-AU" smtClean="0"/>
-              <a:t>8/2/2026</a:t>
+              <a:t>9/2/2026</a:t>
             </a:fld>
             <a:endParaRPr lang="en-AU"/>
           </a:p>
@@ -3973,7 +4046,7 @@
           <a:p>
             <a:fld id="{E3B588EE-5698-4527-9DB2-ACD518686AB3}" type="datetime1">
               <a:rPr lang="en-AU" smtClean="0"/>
-              <a:t>8/2/2026</a:t>
+              <a:t>9/2/2026</a:t>
             </a:fld>
             <a:endParaRPr lang="en-AU"/>
           </a:p>
@@ -4183,7 +4256,7 @@
           <a:p>
             <a:fld id="{EB1AEAFD-673C-49C9-9E87-345916F4966D}" type="datetime1">
               <a:rPr lang="en-AU" smtClean="0"/>
-              <a:t>8/2/2026</a:t>
+              <a:t>9/2/2026</a:t>
             </a:fld>
             <a:endParaRPr lang="en-AU"/>
           </a:p>
@@ -4383,7 +4456,7 @@
           <a:p>
             <a:fld id="{A343F544-1CF7-4940-8A71-C151BB078596}" type="datetime1">
               <a:rPr lang="en-AU" smtClean="0"/>
-              <a:t>8/2/2026</a:t>
+              <a:t>9/2/2026</a:t>
             </a:fld>
             <a:endParaRPr lang="en-AU"/>
           </a:p>
@@ -4659,7 +4732,7 @@
           <a:p>
             <a:fld id="{EEC9A0B8-47BE-4EBE-895C-4C62B36C50AF}" type="datetime1">
               <a:rPr lang="en-AU" smtClean="0"/>
-              <a:t>8/2/2026</a:t>
+              <a:t>9/2/2026</a:t>
             </a:fld>
             <a:endParaRPr lang="en-AU"/>
           </a:p>
@@ -4927,7 +5000,7 @@
           <a:p>
             <a:fld id="{7217689D-5032-4671-91C5-541D88033229}" type="datetime1">
               <a:rPr lang="en-AU" smtClean="0"/>
-              <a:t>8/2/2026</a:t>
+              <a:t>9/2/2026</a:t>
             </a:fld>
             <a:endParaRPr lang="en-AU"/>
           </a:p>
@@ -5342,7 +5415,7 @@
           <a:p>
             <a:fld id="{467A03C3-44F2-41B6-ADB8-009D9A974BEC}" type="datetime1">
               <a:rPr lang="en-AU" smtClean="0"/>
-              <a:t>8/2/2026</a:t>
+              <a:t>9/2/2026</a:t>
             </a:fld>
             <a:endParaRPr lang="en-AU"/>
           </a:p>
@@ -5484,7 +5557,7 @@
           <a:p>
             <a:fld id="{5AA8176C-6D36-44C4-8474-01BB2AF97904}" type="datetime1">
               <a:rPr lang="en-AU" smtClean="0"/>
-              <a:t>8/2/2026</a:t>
+              <a:t>9/2/2026</a:t>
             </a:fld>
             <a:endParaRPr lang="en-AU"/>
           </a:p>
@@ -5597,7 +5670,7 @@
           <a:p>
             <a:fld id="{ABCF4B4C-1DF1-4DDF-8F39-0671CF1075AF}" type="datetime1">
               <a:rPr lang="en-AU" smtClean="0"/>
-              <a:t>8/2/2026</a:t>
+              <a:t>9/2/2026</a:t>
             </a:fld>
             <a:endParaRPr lang="en-AU"/>
           </a:p>
@@ -5910,7 +5983,7 @@
           <a:p>
             <a:fld id="{CC6863CD-B029-4C34-BC29-C1A363BBC9B9}" type="datetime1">
               <a:rPr lang="en-AU" smtClean="0"/>
-              <a:t>8/2/2026</a:t>
+              <a:t>9/2/2026</a:t>
             </a:fld>
             <a:endParaRPr lang="en-AU"/>
           </a:p>
@@ -6199,7 +6272,7 @@
           <a:p>
             <a:fld id="{6E1F883F-65A2-4D24-B482-47EA72C1614F}" type="datetime1">
               <a:rPr lang="en-AU" smtClean="0"/>
-              <a:t>8/2/2026</a:t>
+              <a:t>9/2/2026</a:t>
             </a:fld>
             <a:endParaRPr lang="en-AU"/>
           </a:p>
@@ -6442,7 +6515,7 @@
           <a:p>
             <a:fld id="{526482F6-BAC0-4446-873D-C3498BDB5CA0}" type="datetime1">
               <a:rPr lang="en-AU" smtClean="0"/>
-              <a:t>8/2/2026</a:t>
+              <a:t>9/2/2026</a:t>
             </a:fld>
             <a:endParaRPr lang="en-AU"/>
           </a:p>
@@ -39048,6 +39121,57 @@
           </a:extLst>
         </p:spPr>
       </p:pic>
+      <mc:AlternateContent xmlns:mc="http://schemas.openxmlformats.org/markup-compatibility/2006">
+        <mc:Choice xmlns:p14="http://schemas.microsoft.com/office/powerpoint/2010/main" Requires="p14">
+          <p:contentPart p14:bwMode="auto" r:id="rId3">
+            <p14:nvContentPartPr>
+              <p14:cNvPr id="3" name="Ink 2">
+                <a:extLst>
+                  <a:ext uri="{FF2B5EF4-FFF2-40B4-BE49-F238E27FC236}">
+                    <a16:creationId xmlns:a16="http://schemas.microsoft.com/office/drawing/2014/main" id="{D7F0285B-0437-4151-0D23-24A255E2A906}"/>
+                  </a:ext>
+                </a:extLst>
+              </p14:cNvPr>
+              <p14:cNvContentPartPr/>
+              <p14:nvPr/>
+            </p14:nvContentPartPr>
+            <p14:xfrm>
+              <a:off x="4413240" y="1646640"/>
+              <a:ext cx="7507440" cy="3641400"/>
+            </p14:xfrm>
+          </p:contentPart>
+        </mc:Choice>
+        <mc:Fallback>
+          <p:pic>
+            <p:nvPicPr>
+              <p:cNvPr id="3" name="Ink 2">
+                <a:extLst>
+                  <a:ext uri="{FF2B5EF4-FFF2-40B4-BE49-F238E27FC236}">
+                    <a16:creationId xmlns:a16="http://schemas.microsoft.com/office/drawing/2014/main" id="{D7F0285B-0437-4151-0D23-24A255E2A906}"/>
+                  </a:ext>
+                </a:extLst>
+              </p:cNvPr>
+              <p:cNvPicPr/>
+              <p:nvPr/>
+            </p:nvPicPr>
+            <p:blipFill>
+              <a:blip r:embed="rId4"/>
+              <a:stretch>
+                <a:fillRect/>
+              </a:stretch>
+            </p:blipFill>
+            <p:spPr>
+              <a:xfrm>
+                <a:off x="4403880" y="1637280"/>
+                <a:ext cx="7526160" cy="3660120"/>
+              </a:xfrm>
+              <a:prstGeom prst="rect">
+                <a:avLst/>
+              </a:prstGeom>
+            </p:spPr>
+          </p:pic>
+        </mc:Fallback>
+      </mc:AlternateContent>
     </p:spTree>
     <p:extLst>
       <p:ext uri="{BB962C8B-B14F-4D97-AF65-F5344CB8AC3E}">
@@ -39792,8 +39916,17 @@
               <a:rPr lang="en-US" sz="4000" dirty="0">
                 <a:latin typeface="Consolas" panose="020B0609020204030204" pitchFamily="49" charset="0"/>
               </a:rPr>
-              <a:t>def mystery():</a:t>
-            </a:r>
+              <a:t>def </a:t>
+            </a:r>
+            <a:r>
+              <a:rPr lang="en-US" sz="4000">
+                <a:latin typeface="Consolas" panose="020B0609020204030204" pitchFamily="49" charset="0"/>
+              </a:rPr>
+              <a:t>mystery():</a:t>
+            </a:r>
+            <a:endParaRPr lang="en-US" sz="4000" dirty="0">
+              <a:latin typeface="Consolas" panose="020B0609020204030204" pitchFamily="49" charset="0"/>
+            </a:endParaRPr>
           </a:p>
           <a:p>
             <a:r>
@@ -39836,7 +39969,7 @@
               <a:rPr lang="en-US" sz="4000" dirty="0">
                 <a:latin typeface="Consolas" panose="020B0609020204030204" pitchFamily="49" charset="0"/>
               </a:rPr>
-              <a:t> = {n}’)</a:t>
+              <a:t> = {n}')</a:t>
             </a:r>
             <a:br>
               <a:rPr lang="en-US" sz="4000" dirty="0">
